--- a/PAA ICT/PAA_Ecoli_RNN/dissertation/figures/Boxplot of Ecoli prediction error-1.pptx
+++ b/PAA ICT/PAA_Ecoli_RNN/dissertation/figures/Boxplot of Ecoli prediction error-1.pptx
@@ -5,126 +5,15 @@
     <p:sldMasterId id="2147483648" r:id="rId1"/>
   </p:sldMasterIdLst>
   <p:sldIdLst>
-    <p:sldId id="256" r:id="rId2"/>
+    <p:sldId id="256" r:id="rId6"/>
   </p:sldIdLst>
   <p:sldSz cx="5486400" cy="4114800"/>
   <p:notesSz cx="5486400" cy="4114800"/>
-  <p:defaultTextStyle>
-    <a:defPPr>
-      <a:defRPr lang="en-US"/>
-    </a:defPPr>
-    <a:lvl1pPr marL="0" algn="l" defTabSz="914400" rtl="0" eaLnBrk="1" latinLnBrk="0" hangingPunct="1">
-      <a:defRPr sz="1800" kern="1200">
-        <a:solidFill>
-          <a:schemeClr val="tx1"/>
-        </a:solidFill>
-        <a:latin typeface="+mn-lt"/>
-        <a:ea typeface="+mn-ea"/>
-        <a:cs typeface="+mn-cs"/>
-      </a:defRPr>
-    </a:lvl1pPr>
-    <a:lvl2pPr marL="457200" algn="l" defTabSz="914400" rtl="0" eaLnBrk="1" latinLnBrk="0" hangingPunct="1">
-      <a:defRPr sz="1800" kern="1200">
-        <a:solidFill>
-          <a:schemeClr val="tx1"/>
-        </a:solidFill>
-        <a:latin typeface="+mn-lt"/>
-        <a:ea typeface="+mn-ea"/>
-        <a:cs typeface="+mn-cs"/>
-      </a:defRPr>
-    </a:lvl2pPr>
-    <a:lvl3pPr marL="914400" algn="l" defTabSz="914400" rtl="0" eaLnBrk="1" latinLnBrk="0" hangingPunct="1">
-      <a:defRPr sz="1800" kern="1200">
-        <a:solidFill>
-          <a:schemeClr val="tx1"/>
-        </a:solidFill>
-        <a:latin typeface="+mn-lt"/>
-        <a:ea typeface="+mn-ea"/>
-        <a:cs typeface="+mn-cs"/>
-      </a:defRPr>
-    </a:lvl3pPr>
-    <a:lvl4pPr marL="1371600" algn="l" defTabSz="914400" rtl="0" eaLnBrk="1" latinLnBrk="0" hangingPunct="1">
-      <a:defRPr sz="1800" kern="1200">
-        <a:solidFill>
-          <a:schemeClr val="tx1"/>
-        </a:solidFill>
-        <a:latin typeface="+mn-lt"/>
-        <a:ea typeface="+mn-ea"/>
-        <a:cs typeface="+mn-cs"/>
-      </a:defRPr>
-    </a:lvl4pPr>
-    <a:lvl5pPr marL="1828800" algn="l" defTabSz="914400" rtl="0" eaLnBrk="1" latinLnBrk="0" hangingPunct="1">
-      <a:defRPr sz="1800" kern="1200">
-        <a:solidFill>
-          <a:schemeClr val="tx1"/>
-        </a:solidFill>
-        <a:latin typeface="+mn-lt"/>
-        <a:ea typeface="+mn-ea"/>
-        <a:cs typeface="+mn-cs"/>
-      </a:defRPr>
-    </a:lvl5pPr>
-    <a:lvl6pPr marL="2286000" algn="l" defTabSz="914400" rtl="0" eaLnBrk="1" latinLnBrk="0" hangingPunct="1">
-      <a:defRPr sz="1800" kern="1200">
-        <a:solidFill>
-          <a:schemeClr val="tx1"/>
-        </a:solidFill>
-        <a:latin typeface="+mn-lt"/>
-        <a:ea typeface="+mn-ea"/>
-        <a:cs typeface="+mn-cs"/>
-      </a:defRPr>
-    </a:lvl6pPr>
-    <a:lvl7pPr marL="2743200" algn="l" defTabSz="914400" rtl="0" eaLnBrk="1" latinLnBrk="0" hangingPunct="1">
-      <a:defRPr sz="1800" kern="1200">
-        <a:solidFill>
-          <a:schemeClr val="tx1"/>
-        </a:solidFill>
-        <a:latin typeface="+mn-lt"/>
-        <a:ea typeface="+mn-ea"/>
-        <a:cs typeface="+mn-cs"/>
-      </a:defRPr>
-    </a:lvl7pPr>
-    <a:lvl8pPr marL="3200400" algn="l" defTabSz="914400" rtl="0" eaLnBrk="1" latinLnBrk="0" hangingPunct="1">
-      <a:defRPr sz="1800" kern="1200">
-        <a:solidFill>
-          <a:schemeClr val="tx1"/>
-        </a:solidFill>
-        <a:latin typeface="+mn-lt"/>
-        <a:ea typeface="+mn-ea"/>
-        <a:cs typeface="+mn-cs"/>
-      </a:defRPr>
-    </a:lvl8pPr>
-    <a:lvl9pPr marL="3657600" algn="l" defTabSz="914400" rtl="0" eaLnBrk="1" latinLnBrk="0" hangingPunct="1">
-      <a:defRPr sz="1800" kern="1200">
-        <a:solidFill>
-          <a:schemeClr val="tx1"/>
-        </a:solidFill>
-        <a:latin typeface="+mn-lt"/>
-        <a:ea typeface="+mn-ea"/>
-        <a:cs typeface="+mn-cs"/>
-      </a:defRPr>
-    </a:lvl9pPr>
-  </p:defaultTextStyle>
-  <p:extLst>
-    <p:ext uri="{EFAFB233-063F-42B5-8137-9DF3F51BA10A}">
-      <p15:sldGuideLst xmlns:p15="http://schemas.microsoft.com/office/powerpoint/2012/main">
-        <p15:guide id="1" orient="horz" pos="2880">
-          <p15:clr>
-            <a:srgbClr val="A4A3A4"/>
-          </p15:clr>
-        </p15:guide>
-        <p15:guide id="2" pos="2160">
-          <p15:clr>
-            <a:srgbClr val="A4A3A4"/>
-          </p15:clr>
-        </p15:guide>
-      </p15:sldGuideLst>
-    </p:ext>
-  </p:extLst>
 </p:presentation>
 </file>
 
 <file path=ppt/slideLayouts/slideLayout1.xml><?xml version="1.0" encoding="utf-8"?>
-<p:sldLayout xmlns:a="http://schemas.openxmlformats.org/drawingml/2006/main" xmlns:r="http://schemas.openxmlformats.org/officeDocument/2006/relationships" xmlns:p="http://schemas.openxmlformats.org/presentationml/2006/main" type="obj" preserve="1">
+<p:sldLayout xmlns:a="http://schemas.openxmlformats.org/drawingml/2006/main" xmlns:r="http://schemas.openxmlformats.org/officeDocument/2006/relationships" xmlns:p="http://schemas.openxmlformats.org/presentationml/2006/main" preserve="1" type="obj">
   <p:cSld name="Title Slide">
     <p:spTree>
       <p:nvGrpSpPr>
@@ -168,9 +57,7 @@
               <a:defRPr/>
             </a:lvl1pPr>
           </a:lstStyle>
-          <a:p>
-            <a:endParaRPr/>
-          </a:p>
+          <a:p/>
         </p:txBody>
       </p:sp>
       <p:sp>
@@ -201,9 +88,7 @@
               <a:defRPr/>
             </a:lvl1pPr>
           </a:lstStyle>
-          <a:p>
-            <a:endParaRPr/>
-          </a:p>
+          <a:p/>
         </p:txBody>
       </p:sp>
       <p:sp>
@@ -213,7 +98,7 @@
             <a:spLocks noGrp="1"/>
           </p:cNvSpPr>
           <p:nvPr>
-            <p:ph type="ftr" sz="quarter" idx="5"/>
+            <p:ph type="ftr" idx="5" sz="quarter"/>
           </p:nvPr>
         </p:nvSpPr>
         <p:spPr/>
@@ -230,9 +115,7 @@
               </a:defRPr>
             </a:lvl1pPr>
           </a:lstStyle>
-          <a:p>
-            <a:endParaRPr/>
-          </a:p>
+          <a:p/>
         </p:txBody>
       </p:sp>
       <p:sp>
@@ -242,7 +125,7 @@
             <a:spLocks noGrp="1"/>
           </p:cNvSpPr>
           <p:nvPr>
-            <p:ph type="dt" sz="half" idx="6"/>
+            <p:ph type="dt" idx="6" sz="half"/>
           </p:nvPr>
         </p:nvSpPr>
         <p:spPr/>
@@ -262,9 +145,7 @@
           <a:p>
             <a:fld id="{1D8BD707-D9CF-40AE-B4C6-C98DA3205C09}" type="datetimeFigureOut">
               <a:rPr lang="en-US"/>
-              <a:t>5/18/2020</a:t>
             </a:fld>
-            <a:endParaRPr lang="en-US"/>
           </a:p>
         </p:txBody>
       </p:sp>
@@ -275,7 +156,7 @@
             <a:spLocks noGrp="1"/>
           </p:cNvSpPr>
           <p:nvPr>
-            <p:ph type="sldNum" sz="quarter" idx="7"/>
+            <p:ph type="sldNum" idx="7" sz="quarter"/>
           </p:nvPr>
         </p:nvSpPr>
         <p:spPr/>
@@ -294,9 +175,8 @@
           </a:lstStyle>
           <a:p>
             <a:fld id="{B6F15528-21DE-4FAA-801E-634DDDAF4B2B}" type="slidenum">
-              <a:t>‹#›</a:t>
+              <a:t>#</a:t>
             </a:fld>
-            <a:endParaRPr/>
           </a:p>
         </p:txBody>
       </p:sp>
@@ -309,7 +189,7 @@
 </file>
 
 <file path=ppt/slideLayouts/slideLayout2.xml><?xml version="1.0" encoding="utf-8"?>
-<p:sldLayout xmlns:a="http://schemas.openxmlformats.org/drawingml/2006/main" xmlns:r="http://schemas.openxmlformats.org/officeDocument/2006/relationships" xmlns:p="http://schemas.openxmlformats.org/presentationml/2006/main" type="obj" preserve="1">
+<p:sldLayout xmlns:a="http://schemas.openxmlformats.org/drawingml/2006/main" xmlns:r="http://schemas.openxmlformats.org/officeDocument/2006/relationships" xmlns:p="http://schemas.openxmlformats.org/presentationml/2006/main" preserve="1" type="obj">
   <p:cSld name="Title and Content">
     <p:spTree>
       <p:nvGrpSpPr>
@@ -349,9 +229,7 @@
               </a:defRPr>
             </a:lvl1pPr>
           </a:lstStyle>
-          <a:p>
-            <a:endParaRPr/>
-          </a:p>
+          <a:p/>
         </p:txBody>
       </p:sp>
       <p:sp>
@@ -372,9 +250,7 @@
               <a:defRPr/>
             </a:lvl1pPr>
           </a:lstStyle>
-          <a:p>
-            <a:endParaRPr/>
-          </a:p>
+          <a:p/>
         </p:txBody>
       </p:sp>
       <p:sp>
@@ -384,7 +260,7 @@
             <a:spLocks noGrp="1"/>
           </p:cNvSpPr>
           <p:nvPr>
-            <p:ph type="ftr" sz="quarter" idx="5"/>
+            <p:ph type="ftr" idx="5" sz="quarter"/>
           </p:nvPr>
         </p:nvSpPr>
         <p:spPr/>
@@ -401,9 +277,7 @@
               </a:defRPr>
             </a:lvl1pPr>
           </a:lstStyle>
-          <a:p>
-            <a:endParaRPr/>
-          </a:p>
+          <a:p/>
         </p:txBody>
       </p:sp>
       <p:sp>
@@ -413,7 +287,7 @@
             <a:spLocks noGrp="1"/>
           </p:cNvSpPr>
           <p:nvPr>
-            <p:ph type="dt" sz="half" idx="6"/>
+            <p:ph type="dt" idx="6" sz="half"/>
           </p:nvPr>
         </p:nvSpPr>
         <p:spPr/>
@@ -433,9 +307,7 @@
           <a:p>
             <a:fld id="{1D8BD707-D9CF-40AE-B4C6-C98DA3205C09}" type="datetimeFigureOut">
               <a:rPr lang="en-US"/>
-              <a:t>5/18/2020</a:t>
             </a:fld>
-            <a:endParaRPr lang="en-US"/>
           </a:p>
         </p:txBody>
       </p:sp>
@@ -446,7 +318,7 @@
             <a:spLocks noGrp="1"/>
           </p:cNvSpPr>
           <p:nvPr>
-            <p:ph type="sldNum" sz="quarter" idx="7"/>
+            <p:ph type="sldNum" idx="7" sz="quarter"/>
           </p:nvPr>
         </p:nvSpPr>
         <p:spPr/>
@@ -465,9 +337,8 @@
           </a:lstStyle>
           <a:p>
             <a:fld id="{B6F15528-21DE-4FAA-801E-634DDDAF4B2B}" type="slidenum">
-              <a:t>‹#›</a:t>
+              <a:t>#</a:t>
             </a:fld>
-            <a:endParaRPr/>
           </a:p>
         </p:txBody>
       </p:sp>
@@ -480,7 +351,7 @@
 </file>
 
 <file path=ppt/slideLayouts/slideLayout3.xml><?xml version="1.0" encoding="utf-8"?>
-<p:sldLayout xmlns:a="http://schemas.openxmlformats.org/drawingml/2006/main" xmlns:r="http://schemas.openxmlformats.org/officeDocument/2006/relationships" xmlns:p="http://schemas.openxmlformats.org/presentationml/2006/main" type="obj" preserve="1">
+<p:sldLayout xmlns:a="http://schemas.openxmlformats.org/drawingml/2006/main" xmlns:r="http://schemas.openxmlformats.org/officeDocument/2006/relationships" xmlns:p="http://schemas.openxmlformats.org/presentationml/2006/main" preserve="1" type="obj">
   <p:cSld name="Two Content">
     <p:spTree>
       <p:nvGrpSpPr>
@@ -520,9 +391,7 @@
               </a:defRPr>
             </a:lvl1pPr>
           </a:lstStyle>
-          <a:p>
-            <a:endParaRPr/>
-          </a:p>
+          <a:p/>
         </p:txBody>
       </p:sp>
       <p:sp>
@@ -532,7 +401,7 @@
             <a:spLocks noGrp="1"/>
           </p:cNvSpPr>
           <p:nvPr>
-            <p:ph sz="half" idx="2"/>
+            <p:ph idx="2" sz="half"/>
           </p:nvPr>
         </p:nvSpPr>
         <p:spPr>
@@ -553,9 +422,7 @@
               <a:defRPr/>
             </a:lvl1pPr>
           </a:lstStyle>
-          <a:p>
-            <a:endParaRPr/>
-          </a:p>
+          <a:p/>
         </p:txBody>
       </p:sp>
       <p:sp>
@@ -565,7 +432,7 @@
             <a:spLocks noGrp="1"/>
           </p:cNvSpPr>
           <p:nvPr>
-            <p:ph sz="half" idx="3"/>
+            <p:ph idx="3" sz="half"/>
           </p:nvPr>
         </p:nvSpPr>
         <p:spPr>
@@ -586,9 +453,7 @@
               <a:defRPr/>
             </a:lvl1pPr>
           </a:lstStyle>
-          <a:p>
-            <a:endParaRPr/>
-          </a:p>
+          <a:p/>
         </p:txBody>
       </p:sp>
       <p:sp>
@@ -598,7 +463,7 @@
             <a:spLocks noGrp="1"/>
           </p:cNvSpPr>
           <p:nvPr>
-            <p:ph type="ftr" sz="quarter" idx="5"/>
+            <p:ph type="ftr" idx="5" sz="quarter"/>
           </p:nvPr>
         </p:nvSpPr>
         <p:spPr/>
@@ -615,9 +480,7 @@
               </a:defRPr>
             </a:lvl1pPr>
           </a:lstStyle>
-          <a:p>
-            <a:endParaRPr/>
-          </a:p>
+          <a:p/>
         </p:txBody>
       </p:sp>
       <p:sp>
@@ -627,7 +490,7 @@
             <a:spLocks noGrp="1"/>
           </p:cNvSpPr>
           <p:nvPr>
-            <p:ph type="dt" sz="half" idx="6"/>
+            <p:ph type="dt" idx="6" sz="half"/>
           </p:nvPr>
         </p:nvSpPr>
         <p:spPr/>
@@ -647,9 +510,7 @@
           <a:p>
             <a:fld id="{1D8BD707-D9CF-40AE-B4C6-C98DA3205C09}" type="datetimeFigureOut">
               <a:rPr lang="en-US"/>
-              <a:t>5/18/2020</a:t>
             </a:fld>
-            <a:endParaRPr lang="en-US"/>
           </a:p>
         </p:txBody>
       </p:sp>
@@ -660,7 +521,7 @@
             <a:spLocks noGrp="1"/>
           </p:cNvSpPr>
           <p:nvPr>
-            <p:ph type="sldNum" sz="quarter" idx="7"/>
+            <p:ph type="sldNum" idx="7" sz="quarter"/>
           </p:nvPr>
         </p:nvSpPr>
         <p:spPr/>
@@ -679,9 +540,8 @@
           </a:lstStyle>
           <a:p>
             <a:fld id="{B6F15528-21DE-4FAA-801E-634DDDAF4B2B}" type="slidenum">
-              <a:t>‹#›</a:t>
+              <a:t>#</a:t>
             </a:fld>
-            <a:endParaRPr/>
           </a:p>
         </p:txBody>
       </p:sp>
@@ -694,7 +554,7 @@
 </file>
 
 <file path=ppt/slideLayouts/slideLayout4.xml><?xml version="1.0" encoding="utf-8"?>
-<p:sldLayout xmlns:a="http://schemas.openxmlformats.org/drawingml/2006/main" xmlns:r="http://schemas.openxmlformats.org/officeDocument/2006/relationships" xmlns:p="http://schemas.openxmlformats.org/presentationml/2006/main" type="obj" preserve="1">
+<p:sldLayout xmlns:a="http://schemas.openxmlformats.org/drawingml/2006/main" xmlns:r="http://schemas.openxmlformats.org/officeDocument/2006/relationships" xmlns:p="http://schemas.openxmlformats.org/presentationml/2006/main" preserve="1" type="obj">
   <p:cSld name="Title Only">
     <p:spTree>
       <p:nvGrpSpPr>
@@ -734,9 +594,7 @@
               </a:defRPr>
             </a:lvl1pPr>
           </a:lstStyle>
-          <a:p>
-            <a:endParaRPr/>
-          </a:p>
+          <a:p/>
         </p:txBody>
       </p:sp>
       <p:sp>
@@ -746,7 +604,7 @@
             <a:spLocks noGrp="1"/>
           </p:cNvSpPr>
           <p:nvPr>
-            <p:ph type="ftr" sz="quarter" idx="5"/>
+            <p:ph type="ftr" idx="5" sz="quarter"/>
           </p:nvPr>
         </p:nvSpPr>
         <p:spPr/>
@@ -763,9 +621,7 @@
               </a:defRPr>
             </a:lvl1pPr>
           </a:lstStyle>
-          <a:p>
-            <a:endParaRPr/>
-          </a:p>
+          <a:p/>
         </p:txBody>
       </p:sp>
       <p:sp>
@@ -775,7 +631,7 @@
             <a:spLocks noGrp="1"/>
           </p:cNvSpPr>
           <p:nvPr>
-            <p:ph type="dt" sz="half" idx="6"/>
+            <p:ph type="dt" idx="6" sz="half"/>
           </p:nvPr>
         </p:nvSpPr>
         <p:spPr/>
@@ -795,9 +651,7 @@
           <a:p>
             <a:fld id="{1D8BD707-D9CF-40AE-B4C6-C98DA3205C09}" type="datetimeFigureOut">
               <a:rPr lang="en-US"/>
-              <a:t>5/18/2020</a:t>
             </a:fld>
-            <a:endParaRPr lang="en-US"/>
           </a:p>
         </p:txBody>
       </p:sp>
@@ -808,7 +662,7 @@
             <a:spLocks noGrp="1"/>
           </p:cNvSpPr>
           <p:nvPr>
-            <p:ph type="sldNum" sz="quarter" idx="7"/>
+            <p:ph type="sldNum" idx="7" sz="quarter"/>
           </p:nvPr>
         </p:nvSpPr>
         <p:spPr/>
@@ -827,9 +681,8 @@
           </a:lstStyle>
           <a:p>
             <a:fld id="{B6F15528-21DE-4FAA-801E-634DDDAF4B2B}" type="slidenum">
-              <a:t>‹#›</a:t>
+              <a:t>#</a:t>
             </a:fld>
-            <a:endParaRPr/>
           </a:p>
         </p:txBody>
       </p:sp>
@@ -842,7 +695,7 @@
 </file>
 
 <file path=ppt/slideLayouts/slideLayout5.xml><?xml version="1.0" encoding="utf-8"?>
-<p:sldLayout xmlns:a="http://schemas.openxmlformats.org/drawingml/2006/main" xmlns:r="http://schemas.openxmlformats.org/officeDocument/2006/relationships" xmlns:p="http://schemas.openxmlformats.org/presentationml/2006/main" type="obj" preserve="1">
+<p:sldLayout xmlns:a="http://schemas.openxmlformats.org/drawingml/2006/main" xmlns:r="http://schemas.openxmlformats.org/officeDocument/2006/relationships" xmlns:p="http://schemas.openxmlformats.org/presentationml/2006/main" preserve="1" type="obj">
   <p:cSld name="Blank">
     <p:spTree>
       <p:nvGrpSpPr>
@@ -865,7 +718,7 @@
             <a:spLocks noGrp="1"/>
           </p:cNvSpPr>
           <p:nvPr>
-            <p:ph type="ftr" sz="quarter" idx="5"/>
+            <p:ph type="ftr" idx="5" sz="quarter"/>
           </p:nvPr>
         </p:nvSpPr>
         <p:spPr/>
@@ -882,9 +735,7 @@
               </a:defRPr>
             </a:lvl1pPr>
           </a:lstStyle>
-          <a:p>
-            <a:endParaRPr/>
-          </a:p>
+          <a:p/>
         </p:txBody>
       </p:sp>
       <p:sp>
@@ -894,7 +745,7 @@
             <a:spLocks noGrp="1"/>
           </p:cNvSpPr>
           <p:nvPr>
-            <p:ph type="dt" sz="half" idx="6"/>
+            <p:ph type="dt" idx="6" sz="half"/>
           </p:nvPr>
         </p:nvSpPr>
         <p:spPr/>
@@ -914,9 +765,7 @@
           <a:p>
             <a:fld id="{1D8BD707-D9CF-40AE-B4C6-C98DA3205C09}" type="datetimeFigureOut">
               <a:rPr lang="en-US"/>
-              <a:t>5/18/2020</a:t>
             </a:fld>
-            <a:endParaRPr lang="en-US"/>
           </a:p>
         </p:txBody>
       </p:sp>
@@ -927,7 +776,7 @@
             <a:spLocks noGrp="1"/>
           </p:cNvSpPr>
           <p:nvPr>
-            <p:ph type="sldNum" sz="quarter" idx="7"/>
+            <p:ph type="sldNum" idx="7" sz="quarter"/>
           </p:nvPr>
         </p:nvSpPr>
         <p:spPr/>
@@ -946,9 +795,8 @@
           </a:lstStyle>
           <a:p>
             <a:fld id="{B6F15528-21DE-4FAA-801E-634DDDAF4B2B}" type="slidenum">
-              <a:t>‹#›</a:t>
+              <a:t>#</a:t>
             </a:fld>
-            <a:endParaRPr/>
           </a:p>
         </p:txBody>
       </p:sp>
@@ -993,7 +841,7 @@
         </p:nvSpPr>
         <p:spPr>
           <a:xfrm>
-            <a:off x="884808" y="863472"/>
+            <a:off x="884808" y="805306"/>
             <a:ext cx="575945" cy="0"/>
           </a:xfrm>
           <a:custGeom>
@@ -1003,7 +851,7 @@
             <a:cxnLst/>
             <a:rect l="l" t="t" r="r" b="b"/>
             <a:pathLst>
-              <a:path w="575944">
+              <a:path w="575944" h="0">
                 <a:moveTo>
                   <a:pt x="0" y="0"/>
                 </a:moveTo>
@@ -1022,9 +870,7 @@
         <p:txBody>
           <a:bodyPr wrap="square" lIns="0" tIns="0" rIns="0" bIns="0" rtlCol="0"/>
           <a:lstStyle/>
-          <a:p>
-            <a:endParaRPr/>
-          </a:p>
+          <a:p/>
         </p:txBody>
       </p:sp>
       <p:sp>
@@ -1035,27 +881,27 @@
         </p:nvSpPr>
         <p:spPr>
           <a:xfrm>
-            <a:off x="1172591" y="817499"/>
-            <a:ext cx="0" cy="31750"/>
-          </a:xfrm>
-          <a:custGeom>
-            <a:avLst/>
-            <a:gdLst/>
-            <a:ahLst/>
-            <a:cxnLst/>
-            <a:rect l="l" t="t" r="r" b="b"/>
-            <a:pathLst>
-              <a:path h="31750">
-                <a:moveTo>
-                  <a:pt x="0" y="0"/>
-                </a:moveTo>
-                <a:lnTo>
-                  <a:pt x="0" y="31368"/>
-                </a:lnTo>
-              </a:path>
-            </a:pathLst>
-          </a:custGeom>
-          <a:ln w="9525">
+            <a:off x="1172591" y="832611"/>
+            <a:ext cx="0" cy="15240"/>
+          </a:xfrm>
+          <a:custGeom>
+            <a:avLst/>
+            <a:gdLst/>
+            <a:ahLst/>
+            <a:cxnLst/>
+            <a:rect l="l" t="t" r="r" b="b"/>
+            <a:pathLst>
+              <a:path w="0" h="15240">
+                <a:moveTo>
+                  <a:pt x="-4762" y="7556"/>
+                </a:moveTo>
+                <a:lnTo>
+                  <a:pt x="4762" y="7556"/>
+                </a:lnTo>
+              </a:path>
+            </a:pathLst>
+          </a:custGeom>
+          <a:ln w="15112">
             <a:solidFill>
               <a:srgbClr val="000000"/>
             </a:solidFill>
@@ -1065,9 +911,7 @@
         <p:txBody>
           <a:bodyPr wrap="square" lIns="0" tIns="0" rIns="0" bIns="0" rtlCol="0"/>
           <a:lstStyle/>
-          <a:p>
-            <a:endParaRPr/>
-          </a:p>
+          <a:p/>
         </p:txBody>
       </p:sp>
       <p:sp>
@@ -1078,7 +922,48 @@
         </p:nvSpPr>
         <p:spPr>
           <a:xfrm>
-            <a:off x="1028700" y="886078"/>
+            <a:off x="1172591" y="771905"/>
+            <a:ext cx="0" cy="12065"/>
+          </a:xfrm>
+          <a:custGeom>
+            <a:avLst/>
+            <a:gdLst/>
+            <a:ahLst/>
+            <a:cxnLst/>
+            <a:rect l="l" t="t" r="r" b="b"/>
+            <a:pathLst>
+              <a:path w="0" h="12065">
+                <a:moveTo>
+                  <a:pt x="-4762" y="5842"/>
+                </a:moveTo>
+                <a:lnTo>
+                  <a:pt x="4762" y="5842"/>
+                </a:lnTo>
+              </a:path>
+            </a:pathLst>
+          </a:custGeom>
+          <a:ln w="11684">
+            <a:solidFill>
+              <a:srgbClr val="000000"/>
+            </a:solidFill>
+            <a:prstDash val="dash"/>
+          </a:ln>
+        </p:spPr>
+        <p:txBody>
+          <a:bodyPr wrap="square" lIns="0" tIns="0" rIns="0" bIns="0" rtlCol="0"/>
+          <a:lstStyle/>
+          <a:p/>
+        </p:txBody>
+      </p:sp>
+      <p:sp>
+        <p:nvSpPr>
+          <p:cNvPr id="19" name="bk object 19"/>
+          <p:cNvSpPr/>
+          <p:nvPr/>
+        </p:nvSpPr>
+        <p:spPr>
+          <a:xfrm>
+            <a:off x="1028700" y="847725"/>
             <a:ext cx="288290" cy="0"/>
           </a:xfrm>
           <a:custGeom>
@@ -1088,7 +973,7 @@
             <a:cxnLst/>
             <a:rect l="l" t="t" r="r" b="b"/>
             <a:pathLst>
-              <a:path w="288290">
+              <a:path w="288290" h="0">
                 <a:moveTo>
                   <a:pt x="0" y="0"/>
                 </a:moveTo>
@@ -1107,20 +992,18 @@
         <p:txBody>
           <a:bodyPr wrap="square" lIns="0" tIns="0" rIns="0" bIns="0" rtlCol="0"/>
           <a:lstStyle/>
-          <a:p>
-            <a:endParaRPr/>
-          </a:p>
-        </p:txBody>
-      </p:sp>
-      <p:sp>
-        <p:nvSpPr>
-          <p:cNvPr id="19" name="bk object 19"/>
-          <p:cNvSpPr/>
-          <p:nvPr/>
-        </p:nvSpPr>
-        <p:spPr>
-          <a:xfrm>
-            <a:off x="1028700" y="817499"/>
+          <a:p/>
+        </p:txBody>
+      </p:sp>
+      <p:sp>
+        <p:nvSpPr>
+          <p:cNvPr id="20" name="bk object 20"/>
+          <p:cNvSpPr/>
+          <p:nvPr/>
+        </p:nvSpPr>
+        <p:spPr>
+          <a:xfrm>
+            <a:off x="1028700" y="771905"/>
             <a:ext cx="288290" cy="0"/>
           </a:xfrm>
           <a:custGeom>
@@ -1130,7 +1013,7 @@
             <a:cxnLst/>
             <a:rect l="l" t="t" r="r" b="b"/>
             <a:pathLst>
-              <a:path w="288290">
+              <a:path w="288290" h="0">
                 <a:moveTo>
                   <a:pt x="0" y="0"/>
                 </a:moveTo>
@@ -1149,35 +1032,33 @@
         <p:txBody>
           <a:bodyPr wrap="square" lIns="0" tIns="0" rIns="0" bIns="0" rtlCol="0"/>
           <a:lstStyle/>
-          <a:p>
-            <a:endParaRPr/>
-          </a:p>
-        </p:txBody>
-      </p:sp>
-      <p:sp>
-        <p:nvSpPr>
-          <p:cNvPr id="20" name="bk object 20"/>
-          <p:cNvSpPr/>
-          <p:nvPr/>
-        </p:nvSpPr>
-        <p:spPr>
-          <a:xfrm>
-            <a:off x="884808" y="848867"/>
-            <a:ext cx="575945" cy="31750"/>
-          </a:xfrm>
-          <a:custGeom>
-            <a:avLst/>
-            <a:gdLst/>
-            <a:ahLst/>
-            <a:cxnLst/>
-            <a:rect l="l" t="t" r="r" b="b"/>
-            <a:pathLst>
-              <a:path w="575944" h="31750">
-                <a:moveTo>
-                  <a:pt x="0" y="31242"/>
-                </a:moveTo>
-                <a:lnTo>
-                  <a:pt x="575691" y="31242"/>
+          <a:p/>
+        </p:txBody>
+      </p:sp>
+      <p:sp>
+        <p:nvSpPr>
+          <p:cNvPr id="21" name="bk object 21"/>
+          <p:cNvSpPr/>
+          <p:nvPr/>
+        </p:nvSpPr>
+        <p:spPr>
+          <a:xfrm>
+            <a:off x="884808" y="783590"/>
+            <a:ext cx="575945" cy="49530"/>
+          </a:xfrm>
+          <a:custGeom>
+            <a:avLst/>
+            <a:gdLst/>
+            <a:ahLst/>
+            <a:cxnLst/>
+            <a:rect l="l" t="t" r="r" b="b"/>
+            <a:pathLst>
+              <a:path w="575944" h="49530">
+                <a:moveTo>
+                  <a:pt x="0" y="49022"/>
+                </a:moveTo>
+                <a:lnTo>
+                  <a:pt x="575691" y="49022"/>
                 </a:lnTo>
                 <a:lnTo>
                   <a:pt x="575691" y="0"/>
@@ -1186,23 +1067,272 @@
                   <a:pt x="0" y="0"/>
                 </a:lnTo>
                 <a:lnTo>
-                  <a:pt x="0" y="31242"/>
-                </a:lnTo>
-              </a:path>
-            </a:pathLst>
-          </a:custGeom>
-          <a:ln w="9525">
-            <a:solidFill>
-              <a:srgbClr val="000000"/>
-            </a:solidFill>
-          </a:ln>
-        </p:spPr>
-        <p:txBody>
-          <a:bodyPr wrap="square" lIns="0" tIns="0" rIns="0" bIns="0" rtlCol="0"/>
-          <a:lstStyle/>
-          <a:p>
-            <a:endParaRPr/>
-          </a:p>
+                  <a:pt x="0" y="49022"/>
+                </a:lnTo>
+              </a:path>
+            </a:pathLst>
+          </a:custGeom>
+          <a:ln w="9525">
+            <a:solidFill>
+              <a:srgbClr val="000000"/>
+            </a:solidFill>
+          </a:ln>
+        </p:spPr>
+        <p:txBody>
+          <a:bodyPr wrap="square" lIns="0" tIns="0" rIns="0" bIns="0" rtlCol="0"/>
+          <a:lstStyle/>
+          <a:p/>
+        </p:txBody>
+      </p:sp>
+      <p:sp>
+        <p:nvSpPr>
+          <p:cNvPr id="22" name="bk object 22"/>
+          <p:cNvSpPr/>
+          <p:nvPr/>
+        </p:nvSpPr>
+        <p:spPr>
+          <a:xfrm>
+            <a:off x="1604391" y="1245869"/>
+            <a:ext cx="575945" cy="0"/>
+          </a:xfrm>
+          <a:custGeom>
+            <a:avLst/>
+            <a:gdLst/>
+            <a:ahLst/>
+            <a:cxnLst/>
+            <a:rect l="l" t="t" r="r" b="b"/>
+            <a:pathLst>
+              <a:path w="575944" h="0">
+                <a:moveTo>
+                  <a:pt x="0" y="0"/>
+                </a:moveTo>
+                <a:lnTo>
+                  <a:pt x="575817" y="0"/>
+                </a:lnTo>
+              </a:path>
+            </a:pathLst>
+          </a:custGeom>
+          <a:ln w="28575">
+            <a:solidFill>
+              <a:srgbClr val="000000"/>
+            </a:solidFill>
+          </a:ln>
+        </p:spPr>
+        <p:txBody>
+          <a:bodyPr wrap="square" lIns="0" tIns="0" rIns="0" bIns="0" rtlCol="0"/>
+          <a:lstStyle/>
+          <a:p/>
+        </p:txBody>
+      </p:sp>
+      <p:sp>
+        <p:nvSpPr>
+          <p:cNvPr id="23" name="bk object 23"/>
+          <p:cNvSpPr/>
+          <p:nvPr/>
+        </p:nvSpPr>
+        <p:spPr>
+          <a:xfrm>
+            <a:off x="1892300" y="1283969"/>
+            <a:ext cx="0" cy="41910"/>
+          </a:xfrm>
+          <a:custGeom>
+            <a:avLst/>
+            <a:gdLst/>
+            <a:ahLst/>
+            <a:cxnLst/>
+            <a:rect l="l" t="t" r="r" b="b"/>
+            <a:pathLst>
+              <a:path w="0" h="41909">
+                <a:moveTo>
+                  <a:pt x="0" y="41529"/>
+                </a:moveTo>
+                <a:lnTo>
+                  <a:pt x="0" y="0"/>
+                </a:lnTo>
+              </a:path>
+            </a:pathLst>
+          </a:custGeom>
+          <a:ln w="9525">
+            <a:solidFill>
+              <a:srgbClr val="000000"/>
+            </a:solidFill>
+            <a:prstDash val="dash"/>
+          </a:ln>
+        </p:spPr>
+        <p:txBody>
+          <a:bodyPr wrap="square" lIns="0" tIns="0" rIns="0" bIns="0" rtlCol="0"/>
+          <a:lstStyle/>
+          <a:p/>
+        </p:txBody>
+      </p:sp>
+      <p:sp>
+        <p:nvSpPr>
+          <p:cNvPr id="24" name="bk object 24"/>
+          <p:cNvSpPr/>
+          <p:nvPr/>
+        </p:nvSpPr>
+        <p:spPr>
+          <a:xfrm>
+            <a:off x="1892300" y="1066546"/>
+            <a:ext cx="0" cy="106680"/>
+          </a:xfrm>
+          <a:custGeom>
+            <a:avLst/>
+            <a:gdLst/>
+            <a:ahLst/>
+            <a:cxnLst/>
+            <a:rect l="l" t="t" r="r" b="b"/>
+            <a:pathLst>
+              <a:path w="0" h="106680">
+                <a:moveTo>
+                  <a:pt x="0" y="0"/>
+                </a:moveTo>
+                <a:lnTo>
+                  <a:pt x="0" y="106172"/>
+                </a:lnTo>
+              </a:path>
+            </a:pathLst>
+          </a:custGeom>
+          <a:ln w="9525">
+            <a:solidFill>
+              <a:srgbClr val="000000"/>
+            </a:solidFill>
+            <a:prstDash val="dash"/>
+          </a:ln>
+        </p:spPr>
+        <p:txBody>
+          <a:bodyPr wrap="square" lIns="0" tIns="0" rIns="0" bIns="0" rtlCol="0"/>
+          <a:lstStyle/>
+          <a:p/>
+        </p:txBody>
+      </p:sp>
+      <p:sp>
+        <p:nvSpPr>
+          <p:cNvPr id="25" name="bk object 25"/>
+          <p:cNvSpPr/>
+          <p:nvPr/>
+        </p:nvSpPr>
+        <p:spPr>
+          <a:xfrm>
+            <a:off x="1748408" y="1325499"/>
+            <a:ext cx="288290" cy="0"/>
+          </a:xfrm>
+          <a:custGeom>
+            <a:avLst/>
+            <a:gdLst/>
+            <a:ahLst/>
+            <a:cxnLst/>
+            <a:rect l="l" t="t" r="r" b="b"/>
+            <a:pathLst>
+              <a:path w="288289" h="0">
+                <a:moveTo>
+                  <a:pt x="0" y="0"/>
+                </a:moveTo>
+                <a:lnTo>
+                  <a:pt x="287782" y="0"/>
+                </a:lnTo>
+              </a:path>
+            </a:pathLst>
+          </a:custGeom>
+          <a:ln w="9525">
+            <a:solidFill>
+              <a:srgbClr val="000000"/>
+            </a:solidFill>
+          </a:ln>
+        </p:spPr>
+        <p:txBody>
+          <a:bodyPr wrap="square" lIns="0" tIns="0" rIns="0" bIns="0" rtlCol="0"/>
+          <a:lstStyle/>
+          <a:p/>
+        </p:txBody>
+      </p:sp>
+      <p:sp>
+        <p:nvSpPr>
+          <p:cNvPr id="26" name="bk object 26"/>
+          <p:cNvSpPr/>
+          <p:nvPr/>
+        </p:nvSpPr>
+        <p:spPr>
+          <a:xfrm>
+            <a:off x="1748408" y="1066546"/>
+            <a:ext cx="288290" cy="0"/>
+          </a:xfrm>
+          <a:custGeom>
+            <a:avLst/>
+            <a:gdLst/>
+            <a:ahLst/>
+            <a:cxnLst/>
+            <a:rect l="l" t="t" r="r" b="b"/>
+            <a:pathLst>
+              <a:path w="288289" h="0">
+                <a:moveTo>
+                  <a:pt x="0" y="0"/>
+                </a:moveTo>
+                <a:lnTo>
+                  <a:pt x="287782" y="0"/>
+                </a:lnTo>
+              </a:path>
+            </a:pathLst>
+          </a:custGeom>
+          <a:ln w="9525">
+            <a:solidFill>
+              <a:srgbClr val="000000"/>
+            </a:solidFill>
+          </a:ln>
+        </p:spPr>
+        <p:txBody>
+          <a:bodyPr wrap="square" lIns="0" tIns="0" rIns="0" bIns="0" rtlCol="0"/>
+          <a:lstStyle/>
+          <a:p/>
+        </p:txBody>
+      </p:sp>
+      <p:sp>
+        <p:nvSpPr>
+          <p:cNvPr id="27" name="bk object 27"/>
+          <p:cNvSpPr/>
+          <p:nvPr/>
+        </p:nvSpPr>
+        <p:spPr>
+          <a:xfrm>
+            <a:off x="1604391" y="1172717"/>
+            <a:ext cx="575945" cy="111760"/>
+          </a:xfrm>
+          <a:custGeom>
+            <a:avLst/>
+            <a:gdLst/>
+            <a:ahLst/>
+            <a:cxnLst/>
+            <a:rect l="l" t="t" r="r" b="b"/>
+            <a:pathLst>
+              <a:path w="575944" h="111759">
+                <a:moveTo>
+                  <a:pt x="0" y="111251"/>
+                </a:moveTo>
+                <a:lnTo>
+                  <a:pt x="575817" y="111251"/>
+                </a:lnTo>
+                <a:lnTo>
+                  <a:pt x="575817" y="0"/>
+                </a:lnTo>
+                <a:lnTo>
+                  <a:pt x="0" y="0"/>
+                </a:lnTo>
+                <a:lnTo>
+                  <a:pt x="0" y="111251"/>
+                </a:lnTo>
+              </a:path>
+            </a:pathLst>
+          </a:custGeom>
+          <a:ln w="9525">
+            <a:solidFill>
+              <a:srgbClr val="000000"/>
+            </a:solidFill>
+          </a:ln>
+        </p:spPr>
+        <p:txBody>
+          <a:bodyPr wrap="square" lIns="0" tIns="0" rIns="0" bIns="0" rtlCol="0"/>
+          <a:lstStyle/>
+          <a:p/>
         </p:txBody>
       </p:sp>
       <p:sp>
@@ -1239,9 +1369,7 @@
               </a:defRPr>
             </a:lvl1pPr>
           </a:lstStyle>
-          <a:p>
-            <a:endParaRPr/>
-          </a:p>
+          <a:p/>
         </p:txBody>
       </p:sp>
       <p:sp>
@@ -1272,9 +1400,7 @@
               <a:defRPr/>
             </a:lvl1pPr>
           </a:lstStyle>
-          <a:p>
-            <a:endParaRPr/>
-          </a:p>
+          <a:p/>
         </p:txBody>
       </p:sp>
       <p:sp>
@@ -1284,7 +1410,7 @@
             <a:spLocks noGrp="1"/>
           </p:cNvSpPr>
           <p:nvPr>
-            <p:ph type="ftr" sz="quarter" idx="5"/>
+            <p:ph type="ftr" idx="5" sz="quarter"/>
           </p:nvPr>
         </p:nvSpPr>
         <p:spPr>
@@ -1311,9 +1437,7 @@
               </a:defRPr>
             </a:lvl1pPr>
           </a:lstStyle>
-          <a:p>
-            <a:endParaRPr/>
-          </a:p>
+          <a:p/>
         </p:txBody>
       </p:sp>
       <p:sp>
@@ -1323,7 +1447,7 @@
             <a:spLocks noGrp="1"/>
           </p:cNvSpPr>
           <p:nvPr>
-            <p:ph type="dt" sz="half" idx="6"/>
+            <p:ph type="dt" idx="6" sz="half"/>
           </p:nvPr>
         </p:nvSpPr>
         <p:spPr>
@@ -1353,9 +1477,7 @@
           <a:p>
             <a:fld id="{1D8BD707-D9CF-40AE-B4C6-C98DA3205C09}" type="datetimeFigureOut">
               <a:rPr lang="en-US"/>
-              <a:t>5/18/2020</a:t>
             </a:fld>
-            <a:endParaRPr lang="en-US"/>
           </a:p>
         </p:txBody>
       </p:sp>
@@ -1366,7 +1488,7 @@
             <a:spLocks noGrp="1"/>
           </p:cNvSpPr>
           <p:nvPr>
-            <p:ph type="sldNum" sz="quarter" idx="7"/>
+            <p:ph type="sldNum" idx="7" sz="quarter"/>
           </p:nvPr>
         </p:nvSpPr>
         <p:spPr>
@@ -1395,15 +1517,14 @@
           </a:lstStyle>
           <a:p>
             <a:fld id="{B6F15528-21DE-4FAA-801E-634DDDAF4B2B}" type="slidenum">
-              <a:t>‹#›</a:t>
+              <a:t>#</a:t>
             </a:fld>
-            <a:endParaRPr/>
           </a:p>
         </p:txBody>
       </p:sp>
     </p:spTree>
   </p:cSld>
-  <p:clrMap bg1="lt1" tx1="dk1" bg2="lt2" tx2="dk2" accent1="accent1" accent2="accent2" accent3="accent3" accent4="accent4" accent5="accent5" accent6="accent6" hlink="hlink" folHlink="folHlink"/>
+  <p:clrMap folHlink="folHlink" hlink="hlink" accent1="accent1" accent2="accent2" accent3="accent3" accent4="accent4" accent5="accent5" accent6="accent6" tx2="dk2" bg2="lt2" tx1="dk1" bg1="lt1"/>
   <p:sldLayoutIdLst>
     <p:sldLayoutId id="2147483661" r:id="rId1"/>
     <p:sldLayoutId id="2147483662" r:id="rId2"/>
@@ -1580,7 +1701,7 @@
         </p:nvSpPr>
         <p:spPr>
           <a:xfrm>
-            <a:off x="1134872" y="884174"/>
+            <a:off x="1854580" y="826134"/>
             <a:ext cx="88900" cy="101600"/>
           </a:xfrm>
           <a:prstGeom prst="rect">
@@ -1588,7 +1709,7 @@
           </a:prstGeom>
         </p:spPr>
         <p:txBody>
-          <a:bodyPr vert="horz" wrap="square" lIns="0" tIns="12700" rIns="0" bIns="0" rtlCol="0">
+          <a:bodyPr wrap="square" lIns="0" tIns="12700" rIns="0" bIns="0" rtlCol="0" vert="horz">
             <a:spAutoFit/>
           </a:bodyPr>
           <a:lstStyle/>
@@ -1602,7 +1723,7 @@
               </a:spcBef>
             </a:pPr>
             <a:r>
-              <a:rPr sz="500" dirty="0">
+              <a:rPr dirty="0" sz="500">
                 <a:latin typeface="MS UI Gothic"/>
                 <a:cs typeface="MS UI Gothic"/>
               </a:rPr>
@@ -1623,7 +1744,7 @@
         </p:nvSpPr>
         <p:spPr>
           <a:xfrm>
-            <a:off x="1604391" y="1245869"/>
+            <a:off x="2324100" y="832103"/>
             <a:ext cx="575945" cy="0"/>
           </a:xfrm>
           <a:custGeom>
@@ -1633,12 +1754,12 @@
             <a:cxnLst/>
             <a:rect l="l" t="t" r="r" b="b"/>
             <a:pathLst>
-              <a:path w="575944">
-                <a:moveTo>
-                  <a:pt x="0" y="0"/>
-                </a:moveTo>
-                <a:lnTo>
-                  <a:pt x="575817" y="0"/>
+              <a:path w="575944" h="0">
+                <a:moveTo>
+                  <a:pt x="0" y="0"/>
+                </a:moveTo>
+                <a:lnTo>
+                  <a:pt x="575691" y="0"/>
                 </a:lnTo>
               </a:path>
             </a:pathLst>
@@ -1652,9 +1773,7 @@
         <p:txBody>
           <a:bodyPr wrap="square" lIns="0" tIns="0" rIns="0" bIns="0" rtlCol="0"/>
           <a:lstStyle/>
-          <a:p>
-            <a:endParaRPr/>
-          </a:p>
+          <a:p/>
         </p:txBody>
       </p:sp>
       <p:sp>
@@ -1665,19 +1784,19 @@
         </p:nvSpPr>
         <p:spPr>
           <a:xfrm>
-            <a:off x="1892300" y="1283969"/>
-            <a:ext cx="0" cy="41910"/>
-          </a:xfrm>
-          <a:custGeom>
-            <a:avLst/>
-            <a:gdLst/>
-            <a:ahLst/>
-            <a:cxnLst/>
-            <a:rect l="l" t="t" r="r" b="b"/>
-            <a:pathLst>
-              <a:path h="41909">
-                <a:moveTo>
-                  <a:pt x="0" y="41529"/>
+            <a:off x="2612008" y="841375"/>
+            <a:ext cx="0" cy="28575"/>
+          </a:xfrm>
+          <a:custGeom>
+            <a:avLst/>
+            <a:gdLst/>
+            <a:ahLst/>
+            <a:cxnLst/>
+            <a:rect l="l" t="t" r="r" b="b"/>
+            <a:pathLst>
+              <a:path w="0" h="28575">
+                <a:moveTo>
+                  <a:pt x="0" y="28067"/>
                 </a:moveTo>
                 <a:lnTo>
                   <a:pt x="0" y="0"/>
@@ -1695,9 +1814,7 @@
         <p:txBody>
           <a:bodyPr wrap="square" lIns="0" tIns="0" rIns="0" bIns="0" rtlCol="0"/>
           <a:lstStyle/>
-          <a:p>
-            <a:endParaRPr/>
-          </a:p>
+          <a:p/>
         </p:txBody>
       </p:sp>
       <p:sp>
@@ -1708,22 +1825,22 @@
         </p:nvSpPr>
         <p:spPr>
           <a:xfrm>
-            <a:off x="1892300" y="1066546"/>
-            <a:ext cx="0" cy="106680"/>
-          </a:xfrm>
-          <a:custGeom>
-            <a:avLst/>
-            <a:gdLst/>
-            <a:ahLst/>
-            <a:cxnLst/>
-            <a:rect l="l" t="t" r="r" b="b"/>
-            <a:pathLst>
-              <a:path h="106680">
-                <a:moveTo>
-                  <a:pt x="0" y="0"/>
-                </a:moveTo>
-                <a:lnTo>
-                  <a:pt x="0" y="106172"/>
+            <a:off x="2612008" y="786765"/>
+            <a:ext cx="0" cy="23495"/>
+          </a:xfrm>
+          <a:custGeom>
+            <a:avLst/>
+            <a:gdLst/>
+            <a:ahLst/>
+            <a:cxnLst/>
+            <a:rect l="l" t="t" r="r" b="b"/>
+            <a:pathLst>
+              <a:path w="0" h="23495">
+                <a:moveTo>
+                  <a:pt x="0" y="0"/>
+                </a:moveTo>
+                <a:lnTo>
+                  <a:pt x="0" y="23368"/>
                 </a:lnTo>
               </a:path>
             </a:pathLst>
@@ -1738,9 +1855,7 @@
         <p:txBody>
           <a:bodyPr wrap="square" lIns="0" tIns="0" rIns="0" bIns="0" rtlCol="0"/>
           <a:lstStyle/>
-          <a:p>
-            <a:endParaRPr/>
-          </a:p>
+          <a:p/>
         </p:txBody>
       </p:sp>
       <p:sp>
@@ -1751,7 +1866,7 @@
         </p:nvSpPr>
         <p:spPr>
           <a:xfrm>
-            <a:off x="1748408" y="1325499"/>
+            <a:off x="2467991" y="869441"/>
             <a:ext cx="288290" cy="0"/>
           </a:xfrm>
           <a:custGeom>
@@ -1761,28 +1876,26 @@
             <a:cxnLst/>
             <a:rect l="l" t="t" r="r" b="b"/>
             <a:pathLst>
-              <a:path w="288289">
-                <a:moveTo>
-                  <a:pt x="0" y="0"/>
-                </a:moveTo>
-                <a:lnTo>
-                  <a:pt x="287782" y="0"/>
-                </a:lnTo>
-              </a:path>
-            </a:pathLst>
-          </a:custGeom>
-          <a:ln w="9525">
-            <a:solidFill>
-              <a:srgbClr val="000000"/>
-            </a:solidFill>
-          </a:ln>
-        </p:spPr>
-        <p:txBody>
-          <a:bodyPr wrap="square" lIns="0" tIns="0" rIns="0" bIns="0" rtlCol="0"/>
-          <a:lstStyle/>
-          <a:p>
-            <a:endParaRPr/>
-          </a:p>
+              <a:path w="288289" h="0">
+                <a:moveTo>
+                  <a:pt x="0" y="0"/>
+                </a:moveTo>
+                <a:lnTo>
+                  <a:pt x="287908" y="0"/>
+                </a:lnTo>
+              </a:path>
+            </a:pathLst>
+          </a:custGeom>
+          <a:ln w="9525">
+            <a:solidFill>
+              <a:srgbClr val="000000"/>
+            </a:solidFill>
+          </a:ln>
+        </p:spPr>
+        <p:txBody>
+          <a:bodyPr wrap="square" lIns="0" tIns="0" rIns="0" bIns="0" rtlCol="0"/>
+          <a:lstStyle/>
+          <a:p/>
         </p:txBody>
       </p:sp>
       <p:sp>
@@ -1793,7 +1906,7 @@
         </p:nvSpPr>
         <p:spPr>
           <a:xfrm>
-            <a:off x="1748408" y="1066546"/>
+            <a:off x="2467991" y="786765"/>
             <a:ext cx="288290" cy="0"/>
           </a:xfrm>
           <a:custGeom>
@@ -1803,28 +1916,26 @@
             <a:cxnLst/>
             <a:rect l="l" t="t" r="r" b="b"/>
             <a:pathLst>
-              <a:path w="288289">
-                <a:moveTo>
-                  <a:pt x="0" y="0"/>
-                </a:moveTo>
-                <a:lnTo>
-                  <a:pt x="287782" y="0"/>
-                </a:lnTo>
-              </a:path>
-            </a:pathLst>
-          </a:custGeom>
-          <a:ln w="9525">
-            <a:solidFill>
-              <a:srgbClr val="000000"/>
-            </a:solidFill>
-          </a:ln>
-        </p:spPr>
-        <p:txBody>
-          <a:bodyPr wrap="square" lIns="0" tIns="0" rIns="0" bIns="0" rtlCol="0"/>
-          <a:lstStyle/>
-          <a:p>
-            <a:endParaRPr/>
-          </a:p>
+              <a:path w="288289" h="0">
+                <a:moveTo>
+                  <a:pt x="0" y="0"/>
+                </a:moveTo>
+                <a:lnTo>
+                  <a:pt x="287908" y="0"/>
+                </a:lnTo>
+              </a:path>
+            </a:pathLst>
+          </a:custGeom>
+          <a:ln w="9525">
+            <a:solidFill>
+              <a:srgbClr val="000000"/>
+            </a:solidFill>
+          </a:ln>
+        </p:spPr>
+        <p:txBody>
+          <a:bodyPr wrap="square" lIns="0" tIns="0" rIns="0" bIns="0" rtlCol="0"/>
+          <a:lstStyle/>
+          <a:p/>
         </p:txBody>
       </p:sp>
       <p:sp>
@@ -1835,58 +1946,809 @@
         </p:nvSpPr>
         <p:spPr>
           <a:xfrm>
-            <a:off x="1604391" y="1172717"/>
-            <a:ext cx="575945" cy="111760"/>
-          </a:xfrm>
-          <a:custGeom>
-            <a:avLst/>
-            <a:gdLst/>
-            <a:ahLst/>
-            <a:cxnLst/>
-            <a:rect l="l" t="t" r="r" b="b"/>
-            <a:pathLst>
-              <a:path w="575944" h="111759">
-                <a:moveTo>
-                  <a:pt x="0" y="111251"/>
-                </a:moveTo>
-                <a:lnTo>
-                  <a:pt x="575817" y="111251"/>
-                </a:lnTo>
-                <a:lnTo>
-                  <a:pt x="575817" y="0"/>
-                </a:lnTo>
-                <a:lnTo>
-                  <a:pt x="0" y="0"/>
-                </a:lnTo>
-                <a:lnTo>
-                  <a:pt x="0" y="111251"/>
-                </a:lnTo>
-              </a:path>
-            </a:pathLst>
-          </a:custGeom>
-          <a:ln w="9525">
-            <a:solidFill>
-              <a:srgbClr val="000000"/>
-            </a:solidFill>
-          </a:ln>
-        </p:spPr>
-        <p:txBody>
-          <a:bodyPr wrap="square" lIns="0" tIns="0" rIns="0" bIns="0" rtlCol="0"/>
-          <a:lstStyle/>
-          <a:p>
-            <a:endParaRPr/>
-          </a:p>
+            <a:off x="2324100" y="810133"/>
+            <a:ext cx="575945" cy="31750"/>
+          </a:xfrm>
+          <a:custGeom>
+            <a:avLst/>
+            <a:gdLst/>
+            <a:ahLst/>
+            <a:cxnLst/>
+            <a:rect l="l" t="t" r="r" b="b"/>
+            <a:pathLst>
+              <a:path w="575944" h="31750">
+                <a:moveTo>
+                  <a:pt x="0" y="31241"/>
+                </a:moveTo>
+                <a:lnTo>
+                  <a:pt x="575691" y="31241"/>
+                </a:lnTo>
+                <a:lnTo>
+                  <a:pt x="575691" y="0"/>
+                </a:lnTo>
+                <a:lnTo>
+                  <a:pt x="0" y="0"/>
+                </a:lnTo>
+                <a:lnTo>
+                  <a:pt x="0" y="31241"/>
+                </a:lnTo>
+              </a:path>
+            </a:pathLst>
+          </a:custGeom>
+          <a:ln w="9525">
+            <a:solidFill>
+              <a:srgbClr val="000000"/>
+            </a:solidFill>
+          </a:ln>
+        </p:spPr>
+        <p:txBody>
+          <a:bodyPr wrap="square" lIns="0" tIns="0" rIns="0" bIns="0" rtlCol="0"/>
+          <a:lstStyle/>
+          <a:p/>
         </p:txBody>
       </p:sp>
       <p:sp>
         <p:nvSpPr>
           <p:cNvPr id="9" name="object 9"/>
+          <p:cNvSpPr/>
+          <p:nvPr/>
+        </p:nvSpPr>
+        <p:spPr>
+          <a:xfrm>
+            <a:off x="3043808" y="723265"/>
+            <a:ext cx="575945" cy="0"/>
+          </a:xfrm>
+          <a:custGeom>
+            <a:avLst/>
+            <a:gdLst/>
+            <a:ahLst/>
+            <a:cxnLst/>
+            <a:rect l="l" t="t" r="r" b="b"/>
+            <a:pathLst>
+              <a:path w="575945" h="0">
+                <a:moveTo>
+                  <a:pt x="0" y="0"/>
+                </a:moveTo>
+                <a:lnTo>
+                  <a:pt x="575691" y="0"/>
+                </a:lnTo>
+              </a:path>
+            </a:pathLst>
+          </a:custGeom>
+          <a:ln w="28575">
+            <a:solidFill>
+              <a:srgbClr val="000000"/>
+            </a:solidFill>
+          </a:ln>
+        </p:spPr>
+        <p:txBody>
+          <a:bodyPr wrap="square" lIns="0" tIns="0" rIns="0" bIns="0" rtlCol="0"/>
+          <a:lstStyle/>
+          <a:p/>
+        </p:txBody>
+      </p:sp>
+      <p:sp>
+        <p:nvSpPr>
+          <p:cNvPr id="10" name="object 10"/>
+          <p:cNvSpPr/>
+          <p:nvPr/>
+        </p:nvSpPr>
+        <p:spPr>
+          <a:xfrm>
+            <a:off x="3331590" y="889253"/>
+            <a:ext cx="0" cy="344805"/>
+          </a:xfrm>
+          <a:custGeom>
+            <a:avLst/>
+            <a:gdLst/>
+            <a:ahLst/>
+            <a:cxnLst/>
+            <a:rect l="l" t="t" r="r" b="b"/>
+            <a:pathLst>
+              <a:path w="0" h="344805">
+                <a:moveTo>
+                  <a:pt x="0" y="344423"/>
+                </a:moveTo>
+                <a:lnTo>
+                  <a:pt x="0" y="0"/>
+                </a:lnTo>
+              </a:path>
+            </a:pathLst>
+          </a:custGeom>
+          <a:ln w="9525">
+            <a:solidFill>
+              <a:srgbClr val="000000"/>
+            </a:solidFill>
+            <a:prstDash val="dash"/>
+          </a:ln>
+        </p:spPr>
+        <p:txBody>
+          <a:bodyPr wrap="square" lIns="0" tIns="0" rIns="0" bIns="0" rtlCol="0"/>
+          <a:lstStyle/>
+          <a:p/>
+        </p:txBody>
+      </p:sp>
+      <p:sp>
+        <p:nvSpPr>
+          <p:cNvPr id="11" name="object 11"/>
+          <p:cNvSpPr/>
+          <p:nvPr/>
+        </p:nvSpPr>
+        <p:spPr>
+          <a:xfrm>
+            <a:off x="3331590" y="402716"/>
+            <a:ext cx="0" cy="62865"/>
+          </a:xfrm>
+          <a:custGeom>
+            <a:avLst/>
+            <a:gdLst/>
+            <a:ahLst/>
+            <a:cxnLst/>
+            <a:rect l="l" t="t" r="r" b="b"/>
+            <a:pathLst>
+              <a:path w="0" h="62865">
+                <a:moveTo>
+                  <a:pt x="0" y="0"/>
+                </a:moveTo>
+                <a:lnTo>
+                  <a:pt x="0" y="62357"/>
+                </a:lnTo>
+              </a:path>
+            </a:pathLst>
+          </a:custGeom>
+          <a:ln w="9525">
+            <a:solidFill>
+              <a:srgbClr val="000000"/>
+            </a:solidFill>
+            <a:prstDash val="dash"/>
+          </a:ln>
+        </p:spPr>
+        <p:txBody>
+          <a:bodyPr wrap="square" lIns="0" tIns="0" rIns="0" bIns="0" rtlCol="0"/>
+          <a:lstStyle/>
+          <a:p/>
+        </p:txBody>
+      </p:sp>
+      <p:sp>
+        <p:nvSpPr>
+          <p:cNvPr id="12" name="object 12"/>
+          <p:cNvSpPr/>
+          <p:nvPr/>
+        </p:nvSpPr>
+        <p:spPr>
+          <a:xfrm>
+            <a:off x="3187700" y="1233677"/>
+            <a:ext cx="288290" cy="0"/>
+          </a:xfrm>
+          <a:custGeom>
+            <a:avLst/>
+            <a:gdLst/>
+            <a:ahLst/>
+            <a:cxnLst/>
+            <a:rect l="l" t="t" r="r" b="b"/>
+            <a:pathLst>
+              <a:path w="288289" h="0">
+                <a:moveTo>
+                  <a:pt x="0" y="0"/>
+                </a:moveTo>
+                <a:lnTo>
+                  <a:pt x="287909" y="0"/>
+                </a:lnTo>
+              </a:path>
+            </a:pathLst>
+          </a:custGeom>
+          <a:ln w="9525">
+            <a:solidFill>
+              <a:srgbClr val="000000"/>
+            </a:solidFill>
+          </a:ln>
+        </p:spPr>
+        <p:txBody>
+          <a:bodyPr wrap="square" lIns="0" tIns="0" rIns="0" bIns="0" rtlCol="0"/>
+          <a:lstStyle/>
+          <a:p/>
+        </p:txBody>
+      </p:sp>
+      <p:sp>
+        <p:nvSpPr>
+          <p:cNvPr id="13" name="object 13"/>
+          <p:cNvSpPr/>
+          <p:nvPr/>
+        </p:nvSpPr>
+        <p:spPr>
+          <a:xfrm>
+            <a:off x="3187700" y="402716"/>
+            <a:ext cx="288290" cy="0"/>
+          </a:xfrm>
+          <a:custGeom>
+            <a:avLst/>
+            <a:gdLst/>
+            <a:ahLst/>
+            <a:cxnLst/>
+            <a:rect l="l" t="t" r="r" b="b"/>
+            <a:pathLst>
+              <a:path w="288289" h="0">
+                <a:moveTo>
+                  <a:pt x="0" y="0"/>
+                </a:moveTo>
+                <a:lnTo>
+                  <a:pt x="287909" y="0"/>
+                </a:lnTo>
+              </a:path>
+            </a:pathLst>
+          </a:custGeom>
+          <a:ln w="9525">
+            <a:solidFill>
+              <a:srgbClr val="000000"/>
+            </a:solidFill>
+          </a:ln>
+        </p:spPr>
+        <p:txBody>
+          <a:bodyPr wrap="square" lIns="0" tIns="0" rIns="0" bIns="0" rtlCol="0"/>
+          <a:lstStyle/>
+          <a:p/>
+        </p:txBody>
+      </p:sp>
+      <p:sp>
+        <p:nvSpPr>
+          <p:cNvPr id="14" name="object 14"/>
+          <p:cNvSpPr/>
+          <p:nvPr/>
+        </p:nvSpPr>
+        <p:spPr>
+          <a:xfrm>
+            <a:off x="3043808" y="465073"/>
+            <a:ext cx="575945" cy="424180"/>
+          </a:xfrm>
+          <a:custGeom>
+            <a:avLst/>
+            <a:gdLst/>
+            <a:ahLst/>
+            <a:cxnLst/>
+            <a:rect l="l" t="t" r="r" b="b"/>
+            <a:pathLst>
+              <a:path w="575945" h="424180">
+                <a:moveTo>
+                  <a:pt x="0" y="424180"/>
+                </a:moveTo>
+                <a:lnTo>
+                  <a:pt x="575691" y="424180"/>
+                </a:lnTo>
+                <a:lnTo>
+                  <a:pt x="575691" y="0"/>
+                </a:lnTo>
+                <a:lnTo>
+                  <a:pt x="0" y="0"/>
+                </a:lnTo>
+                <a:lnTo>
+                  <a:pt x="0" y="424180"/>
+                </a:lnTo>
+              </a:path>
+            </a:pathLst>
+          </a:custGeom>
+          <a:ln w="9525">
+            <a:solidFill>
+              <a:srgbClr val="000000"/>
+            </a:solidFill>
+          </a:ln>
+        </p:spPr>
+        <p:txBody>
+          <a:bodyPr wrap="square" lIns="0" tIns="0" rIns="0" bIns="0" rtlCol="0"/>
+          <a:lstStyle/>
+          <a:p/>
+        </p:txBody>
+      </p:sp>
+      <p:sp>
+        <p:nvSpPr>
+          <p:cNvPr id="15" name="object 15"/>
+          <p:cNvSpPr/>
+          <p:nvPr/>
+        </p:nvSpPr>
+        <p:spPr>
+          <a:xfrm>
+            <a:off x="3763390" y="826897"/>
+            <a:ext cx="575945" cy="0"/>
+          </a:xfrm>
+          <a:custGeom>
+            <a:avLst/>
+            <a:gdLst/>
+            <a:ahLst/>
+            <a:cxnLst/>
+            <a:rect l="l" t="t" r="r" b="b"/>
+            <a:pathLst>
+              <a:path w="575945" h="0">
+                <a:moveTo>
+                  <a:pt x="0" y="0"/>
+                </a:moveTo>
+                <a:lnTo>
+                  <a:pt x="575818" y="0"/>
+                </a:lnTo>
+              </a:path>
+            </a:pathLst>
+          </a:custGeom>
+          <a:ln w="28575">
+            <a:solidFill>
+              <a:srgbClr val="000000"/>
+            </a:solidFill>
+          </a:ln>
+        </p:spPr>
+        <p:txBody>
+          <a:bodyPr wrap="square" lIns="0" tIns="0" rIns="0" bIns="0" rtlCol="0"/>
+          <a:lstStyle/>
+          <a:p/>
+        </p:txBody>
+      </p:sp>
+      <p:sp>
+        <p:nvSpPr>
+          <p:cNvPr id="16" name="object 16"/>
+          <p:cNvSpPr/>
+          <p:nvPr/>
+        </p:nvSpPr>
+        <p:spPr>
+          <a:xfrm>
+            <a:off x="4051300" y="838200"/>
+            <a:ext cx="0" cy="5715"/>
+          </a:xfrm>
+          <a:custGeom>
+            <a:avLst/>
+            <a:gdLst/>
+            <a:ahLst/>
+            <a:cxnLst/>
+            <a:rect l="l" t="t" r="r" b="b"/>
+            <a:pathLst>
+              <a:path w="0" h="5715">
+                <a:moveTo>
+                  <a:pt x="-4762" y="2603"/>
+                </a:moveTo>
+                <a:lnTo>
+                  <a:pt x="4762" y="2603"/>
+                </a:lnTo>
+              </a:path>
+            </a:pathLst>
+          </a:custGeom>
+          <a:ln w="5207">
+            <a:solidFill>
+              <a:srgbClr val="000000"/>
+            </a:solidFill>
+            <a:prstDash val="dash"/>
+          </a:ln>
+        </p:spPr>
+        <p:txBody>
+          <a:bodyPr wrap="square" lIns="0" tIns="0" rIns="0" bIns="0" rtlCol="0"/>
+          <a:lstStyle/>
+          <a:p/>
+        </p:txBody>
+      </p:sp>
+      <p:sp>
+        <p:nvSpPr>
+          <p:cNvPr id="17" name="object 17"/>
+          <p:cNvSpPr/>
+          <p:nvPr/>
+        </p:nvSpPr>
+        <p:spPr>
+          <a:xfrm>
+            <a:off x="4051300" y="767587"/>
+            <a:ext cx="0" cy="36830"/>
+          </a:xfrm>
+          <a:custGeom>
+            <a:avLst/>
+            <a:gdLst/>
+            <a:ahLst/>
+            <a:cxnLst/>
+            <a:rect l="l" t="t" r="r" b="b"/>
+            <a:pathLst>
+              <a:path w="0" h="36829">
+                <a:moveTo>
+                  <a:pt x="0" y="0"/>
+                </a:moveTo>
+                <a:lnTo>
+                  <a:pt x="0" y="36575"/>
+                </a:lnTo>
+              </a:path>
+            </a:pathLst>
+          </a:custGeom>
+          <a:ln w="9525">
+            <a:solidFill>
+              <a:srgbClr val="000000"/>
+            </a:solidFill>
+            <a:prstDash val="dash"/>
+          </a:ln>
+        </p:spPr>
+        <p:txBody>
+          <a:bodyPr wrap="square" lIns="0" tIns="0" rIns="0" bIns="0" rtlCol="0"/>
+          <a:lstStyle/>
+          <a:p/>
+        </p:txBody>
+      </p:sp>
+      <p:sp>
+        <p:nvSpPr>
+          <p:cNvPr id="18" name="object 18"/>
+          <p:cNvSpPr/>
+          <p:nvPr/>
+        </p:nvSpPr>
+        <p:spPr>
+          <a:xfrm>
+            <a:off x="3907409" y="843407"/>
+            <a:ext cx="288290" cy="0"/>
+          </a:xfrm>
+          <a:custGeom>
+            <a:avLst/>
+            <a:gdLst/>
+            <a:ahLst/>
+            <a:cxnLst/>
+            <a:rect l="l" t="t" r="r" b="b"/>
+            <a:pathLst>
+              <a:path w="288289" h="0">
+                <a:moveTo>
+                  <a:pt x="0" y="0"/>
+                </a:moveTo>
+                <a:lnTo>
+                  <a:pt x="287781" y="0"/>
+                </a:lnTo>
+              </a:path>
+            </a:pathLst>
+          </a:custGeom>
+          <a:ln w="9525">
+            <a:solidFill>
+              <a:srgbClr val="000000"/>
+            </a:solidFill>
+          </a:ln>
+        </p:spPr>
+        <p:txBody>
+          <a:bodyPr wrap="square" lIns="0" tIns="0" rIns="0" bIns="0" rtlCol="0"/>
+          <a:lstStyle/>
+          <a:p/>
+        </p:txBody>
+      </p:sp>
+      <p:sp>
+        <p:nvSpPr>
+          <p:cNvPr id="19" name="object 19"/>
+          <p:cNvSpPr/>
+          <p:nvPr/>
+        </p:nvSpPr>
+        <p:spPr>
+          <a:xfrm>
+            <a:off x="3907409" y="767587"/>
+            <a:ext cx="288290" cy="0"/>
+          </a:xfrm>
+          <a:custGeom>
+            <a:avLst/>
+            <a:gdLst/>
+            <a:ahLst/>
+            <a:cxnLst/>
+            <a:rect l="l" t="t" r="r" b="b"/>
+            <a:pathLst>
+              <a:path w="288289" h="0">
+                <a:moveTo>
+                  <a:pt x="0" y="0"/>
+                </a:moveTo>
+                <a:lnTo>
+                  <a:pt x="287781" y="0"/>
+                </a:lnTo>
+              </a:path>
+            </a:pathLst>
+          </a:custGeom>
+          <a:ln w="9525">
+            <a:solidFill>
+              <a:srgbClr val="000000"/>
+            </a:solidFill>
+          </a:ln>
+        </p:spPr>
+        <p:txBody>
+          <a:bodyPr wrap="square" lIns="0" tIns="0" rIns="0" bIns="0" rtlCol="0"/>
+          <a:lstStyle/>
+          <a:p/>
+        </p:txBody>
+      </p:sp>
+      <p:sp>
+        <p:nvSpPr>
+          <p:cNvPr id="20" name="object 20"/>
+          <p:cNvSpPr/>
+          <p:nvPr/>
+        </p:nvSpPr>
+        <p:spPr>
+          <a:xfrm>
+            <a:off x="3763390" y="804163"/>
+            <a:ext cx="575945" cy="34290"/>
+          </a:xfrm>
+          <a:custGeom>
+            <a:avLst/>
+            <a:gdLst/>
+            <a:ahLst/>
+            <a:cxnLst/>
+            <a:rect l="l" t="t" r="r" b="b"/>
+            <a:pathLst>
+              <a:path w="575945" h="34290">
+                <a:moveTo>
+                  <a:pt x="0" y="34036"/>
+                </a:moveTo>
+                <a:lnTo>
+                  <a:pt x="575818" y="34036"/>
+                </a:lnTo>
+                <a:lnTo>
+                  <a:pt x="575818" y="0"/>
+                </a:lnTo>
+                <a:lnTo>
+                  <a:pt x="0" y="0"/>
+                </a:lnTo>
+                <a:lnTo>
+                  <a:pt x="0" y="34036"/>
+                </a:lnTo>
+              </a:path>
+            </a:pathLst>
+          </a:custGeom>
+          <a:ln w="9525">
+            <a:solidFill>
+              <a:srgbClr val="000000"/>
+            </a:solidFill>
+          </a:ln>
+        </p:spPr>
+        <p:txBody>
+          <a:bodyPr wrap="square" lIns="0" tIns="0" rIns="0" bIns="0" rtlCol="0"/>
+          <a:lstStyle/>
+          <a:p/>
+        </p:txBody>
+      </p:sp>
+      <p:sp>
+        <p:nvSpPr>
+          <p:cNvPr id="21" name="object 21"/>
+          <p:cNvSpPr/>
+          <p:nvPr/>
+        </p:nvSpPr>
+        <p:spPr>
+          <a:xfrm>
+            <a:off x="4483100" y="1014475"/>
+            <a:ext cx="575945" cy="0"/>
+          </a:xfrm>
+          <a:custGeom>
+            <a:avLst/>
+            <a:gdLst/>
+            <a:ahLst/>
+            <a:cxnLst/>
+            <a:rect l="l" t="t" r="r" b="b"/>
+            <a:pathLst>
+              <a:path w="575945" h="0">
+                <a:moveTo>
+                  <a:pt x="0" y="0"/>
+                </a:moveTo>
+                <a:lnTo>
+                  <a:pt x="575690" y="0"/>
+                </a:lnTo>
+              </a:path>
+            </a:pathLst>
+          </a:custGeom>
+          <a:ln w="28575">
+            <a:solidFill>
+              <a:srgbClr val="000000"/>
+            </a:solidFill>
+          </a:ln>
+        </p:spPr>
+        <p:txBody>
+          <a:bodyPr wrap="square" lIns="0" tIns="0" rIns="0" bIns="0" rtlCol="0"/>
+          <a:lstStyle/>
+          <a:p/>
+        </p:txBody>
+      </p:sp>
+      <p:sp>
+        <p:nvSpPr>
+          <p:cNvPr id="22" name="object 22"/>
+          <p:cNvSpPr/>
+          <p:nvPr/>
+        </p:nvSpPr>
+        <p:spPr>
+          <a:xfrm>
+            <a:off x="4771009" y="1072388"/>
+            <a:ext cx="0" cy="189230"/>
+          </a:xfrm>
+          <a:custGeom>
+            <a:avLst/>
+            <a:gdLst/>
+            <a:ahLst/>
+            <a:cxnLst/>
+            <a:rect l="l" t="t" r="r" b="b"/>
+            <a:pathLst>
+              <a:path w="0" h="189230">
+                <a:moveTo>
+                  <a:pt x="0" y="188975"/>
+                </a:moveTo>
+                <a:lnTo>
+                  <a:pt x="0" y="0"/>
+                </a:lnTo>
+              </a:path>
+            </a:pathLst>
+          </a:custGeom>
+          <a:ln w="9525">
+            <a:solidFill>
+              <a:srgbClr val="000000"/>
+            </a:solidFill>
+            <a:prstDash val="dash"/>
+          </a:ln>
+        </p:spPr>
+        <p:txBody>
+          <a:bodyPr wrap="square" lIns="0" tIns="0" rIns="0" bIns="0" rtlCol="0"/>
+          <a:lstStyle/>
+          <a:p/>
+        </p:txBody>
+      </p:sp>
+      <p:sp>
+        <p:nvSpPr>
+          <p:cNvPr id="23" name="object 23"/>
+          <p:cNvSpPr/>
+          <p:nvPr/>
+        </p:nvSpPr>
+        <p:spPr>
+          <a:xfrm>
+            <a:off x="4771009" y="914653"/>
+            <a:ext cx="0" cy="9525"/>
+          </a:xfrm>
+          <a:custGeom>
+            <a:avLst/>
+            <a:gdLst/>
+            <a:ahLst/>
+            <a:cxnLst/>
+            <a:rect l="l" t="t" r="r" b="b"/>
+            <a:pathLst>
+              <a:path w="0" h="9525">
+                <a:moveTo>
+                  <a:pt x="-4762" y="4508"/>
+                </a:moveTo>
+                <a:lnTo>
+                  <a:pt x="4762" y="4508"/>
+                </a:lnTo>
+              </a:path>
+            </a:pathLst>
+          </a:custGeom>
+          <a:ln w="9016">
+            <a:solidFill>
+              <a:srgbClr val="000000"/>
+            </a:solidFill>
+            <a:prstDash val="dash"/>
+          </a:ln>
+        </p:spPr>
+        <p:txBody>
+          <a:bodyPr wrap="square" lIns="0" tIns="0" rIns="0" bIns="0" rtlCol="0"/>
+          <a:lstStyle/>
+          <a:p/>
+        </p:txBody>
+      </p:sp>
+      <p:sp>
+        <p:nvSpPr>
+          <p:cNvPr id="24" name="object 24"/>
+          <p:cNvSpPr/>
+          <p:nvPr/>
+        </p:nvSpPr>
+        <p:spPr>
+          <a:xfrm>
+            <a:off x="4626990" y="1261363"/>
+            <a:ext cx="288290" cy="0"/>
+          </a:xfrm>
+          <a:custGeom>
+            <a:avLst/>
+            <a:gdLst/>
+            <a:ahLst/>
+            <a:cxnLst/>
+            <a:rect l="l" t="t" r="r" b="b"/>
+            <a:pathLst>
+              <a:path w="288289" h="0">
+                <a:moveTo>
+                  <a:pt x="0" y="0"/>
+                </a:moveTo>
+                <a:lnTo>
+                  <a:pt x="287909" y="0"/>
+                </a:lnTo>
+              </a:path>
+            </a:pathLst>
+          </a:custGeom>
+          <a:ln w="9525">
+            <a:solidFill>
+              <a:srgbClr val="000000"/>
+            </a:solidFill>
+          </a:ln>
+        </p:spPr>
+        <p:txBody>
+          <a:bodyPr wrap="square" lIns="0" tIns="0" rIns="0" bIns="0" rtlCol="0"/>
+          <a:lstStyle/>
+          <a:p/>
+        </p:txBody>
+      </p:sp>
+      <p:sp>
+        <p:nvSpPr>
+          <p:cNvPr id="25" name="object 25"/>
+          <p:cNvSpPr/>
+          <p:nvPr/>
+        </p:nvSpPr>
+        <p:spPr>
+          <a:xfrm>
+            <a:off x="4626990" y="914653"/>
+            <a:ext cx="288290" cy="0"/>
+          </a:xfrm>
+          <a:custGeom>
+            <a:avLst/>
+            <a:gdLst/>
+            <a:ahLst/>
+            <a:cxnLst/>
+            <a:rect l="l" t="t" r="r" b="b"/>
+            <a:pathLst>
+              <a:path w="288289" h="0">
+                <a:moveTo>
+                  <a:pt x="0" y="0"/>
+                </a:moveTo>
+                <a:lnTo>
+                  <a:pt x="287909" y="0"/>
+                </a:lnTo>
+              </a:path>
+            </a:pathLst>
+          </a:custGeom>
+          <a:ln w="9525">
+            <a:solidFill>
+              <a:srgbClr val="000000"/>
+            </a:solidFill>
+          </a:ln>
+        </p:spPr>
+        <p:txBody>
+          <a:bodyPr wrap="square" lIns="0" tIns="0" rIns="0" bIns="0" rtlCol="0"/>
+          <a:lstStyle/>
+          <a:p/>
+        </p:txBody>
+      </p:sp>
+      <p:sp>
+        <p:nvSpPr>
+          <p:cNvPr id="26" name="object 26"/>
+          <p:cNvSpPr/>
+          <p:nvPr/>
+        </p:nvSpPr>
+        <p:spPr>
+          <a:xfrm>
+            <a:off x="4483100" y="923671"/>
+            <a:ext cx="575945" cy="149225"/>
+          </a:xfrm>
+          <a:custGeom>
+            <a:avLst/>
+            <a:gdLst/>
+            <a:ahLst/>
+            <a:cxnLst/>
+            <a:rect l="l" t="t" r="r" b="b"/>
+            <a:pathLst>
+              <a:path w="575945" h="149225">
+                <a:moveTo>
+                  <a:pt x="0" y="148717"/>
+                </a:moveTo>
+                <a:lnTo>
+                  <a:pt x="575690" y="148717"/>
+                </a:lnTo>
+                <a:lnTo>
+                  <a:pt x="575690" y="0"/>
+                </a:lnTo>
+                <a:lnTo>
+                  <a:pt x="0" y="0"/>
+                </a:lnTo>
+                <a:lnTo>
+                  <a:pt x="0" y="148717"/>
+                </a:lnTo>
+              </a:path>
+            </a:pathLst>
+          </a:custGeom>
+          <a:ln w="9525">
+            <a:solidFill>
+              <a:srgbClr val="000000"/>
+            </a:solidFill>
+          </a:ln>
+        </p:spPr>
+        <p:txBody>
+          <a:bodyPr wrap="square" lIns="0" tIns="0" rIns="0" bIns="0" rtlCol="0"/>
+          <a:lstStyle/>
+          <a:p/>
+        </p:txBody>
+      </p:sp>
+      <p:sp>
+        <p:nvSpPr>
+          <p:cNvPr id="27" name="object 27"/>
           <p:cNvSpPr txBox="1"/>
           <p:nvPr/>
         </p:nvSpPr>
         <p:spPr>
           <a:xfrm>
-            <a:off x="1854580" y="826134"/>
+            <a:off x="4733163" y="581786"/>
             <a:ext cx="88900" cy="101600"/>
           </a:xfrm>
           <a:prstGeom prst="rect">
@@ -1894,7 +2756,7 @@
           </a:prstGeom>
         </p:spPr>
         <p:txBody>
-          <a:bodyPr vert="horz" wrap="square" lIns="0" tIns="12700" rIns="0" bIns="0" rtlCol="0">
+          <a:bodyPr wrap="square" lIns="0" tIns="12700" rIns="0" bIns="0" rtlCol="0" vert="horz">
             <a:spAutoFit/>
           </a:bodyPr>
           <a:lstStyle/>
@@ -1908,7 +2770,7 @@
               </a:spcBef>
             </a:pPr>
             <a:r>
-              <a:rPr sz="500" dirty="0">
+              <a:rPr dirty="0" sz="500">
                 <a:latin typeface="MS UI Gothic"/>
                 <a:cs typeface="MS UI Gothic"/>
               </a:rPr>
@@ -1923,980 +2785,7 @@
       </p:sp>
       <p:sp>
         <p:nvSpPr>
-          <p:cNvPr id="10" name="object 10"/>
-          <p:cNvSpPr/>
-          <p:nvPr/>
-        </p:nvSpPr>
-        <p:spPr>
-          <a:xfrm>
-            <a:off x="2324100" y="872045"/>
-            <a:ext cx="575945" cy="28575"/>
-          </a:xfrm>
-          <a:custGeom>
-            <a:avLst/>
-            <a:gdLst/>
-            <a:ahLst/>
-            <a:cxnLst/>
-            <a:rect l="l" t="t" r="r" b="b"/>
-            <a:pathLst>
-              <a:path w="575944" h="28575">
-                <a:moveTo>
-                  <a:pt x="0" y="28575"/>
-                </a:moveTo>
-                <a:lnTo>
-                  <a:pt x="575691" y="28575"/>
-                </a:lnTo>
-                <a:lnTo>
-                  <a:pt x="575691" y="0"/>
-                </a:lnTo>
-                <a:lnTo>
-                  <a:pt x="0" y="0"/>
-                </a:lnTo>
-                <a:lnTo>
-                  <a:pt x="0" y="28575"/>
-                </a:lnTo>
-                <a:close/>
-              </a:path>
-            </a:pathLst>
-          </a:custGeom>
-          <a:solidFill>
-            <a:srgbClr val="000000"/>
-          </a:solidFill>
-        </p:spPr>
-        <p:txBody>
-          <a:bodyPr wrap="square" lIns="0" tIns="0" rIns="0" bIns="0" rtlCol="0"/>
-          <a:lstStyle/>
-          <a:p>
-            <a:endParaRPr/>
-          </a:p>
-        </p:txBody>
-      </p:sp>
-      <p:sp>
-        <p:nvSpPr>
-          <p:cNvPr id="11" name="object 11"/>
-          <p:cNvSpPr/>
-          <p:nvPr/>
-        </p:nvSpPr>
-        <p:spPr>
-          <a:xfrm>
-            <a:off x="2612008" y="853821"/>
-            <a:ext cx="0" cy="23495"/>
-          </a:xfrm>
-          <a:custGeom>
-            <a:avLst/>
-            <a:gdLst/>
-            <a:ahLst/>
-            <a:cxnLst/>
-            <a:rect l="l" t="t" r="r" b="b"/>
-            <a:pathLst>
-              <a:path h="23494">
-                <a:moveTo>
-                  <a:pt x="0" y="0"/>
-                </a:moveTo>
-                <a:lnTo>
-                  <a:pt x="0" y="23113"/>
-                </a:lnTo>
-              </a:path>
-            </a:pathLst>
-          </a:custGeom>
-          <a:ln w="9525">
-            <a:solidFill>
-              <a:srgbClr val="000000"/>
-            </a:solidFill>
-            <a:prstDash val="dash"/>
-          </a:ln>
-        </p:spPr>
-        <p:txBody>
-          <a:bodyPr wrap="square" lIns="0" tIns="0" rIns="0" bIns="0" rtlCol="0"/>
-          <a:lstStyle/>
-          <a:p>
-            <a:endParaRPr/>
-          </a:p>
-        </p:txBody>
-      </p:sp>
-      <p:sp>
-        <p:nvSpPr>
-          <p:cNvPr id="12" name="object 12"/>
-          <p:cNvSpPr/>
-          <p:nvPr/>
-        </p:nvSpPr>
-        <p:spPr>
-          <a:xfrm>
-            <a:off x="2467991" y="899794"/>
-            <a:ext cx="288290" cy="0"/>
-          </a:xfrm>
-          <a:custGeom>
-            <a:avLst/>
-            <a:gdLst/>
-            <a:ahLst/>
-            <a:cxnLst/>
-            <a:rect l="l" t="t" r="r" b="b"/>
-            <a:pathLst>
-              <a:path w="288289">
-                <a:moveTo>
-                  <a:pt x="0" y="0"/>
-                </a:moveTo>
-                <a:lnTo>
-                  <a:pt x="287908" y="0"/>
-                </a:lnTo>
-              </a:path>
-            </a:pathLst>
-          </a:custGeom>
-          <a:ln w="9525">
-            <a:solidFill>
-              <a:srgbClr val="000000"/>
-            </a:solidFill>
-          </a:ln>
-        </p:spPr>
-        <p:txBody>
-          <a:bodyPr wrap="square" lIns="0" tIns="0" rIns="0" bIns="0" rtlCol="0"/>
-          <a:lstStyle/>
-          <a:p>
-            <a:endParaRPr/>
-          </a:p>
-        </p:txBody>
-      </p:sp>
-      <p:sp>
-        <p:nvSpPr>
-          <p:cNvPr id="13" name="object 13"/>
-          <p:cNvSpPr/>
-          <p:nvPr/>
-        </p:nvSpPr>
-        <p:spPr>
-          <a:xfrm>
-            <a:off x="2467991" y="853821"/>
-            <a:ext cx="288290" cy="0"/>
-          </a:xfrm>
-          <a:custGeom>
-            <a:avLst/>
-            <a:gdLst/>
-            <a:ahLst/>
-            <a:cxnLst/>
-            <a:rect l="l" t="t" r="r" b="b"/>
-            <a:pathLst>
-              <a:path w="288289">
-                <a:moveTo>
-                  <a:pt x="0" y="0"/>
-                </a:moveTo>
-                <a:lnTo>
-                  <a:pt x="287908" y="0"/>
-                </a:lnTo>
-              </a:path>
-            </a:pathLst>
-          </a:custGeom>
-          <a:ln w="9525">
-            <a:solidFill>
-              <a:srgbClr val="000000"/>
-            </a:solidFill>
-          </a:ln>
-        </p:spPr>
-        <p:txBody>
-          <a:bodyPr wrap="square" lIns="0" tIns="0" rIns="0" bIns="0" rtlCol="0"/>
-          <a:lstStyle/>
-          <a:p>
-            <a:endParaRPr/>
-          </a:p>
-        </p:txBody>
-      </p:sp>
-      <p:sp>
-        <p:nvSpPr>
-          <p:cNvPr id="14" name="object 14"/>
-          <p:cNvSpPr/>
-          <p:nvPr/>
-        </p:nvSpPr>
-        <p:spPr>
-          <a:xfrm>
-            <a:off x="2319337" y="872172"/>
-            <a:ext cx="585470" cy="31115"/>
-          </a:xfrm>
-          <a:custGeom>
-            <a:avLst/>
-            <a:gdLst/>
-            <a:ahLst/>
-            <a:cxnLst/>
-            <a:rect l="l" t="t" r="r" b="b"/>
-            <a:pathLst>
-              <a:path w="585469" h="31115">
-                <a:moveTo>
-                  <a:pt x="0" y="31114"/>
-                </a:moveTo>
-                <a:lnTo>
-                  <a:pt x="585216" y="31114"/>
-                </a:lnTo>
-                <a:lnTo>
-                  <a:pt x="585216" y="0"/>
-                </a:lnTo>
-                <a:lnTo>
-                  <a:pt x="0" y="0"/>
-                </a:lnTo>
-                <a:lnTo>
-                  <a:pt x="0" y="31114"/>
-                </a:lnTo>
-                <a:close/>
-              </a:path>
-            </a:pathLst>
-          </a:custGeom>
-          <a:solidFill>
-            <a:srgbClr val="000000"/>
-          </a:solidFill>
-        </p:spPr>
-        <p:txBody>
-          <a:bodyPr wrap="square" lIns="0" tIns="0" rIns="0" bIns="0" rtlCol="0"/>
-          <a:lstStyle/>
-          <a:p>
-            <a:endParaRPr/>
-          </a:p>
-        </p:txBody>
-      </p:sp>
-      <p:sp>
-        <p:nvSpPr>
-          <p:cNvPr id="15" name="object 15"/>
-          <p:cNvSpPr/>
-          <p:nvPr/>
-        </p:nvSpPr>
-        <p:spPr>
-          <a:xfrm>
-            <a:off x="3043808" y="723265"/>
-            <a:ext cx="575945" cy="0"/>
-          </a:xfrm>
-          <a:custGeom>
-            <a:avLst/>
-            <a:gdLst/>
-            <a:ahLst/>
-            <a:cxnLst/>
-            <a:rect l="l" t="t" r="r" b="b"/>
-            <a:pathLst>
-              <a:path w="575945">
-                <a:moveTo>
-                  <a:pt x="0" y="0"/>
-                </a:moveTo>
-                <a:lnTo>
-                  <a:pt x="575691" y="0"/>
-                </a:lnTo>
-              </a:path>
-            </a:pathLst>
-          </a:custGeom>
-          <a:ln w="28575">
-            <a:solidFill>
-              <a:srgbClr val="000000"/>
-            </a:solidFill>
-          </a:ln>
-        </p:spPr>
-        <p:txBody>
-          <a:bodyPr wrap="square" lIns="0" tIns="0" rIns="0" bIns="0" rtlCol="0"/>
-          <a:lstStyle/>
-          <a:p>
-            <a:endParaRPr/>
-          </a:p>
-        </p:txBody>
-      </p:sp>
-      <p:sp>
-        <p:nvSpPr>
-          <p:cNvPr id="16" name="object 16"/>
-          <p:cNvSpPr/>
-          <p:nvPr/>
-        </p:nvSpPr>
-        <p:spPr>
-          <a:xfrm>
-            <a:off x="3331590" y="889253"/>
-            <a:ext cx="0" cy="344805"/>
-          </a:xfrm>
-          <a:custGeom>
-            <a:avLst/>
-            <a:gdLst/>
-            <a:ahLst/>
-            <a:cxnLst/>
-            <a:rect l="l" t="t" r="r" b="b"/>
-            <a:pathLst>
-              <a:path h="344805">
-                <a:moveTo>
-                  <a:pt x="0" y="344423"/>
-                </a:moveTo>
-                <a:lnTo>
-                  <a:pt x="0" y="0"/>
-                </a:lnTo>
-              </a:path>
-            </a:pathLst>
-          </a:custGeom>
-          <a:ln w="9525">
-            <a:solidFill>
-              <a:srgbClr val="000000"/>
-            </a:solidFill>
-            <a:prstDash val="dash"/>
-          </a:ln>
-        </p:spPr>
-        <p:txBody>
-          <a:bodyPr wrap="square" lIns="0" tIns="0" rIns="0" bIns="0" rtlCol="0"/>
-          <a:lstStyle/>
-          <a:p>
-            <a:endParaRPr/>
-          </a:p>
-        </p:txBody>
-      </p:sp>
-      <p:sp>
-        <p:nvSpPr>
-          <p:cNvPr id="17" name="object 17"/>
-          <p:cNvSpPr/>
-          <p:nvPr/>
-        </p:nvSpPr>
-        <p:spPr>
-          <a:xfrm>
-            <a:off x="3331590" y="402716"/>
-            <a:ext cx="0" cy="62865"/>
-          </a:xfrm>
-          <a:custGeom>
-            <a:avLst/>
-            <a:gdLst/>
-            <a:ahLst/>
-            <a:cxnLst/>
-            <a:rect l="l" t="t" r="r" b="b"/>
-            <a:pathLst>
-              <a:path h="62865">
-                <a:moveTo>
-                  <a:pt x="0" y="0"/>
-                </a:moveTo>
-                <a:lnTo>
-                  <a:pt x="0" y="62357"/>
-                </a:lnTo>
-              </a:path>
-            </a:pathLst>
-          </a:custGeom>
-          <a:ln w="9525">
-            <a:solidFill>
-              <a:srgbClr val="000000"/>
-            </a:solidFill>
-            <a:prstDash val="dash"/>
-          </a:ln>
-        </p:spPr>
-        <p:txBody>
-          <a:bodyPr wrap="square" lIns="0" tIns="0" rIns="0" bIns="0" rtlCol="0"/>
-          <a:lstStyle/>
-          <a:p>
-            <a:endParaRPr/>
-          </a:p>
-        </p:txBody>
-      </p:sp>
-      <p:sp>
-        <p:nvSpPr>
-          <p:cNvPr id="18" name="object 18"/>
-          <p:cNvSpPr/>
-          <p:nvPr/>
-        </p:nvSpPr>
-        <p:spPr>
-          <a:xfrm>
-            <a:off x="3187700" y="1233677"/>
-            <a:ext cx="288290" cy="0"/>
-          </a:xfrm>
-          <a:custGeom>
-            <a:avLst/>
-            <a:gdLst/>
-            <a:ahLst/>
-            <a:cxnLst/>
-            <a:rect l="l" t="t" r="r" b="b"/>
-            <a:pathLst>
-              <a:path w="288289">
-                <a:moveTo>
-                  <a:pt x="0" y="0"/>
-                </a:moveTo>
-                <a:lnTo>
-                  <a:pt x="287909" y="0"/>
-                </a:lnTo>
-              </a:path>
-            </a:pathLst>
-          </a:custGeom>
-          <a:ln w="9525">
-            <a:solidFill>
-              <a:srgbClr val="000000"/>
-            </a:solidFill>
-          </a:ln>
-        </p:spPr>
-        <p:txBody>
-          <a:bodyPr wrap="square" lIns="0" tIns="0" rIns="0" bIns="0" rtlCol="0"/>
-          <a:lstStyle/>
-          <a:p>
-            <a:endParaRPr/>
-          </a:p>
-        </p:txBody>
-      </p:sp>
-      <p:sp>
-        <p:nvSpPr>
-          <p:cNvPr id="19" name="object 19"/>
-          <p:cNvSpPr/>
-          <p:nvPr/>
-        </p:nvSpPr>
-        <p:spPr>
-          <a:xfrm>
-            <a:off x="3187700" y="402716"/>
-            <a:ext cx="288290" cy="0"/>
-          </a:xfrm>
-          <a:custGeom>
-            <a:avLst/>
-            <a:gdLst/>
-            <a:ahLst/>
-            <a:cxnLst/>
-            <a:rect l="l" t="t" r="r" b="b"/>
-            <a:pathLst>
-              <a:path w="288289">
-                <a:moveTo>
-                  <a:pt x="0" y="0"/>
-                </a:moveTo>
-                <a:lnTo>
-                  <a:pt x="287909" y="0"/>
-                </a:lnTo>
-              </a:path>
-            </a:pathLst>
-          </a:custGeom>
-          <a:ln w="9525">
-            <a:solidFill>
-              <a:srgbClr val="000000"/>
-            </a:solidFill>
-          </a:ln>
-        </p:spPr>
-        <p:txBody>
-          <a:bodyPr wrap="square" lIns="0" tIns="0" rIns="0" bIns="0" rtlCol="0"/>
-          <a:lstStyle/>
-          <a:p>
-            <a:endParaRPr/>
-          </a:p>
-        </p:txBody>
-      </p:sp>
-      <p:sp>
-        <p:nvSpPr>
-          <p:cNvPr id="20" name="object 20"/>
-          <p:cNvSpPr/>
-          <p:nvPr/>
-        </p:nvSpPr>
-        <p:spPr>
-          <a:xfrm>
-            <a:off x="3043808" y="465073"/>
-            <a:ext cx="575945" cy="424180"/>
-          </a:xfrm>
-          <a:custGeom>
-            <a:avLst/>
-            <a:gdLst/>
-            <a:ahLst/>
-            <a:cxnLst/>
-            <a:rect l="l" t="t" r="r" b="b"/>
-            <a:pathLst>
-              <a:path w="575945" h="424180">
-                <a:moveTo>
-                  <a:pt x="0" y="424180"/>
-                </a:moveTo>
-                <a:lnTo>
-                  <a:pt x="575691" y="424180"/>
-                </a:lnTo>
-                <a:lnTo>
-                  <a:pt x="575691" y="0"/>
-                </a:lnTo>
-                <a:lnTo>
-                  <a:pt x="0" y="0"/>
-                </a:lnTo>
-                <a:lnTo>
-                  <a:pt x="0" y="424180"/>
-                </a:lnTo>
-              </a:path>
-            </a:pathLst>
-          </a:custGeom>
-          <a:ln w="9525">
-            <a:solidFill>
-              <a:srgbClr val="000000"/>
-            </a:solidFill>
-          </a:ln>
-        </p:spPr>
-        <p:txBody>
-          <a:bodyPr wrap="square" lIns="0" tIns="0" rIns="0" bIns="0" rtlCol="0"/>
-          <a:lstStyle/>
-          <a:p>
-            <a:endParaRPr/>
-          </a:p>
-        </p:txBody>
-      </p:sp>
-      <p:sp>
-        <p:nvSpPr>
-          <p:cNvPr id="21" name="object 21"/>
-          <p:cNvSpPr/>
-          <p:nvPr/>
-        </p:nvSpPr>
-        <p:spPr>
-          <a:xfrm>
-            <a:off x="3763390" y="870330"/>
-            <a:ext cx="575945" cy="0"/>
-          </a:xfrm>
-          <a:custGeom>
-            <a:avLst/>
-            <a:gdLst/>
-            <a:ahLst/>
-            <a:cxnLst/>
-            <a:rect l="l" t="t" r="r" b="b"/>
-            <a:pathLst>
-              <a:path w="575945">
-                <a:moveTo>
-                  <a:pt x="0" y="0"/>
-                </a:moveTo>
-                <a:lnTo>
-                  <a:pt x="575818" y="0"/>
-                </a:lnTo>
-              </a:path>
-            </a:pathLst>
-          </a:custGeom>
-          <a:ln w="28575">
-            <a:solidFill>
-              <a:srgbClr val="000000"/>
-            </a:solidFill>
-          </a:ln>
-        </p:spPr>
-        <p:txBody>
-          <a:bodyPr wrap="square" lIns="0" tIns="0" rIns="0" bIns="0" rtlCol="0"/>
-          <a:lstStyle/>
-          <a:p>
-            <a:endParaRPr/>
-          </a:p>
-        </p:txBody>
-      </p:sp>
-      <p:sp>
-        <p:nvSpPr>
-          <p:cNvPr id="22" name="object 22"/>
-          <p:cNvSpPr/>
-          <p:nvPr/>
-        </p:nvSpPr>
-        <p:spPr>
-          <a:xfrm>
-            <a:off x="4051300" y="819150"/>
-            <a:ext cx="0" cy="30480"/>
-          </a:xfrm>
-          <a:custGeom>
-            <a:avLst/>
-            <a:gdLst/>
-            <a:ahLst/>
-            <a:cxnLst/>
-            <a:rect l="l" t="t" r="r" b="b"/>
-            <a:pathLst>
-              <a:path h="30480">
-                <a:moveTo>
-                  <a:pt x="0" y="0"/>
-                </a:moveTo>
-                <a:lnTo>
-                  <a:pt x="0" y="30479"/>
-                </a:lnTo>
-              </a:path>
-            </a:pathLst>
-          </a:custGeom>
-          <a:ln w="9525">
-            <a:solidFill>
-              <a:srgbClr val="000000"/>
-            </a:solidFill>
-            <a:prstDash val="dash"/>
-          </a:ln>
-        </p:spPr>
-        <p:txBody>
-          <a:bodyPr wrap="square" lIns="0" tIns="0" rIns="0" bIns="0" rtlCol="0"/>
-          <a:lstStyle/>
-          <a:p>
-            <a:endParaRPr/>
-          </a:p>
-        </p:txBody>
-      </p:sp>
-      <p:sp>
-        <p:nvSpPr>
-          <p:cNvPr id="23" name="object 23"/>
-          <p:cNvSpPr/>
-          <p:nvPr/>
-        </p:nvSpPr>
-        <p:spPr>
-          <a:xfrm>
-            <a:off x="3907409" y="897636"/>
-            <a:ext cx="288290" cy="0"/>
-          </a:xfrm>
-          <a:custGeom>
-            <a:avLst/>
-            <a:gdLst/>
-            <a:ahLst/>
-            <a:cxnLst/>
-            <a:rect l="l" t="t" r="r" b="b"/>
-            <a:pathLst>
-              <a:path w="288289">
-                <a:moveTo>
-                  <a:pt x="0" y="0"/>
-                </a:moveTo>
-                <a:lnTo>
-                  <a:pt x="287781" y="0"/>
-                </a:lnTo>
-              </a:path>
-            </a:pathLst>
-          </a:custGeom>
-          <a:ln w="9525">
-            <a:solidFill>
-              <a:srgbClr val="000000"/>
-            </a:solidFill>
-          </a:ln>
-        </p:spPr>
-        <p:txBody>
-          <a:bodyPr wrap="square" lIns="0" tIns="0" rIns="0" bIns="0" rtlCol="0"/>
-          <a:lstStyle/>
-          <a:p>
-            <a:endParaRPr/>
-          </a:p>
-        </p:txBody>
-      </p:sp>
-      <p:sp>
-        <p:nvSpPr>
-          <p:cNvPr id="24" name="object 24"/>
-          <p:cNvSpPr/>
-          <p:nvPr/>
-        </p:nvSpPr>
-        <p:spPr>
-          <a:xfrm>
-            <a:off x="3907409" y="819150"/>
-            <a:ext cx="288290" cy="0"/>
-          </a:xfrm>
-          <a:custGeom>
-            <a:avLst/>
-            <a:gdLst/>
-            <a:ahLst/>
-            <a:cxnLst/>
-            <a:rect l="l" t="t" r="r" b="b"/>
-            <a:pathLst>
-              <a:path w="288289">
-                <a:moveTo>
-                  <a:pt x="0" y="0"/>
-                </a:moveTo>
-                <a:lnTo>
-                  <a:pt x="287781" y="0"/>
-                </a:lnTo>
-              </a:path>
-            </a:pathLst>
-          </a:custGeom>
-          <a:ln w="9525">
-            <a:solidFill>
-              <a:srgbClr val="000000"/>
-            </a:solidFill>
-          </a:ln>
-        </p:spPr>
-        <p:txBody>
-          <a:bodyPr wrap="square" lIns="0" tIns="0" rIns="0" bIns="0" rtlCol="0"/>
-          <a:lstStyle/>
-          <a:p>
-            <a:endParaRPr/>
-          </a:p>
-        </p:txBody>
-      </p:sp>
-      <p:sp>
-        <p:nvSpPr>
-          <p:cNvPr id="25" name="object 25"/>
-          <p:cNvSpPr/>
-          <p:nvPr/>
-        </p:nvSpPr>
-        <p:spPr>
-          <a:xfrm>
-            <a:off x="3763390" y="849630"/>
-            <a:ext cx="575945" cy="32384"/>
-          </a:xfrm>
-          <a:custGeom>
-            <a:avLst/>
-            <a:gdLst/>
-            <a:ahLst/>
-            <a:cxnLst/>
-            <a:rect l="l" t="t" r="r" b="b"/>
-            <a:pathLst>
-              <a:path w="575945" h="32384">
-                <a:moveTo>
-                  <a:pt x="0" y="32385"/>
-                </a:moveTo>
-                <a:lnTo>
-                  <a:pt x="575818" y="32385"/>
-                </a:lnTo>
-                <a:lnTo>
-                  <a:pt x="575818" y="0"/>
-                </a:lnTo>
-                <a:lnTo>
-                  <a:pt x="0" y="0"/>
-                </a:lnTo>
-                <a:lnTo>
-                  <a:pt x="0" y="32385"/>
-                </a:lnTo>
-              </a:path>
-            </a:pathLst>
-          </a:custGeom>
-          <a:ln w="9525">
-            <a:solidFill>
-              <a:srgbClr val="000000"/>
-            </a:solidFill>
-          </a:ln>
-        </p:spPr>
-        <p:txBody>
-          <a:bodyPr wrap="square" lIns="0" tIns="0" rIns="0" bIns="0" rtlCol="0"/>
-          <a:lstStyle/>
-          <a:p>
-            <a:endParaRPr/>
-          </a:p>
-        </p:txBody>
-      </p:sp>
-      <p:sp>
-        <p:nvSpPr>
-          <p:cNvPr id="26" name="object 26"/>
-          <p:cNvSpPr/>
-          <p:nvPr/>
-        </p:nvSpPr>
-        <p:spPr>
-          <a:xfrm>
-            <a:off x="4483100" y="1014475"/>
-            <a:ext cx="575945" cy="0"/>
-          </a:xfrm>
-          <a:custGeom>
-            <a:avLst/>
-            <a:gdLst/>
-            <a:ahLst/>
-            <a:cxnLst/>
-            <a:rect l="l" t="t" r="r" b="b"/>
-            <a:pathLst>
-              <a:path w="575945">
-                <a:moveTo>
-                  <a:pt x="0" y="0"/>
-                </a:moveTo>
-                <a:lnTo>
-                  <a:pt x="575690" y="0"/>
-                </a:lnTo>
-              </a:path>
-            </a:pathLst>
-          </a:custGeom>
-          <a:ln w="28575">
-            <a:solidFill>
-              <a:srgbClr val="000000"/>
-            </a:solidFill>
-          </a:ln>
-        </p:spPr>
-        <p:txBody>
-          <a:bodyPr wrap="square" lIns="0" tIns="0" rIns="0" bIns="0" rtlCol="0"/>
-          <a:lstStyle/>
-          <a:p>
-            <a:endParaRPr/>
-          </a:p>
-        </p:txBody>
-      </p:sp>
-      <p:sp>
-        <p:nvSpPr>
-          <p:cNvPr id="27" name="object 27"/>
-          <p:cNvSpPr/>
-          <p:nvPr/>
-        </p:nvSpPr>
-        <p:spPr>
-          <a:xfrm>
-            <a:off x="4771009" y="1072388"/>
-            <a:ext cx="0" cy="189230"/>
-          </a:xfrm>
-          <a:custGeom>
-            <a:avLst/>
-            <a:gdLst/>
-            <a:ahLst/>
-            <a:cxnLst/>
-            <a:rect l="l" t="t" r="r" b="b"/>
-            <a:pathLst>
-              <a:path h="189230">
-                <a:moveTo>
-                  <a:pt x="0" y="188975"/>
-                </a:moveTo>
-                <a:lnTo>
-                  <a:pt x="0" y="0"/>
-                </a:lnTo>
-              </a:path>
-            </a:pathLst>
-          </a:custGeom>
-          <a:ln w="9525">
-            <a:solidFill>
-              <a:srgbClr val="000000"/>
-            </a:solidFill>
-            <a:prstDash val="dash"/>
-          </a:ln>
-        </p:spPr>
-        <p:txBody>
-          <a:bodyPr wrap="square" lIns="0" tIns="0" rIns="0" bIns="0" rtlCol="0"/>
-          <a:lstStyle/>
-          <a:p>
-            <a:endParaRPr/>
-          </a:p>
-        </p:txBody>
-      </p:sp>
-      <p:sp>
-        <p:nvSpPr>
           <p:cNvPr id="28" name="object 28"/>
-          <p:cNvSpPr/>
-          <p:nvPr/>
-        </p:nvSpPr>
-        <p:spPr>
-          <a:xfrm>
-            <a:off x="4626990" y="1261363"/>
-            <a:ext cx="288290" cy="0"/>
-          </a:xfrm>
-          <a:custGeom>
-            <a:avLst/>
-            <a:gdLst/>
-            <a:ahLst/>
-            <a:cxnLst/>
-            <a:rect l="l" t="t" r="r" b="b"/>
-            <a:pathLst>
-              <a:path w="288289">
-                <a:moveTo>
-                  <a:pt x="0" y="0"/>
-                </a:moveTo>
-                <a:lnTo>
-                  <a:pt x="287909" y="0"/>
-                </a:lnTo>
-              </a:path>
-            </a:pathLst>
-          </a:custGeom>
-          <a:ln w="9525">
-            <a:solidFill>
-              <a:srgbClr val="000000"/>
-            </a:solidFill>
-          </a:ln>
-        </p:spPr>
-        <p:txBody>
-          <a:bodyPr wrap="square" lIns="0" tIns="0" rIns="0" bIns="0" rtlCol="0"/>
-          <a:lstStyle/>
-          <a:p>
-            <a:endParaRPr/>
-          </a:p>
-        </p:txBody>
-      </p:sp>
-      <p:sp>
-        <p:nvSpPr>
-          <p:cNvPr id="29" name="object 29"/>
-          <p:cNvSpPr/>
-          <p:nvPr/>
-        </p:nvSpPr>
-        <p:spPr>
-          <a:xfrm>
-            <a:off x="4626990" y="914653"/>
-            <a:ext cx="288290" cy="0"/>
-          </a:xfrm>
-          <a:custGeom>
-            <a:avLst/>
-            <a:gdLst/>
-            <a:ahLst/>
-            <a:cxnLst/>
-            <a:rect l="l" t="t" r="r" b="b"/>
-            <a:pathLst>
-              <a:path w="288289">
-                <a:moveTo>
-                  <a:pt x="0" y="0"/>
-                </a:moveTo>
-                <a:lnTo>
-                  <a:pt x="287909" y="0"/>
-                </a:lnTo>
-              </a:path>
-            </a:pathLst>
-          </a:custGeom>
-          <a:ln w="9525">
-            <a:solidFill>
-              <a:srgbClr val="000000"/>
-            </a:solidFill>
-          </a:ln>
-        </p:spPr>
-        <p:txBody>
-          <a:bodyPr wrap="square" lIns="0" tIns="0" rIns="0" bIns="0" rtlCol="0"/>
-          <a:lstStyle/>
-          <a:p>
-            <a:endParaRPr/>
-          </a:p>
-        </p:txBody>
-      </p:sp>
-      <p:sp>
-        <p:nvSpPr>
-          <p:cNvPr id="30" name="object 30"/>
-          <p:cNvSpPr/>
-          <p:nvPr/>
-        </p:nvSpPr>
-        <p:spPr>
-          <a:xfrm>
-            <a:off x="4483100" y="923671"/>
-            <a:ext cx="575945" cy="149225"/>
-          </a:xfrm>
-          <a:custGeom>
-            <a:avLst/>
-            <a:gdLst/>
-            <a:ahLst/>
-            <a:cxnLst/>
-            <a:rect l="l" t="t" r="r" b="b"/>
-            <a:pathLst>
-              <a:path w="575945" h="149225">
-                <a:moveTo>
-                  <a:pt x="0" y="148717"/>
-                </a:moveTo>
-                <a:lnTo>
-                  <a:pt x="575690" y="148717"/>
-                </a:lnTo>
-                <a:lnTo>
-                  <a:pt x="575690" y="0"/>
-                </a:lnTo>
-                <a:lnTo>
-                  <a:pt x="0" y="0"/>
-                </a:lnTo>
-                <a:lnTo>
-                  <a:pt x="0" y="148717"/>
-                </a:lnTo>
-              </a:path>
-            </a:pathLst>
-          </a:custGeom>
-          <a:ln w="9525">
-            <a:solidFill>
-              <a:srgbClr val="000000"/>
-            </a:solidFill>
-          </a:ln>
-        </p:spPr>
-        <p:txBody>
-          <a:bodyPr wrap="square" lIns="0" tIns="0" rIns="0" bIns="0" rtlCol="0"/>
-          <a:lstStyle/>
-          <a:p>
-            <a:endParaRPr/>
-          </a:p>
-        </p:txBody>
-      </p:sp>
-      <p:sp>
-        <p:nvSpPr>
-          <p:cNvPr id="31" name="object 31"/>
-          <p:cNvSpPr txBox="1"/>
-          <p:nvPr/>
-        </p:nvSpPr>
-        <p:spPr>
-          <a:xfrm>
-            <a:off x="4733163" y="581786"/>
-            <a:ext cx="88900" cy="101600"/>
-          </a:xfrm>
-          <a:prstGeom prst="rect">
-            <a:avLst/>
-          </a:prstGeom>
-        </p:spPr>
-        <p:txBody>
-          <a:bodyPr vert="horz" wrap="square" lIns="0" tIns="12700" rIns="0" bIns="0" rtlCol="0">
-            <a:spAutoFit/>
-          </a:bodyPr>
-          <a:lstStyle/>
-          <a:p>
-            <a:pPr marL="12700">
-              <a:lnSpc>
-                <a:spcPct val="100000"/>
-              </a:lnSpc>
-              <a:spcBef>
-                <a:spcPts val="100"/>
-              </a:spcBef>
-            </a:pPr>
-            <a:r>
-              <a:rPr sz="500" dirty="0">
-                <a:latin typeface="MS UI Gothic"/>
-                <a:cs typeface="MS UI Gothic"/>
-              </a:rPr>
-              <a:t>●</a:t>
-            </a:r>
-            <a:endParaRPr sz="500">
-              <a:latin typeface="MS UI Gothic"/>
-              <a:cs typeface="MS UI Gothic"/>
-            </a:endParaRPr>
-          </a:p>
-        </p:txBody>
-      </p:sp>
-      <p:sp>
-        <p:nvSpPr>
-          <p:cNvPr id="32" name="object 32"/>
           <p:cNvSpPr/>
           <p:nvPr/>
         </p:nvSpPr>
@@ -2912,7 +2801,7 @@
             <a:cxnLst/>
             <a:rect l="l" t="t" r="r" b="b"/>
             <a:pathLst>
-              <a:path h="916940">
+              <a:path w="0" h="916940">
                 <a:moveTo>
                   <a:pt x="0" y="916558"/>
                 </a:moveTo>
@@ -2931,14 +2820,12 @@
         <p:txBody>
           <a:bodyPr wrap="square" lIns="0" tIns="0" rIns="0" bIns="0" rtlCol="0"/>
           <a:lstStyle/>
-          <a:p>
-            <a:endParaRPr/>
-          </a:p>
-        </p:txBody>
-      </p:sp>
-      <p:sp>
-        <p:nvSpPr>
-          <p:cNvPr id="33" name="object 33"/>
+          <a:p/>
+        </p:txBody>
+      </p:sp>
+      <p:sp>
+        <p:nvSpPr>
+          <p:cNvPr id="29" name="object 29"/>
           <p:cNvSpPr/>
           <p:nvPr/>
         </p:nvSpPr>
@@ -2954,7 +2841,7 @@
             <a:cxnLst/>
             <a:rect l="l" t="t" r="r" b="b"/>
             <a:pathLst>
-              <a:path w="91440">
+              <a:path w="91440" h="0">
                 <a:moveTo>
                   <a:pt x="91439" y="0"/>
                 </a:moveTo>
@@ -2964,23 +2851,21 @@
               </a:path>
             </a:pathLst>
           </a:custGeom>
-          <a:ln w="12700">
-            <a:solidFill>
-              <a:srgbClr val="000000"/>
-            </a:solidFill>
-          </a:ln>
-        </p:spPr>
-        <p:txBody>
-          <a:bodyPr wrap="square" lIns="0" tIns="0" rIns="0" bIns="0" rtlCol="0"/>
-          <a:lstStyle/>
-          <a:p>
-            <a:endParaRPr/>
-          </a:p>
-        </p:txBody>
-      </p:sp>
-      <p:sp>
-        <p:nvSpPr>
-          <p:cNvPr id="34" name="object 34"/>
+          <a:ln w="9525">
+            <a:solidFill>
+              <a:srgbClr val="000000"/>
+            </a:solidFill>
+          </a:ln>
+        </p:spPr>
+        <p:txBody>
+          <a:bodyPr wrap="square" lIns="0" tIns="0" rIns="0" bIns="0" rtlCol="0"/>
+          <a:lstStyle/>
+          <a:p/>
+        </p:txBody>
+      </p:sp>
+      <p:sp>
+        <p:nvSpPr>
+          <p:cNvPr id="30" name="object 30"/>
           <p:cNvSpPr/>
           <p:nvPr/>
         </p:nvSpPr>
@@ -2996,7 +2881,7 @@
             <a:cxnLst/>
             <a:rect l="l" t="t" r="r" b="b"/>
             <a:pathLst>
-              <a:path w="91440">
+              <a:path w="91440" h="0">
                 <a:moveTo>
                   <a:pt x="91439" y="0"/>
                 </a:moveTo>
@@ -3015,14 +2900,12 @@
         <p:txBody>
           <a:bodyPr wrap="square" lIns="0" tIns="0" rIns="0" bIns="0" rtlCol="0"/>
           <a:lstStyle/>
-          <a:p>
-            <a:endParaRPr/>
-          </a:p>
-        </p:txBody>
-      </p:sp>
-      <p:sp>
-        <p:nvSpPr>
-          <p:cNvPr id="35" name="object 35"/>
+          <a:p/>
+        </p:txBody>
+      </p:sp>
+      <p:sp>
+        <p:nvSpPr>
+          <p:cNvPr id="31" name="object 31"/>
           <p:cNvSpPr/>
           <p:nvPr/>
         </p:nvSpPr>
@@ -3038,7 +2921,7 @@
             <a:cxnLst/>
             <a:rect l="l" t="t" r="r" b="b"/>
             <a:pathLst>
-              <a:path w="91440">
+              <a:path w="91440" h="0">
                 <a:moveTo>
                   <a:pt x="91439" y="0"/>
                 </a:moveTo>
@@ -3048,23 +2931,21 @@
               </a:path>
             </a:pathLst>
           </a:custGeom>
-          <a:ln w="12700">
-            <a:solidFill>
-              <a:srgbClr val="000000"/>
-            </a:solidFill>
-          </a:ln>
-        </p:spPr>
-        <p:txBody>
-          <a:bodyPr wrap="square" lIns="0" tIns="0" rIns="0" bIns="0" rtlCol="0"/>
-          <a:lstStyle/>
-          <a:p>
-            <a:endParaRPr/>
-          </a:p>
-        </p:txBody>
-      </p:sp>
-      <p:sp>
-        <p:nvSpPr>
-          <p:cNvPr id="36" name="object 36"/>
+          <a:ln w="9525">
+            <a:solidFill>
+              <a:srgbClr val="000000"/>
+            </a:solidFill>
+          </a:ln>
+        </p:spPr>
+        <p:txBody>
+          <a:bodyPr wrap="square" lIns="0" tIns="0" rIns="0" bIns="0" rtlCol="0"/>
+          <a:lstStyle/>
+          <a:p/>
+        </p:txBody>
+      </p:sp>
+      <p:sp>
+        <p:nvSpPr>
+          <p:cNvPr id="32" name="object 32"/>
           <p:cNvSpPr/>
           <p:nvPr/>
         </p:nvSpPr>
@@ -3080,7 +2961,7 @@
             <a:cxnLst/>
             <a:rect l="l" t="t" r="r" b="b"/>
             <a:pathLst>
-              <a:path w="91440">
+              <a:path w="91440" h="0">
                 <a:moveTo>
                   <a:pt x="91439" y="0"/>
                 </a:moveTo>
@@ -3099,14 +2980,12 @@
         <p:txBody>
           <a:bodyPr wrap="square" lIns="0" tIns="0" rIns="0" bIns="0" rtlCol="0"/>
           <a:lstStyle/>
-          <a:p>
-            <a:endParaRPr/>
-          </a:p>
-        </p:txBody>
-      </p:sp>
-      <p:sp>
-        <p:nvSpPr>
-          <p:cNvPr id="37" name="object 37"/>
+          <a:p/>
+        </p:txBody>
+      </p:sp>
+      <p:sp>
+        <p:nvSpPr>
+          <p:cNvPr id="33" name="object 33"/>
           <p:cNvSpPr/>
           <p:nvPr/>
         </p:nvSpPr>
@@ -3122,7 +3001,7 @@
             <a:cxnLst/>
             <a:rect l="l" t="t" r="r" b="b"/>
             <a:pathLst>
-              <a:path w="91440">
+              <a:path w="91440" h="0">
                 <a:moveTo>
                   <a:pt x="91439" y="0"/>
                 </a:moveTo>
@@ -3132,23 +3011,21 @@
               </a:path>
             </a:pathLst>
           </a:custGeom>
-          <a:ln w="12700">
-            <a:solidFill>
-              <a:srgbClr val="000000"/>
-            </a:solidFill>
-          </a:ln>
-        </p:spPr>
-        <p:txBody>
-          <a:bodyPr wrap="square" lIns="0" tIns="0" rIns="0" bIns="0" rtlCol="0"/>
-          <a:lstStyle/>
-          <a:p>
-            <a:endParaRPr/>
-          </a:p>
-        </p:txBody>
-      </p:sp>
-      <p:sp>
-        <p:nvSpPr>
-          <p:cNvPr id="38" name="object 38"/>
+          <a:ln w="9525">
+            <a:solidFill>
+              <a:srgbClr val="000000"/>
+            </a:solidFill>
+          </a:ln>
+        </p:spPr>
+        <p:txBody>
+          <a:bodyPr wrap="square" lIns="0" tIns="0" rIns="0" bIns="0" rtlCol="0"/>
+          <a:lstStyle/>
+          <a:p/>
+        </p:txBody>
+      </p:sp>
+      <p:sp>
+        <p:nvSpPr>
+          <p:cNvPr id="34" name="object 34"/>
           <p:cNvSpPr txBox="1"/>
           <p:nvPr/>
         </p:nvSpPr>
@@ -3162,7 +3039,7 @@
           </a:prstGeom>
         </p:spPr>
         <p:txBody>
-          <a:bodyPr vert="vert270" wrap="square" lIns="0" tIns="0" rIns="0" bIns="0" rtlCol="0">
+          <a:bodyPr wrap="square" lIns="0" tIns="0" rIns="0" bIns="0" rtlCol="0" vert="vert270">
             <a:spAutoFit/>
           </a:bodyPr>
           <a:lstStyle/>
@@ -3173,7 +3050,7 @@
               </a:lnSpc>
             </a:pPr>
             <a:r>
-              <a:rPr sz="1200" dirty="0">
+              <a:rPr dirty="0" sz="1200">
                 <a:latin typeface="Times New Roman"/>
                 <a:cs typeface="Times New Roman"/>
               </a:rPr>
@@ -3188,7 +3065,7 @@
       </p:sp>
       <p:sp>
         <p:nvSpPr>
-          <p:cNvPr id="39" name="object 39"/>
+          <p:cNvPr id="35" name="object 35"/>
           <p:cNvSpPr txBox="1"/>
           <p:nvPr/>
         </p:nvSpPr>
@@ -3202,7 +3079,7 @@
           </a:prstGeom>
         </p:spPr>
         <p:txBody>
-          <a:bodyPr vert="vert270" wrap="square" lIns="0" tIns="0" rIns="0" bIns="0" rtlCol="0">
+          <a:bodyPr wrap="square" lIns="0" tIns="0" rIns="0" bIns="0" rtlCol="0" vert="vert270">
             <a:spAutoFit/>
           </a:bodyPr>
           <a:lstStyle/>
@@ -3213,7 +3090,7 @@
               </a:lnSpc>
             </a:pPr>
             <a:r>
-              <a:rPr sz="1200" dirty="0">
+              <a:rPr dirty="0" sz="1200">
                 <a:latin typeface="Times New Roman"/>
                 <a:cs typeface="Times New Roman"/>
               </a:rPr>
@@ -3228,7 +3105,7 @@
       </p:sp>
       <p:sp>
         <p:nvSpPr>
-          <p:cNvPr id="40" name="object 40"/>
+          <p:cNvPr id="36" name="object 36"/>
           <p:cNvSpPr/>
           <p:nvPr/>
         </p:nvSpPr>
@@ -3272,14 +3149,12 @@
         <p:txBody>
           <a:bodyPr wrap="square" lIns="0" tIns="0" rIns="0" bIns="0" rtlCol="0"/>
           <a:lstStyle/>
-          <a:p>
-            <a:endParaRPr/>
-          </a:p>
-        </p:txBody>
-      </p:sp>
-      <p:sp>
-        <p:nvSpPr>
-          <p:cNvPr id="41" name="object 41"/>
+          <a:p/>
+        </p:txBody>
+      </p:sp>
+      <p:sp>
+        <p:nvSpPr>
+          <p:cNvPr id="37" name="object 37"/>
           <p:cNvSpPr txBox="1">
             <a:spLocks noGrp="1"/>
           </p:cNvSpPr>
@@ -3288,16 +3163,10 @@
           </p:nvPr>
         </p:nvSpPr>
         <p:spPr>
-          <a:xfrm>
-            <a:off x="1748408" y="72644"/>
-            <a:ext cx="1929384" cy="197490"/>
-          </a:xfrm>
-          <a:prstGeom prst="rect">
-            <a:avLst/>
-          </a:prstGeom>
-        </p:spPr>
-        <p:txBody>
-          <a:bodyPr vert="horz" wrap="square" lIns="0" tIns="12700" rIns="0" bIns="0" rtlCol="0">
+          <a:prstGeom prst="rect"/>
+        </p:spPr>
+        <p:txBody>
+          <a:bodyPr wrap="square" lIns="0" tIns="12700" rIns="0" bIns="0" rtlCol="0" vert="horz">
             <a:spAutoFit/>
           </a:bodyPr>
           <a:lstStyle/>
@@ -3311,31 +3180,23 @@
               </a:spcBef>
             </a:pPr>
             <a:r>
-              <a:rPr spc="-5" dirty="0"/>
+              <a:rPr dirty="0" spc="-5"/>
               <a:t>Predisinfection</a:t>
             </a:r>
             <a:r>
-              <a:rPr spc="-40" dirty="0"/>
+              <a:rPr dirty="0" spc="-40"/>
               <a:t> </a:t>
             </a:r>
             <a:r>
-              <a:rPr i="1" dirty="0"/>
-              <a:t>E.</a:t>
-            </a:r>
-            <a:r>
-              <a:rPr lang="en-US" i="1" dirty="0"/>
-              <a:t> </a:t>
-            </a:r>
-            <a:r>
-              <a:rPr i="1" dirty="0"/>
-              <a:t>coli</a:t>
+              <a:rPr dirty="0"/>
+              <a:t>E.coli</a:t>
             </a:r>
           </a:p>
         </p:txBody>
       </p:sp>
       <p:sp>
         <p:nvSpPr>
-          <p:cNvPr id="42" name="object 42"/>
+          <p:cNvPr id="38" name="object 38"/>
           <p:cNvSpPr txBox="1"/>
           <p:nvPr/>
         </p:nvSpPr>
@@ -3349,7 +3210,7 @@
           </a:prstGeom>
         </p:spPr>
         <p:txBody>
-          <a:bodyPr vert="vert270" wrap="square" lIns="0" tIns="0" rIns="0" bIns="0" rtlCol="0">
+          <a:bodyPr wrap="square" lIns="0" tIns="0" rIns="0" bIns="0" rtlCol="0" vert="vert270">
             <a:spAutoFit/>
           </a:bodyPr>
           <a:lstStyle/>
@@ -3360,7 +3221,7 @@
               </a:lnSpc>
             </a:pPr>
             <a:r>
-              <a:rPr sz="1200" dirty="0">
+              <a:rPr dirty="0" sz="1200">
                 <a:latin typeface="Times New Roman"/>
                 <a:cs typeface="Times New Roman"/>
               </a:rPr>
@@ -3372,7 +3233,7 @@
             </a:endParaRPr>
           </a:p>
           <a:p>
-            <a:pPr marL="45720" algn="ctr">
+            <a:pPr algn="ctr" marL="45720">
               <a:lnSpc>
                 <a:spcPct val="100000"/>
               </a:lnSpc>
@@ -3381,7 +3242,7 @@
               </a:spcBef>
             </a:pPr>
             <a:r>
-              <a:rPr sz="1200" dirty="0">
+              <a:rPr dirty="0" sz="1200">
                 <a:latin typeface="Times New Roman"/>
                 <a:cs typeface="Times New Roman"/>
               </a:rPr>
@@ -3396,7 +3257,7 @@
       </p:sp>
       <p:sp>
         <p:nvSpPr>
-          <p:cNvPr id="43" name="object 43"/>
+          <p:cNvPr id="39" name="object 39"/>
           <p:cNvSpPr/>
           <p:nvPr/>
         </p:nvSpPr>
@@ -3412,7 +3273,7 @@
             <a:cxnLst/>
             <a:rect l="l" t="t" r="r" b="b"/>
             <a:pathLst>
-              <a:path w="3598545">
+              <a:path w="3598545" h="0">
                 <a:moveTo>
                   <a:pt x="0" y="0"/>
                 </a:moveTo>
@@ -3431,14 +3292,12 @@
         <p:txBody>
           <a:bodyPr wrap="square" lIns="0" tIns="0" rIns="0" bIns="0" rtlCol="0"/>
           <a:lstStyle/>
-          <a:p>
-            <a:endParaRPr/>
-          </a:p>
-        </p:txBody>
-      </p:sp>
-      <p:sp>
-        <p:nvSpPr>
-          <p:cNvPr id="44" name="object 44"/>
+          <a:p/>
+        </p:txBody>
+      </p:sp>
+      <p:sp>
+        <p:nvSpPr>
+          <p:cNvPr id="40" name="object 40"/>
           <p:cNvSpPr/>
           <p:nvPr/>
         </p:nvSpPr>
@@ -3454,7 +3313,7 @@
             <a:cxnLst/>
             <a:rect l="l" t="t" r="r" b="b"/>
             <a:pathLst>
-              <a:path h="91440">
+              <a:path w="0" h="91440">
                 <a:moveTo>
                   <a:pt x="0" y="0"/>
                 </a:moveTo>
@@ -3473,14 +3332,12 @@
         <p:txBody>
           <a:bodyPr wrap="square" lIns="0" tIns="0" rIns="0" bIns="0" rtlCol="0"/>
           <a:lstStyle/>
-          <a:p>
-            <a:endParaRPr/>
-          </a:p>
-        </p:txBody>
-      </p:sp>
-      <p:sp>
-        <p:nvSpPr>
-          <p:cNvPr id="45" name="object 45"/>
+          <a:p/>
+        </p:txBody>
+      </p:sp>
+      <p:sp>
+        <p:nvSpPr>
+          <p:cNvPr id="41" name="object 41"/>
           <p:cNvSpPr/>
           <p:nvPr/>
         </p:nvSpPr>
@@ -3496,7 +3353,7 @@
             <a:cxnLst/>
             <a:rect l="l" t="t" r="r" b="b"/>
             <a:pathLst>
-              <a:path h="91440">
+              <a:path w="0" h="91440">
                 <a:moveTo>
                   <a:pt x="0" y="0"/>
                 </a:moveTo>
@@ -3515,14 +3372,12 @@
         <p:txBody>
           <a:bodyPr wrap="square" lIns="0" tIns="0" rIns="0" bIns="0" rtlCol="0"/>
           <a:lstStyle/>
-          <a:p>
-            <a:endParaRPr/>
-          </a:p>
-        </p:txBody>
-      </p:sp>
-      <p:sp>
-        <p:nvSpPr>
-          <p:cNvPr id="46" name="object 46"/>
+          <a:p/>
+        </p:txBody>
+      </p:sp>
+      <p:sp>
+        <p:nvSpPr>
+          <p:cNvPr id="42" name="object 42"/>
           <p:cNvSpPr/>
           <p:nvPr/>
         </p:nvSpPr>
@@ -3538,7 +3393,7 @@
             <a:cxnLst/>
             <a:rect l="l" t="t" r="r" b="b"/>
             <a:pathLst>
-              <a:path h="91440">
+              <a:path w="0" h="91440">
                 <a:moveTo>
                   <a:pt x="0" y="0"/>
                 </a:moveTo>
@@ -3557,14 +3412,12 @@
         <p:txBody>
           <a:bodyPr wrap="square" lIns="0" tIns="0" rIns="0" bIns="0" rtlCol="0"/>
           <a:lstStyle/>
-          <a:p>
-            <a:endParaRPr/>
-          </a:p>
-        </p:txBody>
-      </p:sp>
-      <p:sp>
-        <p:nvSpPr>
-          <p:cNvPr id="47" name="object 47"/>
+          <a:p/>
+        </p:txBody>
+      </p:sp>
+      <p:sp>
+        <p:nvSpPr>
+          <p:cNvPr id="43" name="object 43"/>
           <p:cNvSpPr/>
           <p:nvPr/>
         </p:nvSpPr>
@@ -3580,7 +3433,7 @@
             <a:cxnLst/>
             <a:rect l="l" t="t" r="r" b="b"/>
             <a:pathLst>
-              <a:path h="91440">
+              <a:path w="0" h="91440">
                 <a:moveTo>
                   <a:pt x="0" y="0"/>
                 </a:moveTo>
@@ -3599,14 +3452,12 @@
         <p:txBody>
           <a:bodyPr wrap="square" lIns="0" tIns="0" rIns="0" bIns="0" rtlCol="0"/>
           <a:lstStyle/>
-          <a:p>
-            <a:endParaRPr/>
-          </a:p>
-        </p:txBody>
-      </p:sp>
-      <p:sp>
-        <p:nvSpPr>
-          <p:cNvPr id="48" name="object 48"/>
+          <a:p/>
+        </p:txBody>
+      </p:sp>
+      <p:sp>
+        <p:nvSpPr>
+          <p:cNvPr id="44" name="object 44"/>
           <p:cNvSpPr/>
           <p:nvPr/>
         </p:nvSpPr>
@@ -3622,7 +3473,7 @@
             <a:cxnLst/>
             <a:rect l="l" t="t" r="r" b="b"/>
             <a:pathLst>
-              <a:path h="91440">
+              <a:path w="0" h="91440">
                 <a:moveTo>
                   <a:pt x="0" y="0"/>
                 </a:moveTo>
@@ -3641,14 +3492,12 @@
         <p:txBody>
           <a:bodyPr wrap="square" lIns="0" tIns="0" rIns="0" bIns="0" rtlCol="0"/>
           <a:lstStyle/>
-          <a:p>
-            <a:endParaRPr/>
-          </a:p>
-        </p:txBody>
-      </p:sp>
-      <p:sp>
-        <p:nvSpPr>
-          <p:cNvPr id="49" name="object 49"/>
+          <a:p/>
+        </p:txBody>
+      </p:sp>
+      <p:sp>
+        <p:nvSpPr>
+          <p:cNvPr id="45" name="object 45"/>
           <p:cNvSpPr/>
           <p:nvPr/>
         </p:nvSpPr>
@@ -3664,7 +3513,7 @@
             <a:cxnLst/>
             <a:rect l="l" t="t" r="r" b="b"/>
             <a:pathLst>
-              <a:path h="91440">
+              <a:path w="0" h="91440">
                 <a:moveTo>
                   <a:pt x="0" y="0"/>
                 </a:moveTo>
@@ -3683,14 +3532,12 @@
         <p:txBody>
           <a:bodyPr wrap="square" lIns="0" tIns="0" rIns="0" bIns="0" rtlCol="0"/>
           <a:lstStyle/>
-          <a:p>
-            <a:endParaRPr/>
-          </a:p>
-        </p:txBody>
-      </p:sp>
-      <p:sp>
-        <p:nvSpPr>
-          <p:cNvPr id="50" name="object 50"/>
+          <a:p/>
+        </p:txBody>
+      </p:sp>
+      <p:sp>
+        <p:nvSpPr>
+          <p:cNvPr id="46" name="object 46"/>
           <p:cNvSpPr txBox="1"/>
           <p:nvPr/>
         </p:nvSpPr>
@@ -3704,7 +3551,7 @@
           </a:prstGeom>
         </p:spPr>
         <p:txBody>
-          <a:bodyPr vert="horz" wrap="square" lIns="0" tIns="0" rIns="0" bIns="0" rtlCol="0">
+          <a:bodyPr wrap="square" lIns="0" tIns="0" rIns="0" bIns="0" rtlCol="0" vert="horz">
             <a:spAutoFit/>
           </a:bodyPr>
           <a:lstStyle/>
@@ -3715,21 +3562,21 @@
               </a:lnSpc>
             </a:pPr>
             <a:r>
-              <a:rPr sz="1200" dirty="0">
+              <a:rPr dirty="0" sz="1200">
                 <a:latin typeface="Times New Roman"/>
                 <a:cs typeface="Times New Roman"/>
               </a:rPr>
               <a:t>Instant</a:t>
             </a:r>
             <a:r>
-              <a:rPr sz="1200" spc="-105" dirty="0">
+              <a:rPr dirty="0" sz="1200" spc="-105">
                 <a:latin typeface="Times New Roman"/>
                 <a:cs typeface="Times New Roman"/>
               </a:rPr>
               <a:t> </a:t>
             </a:r>
             <a:r>
-              <a:rPr sz="1200" dirty="0">
+              <a:rPr dirty="0" sz="1200">
                 <a:latin typeface="Times New Roman"/>
                 <a:cs typeface="Times New Roman"/>
               </a:rPr>
@@ -3744,7 +3591,7 @@
       </p:sp>
       <p:sp>
         <p:nvSpPr>
-          <p:cNvPr id="51" name="object 51"/>
+          <p:cNvPr id="47" name="object 47"/>
           <p:cNvSpPr txBox="1"/>
           <p:nvPr/>
         </p:nvSpPr>
@@ -3758,7 +3605,7 @@
           </a:prstGeom>
         </p:spPr>
         <p:txBody>
-          <a:bodyPr vert="horz" wrap="square" lIns="0" tIns="0" rIns="0" bIns="0" rtlCol="0">
+          <a:bodyPr wrap="square" lIns="0" tIns="0" rIns="0" bIns="0" rtlCol="0" vert="horz">
             <a:spAutoFit/>
           </a:bodyPr>
           <a:lstStyle/>
@@ -3769,21 +3616,21 @@
               </a:lnSpc>
             </a:pPr>
             <a:r>
-              <a:rPr sz="1200" dirty="0">
+              <a:rPr dirty="0" sz="1200">
                 <a:latin typeface="Times New Roman"/>
                 <a:cs typeface="Times New Roman"/>
               </a:rPr>
               <a:t>Instant</a:t>
             </a:r>
             <a:r>
-              <a:rPr sz="1200" spc="-105" dirty="0">
+              <a:rPr dirty="0" sz="1200" spc="-105">
                 <a:latin typeface="Times New Roman"/>
                 <a:cs typeface="Times New Roman"/>
               </a:rPr>
               <a:t> </a:t>
             </a:r>
             <a:r>
-              <a:rPr sz="1200" dirty="0">
+              <a:rPr dirty="0" sz="1200">
                 <a:latin typeface="Times New Roman"/>
                 <a:cs typeface="Times New Roman"/>
               </a:rPr>
@@ -3798,7 +3645,7 @@
       </p:sp>
       <p:sp>
         <p:nvSpPr>
-          <p:cNvPr id="52" name="object 52"/>
+          <p:cNvPr id="48" name="object 48"/>
           <p:cNvSpPr txBox="1"/>
           <p:nvPr/>
         </p:nvSpPr>
@@ -3812,7 +3659,7 @@
           </a:prstGeom>
         </p:spPr>
         <p:txBody>
-          <a:bodyPr vert="horz" wrap="square" lIns="0" tIns="0" rIns="0" bIns="0" rtlCol="0">
+          <a:bodyPr wrap="square" lIns="0" tIns="0" rIns="0" bIns="0" rtlCol="0" vert="horz">
             <a:spAutoFit/>
           </a:bodyPr>
           <a:lstStyle/>
@@ -3823,21 +3670,21 @@
               </a:lnSpc>
             </a:pPr>
             <a:r>
-              <a:rPr sz="1200" spc="-30" dirty="0">
+              <a:rPr dirty="0" sz="1200" spc="-30">
                 <a:latin typeface="Times New Roman"/>
                 <a:cs typeface="Times New Roman"/>
               </a:rPr>
               <a:t>Avg</a:t>
             </a:r>
             <a:r>
-              <a:rPr sz="1200" spc="-105" dirty="0">
+              <a:rPr dirty="0" sz="1200" spc="-105">
                 <a:latin typeface="Times New Roman"/>
                 <a:cs typeface="Times New Roman"/>
               </a:rPr>
               <a:t> </a:t>
             </a:r>
             <a:r>
-              <a:rPr sz="1200" dirty="0">
+              <a:rPr dirty="0" sz="1200">
                 <a:latin typeface="Times New Roman"/>
                 <a:cs typeface="Times New Roman"/>
               </a:rPr>
@@ -3852,7 +3699,7 @@
       </p:sp>
       <p:sp>
         <p:nvSpPr>
-          <p:cNvPr id="53" name="object 53"/>
+          <p:cNvPr id="49" name="object 49"/>
           <p:cNvSpPr txBox="1"/>
           <p:nvPr/>
         </p:nvSpPr>
@@ -3866,7 +3713,7 @@
           </a:prstGeom>
         </p:spPr>
         <p:txBody>
-          <a:bodyPr vert="horz" wrap="square" lIns="0" tIns="0" rIns="0" bIns="0" rtlCol="0">
+          <a:bodyPr wrap="square" lIns="0" tIns="0" rIns="0" bIns="0" rtlCol="0" vert="horz">
             <a:spAutoFit/>
           </a:bodyPr>
           <a:lstStyle/>
@@ -3877,21 +3724,21 @@
               </a:lnSpc>
             </a:pPr>
             <a:r>
-              <a:rPr sz="1200" spc="-30" dirty="0">
+              <a:rPr dirty="0" sz="1200" spc="-30">
                 <a:latin typeface="Times New Roman"/>
                 <a:cs typeface="Times New Roman"/>
               </a:rPr>
               <a:t>Avg</a:t>
             </a:r>
             <a:r>
-              <a:rPr sz="1200" spc="-105" dirty="0">
+              <a:rPr dirty="0" sz="1200" spc="-105">
                 <a:latin typeface="Times New Roman"/>
                 <a:cs typeface="Times New Roman"/>
               </a:rPr>
               <a:t> </a:t>
             </a:r>
             <a:r>
-              <a:rPr sz="1200" dirty="0">
+              <a:rPr dirty="0" sz="1200">
                 <a:latin typeface="Times New Roman"/>
                 <a:cs typeface="Times New Roman"/>
               </a:rPr>
@@ -3906,7 +3753,7 @@
       </p:sp>
       <p:sp>
         <p:nvSpPr>
-          <p:cNvPr id="54" name="object 54"/>
+          <p:cNvPr id="50" name="object 50"/>
           <p:cNvSpPr txBox="1"/>
           <p:nvPr/>
         </p:nvSpPr>
@@ -3920,7 +3767,7 @@
           </a:prstGeom>
         </p:spPr>
         <p:txBody>
-          <a:bodyPr vert="horz" wrap="square" lIns="0" tIns="0" rIns="0" bIns="0" rtlCol="0">
+          <a:bodyPr wrap="square" lIns="0" tIns="0" rIns="0" bIns="0" rtlCol="0" vert="horz">
             <a:spAutoFit/>
           </a:bodyPr>
           <a:lstStyle/>
@@ -3931,28 +3778,28 @@
               </a:lnSpc>
             </a:pPr>
             <a:r>
-              <a:rPr sz="1200" dirty="0">
+              <a:rPr dirty="0" sz="1200">
                 <a:latin typeface="Times New Roman"/>
                 <a:cs typeface="Times New Roman"/>
               </a:rPr>
               <a:t>24h </a:t>
             </a:r>
             <a:r>
-              <a:rPr sz="1200" spc="-30" dirty="0">
+              <a:rPr dirty="0" sz="1200" spc="-30">
                 <a:latin typeface="Times New Roman"/>
                 <a:cs typeface="Times New Roman"/>
               </a:rPr>
               <a:t>Avg</a:t>
             </a:r>
             <a:r>
-              <a:rPr sz="1200" spc="-110" dirty="0">
+              <a:rPr dirty="0" sz="1200" spc="-110">
                 <a:latin typeface="Times New Roman"/>
                 <a:cs typeface="Times New Roman"/>
               </a:rPr>
               <a:t> </a:t>
             </a:r>
             <a:r>
-              <a:rPr sz="1200" dirty="0">
+              <a:rPr dirty="0" sz="1200">
                 <a:latin typeface="Times New Roman"/>
                 <a:cs typeface="Times New Roman"/>
               </a:rPr>
@@ -3967,7 +3814,7 @@
       </p:sp>
       <p:sp>
         <p:nvSpPr>
-          <p:cNvPr id="55" name="object 55"/>
+          <p:cNvPr id="51" name="object 51"/>
           <p:cNvSpPr txBox="1"/>
           <p:nvPr/>
         </p:nvSpPr>
@@ -3981,7 +3828,7 @@
           </a:prstGeom>
         </p:spPr>
         <p:txBody>
-          <a:bodyPr vert="horz" wrap="square" lIns="0" tIns="0" rIns="0" bIns="0" rtlCol="0">
+          <a:bodyPr wrap="square" lIns="0" tIns="0" rIns="0" bIns="0" rtlCol="0" vert="horz">
             <a:spAutoFit/>
           </a:bodyPr>
           <a:lstStyle/>
@@ -3992,28 +3839,28 @@
               </a:lnSpc>
             </a:pPr>
             <a:r>
-              <a:rPr sz="1200" dirty="0">
+              <a:rPr dirty="0" sz="1200">
                 <a:latin typeface="Times New Roman"/>
                 <a:cs typeface="Times New Roman"/>
               </a:rPr>
               <a:t>24h </a:t>
             </a:r>
             <a:r>
-              <a:rPr sz="1200" spc="-30" dirty="0">
+              <a:rPr dirty="0" sz="1200" spc="-30">
                 <a:latin typeface="Times New Roman"/>
                 <a:cs typeface="Times New Roman"/>
               </a:rPr>
               <a:t>Avg</a:t>
             </a:r>
             <a:r>
-              <a:rPr sz="1200" spc="-110" dirty="0">
+              <a:rPr dirty="0" sz="1200" spc="-110">
                 <a:latin typeface="Times New Roman"/>
                 <a:cs typeface="Times New Roman"/>
               </a:rPr>
               <a:t> </a:t>
             </a:r>
             <a:r>
-              <a:rPr sz="1200" dirty="0">
+              <a:rPr dirty="0" sz="1200">
                 <a:latin typeface="Times New Roman"/>
                 <a:cs typeface="Times New Roman"/>
               </a:rPr>
@@ -4028,7 +3875,7 @@
       </p:sp>
       <p:sp>
         <p:nvSpPr>
-          <p:cNvPr id="56" name="object 56"/>
+          <p:cNvPr id="52" name="object 52"/>
           <p:cNvSpPr/>
           <p:nvPr/>
         </p:nvSpPr>
@@ -4044,7 +3891,7 @@
             <a:cxnLst/>
             <a:rect l="l" t="t" r="r" b="b"/>
             <a:pathLst>
-              <a:path w="4663440">
+              <a:path w="4663440" h="0">
                 <a:moveTo>
                   <a:pt x="0" y="0"/>
                 </a:moveTo>
@@ -4054,7 +3901,7 @@
               </a:path>
             </a:pathLst>
           </a:custGeom>
-          <a:ln w="12700">
+          <a:ln w="9525">
             <a:solidFill>
               <a:srgbClr val="FF0000"/>
             </a:solidFill>
@@ -4063,9 +3910,169 @@
         <p:txBody>
           <a:bodyPr wrap="square" lIns="0" tIns="0" rIns="0" bIns="0" rtlCol="0"/>
           <a:lstStyle/>
-          <a:p>
-            <a:endParaRPr/>
-          </a:p>
+          <a:p/>
+        </p:txBody>
+      </p:sp>
+      <p:sp>
+        <p:nvSpPr>
+          <p:cNvPr id="53" name="object 53"/>
+          <p:cNvSpPr/>
+          <p:nvPr/>
+        </p:nvSpPr>
+        <p:spPr>
+          <a:xfrm>
+            <a:off x="884808" y="2869310"/>
+            <a:ext cx="575945" cy="0"/>
+          </a:xfrm>
+          <a:custGeom>
+            <a:avLst/>
+            <a:gdLst/>
+            <a:ahLst/>
+            <a:cxnLst/>
+            <a:rect l="l" t="t" r="r" b="b"/>
+            <a:pathLst>
+              <a:path w="575944" h="0">
+                <a:moveTo>
+                  <a:pt x="0" y="0"/>
+                </a:moveTo>
+                <a:lnTo>
+                  <a:pt x="575691" y="0"/>
+                </a:lnTo>
+              </a:path>
+            </a:pathLst>
+          </a:custGeom>
+          <a:ln w="28575">
+            <a:solidFill>
+              <a:srgbClr val="000000"/>
+            </a:solidFill>
+          </a:ln>
+        </p:spPr>
+        <p:txBody>
+          <a:bodyPr wrap="square" lIns="0" tIns="0" rIns="0" bIns="0" rtlCol="0"/>
+          <a:lstStyle/>
+          <a:p/>
+        </p:txBody>
+      </p:sp>
+      <p:sp>
+        <p:nvSpPr>
+          <p:cNvPr id="54" name="object 54"/>
+          <p:cNvSpPr/>
+          <p:nvPr/>
+        </p:nvSpPr>
+        <p:spPr>
+          <a:xfrm>
+            <a:off x="1172591" y="2896742"/>
+            <a:ext cx="0" cy="44450"/>
+          </a:xfrm>
+          <a:custGeom>
+            <a:avLst/>
+            <a:gdLst/>
+            <a:ahLst/>
+            <a:cxnLst/>
+            <a:rect l="l" t="t" r="r" b="b"/>
+            <a:pathLst>
+              <a:path w="0" h="44450">
+                <a:moveTo>
+                  <a:pt x="0" y="44450"/>
+                </a:moveTo>
+                <a:lnTo>
+                  <a:pt x="0" y="0"/>
+                </a:lnTo>
+              </a:path>
+            </a:pathLst>
+          </a:custGeom>
+          <a:ln w="9525">
+            <a:solidFill>
+              <a:srgbClr val="000000"/>
+            </a:solidFill>
+            <a:prstDash val="dash"/>
+          </a:ln>
+        </p:spPr>
+        <p:txBody>
+          <a:bodyPr wrap="square" lIns="0" tIns="0" rIns="0" bIns="0" rtlCol="0"/>
+          <a:lstStyle/>
+          <a:p/>
+        </p:txBody>
+      </p:sp>
+      <p:sp>
+        <p:nvSpPr>
+          <p:cNvPr id="55" name="object 55"/>
+          <p:cNvSpPr/>
+          <p:nvPr/>
+        </p:nvSpPr>
+        <p:spPr>
+          <a:xfrm>
+            <a:off x="1172591" y="2729229"/>
+            <a:ext cx="0" cy="55244"/>
+          </a:xfrm>
+          <a:custGeom>
+            <a:avLst/>
+            <a:gdLst/>
+            <a:ahLst/>
+            <a:cxnLst/>
+            <a:rect l="l" t="t" r="r" b="b"/>
+            <a:pathLst>
+              <a:path w="0" h="55244">
+                <a:moveTo>
+                  <a:pt x="0" y="0"/>
+                </a:moveTo>
+                <a:lnTo>
+                  <a:pt x="0" y="55244"/>
+                </a:lnTo>
+              </a:path>
+            </a:pathLst>
+          </a:custGeom>
+          <a:ln w="9525">
+            <a:solidFill>
+              <a:srgbClr val="000000"/>
+            </a:solidFill>
+            <a:prstDash val="dash"/>
+          </a:ln>
+        </p:spPr>
+        <p:txBody>
+          <a:bodyPr wrap="square" lIns="0" tIns="0" rIns="0" bIns="0" rtlCol="0"/>
+          <a:lstStyle/>
+          <a:p/>
+        </p:txBody>
+      </p:sp>
+      <p:sp>
+        <p:nvSpPr>
+          <p:cNvPr id="56" name="object 56"/>
+          <p:cNvSpPr/>
+          <p:nvPr/>
+        </p:nvSpPr>
+        <p:spPr>
+          <a:xfrm>
+            <a:off x="1028700" y="2941192"/>
+            <a:ext cx="288290" cy="0"/>
+          </a:xfrm>
+          <a:custGeom>
+            <a:avLst/>
+            <a:gdLst/>
+            <a:ahLst/>
+            <a:cxnLst/>
+            <a:rect l="l" t="t" r="r" b="b"/>
+            <a:pathLst>
+              <a:path w="288290" h="0">
+                <a:moveTo>
+                  <a:pt x="0" y="0"/>
+                </a:moveTo>
+                <a:lnTo>
+                  <a:pt x="287909" y="0"/>
+                </a:lnTo>
+              </a:path>
+            </a:pathLst>
+          </a:custGeom>
+          <a:ln w="9525">
+            <a:solidFill>
+              <a:srgbClr val="000000"/>
+            </a:solidFill>
+          </a:ln>
+        </p:spPr>
+        <p:txBody>
+          <a:bodyPr wrap="square" lIns="0" tIns="0" rIns="0" bIns="0" rtlCol="0"/>
+          <a:lstStyle/>
+          <a:p/>
         </p:txBody>
       </p:sp>
       <p:sp>
@@ -4076,7 +4083,96 @@
         </p:nvSpPr>
         <p:spPr>
           <a:xfrm>
-            <a:off x="884808" y="2901950"/>
+            <a:off x="1028700" y="2729229"/>
+            <a:ext cx="288290" cy="0"/>
+          </a:xfrm>
+          <a:custGeom>
+            <a:avLst/>
+            <a:gdLst/>
+            <a:ahLst/>
+            <a:cxnLst/>
+            <a:rect l="l" t="t" r="r" b="b"/>
+            <a:pathLst>
+              <a:path w="288290" h="0">
+                <a:moveTo>
+                  <a:pt x="0" y="0"/>
+                </a:moveTo>
+                <a:lnTo>
+                  <a:pt x="287909" y="0"/>
+                </a:lnTo>
+              </a:path>
+            </a:pathLst>
+          </a:custGeom>
+          <a:ln w="9525">
+            <a:solidFill>
+              <a:srgbClr val="000000"/>
+            </a:solidFill>
+          </a:ln>
+        </p:spPr>
+        <p:txBody>
+          <a:bodyPr wrap="square" lIns="0" tIns="0" rIns="0" bIns="0" rtlCol="0"/>
+          <a:lstStyle/>
+          <a:p/>
+        </p:txBody>
+      </p:sp>
+      <p:sp>
+        <p:nvSpPr>
+          <p:cNvPr id="58" name="object 58"/>
+          <p:cNvSpPr/>
+          <p:nvPr/>
+        </p:nvSpPr>
+        <p:spPr>
+          <a:xfrm>
+            <a:off x="884808" y="2784475"/>
+            <a:ext cx="575945" cy="112395"/>
+          </a:xfrm>
+          <a:custGeom>
+            <a:avLst/>
+            <a:gdLst/>
+            <a:ahLst/>
+            <a:cxnLst/>
+            <a:rect l="l" t="t" r="r" b="b"/>
+            <a:pathLst>
+              <a:path w="575944" h="112394">
+                <a:moveTo>
+                  <a:pt x="0" y="112268"/>
+                </a:moveTo>
+                <a:lnTo>
+                  <a:pt x="575691" y="112268"/>
+                </a:lnTo>
+                <a:lnTo>
+                  <a:pt x="575691" y="0"/>
+                </a:lnTo>
+                <a:lnTo>
+                  <a:pt x="0" y="0"/>
+                </a:lnTo>
+                <a:lnTo>
+                  <a:pt x="0" y="112268"/>
+                </a:lnTo>
+              </a:path>
+            </a:pathLst>
+          </a:custGeom>
+          <a:ln w="9525">
+            <a:solidFill>
+              <a:srgbClr val="000000"/>
+            </a:solidFill>
+          </a:ln>
+        </p:spPr>
+        <p:txBody>
+          <a:bodyPr wrap="square" lIns="0" tIns="0" rIns="0" bIns="0" rtlCol="0"/>
+          <a:lstStyle/>
+          <a:p/>
+        </p:txBody>
+      </p:sp>
+      <p:sp>
+        <p:nvSpPr>
+          <p:cNvPr id="59" name="object 59"/>
+          <p:cNvSpPr/>
+          <p:nvPr/>
+        </p:nvSpPr>
+        <p:spPr>
+          <a:xfrm>
+            <a:off x="1604391" y="2736976"/>
             <a:ext cx="575945" cy="0"/>
           </a:xfrm>
           <a:custGeom>
@@ -4086,12 +4182,12 @@
             <a:cxnLst/>
             <a:rect l="l" t="t" r="r" b="b"/>
             <a:pathLst>
-              <a:path w="575944">
-                <a:moveTo>
-                  <a:pt x="0" y="0"/>
-                </a:moveTo>
-                <a:lnTo>
-                  <a:pt x="575691" y="0"/>
+              <a:path w="575944" h="0">
+                <a:moveTo>
+                  <a:pt x="0" y="0"/>
+                </a:moveTo>
+                <a:lnTo>
+                  <a:pt x="575817" y="0"/>
                 </a:lnTo>
               </a:path>
             </a:pathLst>
@@ -4105,32 +4201,30 @@
         <p:txBody>
           <a:bodyPr wrap="square" lIns="0" tIns="0" rIns="0" bIns="0" rtlCol="0"/>
           <a:lstStyle/>
-          <a:p>
-            <a:endParaRPr/>
-          </a:p>
-        </p:txBody>
-      </p:sp>
-      <p:sp>
-        <p:nvSpPr>
-          <p:cNvPr id="58" name="object 58"/>
-          <p:cNvSpPr/>
-          <p:nvPr/>
-        </p:nvSpPr>
-        <p:spPr>
-          <a:xfrm>
-            <a:off x="1172591" y="2926588"/>
-            <a:ext cx="0" cy="23495"/>
-          </a:xfrm>
-          <a:custGeom>
-            <a:avLst/>
-            <a:gdLst/>
-            <a:ahLst/>
-            <a:cxnLst/>
-            <a:rect l="l" t="t" r="r" b="b"/>
-            <a:pathLst>
-              <a:path h="23494">
-                <a:moveTo>
-                  <a:pt x="0" y="22987"/>
+          <a:p/>
+        </p:txBody>
+      </p:sp>
+      <p:sp>
+        <p:nvSpPr>
+          <p:cNvPr id="60" name="object 60"/>
+          <p:cNvSpPr/>
+          <p:nvPr/>
+        </p:nvSpPr>
+        <p:spPr>
+          <a:xfrm>
+            <a:off x="1892300" y="2811398"/>
+            <a:ext cx="0" cy="222885"/>
+          </a:xfrm>
+          <a:custGeom>
+            <a:avLst/>
+            <a:gdLst/>
+            <a:ahLst/>
+            <a:cxnLst/>
+            <a:rect l="l" t="t" r="r" b="b"/>
+            <a:pathLst>
+              <a:path w="0" h="222885">
+                <a:moveTo>
+                  <a:pt x="0" y="222757"/>
                 </a:moveTo>
                 <a:lnTo>
                   <a:pt x="0" y="0"/>
@@ -4148,35 +4242,33 @@
         <p:txBody>
           <a:bodyPr wrap="square" lIns="0" tIns="0" rIns="0" bIns="0" rtlCol="0"/>
           <a:lstStyle/>
-          <a:p>
-            <a:endParaRPr/>
-          </a:p>
-        </p:txBody>
-      </p:sp>
-      <p:sp>
-        <p:nvSpPr>
-          <p:cNvPr id="59" name="object 59"/>
-          <p:cNvSpPr/>
-          <p:nvPr/>
-        </p:nvSpPr>
-        <p:spPr>
-          <a:xfrm>
-            <a:off x="1172591" y="2848482"/>
-            <a:ext cx="0" cy="34925"/>
-          </a:xfrm>
-          <a:custGeom>
-            <a:avLst/>
-            <a:gdLst/>
-            <a:ahLst/>
-            <a:cxnLst/>
-            <a:rect l="l" t="t" r="r" b="b"/>
-            <a:pathLst>
-              <a:path h="34925">
-                <a:moveTo>
-                  <a:pt x="0" y="0"/>
-                </a:moveTo>
-                <a:lnTo>
-                  <a:pt x="0" y="34797"/>
+          <a:p/>
+        </p:txBody>
+      </p:sp>
+      <p:sp>
+        <p:nvSpPr>
+          <p:cNvPr id="61" name="object 61"/>
+          <p:cNvSpPr/>
+          <p:nvPr/>
+        </p:nvSpPr>
+        <p:spPr>
+          <a:xfrm>
+            <a:off x="1892300" y="2460117"/>
+            <a:ext cx="0" cy="198120"/>
+          </a:xfrm>
+          <a:custGeom>
+            <a:avLst/>
+            <a:gdLst/>
+            <a:ahLst/>
+            <a:cxnLst/>
+            <a:rect l="l" t="t" r="r" b="b"/>
+            <a:pathLst>
+              <a:path w="0" h="198119">
+                <a:moveTo>
+                  <a:pt x="0" y="0"/>
+                </a:moveTo>
+                <a:lnTo>
+                  <a:pt x="0" y="197738"/>
                 </a:lnTo>
               </a:path>
             </a:pathLst>
@@ -4191,20 +4283,18 @@
         <p:txBody>
           <a:bodyPr wrap="square" lIns="0" tIns="0" rIns="0" bIns="0" rtlCol="0"/>
           <a:lstStyle/>
-          <a:p>
-            <a:endParaRPr/>
-          </a:p>
-        </p:txBody>
-      </p:sp>
-      <p:sp>
-        <p:nvSpPr>
-          <p:cNvPr id="60" name="object 60"/>
-          <p:cNvSpPr/>
-          <p:nvPr/>
-        </p:nvSpPr>
-        <p:spPr>
-          <a:xfrm>
-            <a:off x="1028700" y="2949575"/>
+          <a:p/>
+        </p:txBody>
+      </p:sp>
+      <p:sp>
+        <p:nvSpPr>
+          <p:cNvPr id="62" name="object 62"/>
+          <p:cNvSpPr/>
+          <p:nvPr/>
+        </p:nvSpPr>
+        <p:spPr>
+          <a:xfrm>
+            <a:off x="1748408" y="3034157"/>
             <a:ext cx="288290" cy="0"/>
           </a:xfrm>
           <a:custGeom>
@@ -4214,39 +4304,37 @@
             <a:cxnLst/>
             <a:rect l="l" t="t" r="r" b="b"/>
             <a:pathLst>
-              <a:path w="288290">
-                <a:moveTo>
-                  <a:pt x="0" y="0"/>
-                </a:moveTo>
-                <a:lnTo>
-                  <a:pt x="287909" y="0"/>
-                </a:lnTo>
-              </a:path>
-            </a:pathLst>
-          </a:custGeom>
-          <a:ln w="9525">
-            <a:solidFill>
-              <a:srgbClr val="000000"/>
-            </a:solidFill>
-          </a:ln>
-        </p:spPr>
-        <p:txBody>
-          <a:bodyPr wrap="square" lIns="0" tIns="0" rIns="0" bIns="0" rtlCol="0"/>
-          <a:lstStyle/>
-          <a:p>
-            <a:endParaRPr/>
-          </a:p>
-        </p:txBody>
-      </p:sp>
-      <p:sp>
-        <p:nvSpPr>
-          <p:cNvPr id="61" name="object 61"/>
-          <p:cNvSpPr/>
-          <p:nvPr/>
-        </p:nvSpPr>
-        <p:spPr>
-          <a:xfrm>
-            <a:off x="1028700" y="2848482"/>
+              <a:path w="288289" h="0">
+                <a:moveTo>
+                  <a:pt x="0" y="0"/>
+                </a:moveTo>
+                <a:lnTo>
+                  <a:pt x="287782" y="0"/>
+                </a:lnTo>
+              </a:path>
+            </a:pathLst>
+          </a:custGeom>
+          <a:ln w="9525">
+            <a:solidFill>
+              <a:srgbClr val="000000"/>
+            </a:solidFill>
+          </a:ln>
+        </p:spPr>
+        <p:txBody>
+          <a:bodyPr wrap="square" lIns="0" tIns="0" rIns="0" bIns="0" rtlCol="0"/>
+          <a:lstStyle/>
+          <a:p/>
+        </p:txBody>
+      </p:sp>
+      <p:sp>
+        <p:nvSpPr>
+          <p:cNvPr id="63" name="object 63"/>
+          <p:cNvSpPr/>
+          <p:nvPr/>
+        </p:nvSpPr>
+        <p:spPr>
+          <a:xfrm>
+            <a:off x="1748408" y="2460117"/>
             <a:ext cx="288290" cy="0"/>
           </a:xfrm>
           <a:custGeom>
@@ -4256,90 +4344,86 @@
             <a:cxnLst/>
             <a:rect l="l" t="t" r="r" b="b"/>
             <a:pathLst>
-              <a:path w="288290">
-                <a:moveTo>
-                  <a:pt x="0" y="0"/>
-                </a:moveTo>
-                <a:lnTo>
-                  <a:pt x="287909" y="0"/>
-                </a:lnTo>
-              </a:path>
-            </a:pathLst>
-          </a:custGeom>
-          <a:ln w="9525">
-            <a:solidFill>
-              <a:srgbClr val="000000"/>
-            </a:solidFill>
-          </a:ln>
-        </p:spPr>
-        <p:txBody>
-          <a:bodyPr wrap="square" lIns="0" tIns="0" rIns="0" bIns="0" rtlCol="0"/>
-          <a:lstStyle/>
-          <a:p>
-            <a:endParaRPr/>
-          </a:p>
-        </p:txBody>
-      </p:sp>
-      <p:sp>
-        <p:nvSpPr>
-          <p:cNvPr id="62" name="object 62"/>
-          <p:cNvSpPr/>
-          <p:nvPr/>
-        </p:nvSpPr>
-        <p:spPr>
-          <a:xfrm>
-            <a:off x="884808" y="2883280"/>
-            <a:ext cx="575945" cy="43815"/>
-          </a:xfrm>
-          <a:custGeom>
-            <a:avLst/>
-            <a:gdLst/>
-            <a:ahLst/>
-            <a:cxnLst/>
-            <a:rect l="l" t="t" r="r" b="b"/>
-            <a:pathLst>
-              <a:path w="575944" h="43814">
-                <a:moveTo>
-                  <a:pt x="0" y="43306"/>
-                </a:moveTo>
-                <a:lnTo>
-                  <a:pt x="575691" y="43306"/>
-                </a:lnTo>
-                <a:lnTo>
-                  <a:pt x="575691" y="0"/>
-                </a:lnTo>
-                <a:lnTo>
-                  <a:pt x="0" y="0"/>
-                </a:lnTo>
-                <a:lnTo>
-                  <a:pt x="0" y="43306"/>
-                </a:lnTo>
-              </a:path>
-            </a:pathLst>
-          </a:custGeom>
-          <a:ln w="9525">
-            <a:solidFill>
-              <a:srgbClr val="000000"/>
-            </a:solidFill>
-          </a:ln>
-        </p:spPr>
-        <p:txBody>
-          <a:bodyPr wrap="square" lIns="0" tIns="0" rIns="0" bIns="0" rtlCol="0"/>
-          <a:lstStyle/>
-          <a:p>
-            <a:endParaRPr/>
-          </a:p>
-        </p:txBody>
-      </p:sp>
-      <p:sp>
-        <p:nvSpPr>
-          <p:cNvPr id="63" name="object 63"/>
+              <a:path w="288289" h="0">
+                <a:moveTo>
+                  <a:pt x="0" y="0"/>
+                </a:moveTo>
+                <a:lnTo>
+                  <a:pt x="287782" y="0"/>
+                </a:lnTo>
+              </a:path>
+            </a:pathLst>
+          </a:custGeom>
+          <a:ln w="9525">
+            <a:solidFill>
+              <a:srgbClr val="000000"/>
+            </a:solidFill>
+          </a:ln>
+        </p:spPr>
+        <p:txBody>
+          <a:bodyPr wrap="square" lIns="0" tIns="0" rIns="0" bIns="0" rtlCol="0"/>
+          <a:lstStyle/>
+          <a:p/>
+        </p:txBody>
+      </p:sp>
+      <p:sp>
+        <p:nvSpPr>
+          <p:cNvPr id="64" name="object 64"/>
+          <p:cNvSpPr/>
+          <p:nvPr/>
+        </p:nvSpPr>
+        <p:spPr>
+          <a:xfrm>
+            <a:off x="1604391" y="2657855"/>
+            <a:ext cx="575945" cy="153670"/>
+          </a:xfrm>
+          <a:custGeom>
+            <a:avLst/>
+            <a:gdLst/>
+            <a:ahLst/>
+            <a:cxnLst/>
+            <a:rect l="l" t="t" r="r" b="b"/>
+            <a:pathLst>
+              <a:path w="575944" h="153669">
+                <a:moveTo>
+                  <a:pt x="0" y="153543"/>
+                </a:moveTo>
+                <a:lnTo>
+                  <a:pt x="575817" y="153543"/>
+                </a:lnTo>
+                <a:lnTo>
+                  <a:pt x="575817" y="0"/>
+                </a:lnTo>
+                <a:lnTo>
+                  <a:pt x="0" y="0"/>
+                </a:lnTo>
+                <a:lnTo>
+                  <a:pt x="0" y="153543"/>
+                </a:lnTo>
+              </a:path>
+            </a:pathLst>
+          </a:custGeom>
+          <a:ln w="9524">
+            <a:solidFill>
+              <a:srgbClr val="000000"/>
+            </a:solidFill>
+          </a:ln>
+        </p:spPr>
+        <p:txBody>
+          <a:bodyPr wrap="square" lIns="0" tIns="0" rIns="0" bIns="0" rtlCol="0"/>
+          <a:lstStyle/>
+          <a:p/>
+        </p:txBody>
+      </p:sp>
+      <p:sp>
+        <p:nvSpPr>
+          <p:cNvPr id="65" name="object 65"/>
           <p:cNvSpPr txBox="1"/>
           <p:nvPr/>
         </p:nvSpPr>
         <p:spPr>
           <a:xfrm>
-            <a:off x="1134872" y="2759075"/>
+            <a:off x="1854580" y="3013329"/>
             <a:ext cx="88900" cy="101600"/>
           </a:xfrm>
           <a:prstGeom prst="rect">
@@ -4347,7 +4431,7 @@
           </a:prstGeom>
         </p:spPr>
         <p:txBody>
-          <a:bodyPr vert="horz" wrap="square" lIns="0" tIns="12065" rIns="0" bIns="0" rtlCol="0">
+          <a:bodyPr wrap="square" lIns="0" tIns="12065" rIns="0" bIns="0" rtlCol="0" vert="horz">
             <a:spAutoFit/>
           </a:bodyPr>
           <a:lstStyle/>
@@ -4361,7 +4445,7 @@
               </a:spcBef>
             </a:pPr>
             <a:r>
-              <a:rPr sz="500" dirty="0">
+              <a:rPr dirty="0" sz="500">
                 <a:latin typeface="MS UI Gothic"/>
                 <a:cs typeface="MS UI Gothic"/>
               </a:rPr>
@@ -4376,13 +4460,13 @@
       </p:sp>
       <p:sp>
         <p:nvSpPr>
-          <p:cNvPr id="64" name="object 64"/>
-          <p:cNvSpPr/>
-          <p:nvPr/>
-        </p:nvSpPr>
-        <p:spPr>
-          <a:xfrm>
-            <a:off x="1604391" y="2736976"/>
+          <p:cNvPr id="66" name="object 66"/>
+          <p:cNvSpPr/>
+          <p:nvPr/>
+        </p:nvSpPr>
+        <p:spPr>
+          <a:xfrm>
+            <a:off x="2324100" y="2814701"/>
             <a:ext cx="575945" cy="0"/>
           </a:xfrm>
           <a:custGeom>
@@ -4392,12 +4476,12 @@
             <a:cxnLst/>
             <a:rect l="l" t="t" r="r" b="b"/>
             <a:pathLst>
-              <a:path w="575944">
-                <a:moveTo>
-                  <a:pt x="0" y="0"/>
-                </a:moveTo>
-                <a:lnTo>
-                  <a:pt x="575817" y="0"/>
+              <a:path w="575944" h="0">
+                <a:moveTo>
+                  <a:pt x="0" y="0"/>
+                </a:moveTo>
+                <a:lnTo>
+                  <a:pt x="575691" y="0"/>
                 </a:lnTo>
               </a:path>
             </a:pathLst>
@@ -4411,32 +4495,30 @@
         <p:txBody>
           <a:bodyPr wrap="square" lIns="0" tIns="0" rIns="0" bIns="0" rtlCol="0"/>
           <a:lstStyle/>
-          <a:p>
-            <a:endParaRPr/>
-          </a:p>
-        </p:txBody>
-      </p:sp>
-      <p:sp>
-        <p:nvSpPr>
-          <p:cNvPr id="65" name="object 65"/>
-          <p:cNvSpPr/>
-          <p:nvPr/>
-        </p:nvSpPr>
-        <p:spPr>
-          <a:xfrm>
-            <a:off x="1892300" y="2811398"/>
-            <a:ext cx="0" cy="222885"/>
-          </a:xfrm>
-          <a:custGeom>
-            <a:avLst/>
-            <a:gdLst/>
-            <a:ahLst/>
-            <a:cxnLst/>
-            <a:rect l="l" t="t" r="r" b="b"/>
-            <a:pathLst>
-              <a:path h="222885">
-                <a:moveTo>
-                  <a:pt x="0" y="222757"/>
+          <a:p/>
+        </p:txBody>
+      </p:sp>
+      <p:sp>
+        <p:nvSpPr>
+          <p:cNvPr id="67" name="object 67"/>
+          <p:cNvSpPr/>
+          <p:nvPr/>
+        </p:nvSpPr>
+        <p:spPr>
+          <a:xfrm>
+            <a:off x="2612008" y="2838830"/>
+            <a:ext cx="0" cy="19685"/>
+          </a:xfrm>
+          <a:custGeom>
+            <a:avLst/>
+            <a:gdLst/>
+            <a:ahLst/>
+            <a:cxnLst/>
+            <a:rect l="l" t="t" r="r" b="b"/>
+            <a:pathLst>
+              <a:path w="0" h="19685">
+                <a:moveTo>
+                  <a:pt x="0" y="19431"/>
                 </a:moveTo>
                 <a:lnTo>
                   <a:pt x="0" y="0"/>
@@ -4454,35 +4536,33 @@
         <p:txBody>
           <a:bodyPr wrap="square" lIns="0" tIns="0" rIns="0" bIns="0" rtlCol="0"/>
           <a:lstStyle/>
-          <a:p>
-            <a:endParaRPr/>
-          </a:p>
-        </p:txBody>
-      </p:sp>
-      <p:sp>
-        <p:nvSpPr>
-          <p:cNvPr id="66" name="object 66"/>
-          <p:cNvSpPr/>
-          <p:nvPr/>
-        </p:nvSpPr>
-        <p:spPr>
-          <a:xfrm>
-            <a:off x="1892300" y="2460117"/>
-            <a:ext cx="0" cy="198120"/>
-          </a:xfrm>
-          <a:custGeom>
-            <a:avLst/>
-            <a:gdLst/>
-            <a:ahLst/>
-            <a:cxnLst/>
-            <a:rect l="l" t="t" r="r" b="b"/>
-            <a:pathLst>
-              <a:path h="198119">
-                <a:moveTo>
-                  <a:pt x="0" y="0"/>
-                </a:moveTo>
-                <a:lnTo>
-                  <a:pt x="0" y="197738"/>
+          <a:p/>
+        </p:txBody>
+      </p:sp>
+      <p:sp>
+        <p:nvSpPr>
+          <p:cNvPr id="68" name="object 68"/>
+          <p:cNvSpPr/>
+          <p:nvPr/>
+        </p:nvSpPr>
+        <p:spPr>
+          <a:xfrm>
+            <a:off x="2612008" y="2723388"/>
+            <a:ext cx="0" cy="59055"/>
+          </a:xfrm>
+          <a:custGeom>
+            <a:avLst/>
+            <a:gdLst/>
+            <a:ahLst/>
+            <a:cxnLst/>
+            <a:rect l="l" t="t" r="r" b="b"/>
+            <a:pathLst>
+              <a:path w="0" h="59055">
+                <a:moveTo>
+                  <a:pt x="0" y="0"/>
+                </a:moveTo>
+                <a:lnTo>
+                  <a:pt x="0" y="58928"/>
                 </a:lnTo>
               </a:path>
             </a:pathLst>
@@ -4497,20 +4577,18 @@
         <p:txBody>
           <a:bodyPr wrap="square" lIns="0" tIns="0" rIns="0" bIns="0" rtlCol="0"/>
           <a:lstStyle/>
-          <a:p>
-            <a:endParaRPr/>
-          </a:p>
-        </p:txBody>
-      </p:sp>
-      <p:sp>
-        <p:nvSpPr>
-          <p:cNvPr id="67" name="object 67"/>
-          <p:cNvSpPr/>
-          <p:nvPr/>
-        </p:nvSpPr>
-        <p:spPr>
-          <a:xfrm>
-            <a:off x="1748408" y="3034157"/>
+          <a:p/>
+        </p:txBody>
+      </p:sp>
+      <p:sp>
+        <p:nvSpPr>
+          <p:cNvPr id="69" name="object 69"/>
+          <p:cNvSpPr/>
+          <p:nvPr/>
+        </p:nvSpPr>
+        <p:spPr>
+          <a:xfrm>
+            <a:off x="2467991" y="2858261"/>
             <a:ext cx="288290" cy="0"/>
           </a:xfrm>
           <a:custGeom>
@@ -4520,39 +4598,37 @@
             <a:cxnLst/>
             <a:rect l="l" t="t" r="r" b="b"/>
             <a:pathLst>
-              <a:path w="288289">
-                <a:moveTo>
-                  <a:pt x="0" y="0"/>
-                </a:moveTo>
-                <a:lnTo>
-                  <a:pt x="287782" y="0"/>
-                </a:lnTo>
-              </a:path>
-            </a:pathLst>
-          </a:custGeom>
-          <a:ln w="9525">
-            <a:solidFill>
-              <a:srgbClr val="000000"/>
-            </a:solidFill>
-          </a:ln>
-        </p:spPr>
-        <p:txBody>
-          <a:bodyPr wrap="square" lIns="0" tIns="0" rIns="0" bIns="0" rtlCol="0"/>
-          <a:lstStyle/>
-          <a:p>
-            <a:endParaRPr/>
-          </a:p>
-        </p:txBody>
-      </p:sp>
-      <p:sp>
-        <p:nvSpPr>
-          <p:cNvPr id="68" name="object 68"/>
-          <p:cNvSpPr/>
-          <p:nvPr/>
-        </p:nvSpPr>
-        <p:spPr>
-          <a:xfrm>
-            <a:off x="1748408" y="2460117"/>
+              <a:path w="288289" h="0">
+                <a:moveTo>
+                  <a:pt x="0" y="0"/>
+                </a:moveTo>
+                <a:lnTo>
+                  <a:pt x="287908" y="0"/>
+                </a:lnTo>
+              </a:path>
+            </a:pathLst>
+          </a:custGeom>
+          <a:ln w="9525">
+            <a:solidFill>
+              <a:srgbClr val="000000"/>
+            </a:solidFill>
+          </a:ln>
+        </p:spPr>
+        <p:txBody>
+          <a:bodyPr wrap="square" lIns="0" tIns="0" rIns="0" bIns="0" rtlCol="0"/>
+          <a:lstStyle/>
+          <a:p/>
+        </p:txBody>
+      </p:sp>
+      <p:sp>
+        <p:nvSpPr>
+          <p:cNvPr id="70" name="object 70"/>
+          <p:cNvSpPr/>
+          <p:nvPr/>
+        </p:nvSpPr>
+        <p:spPr>
+          <a:xfrm>
+            <a:off x="2467991" y="2723388"/>
             <a:ext cx="288290" cy="0"/>
           </a:xfrm>
           <a:custGeom>
@@ -4562,63 +4638,61 @@
             <a:cxnLst/>
             <a:rect l="l" t="t" r="r" b="b"/>
             <a:pathLst>
-              <a:path w="288289">
-                <a:moveTo>
-                  <a:pt x="0" y="0"/>
-                </a:moveTo>
-                <a:lnTo>
-                  <a:pt x="287782" y="0"/>
-                </a:lnTo>
-              </a:path>
-            </a:pathLst>
-          </a:custGeom>
-          <a:ln w="9525">
-            <a:solidFill>
-              <a:srgbClr val="000000"/>
-            </a:solidFill>
-          </a:ln>
-        </p:spPr>
-        <p:txBody>
-          <a:bodyPr wrap="square" lIns="0" tIns="0" rIns="0" bIns="0" rtlCol="0"/>
-          <a:lstStyle/>
-          <a:p>
-            <a:endParaRPr/>
-          </a:p>
-        </p:txBody>
-      </p:sp>
-      <p:sp>
-        <p:nvSpPr>
-          <p:cNvPr id="69" name="object 69"/>
-          <p:cNvSpPr/>
-          <p:nvPr/>
-        </p:nvSpPr>
-        <p:spPr>
-          <a:xfrm>
-            <a:off x="1604391" y="2657855"/>
-            <a:ext cx="575945" cy="153670"/>
-          </a:xfrm>
-          <a:custGeom>
-            <a:avLst/>
-            <a:gdLst/>
-            <a:ahLst/>
-            <a:cxnLst/>
-            <a:rect l="l" t="t" r="r" b="b"/>
-            <a:pathLst>
-              <a:path w="575944" h="153669">
-                <a:moveTo>
-                  <a:pt x="0" y="153543"/>
-                </a:moveTo>
-                <a:lnTo>
-                  <a:pt x="575817" y="153543"/>
-                </a:lnTo>
-                <a:lnTo>
-                  <a:pt x="575817" y="0"/>
-                </a:lnTo>
-                <a:lnTo>
-                  <a:pt x="0" y="0"/>
-                </a:lnTo>
-                <a:lnTo>
-                  <a:pt x="0" y="153543"/>
+              <a:path w="288289" h="0">
+                <a:moveTo>
+                  <a:pt x="0" y="0"/>
+                </a:moveTo>
+                <a:lnTo>
+                  <a:pt x="287908" y="0"/>
+                </a:lnTo>
+              </a:path>
+            </a:pathLst>
+          </a:custGeom>
+          <a:ln w="9525">
+            <a:solidFill>
+              <a:srgbClr val="000000"/>
+            </a:solidFill>
+          </a:ln>
+        </p:spPr>
+        <p:txBody>
+          <a:bodyPr wrap="square" lIns="0" tIns="0" rIns="0" bIns="0" rtlCol="0"/>
+          <a:lstStyle/>
+          <a:p/>
+        </p:txBody>
+      </p:sp>
+      <p:sp>
+        <p:nvSpPr>
+          <p:cNvPr id="71" name="object 71"/>
+          <p:cNvSpPr/>
+          <p:nvPr/>
+        </p:nvSpPr>
+        <p:spPr>
+          <a:xfrm>
+            <a:off x="2324100" y="2782316"/>
+            <a:ext cx="575945" cy="56515"/>
+          </a:xfrm>
+          <a:custGeom>
+            <a:avLst/>
+            <a:gdLst/>
+            <a:ahLst/>
+            <a:cxnLst/>
+            <a:rect l="l" t="t" r="r" b="b"/>
+            <a:pathLst>
+              <a:path w="575944" h="56514">
+                <a:moveTo>
+                  <a:pt x="0" y="56515"/>
+                </a:moveTo>
+                <a:lnTo>
+                  <a:pt x="575691" y="56515"/>
+                </a:lnTo>
+                <a:lnTo>
+                  <a:pt x="575691" y="0"/>
+                </a:lnTo>
+                <a:lnTo>
+                  <a:pt x="0" y="0"/>
+                </a:lnTo>
+                <a:lnTo>
+                  <a:pt x="0" y="56515"/>
                 </a:lnTo>
               </a:path>
             </a:pathLst>
@@ -4632,20 +4706,520 @@
         <p:txBody>
           <a:bodyPr wrap="square" lIns="0" tIns="0" rIns="0" bIns="0" rtlCol="0"/>
           <a:lstStyle/>
-          <a:p>
-            <a:endParaRPr/>
-          </a:p>
-        </p:txBody>
-      </p:sp>
-      <p:sp>
-        <p:nvSpPr>
-          <p:cNvPr id="70" name="object 70"/>
+          <a:p/>
+        </p:txBody>
+      </p:sp>
+      <p:sp>
+        <p:nvSpPr>
+          <p:cNvPr id="72" name="object 72"/>
+          <p:cNvSpPr/>
+          <p:nvPr/>
+        </p:nvSpPr>
+        <p:spPr>
+          <a:xfrm>
+            <a:off x="3043808" y="3119247"/>
+            <a:ext cx="575945" cy="0"/>
+          </a:xfrm>
+          <a:custGeom>
+            <a:avLst/>
+            <a:gdLst/>
+            <a:ahLst/>
+            <a:cxnLst/>
+            <a:rect l="l" t="t" r="r" b="b"/>
+            <a:pathLst>
+              <a:path w="575945" h="0">
+                <a:moveTo>
+                  <a:pt x="0" y="0"/>
+                </a:moveTo>
+                <a:lnTo>
+                  <a:pt x="575691" y="0"/>
+                </a:lnTo>
+              </a:path>
+            </a:pathLst>
+          </a:custGeom>
+          <a:ln w="28575">
+            <a:solidFill>
+              <a:srgbClr val="000000"/>
+            </a:solidFill>
+          </a:ln>
+        </p:spPr>
+        <p:txBody>
+          <a:bodyPr wrap="square" lIns="0" tIns="0" rIns="0" bIns="0" rtlCol="0"/>
+          <a:lstStyle/>
+          <a:p/>
+        </p:txBody>
+      </p:sp>
+      <p:sp>
+        <p:nvSpPr>
+          <p:cNvPr id="73" name="object 73"/>
+          <p:cNvSpPr/>
+          <p:nvPr/>
+        </p:nvSpPr>
+        <p:spPr>
+          <a:xfrm>
+            <a:off x="3331590" y="3212210"/>
+            <a:ext cx="0" cy="170815"/>
+          </a:xfrm>
+          <a:custGeom>
+            <a:avLst/>
+            <a:gdLst/>
+            <a:ahLst/>
+            <a:cxnLst/>
+            <a:rect l="l" t="t" r="r" b="b"/>
+            <a:pathLst>
+              <a:path w="0" h="170814">
+                <a:moveTo>
+                  <a:pt x="0" y="170687"/>
+                </a:moveTo>
+                <a:lnTo>
+                  <a:pt x="0" y="0"/>
+                </a:lnTo>
+              </a:path>
+            </a:pathLst>
+          </a:custGeom>
+          <a:ln w="9525">
+            <a:solidFill>
+              <a:srgbClr val="000000"/>
+            </a:solidFill>
+            <a:prstDash val="dash"/>
+          </a:ln>
+        </p:spPr>
+        <p:txBody>
+          <a:bodyPr wrap="square" lIns="0" tIns="0" rIns="0" bIns="0" rtlCol="0"/>
+          <a:lstStyle/>
+          <a:p/>
+        </p:txBody>
+      </p:sp>
+      <p:sp>
+        <p:nvSpPr>
+          <p:cNvPr id="74" name="object 74"/>
+          <p:cNvSpPr/>
+          <p:nvPr/>
+        </p:nvSpPr>
+        <p:spPr>
+          <a:xfrm>
+            <a:off x="3331590" y="2696972"/>
+            <a:ext cx="0" cy="242570"/>
+          </a:xfrm>
+          <a:custGeom>
+            <a:avLst/>
+            <a:gdLst/>
+            <a:ahLst/>
+            <a:cxnLst/>
+            <a:rect l="l" t="t" r="r" b="b"/>
+            <a:pathLst>
+              <a:path w="0" h="242569">
+                <a:moveTo>
+                  <a:pt x="0" y="0"/>
+                </a:moveTo>
+                <a:lnTo>
+                  <a:pt x="0" y="242442"/>
+                </a:lnTo>
+              </a:path>
+            </a:pathLst>
+          </a:custGeom>
+          <a:ln w="9525">
+            <a:solidFill>
+              <a:srgbClr val="000000"/>
+            </a:solidFill>
+            <a:prstDash val="dash"/>
+          </a:ln>
+        </p:spPr>
+        <p:txBody>
+          <a:bodyPr wrap="square" lIns="0" tIns="0" rIns="0" bIns="0" rtlCol="0"/>
+          <a:lstStyle/>
+          <a:p/>
+        </p:txBody>
+      </p:sp>
+      <p:sp>
+        <p:nvSpPr>
+          <p:cNvPr id="75" name="object 75"/>
+          <p:cNvSpPr/>
+          <p:nvPr/>
+        </p:nvSpPr>
+        <p:spPr>
+          <a:xfrm>
+            <a:off x="3187700" y="3382898"/>
+            <a:ext cx="288290" cy="0"/>
+          </a:xfrm>
+          <a:custGeom>
+            <a:avLst/>
+            <a:gdLst/>
+            <a:ahLst/>
+            <a:cxnLst/>
+            <a:rect l="l" t="t" r="r" b="b"/>
+            <a:pathLst>
+              <a:path w="288289" h="0">
+                <a:moveTo>
+                  <a:pt x="0" y="0"/>
+                </a:moveTo>
+                <a:lnTo>
+                  <a:pt x="287909" y="0"/>
+                </a:lnTo>
+              </a:path>
+            </a:pathLst>
+          </a:custGeom>
+          <a:ln w="9525">
+            <a:solidFill>
+              <a:srgbClr val="000000"/>
+            </a:solidFill>
+          </a:ln>
+        </p:spPr>
+        <p:txBody>
+          <a:bodyPr wrap="square" lIns="0" tIns="0" rIns="0" bIns="0" rtlCol="0"/>
+          <a:lstStyle/>
+          <a:p/>
+        </p:txBody>
+      </p:sp>
+      <p:sp>
+        <p:nvSpPr>
+          <p:cNvPr id="76" name="object 76"/>
+          <p:cNvSpPr/>
+          <p:nvPr/>
+        </p:nvSpPr>
+        <p:spPr>
+          <a:xfrm>
+            <a:off x="3187700" y="2696972"/>
+            <a:ext cx="288290" cy="0"/>
+          </a:xfrm>
+          <a:custGeom>
+            <a:avLst/>
+            <a:gdLst/>
+            <a:ahLst/>
+            <a:cxnLst/>
+            <a:rect l="l" t="t" r="r" b="b"/>
+            <a:pathLst>
+              <a:path w="288289" h="0">
+                <a:moveTo>
+                  <a:pt x="0" y="0"/>
+                </a:moveTo>
+                <a:lnTo>
+                  <a:pt x="287909" y="0"/>
+                </a:lnTo>
+              </a:path>
+            </a:pathLst>
+          </a:custGeom>
+          <a:ln w="9525">
+            <a:solidFill>
+              <a:srgbClr val="000000"/>
+            </a:solidFill>
+          </a:ln>
+        </p:spPr>
+        <p:txBody>
+          <a:bodyPr wrap="square" lIns="0" tIns="0" rIns="0" bIns="0" rtlCol="0"/>
+          <a:lstStyle/>
+          <a:p/>
+        </p:txBody>
+      </p:sp>
+      <p:sp>
+        <p:nvSpPr>
+          <p:cNvPr id="77" name="object 77"/>
+          <p:cNvSpPr/>
+          <p:nvPr/>
+        </p:nvSpPr>
+        <p:spPr>
+          <a:xfrm>
+            <a:off x="3043808" y="2939414"/>
+            <a:ext cx="575945" cy="273050"/>
+          </a:xfrm>
+          <a:custGeom>
+            <a:avLst/>
+            <a:gdLst/>
+            <a:ahLst/>
+            <a:cxnLst/>
+            <a:rect l="l" t="t" r="r" b="b"/>
+            <a:pathLst>
+              <a:path w="575945" h="273050">
+                <a:moveTo>
+                  <a:pt x="0" y="272796"/>
+                </a:moveTo>
+                <a:lnTo>
+                  <a:pt x="575691" y="272796"/>
+                </a:lnTo>
+                <a:lnTo>
+                  <a:pt x="575691" y="0"/>
+                </a:lnTo>
+                <a:lnTo>
+                  <a:pt x="0" y="0"/>
+                </a:lnTo>
+                <a:lnTo>
+                  <a:pt x="0" y="272796"/>
+                </a:lnTo>
+              </a:path>
+            </a:pathLst>
+          </a:custGeom>
+          <a:ln w="9525">
+            <a:solidFill>
+              <a:srgbClr val="000000"/>
+            </a:solidFill>
+          </a:ln>
+        </p:spPr>
+        <p:txBody>
+          <a:bodyPr wrap="square" lIns="0" tIns="0" rIns="0" bIns="0" rtlCol="0"/>
+          <a:lstStyle/>
+          <a:p/>
+        </p:txBody>
+      </p:sp>
+      <p:sp>
+        <p:nvSpPr>
+          <p:cNvPr id="78" name="object 78"/>
+          <p:cNvSpPr/>
+          <p:nvPr/>
+        </p:nvSpPr>
+        <p:spPr>
+          <a:xfrm>
+            <a:off x="3763390" y="2967989"/>
+            <a:ext cx="575945" cy="0"/>
+          </a:xfrm>
+          <a:custGeom>
+            <a:avLst/>
+            <a:gdLst/>
+            <a:ahLst/>
+            <a:cxnLst/>
+            <a:rect l="l" t="t" r="r" b="b"/>
+            <a:pathLst>
+              <a:path w="575945" h="0">
+                <a:moveTo>
+                  <a:pt x="0" y="0"/>
+                </a:moveTo>
+                <a:lnTo>
+                  <a:pt x="575818" y="0"/>
+                </a:lnTo>
+              </a:path>
+            </a:pathLst>
+          </a:custGeom>
+          <a:ln w="28575">
+            <a:solidFill>
+              <a:srgbClr val="000000"/>
+            </a:solidFill>
+          </a:ln>
+        </p:spPr>
+        <p:txBody>
+          <a:bodyPr wrap="square" lIns="0" tIns="0" rIns="0" bIns="0" rtlCol="0"/>
+          <a:lstStyle/>
+          <a:p/>
+        </p:txBody>
+      </p:sp>
+      <p:sp>
+        <p:nvSpPr>
+          <p:cNvPr id="79" name="object 79"/>
+          <p:cNvSpPr/>
+          <p:nvPr/>
+        </p:nvSpPr>
+        <p:spPr>
+          <a:xfrm>
+            <a:off x="4051300" y="2976879"/>
+            <a:ext cx="0" cy="3175"/>
+          </a:xfrm>
+          <a:custGeom>
+            <a:avLst/>
+            <a:gdLst/>
+            <a:ahLst/>
+            <a:cxnLst/>
+            <a:rect l="l" t="t" r="r" b="b"/>
+            <a:pathLst>
+              <a:path w="0" h="3175">
+                <a:moveTo>
+                  <a:pt x="-4762" y="1460"/>
+                </a:moveTo>
+                <a:lnTo>
+                  <a:pt x="4762" y="1460"/>
+                </a:lnTo>
+              </a:path>
+            </a:pathLst>
+          </a:custGeom>
+          <a:ln w="3175">
+            <a:solidFill>
+              <a:srgbClr val="000000"/>
+            </a:solidFill>
+            <a:prstDash val="dash"/>
+          </a:ln>
+        </p:spPr>
+        <p:txBody>
+          <a:bodyPr wrap="square" lIns="0" tIns="0" rIns="0" bIns="0" rtlCol="0"/>
+          <a:lstStyle/>
+          <a:p/>
+        </p:txBody>
+      </p:sp>
+      <p:sp>
+        <p:nvSpPr>
+          <p:cNvPr id="80" name="object 80"/>
+          <p:cNvSpPr/>
+          <p:nvPr/>
+        </p:nvSpPr>
+        <p:spPr>
+          <a:xfrm>
+            <a:off x="4051300" y="2890901"/>
+            <a:ext cx="0" cy="34925"/>
+          </a:xfrm>
+          <a:custGeom>
+            <a:avLst/>
+            <a:gdLst/>
+            <a:ahLst/>
+            <a:cxnLst/>
+            <a:rect l="l" t="t" r="r" b="b"/>
+            <a:pathLst>
+              <a:path w="0" h="34925">
+                <a:moveTo>
+                  <a:pt x="0" y="0"/>
+                </a:moveTo>
+                <a:lnTo>
+                  <a:pt x="0" y="34925"/>
+                </a:lnTo>
+              </a:path>
+            </a:pathLst>
+          </a:custGeom>
+          <a:ln w="9525">
+            <a:solidFill>
+              <a:srgbClr val="000000"/>
+            </a:solidFill>
+            <a:prstDash val="dash"/>
+          </a:ln>
+        </p:spPr>
+        <p:txBody>
+          <a:bodyPr wrap="square" lIns="0" tIns="0" rIns="0" bIns="0" rtlCol="0"/>
+          <a:lstStyle/>
+          <a:p/>
+        </p:txBody>
+      </p:sp>
+      <p:sp>
+        <p:nvSpPr>
+          <p:cNvPr id="81" name="object 81"/>
+          <p:cNvSpPr/>
+          <p:nvPr/>
+        </p:nvSpPr>
+        <p:spPr>
+          <a:xfrm>
+            <a:off x="3907409" y="2979801"/>
+            <a:ext cx="288290" cy="0"/>
+          </a:xfrm>
+          <a:custGeom>
+            <a:avLst/>
+            <a:gdLst/>
+            <a:ahLst/>
+            <a:cxnLst/>
+            <a:rect l="l" t="t" r="r" b="b"/>
+            <a:pathLst>
+              <a:path w="288289" h="0">
+                <a:moveTo>
+                  <a:pt x="0" y="0"/>
+                </a:moveTo>
+                <a:lnTo>
+                  <a:pt x="287781" y="0"/>
+                </a:lnTo>
+              </a:path>
+            </a:pathLst>
+          </a:custGeom>
+          <a:ln w="9525">
+            <a:solidFill>
+              <a:srgbClr val="000000"/>
+            </a:solidFill>
+          </a:ln>
+        </p:spPr>
+        <p:txBody>
+          <a:bodyPr wrap="square" lIns="0" tIns="0" rIns="0" bIns="0" rtlCol="0"/>
+          <a:lstStyle/>
+          <a:p/>
+        </p:txBody>
+      </p:sp>
+      <p:sp>
+        <p:nvSpPr>
+          <p:cNvPr id="82" name="object 82"/>
+          <p:cNvSpPr/>
+          <p:nvPr/>
+        </p:nvSpPr>
+        <p:spPr>
+          <a:xfrm>
+            <a:off x="3907409" y="2890901"/>
+            <a:ext cx="288290" cy="0"/>
+          </a:xfrm>
+          <a:custGeom>
+            <a:avLst/>
+            <a:gdLst/>
+            <a:ahLst/>
+            <a:cxnLst/>
+            <a:rect l="l" t="t" r="r" b="b"/>
+            <a:pathLst>
+              <a:path w="288289" h="0">
+                <a:moveTo>
+                  <a:pt x="0" y="0"/>
+                </a:moveTo>
+                <a:lnTo>
+                  <a:pt x="287781" y="0"/>
+                </a:lnTo>
+              </a:path>
+            </a:pathLst>
+          </a:custGeom>
+          <a:ln w="9525">
+            <a:solidFill>
+              <a:srgbClr val="000000"/>
+            </a:solidFill>
+          </a:ln>
+        </p:spPr>
+        <p:txBody>
+          <a:bodyPr wrap="square" lIns="0" tIns="0" rIns="0" bIns="0" rtlCol="0"/>
+          <a:lstStyle/>
+          <a:p/>
+        </p:txBody>
+      </p:sp>
+      <p:sp>
+        <p:nvSpPr>
+          <p:cNvPr id="83" name="object 83"/>
+          <p:cNvSpPr/>
+          <p:nvPr/>
+        </p:nvSpPr>
+        <p:spPr>
+          <a:xfrm>
+            <a:off x="3763390" y="2925826"/>
+            <a:ext cx="575945" cy="51435"/>
+          </a:xfrm>
+          <a:custGeom>
+            <a:avLst/>
+            <a:gdLst/>
+            <a:ahLst/>
+            <a:cxnLst/>
+            <a:rect l="l" t="t" r="r" b="b"/>
+            <a:pathLst>
+              <a:path w="575945" h="51435">
+                <a:moveTo>
+                  <a:pt x="0" y="51054"/>
+                </a:moveTo>
+                <a:lnTo>
+                  <a:pt x="575818" y="51054"/>
+                </a:lnTo>
+                <a:lnTo>
+                  <a:pt x="575818" y="0"/>
+                </a:lnTo>
+                <a:lnTo>
+                  <a:pt x="0" y="0"/>
+                </a:lnTo>
+                <a:lnTo>
+                  <a:pt x="0" y="51054"/>
+                </a:lnTo>
+              </a:path>
+            </a:pathLst>
+          </a:custGeom>
+          <a:ln w="9524">
+            <a:solidFill>
+              <a:srgbClr val="000000"/>
+            </a:solidFill>
+          </a:ln>
+        </p:spPr>
+        <p:txBody>
+          <a:bodyPr wrap="square" lIns="0" tIns="0" rIns="0" bIns="0" rtlCol="0"/>
+          <a:lstStyle/>
+          <a:p/>
+        </p:txBody>
+      </p:sp>
+      <p:sp>
+        <p:nvSpPr>
+          <p:cNvPr id="84" name="object 84"/>
           <p:cNvSpPr txBox="1"/>
           <p:nvPr/>
         </p:nvSpPr>
         <p:spPr>
           <a:xfrm>
-            <a:off x="1854580" y="3013329"/>
+            <a:off x="4013580" y="3009391"/>
             <a:ext cx="88900" cy="101600"/>
           </a:xfrm>
           <a:prstGeom prst="rect">
@@ -4653,7 +5227,7 @@
           </a:prstGeom>
         </p:spPr>
         <p:txBody>
-          <a:bodyPr vert="horz" wrap="square" lIns="0" tIns="12065" rIns="0" bIns="0" rtlCol="0">
+          <a:bodyPr wrap="square" lIns="0" tIns="12065" rIns="0" bIns="0" rtlCol="0" vert="horz">
             <a:spAutoFit/>
           </a:bodyPr>
           <a:lstStyle/>
@@ -4667,7 +5241,7 @@
               </a:spcBef>
             </a:pPr>
             <a:r>
-              <a:rPr sz="500" dirty="0">
+              <a:rPr dirty="0" sz="500">
                 <a:latin typeface="MS UI Gothic"/>
                 <a:cs typeface="MS UI Gothic"/>
               </a:rPr>
@@ -4682,796 +5256,7 @@
       </p:sp>
       <p:sp>
         <p:nvSpPr>
-          <p:cNvPr id="71" name="object 71"/>
-          <p:cNvSpPr/>
-          <p:nvPr/>
-        </p:nvSpPr>
-        <p:spPr>
-          <a:xfrm>
-            <a:off x="2324100" y="2910585"/>
-            <a:ext cx="575945" cy="0"/>
-          </a:xfrm>
-          <a:custGeom>
-            <a:avLst/>
-            <a:gdLst/>
-            <a:ahLst/>
-            <a:cxnLst/>
-            <a:rect l="l" t="t" r="r" b="b"/>
-            <a:pathLst>
-              <a:path w="575944">
-                <a:moveTo>
-                  <a:pt x="0" y="0"/>
-                </a:moveTo>
-                <a:lnTo>
-                  <a:pt x="575691" y="0"/>
-                </a:lnTo>
-              </a:path>
-            </a:pathLst>
-          </a:custGeom>
-          <a:ln w="28575">
-            <a:solidFill>
-              <a:srgbClr val="000000"/>
-            </a:solidFill>
-          </a:ln>
-        </p:spPr>
-        <p:txBody>
-          <a:bodyPr wrap="square" lIns="0" tIns="0" rIns="0" bIns="0" rtlCol="0"/>
-          <a:lstStyle/>
-          <a:p>
-            <a:endParaRPr/>
-          </a:p>
-        </p:txBody>
-      </p:sp>
-      <p:sp>
-        <p:nvSpPr>
-          <p:cNvPr id="72" name="object 72"/>
-          <p:cNvSpPr/>
-          <p:nvPr/>
-        </p:nvSpPr>
-        <p:spPr>
-          <a:xfrm>
-            <a:off x="2612008" y="2935097"/>
-            <a:ext cx="0" cy="60325"/>
-          </a:xfrm>
-          <a:custGeom>
-            <a:avLst/>
-            <a:gdLst/>
-            <a:ahLst/>
-            <a:cxnLst/>
-            <a:rect l="l" t="t" r="r" b="b"/>
-            <a:pathLst>
-              <a:path h="60325">
-                <a:moveTo>
-                  <a:pt x="0" y="60324"/>
-                </a:moveTo>
-                <a:lnTo>
-                  <a:pt x="0" y="0"/>
-                </a:lnTo>
-              </a:path>
-            </a:pathLst>
-          </a:custGeom>
-          <a:ln w="9525">
-            <a:solidFill>
-              <a:srgbClr val="000000"/>
-            </a:solidFill>
-            <a:prstDash val="dash"/>
-          </a:ln>
-        </p:spPr>
-        <p:txBody>
-          <a:bodyPr wrap="square" lIns="0" tIns="0" rIns="0" bIns="0" rtlCol="0"/>
-          <a:lstStyle/>
-          <a:p>
-            <a:endParaRPr/>
-          </a:p>
-        </p:txBody>
-      </p:sp>
-      <p:sp>
-        <p:nvSpPr>
-          <p:cNvPr id="73" name="object 73"/>
-          <p:cNvSpPr/>
-          <p:nvPr/>
-        </p:nvSpPr>
-        <p:spPr>
-          <a:xfrm>
-            <a:off x="2612008" y="2831719"/>
-            <a:ext cx="0" cy="49530"/>
-          </a:xfrm>
-          <a:custGeom>
-            <a:avLst/>
-            <a:gdLst/>
-            <a:ahLst/>
-            <a:cxnLst/>
-            <a:rect l="l" t="t" r="r" b="b"/>
-            <a:pathLst>
-              <a:path h="49530">
-                <a:moveTo>
-                  <a:pt x="0" y="0"/>
-                </a:moveTo>
-                <a:lnTo>
-                  <a:pt x="0" y="49149"/>
-                </a:lnTo>
-              </a:path>
-            </a:pathLst>
-          </a:custGeom>
-          <a:ln w="9525">
-            <a:solidFill>
-              <a:srgbClr val="000000"/>
-            </a:solidFill>
-            <a:prstDash val="dash"/>
-          </a:ln>
-        </p:spPr>
-        <p:txBody>
-          <a:bodyPr wrap="square" lIns="0" tIns="0" rIns="0" bIns="0" rtlCol="0"/>
-          <a:lstStyle/>
-          <a:p>
-            <a:endParaRPr/>
-          </a:p>
-        </p:txBody>
-      </p:sp>
-      <p:sp>
-        <p:nvSpPr>
-          <p:cNvPr id="74" name="object 74"/>
-          <p:cNvSpPr/>
-          <p:nvPr/>
-        </p:nvSpPr>
-        <p:spPr>
-          <a:xfrm>
-            <a:off x="2467991" y="2995422"/>
-            <a:ext cx="288290" cy="0"/>
-          </a:xfrm>
-          <a:custGeom>
-            <a:avLst/>
-            <a:gdLst/>
-            <a:ahLst/>
-            <a:cxnLst/>
-            <a:rect l="l" t="t" r="r" b="b"/>
-            <a:pathLst>
-              <a:path w="288289">
-                <a:moveTo>
-                  <a:pt x="0" y="0"/>
-                </a:moveTo>
-                <a:lnTo>
-                  <a:pt x="287908" y="0"/>
-                </a:lnTo>
-              </a:path>
-            </a:pathLst>
-          </a:custGeom>
-          <a:ln w="9525">
-            <a:solidFill>
-              <a:srgbClr val="000000"/>
-            </a:solidFill>
-          </a:ln>
-        </p:spPr>
-        <p:txBody>
-          <a:bodyPr wrap="square" lIns="0" tIns="0" rIns="0" bIns="0" rtlCol="0"/>
-          <a:lstStyle/>
-          <a:p>
-            <a:endParaRPr/>
-          </a:p>
-        </p:txBody>
-      </p:sp>
-      <p:sp>
-        <p:nvSpPr>
-          <p:cNvPr id="75" name="object 75"/>
-          <p:cNvSpPr/>
-          <p:nvPr/>
-        </p:nvSpPr>
-        <p:spPr>
-          <a:xfrm>
-            <a:off x="2467991" y="2831719"/>
-            <a:ext cx="288290" cy="0"/>
-          </a:xfrm>
-          <a:custGeom>
-            <a:avLst/>
-            <a:gdLst/>
-            <a:ahLst/>
-            <a:cxnLst/>
-            <a:rect l="l" t="t" r="r" b="b"/>
-            <a:pathLst>
-              <a:path w="288289">
-                <a:moveTo>
-                  <a:pt x="0" y="0"/>
-                </a:moveTo>
-                <a:lnTo>
-                  <a:pt x="287908" y="0"/>
-                </a:lnTo>
-              </a:path>
-            </a:pathLst>
-          </a:custGeom>
-          <a:ln w="9525">
-            <a:solidFill>
-              <a:srgbClr val="000000"/>
-            </a:solidFill>
-          </a:ln>
-        </p:spPr>
-        <p:txBody>
-          <a:bodyPr wrap="square" lIns="0" tIns="0" rIns="0" bIns="0" rtlCol="0"/>
-          <a:lstStyle/>
-          <a:p>
-            <a:endParaRPr/>
-          </a:p>
-        </p:txBody>
-      </p:sp>
-      <p:sp>
-        <p:nvSpPr>
-          <p:cNvPr id="76" name="object 76"/>
-          <p:cNvSpPr/>
-          <p:nvPr/>
-        </p:nvSpPr>
-        <p:spPr>
-          <a:xfrm>
-            <a:off x="2324100" y="2880867"/>
-            <a:ext cx="575945" cy="54610"/>
-          </a:xfrm>
-          <a:custGeom>
-            <a:avLst/>
-            <a:gdLst/>
-            <a:ahLst/>
-            <a:cxnLst/>
-            <a:rect l="l" t="t" r="r" b="b"/>
-            <a:pathLst>
-              <a:path w="575944" h="54610">
-                <a:moveTo>
-                  <a:pt x="0" y="54228"/>
-                </a:moveTo>
-                <a:lnTo>
-                  <a:pt x="575691" y="54228"/>
-                </a:lnTo>
-                <a:lnTo>
-                  <a:pt x="575691" y="0"/>
-                </a:lnTo>
-                <a:lnTo>
-                  <a:pt x="0" y="0"/>
-                </a:lnTo>
-                <a:lnTo>
-                  <a:pt x="0" y="54228"/>
-                </a:lnTo>
-              </a:path>
-            </a:pathLst>
-          </a:custGeom>
-          <a:ln w="9525">
-            <a:solidFill>
-              <a:srgbClr val="000000"/>
-            </a:solidFill>
-          </a:ln>
-        </p:spPr>
-        <p:txBody>
-          <a:bodyPr wrap="square" lIns="0" tIns="0" rIns="0" bIns="0" rtlCol="0"/>
-          <a:lstStyle/>
-          <a:p>
-            <a:endParaRPr/>
-          </a:p>
-        </p:txBody>
-      </p:sp>
-      <p:sp>
-        <p:nvSpPr>
-          <p:cNvPr id="77" name="object 77"/>
-          <p:cNvSpPr/>
-          <p:nvPr/>
-        </p:nvSpPr>
-        <p:spPr>
-          <a:xfrm>
-            <a:off x="3043808" y="3119247"/>
-            <a:ext cx="575945" cy="0"/>
-          </a:xfrm>
-          <a:custGeom>
-            <a:avLst/>
-            <a:gdLst/>
-            <a:ahLst/>
-            <a:cxnLst/>
-            <a:rect l="l" t="t" r="r" b="b"/>
-            <a:pathLst>
-              <a:path w="575945">
-                <a:moveTo>
-                  <a:pt x="0" y="0"/>
-                </a:moveTo>
-                <a:lnTo>
-                  <a:pt x="575691" y="0"/>
-                </a:lnTo>
-              </a:path>
-            </a:pathLst>
-          </a:custGeom>
-          <a:ln w="28575">
-            <a:solidFill>
-              <a:srgbClr val="000000"/>
-            </a:solidFill>
-          </a:ln>
-        </p:spPr>
-        <p:txBody>
-          <a:bodyPr wrap="square" lIns="0" tIns="0" rIns="0" bIns="0" rtlCol="0"/>
-          <a:lstStyle/>
-          <a:p>
-            <a:endParaRPr/>
-          </a:p>
-        </p:txBody>
-      </p:sp>
-      <p:sp>
-        <p:nvSpPr>
-          <p:cNvPr id="78" name="object 78"/>
-          <p:cNvSpPr/>
-          <p:nvPr/>
-        </p:nvSpPr>
-        <p:spPr>
-          <a:xfrm>
-            <a:off x="3331590" y="3212210"/>
-            <a:ext cx="0" cy="170815"/>
-          </a:xfrm>
-          <a:custGeom>
-            <a:avLst/>
-            <a:gdLst/>
-            <a:ahLst/>
-            <a:cxnLst/>
-            <a:rect l="l" t="t" r="r" b="b"/>
-            <a:pathLst>
-              <a:path h="170814">
-                <a:moveTo>
-                  <a:pt x="0" y="170687"/>
-                </a:moveTo>
-                <a:lnTo>
-                  <a:pt x="0" y="0"/>
-                </a:lnTo>
-              </a:path>
-            </a:pathLst>
-          </a:custGeom>
-          <a:ln w="9525">
-            <a:solidFill>
-              <a:srgbClr val="000000"/>
-            </a:solidFill>
-            <a:prstDash val="dash"/>
-          </a:ln>
-        </p:spPr>
-        <p:txBody>
-          <a:bodyPr wrap="square" lIns="0" tIns="0" rIns="0" bIns="0" rtlCol="0"/>
-          <a:lstStyle/>
-          <a:p>
-            <a:endParaRPr/>
-          </a:p>
-        </p:txBody>
-      </p:sp>
-      <p:sp>
-        <p:nvSpPr>
-          <p:cNvPr id="79" name="object 79"/>
-          <p:cNvSpPr/>
-          <p:nvPr/>
-        </p:nvSpPr>
-        <p:spPr>
-          <a:xfrm>
-            <a:off x="3331590" y="2696972"/>
-            <a:ext cx="0" cy="242570"/>
-          </a:xfrm>
-          <a:custGeom>
-            <a:avLst/>
-            <a:gdLst/>
-            <a:ahLst/>
-            <a:cxnLst/>
-            <a:rect l="l" t="t" r="r" b="b"/>
-            <a:pathLst>
-              <a:path h="242569">
-                <a:moveTo>
-                  <a:pt x="0" y="0"/>
-                </a:moveTo>
-                <a:lnTo>
-                  <a:pt x="0" y="242442"/>
-                </a:lnTo>
-              </a:path>
-            </a:pathLst>
-          </a:custGeom>
-          <a:ln w="9525">
-            <a:solidFill>
-              <a:srgbClr val="000000"/>
-            </a:solidFill>
-            <a:prstDash val="dash"/>
-          </a:ln>
-        </p:spPr>
-        <p:txBody>
-          <a:bodyPr wrap="square" lIns="0" tIns="0" rIns="0" bIns="0" rtlCol="0"/>
-          <a:lstStyle/>
-          <a:p>
-            <a:endParaRPr/>
-          </a:p>
-        </p:txBody>
-      </p:sp>
-      <p:sp>
-        <p:nvSpPr>
-          <p:cNvPr id="80" name="object 80"/>
-          <p:cNvSpPr/>
-          <p:nvPr/>
-        </p:nvSpPr>
-        <p:spPr>
-          <a:xfrm>
-            <a:off x="3187700" y="3382898"/>
-            <a:ext cx="288290" cy="0"/>
-          </a:xfrm>
-          <a:custGeom>
-            <a:avLst/>
-            <a:gdLst/>
-            <a:ahLst/>
-            <a:cxnLst/>
-            <a:rect l="l" t="t" r="r" b="b"/>
-            <a:pathLst>
-              <a:path w="288289">
-                <a:moveTo>
-                  <a:pt x="0" y="0"/>
-                </a:moveTo>
-                <a:lnTo>
-                  <a:pt x="287909" y="0"/>
-                </a:lnTo>
-              </a:path>
-            </a:pathLst>
-          </a:custGeom>
-          <a:ln w="9525">
-            <a:solidFill>
-              <a:srgbClr val="000000"/>
-            </a:solidFill>
-          </a:ln>
-        </p:spPr>
-        <p:txBody>
-          <a:bodyPr wrap="square" lIns="0" tIns="0" rIns="0" bIns="0" rtlCol="0"/>
-          <a:lstStyle/>
-          <a:p>
-            <a:endParaRPr/>
-          </a:p>
-        </p:txBody>
-      </p:sp>
-      <p:sp>
-        <p:nvSpPr>
-          <p:cNvPr id="81" name="object 81"/>
-          <p:cNvSpPr/>
-          <p:nvPr/>
-        </p:nvSpPr>
-        <p:spPr>
-          <a:xfrm>
-            <a:off x="3187700" y="2696972"/>
-            <a:ext cx="288290" cy="0"/>
-          </a:xfrm>
-          <a:custGeom>
-            <a:avLst/>
-            <a:gdLst/>
-            <a:ahLst/>
-            <a:cxnLst/>
-            <a:rect l="l" t="t" r="r" b="b"/>
-            <a:pathLst>
-              <a:path w="288289">
-                <a:moveTo>
-                  <a:pt x="0" y="0"/>
-                </a:moveTo>
-                <a:lnTo>
-                  <a:pt x="287909" y="0"/>
-                </a:lnTo>
-              </a:path>
-            </a:pathLst>
-          </a:custGeom>
-          <a:ln w="9525">
-            <a:solidFill>
-              <a:srgbClr val="000000"/>
-            </a:solidFill>
-          </a:ln>
-        </p:spPr>
-        <p:txBody>
-          <a:bodyPr wrap="square" lIns="0" tIns="0" rIns="0" bIns="0" rtlCol="0"/>
-          <a:lstStyle/>
-          <a:p>
-            <a:endParaRPr/>
-          </a:p>
-        </p:txBody>
-      </p:sp>
-      <p:sp>
-        <p:nvSpPr>
-          <p:cNvPr id="82" name="object 82"/>
-          <p:cNvSpPr/>
-          <p:nvPr/>
-        </p:nvSpPr>
-        <p:spPr>
-          <a:xfrm>
-            <a:off x="3043808" y="2939414"/>
-            <a:ext cx="575945" cy="273050"/>
-          </a:xfrm>
-          <a:custGeom>
-            <a:avLst/>
-            <a:gdLst/>
-            <a:ahLst/>
-            <a:cxnLst/>
-            <a:rect l="l" t="t" r="r" b="b"/>
-            <a:pathLst>
-              <a:path w="575945" h="273050">
-                <a:moveTo>
-                  <a:pt x="0" y="272796"/>
-                </a:moveTo>
-                <a:lnTo>
-                  <a:pt x="575691" y="272796"/>
-                </a:lnTo>
-                <a:lnTo>
-                  <a:pt x="575691" y="0"/>
-                </a:lnTo>
-                <a:lnTo>
-                  <a:pt x="0" y="0"/>
-                </a:lnTo>
-                <a:lnTo>
-                  <a:pt x="0" y="272796"/>
-                </a:lnTo>
-              </a:path>
-            </a:pathLst>
-          </a:custGeom>
-          <a:ln w="9525">
-            <a:solidFill>
-              <a:srgbClr val="000000"/>
-            </a:solidFill>
-          </a:ln>
-        </p:spPr>
-        <p:txBody>
-          <a:bodyPr wrap="square" lIns="0" tIns="0" rIns="0" bIns="0" rtlCol="0"/>
-          <a:lstStyle/>
-          <a:p>
-            <a:endParaRPr/>
-          </a:p>
-        </p:txBody>
-      </p:sp>
-      <p:sp>
-        <p:nvSpPr>
-          <p:cNvPr id="83" name="object 83"/>
-          <p:cNvSpPr/>
-          <p:nvPr/>
-        </p:nvSpPr>
-        <p:spPr>
-          <a:xfrm>
-            <a:off x="3763390" y="2981325"/>
-            <a:ext cx="575945" cy="0"/>
-          </a:xfrm>
-          <a:custGeom>
-            <a:avLst/>
-            <a:gdLst/>
-            <a:ahLst/>
-            <a:cxnLst/>
-            <a:rect l="l" t="t" r="r" b="b"/>
-            <a:pathLst>
-              <a:path w="575945">
-                <a:moveTo>
-                  <a:pt x="0" y="0"/>
-                </a:moveTo>
-                <a:lnTo>
-                  <a:pt x="575818" y="0"/>
-                </a:lnTo>
-              </a:path>
-            </a:pathLst>
-          </a:custGeom>
-          <a:ln w="28575">
-            <a:solidFill>
-              <a:srgbClr val="000000"/>
-            </a:solidFill>
-          </a:ln>
-        </p:spPr>
-        <p:txBody>
-          <a:bodyPr wrap="square" lIns="0" tIns="0" rIns="0" bIns="0" rtlCol="0"/>
-          <a:lstStyle/>
-          <a:p>
-            <a:endParaRPr/>
-          </a:p>
-        </p:txBody>
-      </p:sp>
-      <p:sp>
-        <p:nvSpPr>
-          <p:cNvPr id="84" name="object 84"/>
-          <p:cNvSpPr/>
-          <p:nvPr/>
-        </p:nvSpPr>
-        <p:spPr>
-          <a:xfrm>
-            <a:off x="4051300" y="3032886"/>
-            <a:ext cx="0" cy="60325"/>
-          </a:xfrm>
-          <a:custGeom>
-            <a:avLst/>
-            <a:gdLst/>
-            <a:ahLst/>
-            <a:cxnLst/>
-            <a:rect l="l" t="t" r="r" b="b"/>
-            <a:pathLst>
-              <a:path h="60325">
-                <a:moveTo>
-                  <a:pt x="0" y="60071"/>
-                </a:moveTo>
-                <a:lnTo>
-                  <a:pt x="0" y="0"/>
-                </a:lnTo>
-              </a:path>
-            </a:pathLst>
-          </a:custGeom>
-          <a:ln w="9525">
-            <a:solidFill>
-              <a:srgbClr val="000000"/>
-            </a:solidFill>
-            <a:prstDash val="dash"/>
-          </a:ln>
-        </p:spPr>
-        <p:txBody>
-          <a:bodyPr wrap="square" lIns="0" tIns="0" rIns="0" bIns="0" rtlCol="0"/>
-          <a:lstStyle/>
-          <a:p>
-            <a:endParaRPr/>
-          </a:p>
-        </p:txBody>
-      </p:sp>
-      <p:sp>
-        <p:nvSpPr>
           <p:cNvPr id="85" name="object 85"/>
-          <p:cNvSpPr/>
-          <p:nvPr/>
-        </p:nvSpPr>
-        <p:spPr>
-          <a:xfrm>
-            <a:off x="4051300" y="2904235"/>
-            <a:ext cx="0" cy="44450"/>
-          </a:xfrm>
-          <a:custGeom>
-            <a:avLst/>
-            <a:gdLst/>
-            <a:ahLst/>
-            <a:cxnLst/>
-            <a:rect l="l" t="t" r="r" b="b"/>
-            <a:pathLst>
-              <a:path h="44450">
-                <a:moveTo>
-                  <a:pt x="0" y="0"/>
-                </a:moveTo>
-                <a:lnTo>
-                  <a:pt x="0" y="44195"/>
-                </a:lnTo>
-              </a:path>
-            </a:pathLst>
-          </a:custGeom>
-          <a:ln w="9525">
-            <a:solidFill>
-              <a:srgbClr val="000000"/>
-            </a:solidFill>
-            <a:prstDash val="dash"/>
-          </a:ln>
-        </p:spPr>
-        <p:txBody>
-          <a:bodyPr wrap="square" lIns="0" tIns="0" rIns="0" bIns="0" rtlCol="0"/>
-          <a:lstStyle/>
-          <a:p>
-            <a:endParaRPr/>
-          </a:p>
-        </p:txBody>
-      </p:sp>
-      <p:sp>
-        <p:nvSpPr>
-          <p:cNvPr id="86" name="object 86"/>
-          <p:cNvSpPr/>
-          <p:nvPr/>
-        </p:nvSpPr>
-        <p:spPr>
-          <a:xfrm>
-            <a:off x="3907409" y="3092957"/>
-            <a:ext cx="288290" cy="0"/>
-          </a:xfrm>
-          <a:custGeom>
-            <a:avLst/>
-            <a:gdLst/>
-            <a:ahLst/>
-            <a:cxnLst/>
-            <a:rect l="l" t="t" r="r" b="b"/>
-            <a:pathLst>
-              <a:path w="288289">
-                <a:moveTo>
-                  <a:pt x="0" y="0"/>
-                </a:moveTo>
-                <a:lnTo>
-                  <a:pt x="287781" y="0"/>
-                </a:lnTo>
-              </a:path>
-            </a:pathLst>
-          </a:custGeom>
-          <a:ln w="9525">
-            <a:solidFill>
-              <a:srgbClr val="000000"/>
-            </a:solidFill>
-          </a:ln>
-        </p:spPr>
-        <p:txBody>
-          <a:bodyPr wrap="square" lIns="0" tIns="0" rIns="0" bIns="0" rtlCol="0"/>
-          <a:lstStyle/>
-          <a:p>
-            <a:endParaRPr/>
-          </a:p>
-        </p:txBody>
-      </p:sp>
-      <p:sp>
-        <p:nvSpPr>
-          <p:cNvPr id="87" name="object 87"/>
-          <p:cNvSpPr/>
-          <p:nvPr/>
-        </p:nvSpPr>
-        <p:spPr>
-          <a:xfrm>
-            <a:off x="3907409" y="2904235"/>
-            <a:ext cx="288290" cy="0"/>
-          </a:xfrm>
-          <a:custGeom>
-            <a:avLst/>
-            <a:gdLst/>
-            <a:ahLst/>
-            <a:cxnLst/>
-            <a:rect l="l" t="t" r="r" b="b"/>
-            <a:pathLst>
-              <a:path w="288289">
-                <a:moveTo>
-                  <a:pt x="0" y="0"/>
-                </a:moveTo>
-                <a:lnTo>
-                  <a:pt x="287781" y="0"/>
-                </a:lnTo>
-              </a:path>
-            </a:pathLst>
-          </a:custGeom>
-          <a:ln w="9525">
-            <a:solidFill>
-              <a:srgbClr val="000000"/>
-            </a:solidFill>
-          </a:ln>
-        </p:spPr>
-        <p:txBody>
-          <a:bodyPr wrap="square" lIns="0" tIns="0" rIns="0" bIns="0" rtlCol="0"/>
-          <a:lstStyle/>
-          <a:p>
-            <a:endParaRPr/>
-          </a:p>
-        </p:txBody>
-      </p:sp>
-      <p:sp>
-        <p:nvSpPr>
-          <p:cNvPr id="88" name="object 88"/>
-          <p:cNvSpPr/>
-          <p:nvPr/>
-        </p:nvSpPr>
-        <p:spPr>
-          <a:xfrm>
-            <a:off x="3763390" y="2948432"/>
-            <a:ext cx="575945" cy="84455"/>
-          </a:xfrm>
-          <a:custGeom>
-            <a:avLst/>
-            <a:gdLst/>
-            <a:ahLst/>
-            <a:cxnLst/>
-            <a:rect l="l" t="t" r="r" b="b"/>
-            <a:pathLst>
-              <a:path w="575945" h="84455">
-                <a:moveTo>
-                  <a:pt x="0" y="84455"/>
-                </a:moveTo>
-                <a:lnTo>
-                  <a:pt x="575818" y="84455"/>
-                </a:lnTo>
-                <a:lnTo>
-                  <a:pt x="575818" y="0"/>
-                </a:lnTo>
-                <a:lnTo>
-                  <a:pt x="0" y="0"/>
-                </a:lnTo>
-                <a:lnTo>
-                  <a:pt x="0" y="84455"/>
-                </a:lnTo>
-              </a:path>
-            </a:pathLst>
-          </a:custGeom>
-          <a:ln w="9525">
-            <a:solidFill>
-              <a:srgbClr val="000000"/>
-            </a:solidFill>
-          </a:ln>
-        </p:spPr>
-        <p:txBody>
-          <a:bodyPr wrap="square" lIns="0" tIns="0" rIns="0" bIns="0" rtlCol="0"/>
-          <a:lstStyle/>
-          <a:p>
-            <a:endParaRPr/>
-          </a:p>
-        </p:txBody>
-      </p:sp>
-      <p:sp>
-        <p:nvSpPr>
-          <p:cNvPr id="89" name="object 89"/>
           <p:cNvSpPr/>
           <p:nvPr/>
         </p:nvSpPr>
@@ -5487,7 +5272,7 @@
             <a:cxnLst/>
             <a:rect l="l" t="t" r="r" b="b"/>
             <a:pathLst>
-              <a:path w="575945">
+              <a:path w="575945" h="0">
                 <a:moveTo>
                   <a:pt x="0" y="0"/>
                 </a:moveTo>
@@ -5506,14 +5291,12 @@
         <p:txBody>
           <a:bodyPr wrap="square" lIns="0" tIns="0" rIns="0" bIns="0" rtlCol="0"/>
           <a:lstStyle/>
-          <a:p>
-            <a:endParaRPr/>
-          </a:p>
-        </p:txBody>
-      </p:sp>
-      <p:sp>
-        <p:nvSpPr>
-          <p:cNvPr id="90" name="object 90"/>
+          <a:p/>
+        </p:txBody>
+      </p:sp>
+      <p:sp>
+        <p:nvSpPr>
+          <p:cNvPr id="86" name="object 86"/>
           <p:cNvSpPr/>
           <p:nvPr/>
         </p:nvSpPr>
@@ -5529,7 +5312,7 @@
             <a:cxnLst/>
             <a:rect l="l" t="t" r="r" b="b"/>
             <a:pathLst>
-              <a:path h="173989">
+              <a:path w="0" h="173989">
                 <a:moveTo>
                   <a:pt x="0" y="173481"/>
                 </a:moveTo>
@@ -5549,14 +5332,12 @@
         <p:txBody>
           <a:bodyPr wrap="square" lIns="0" tIns="0" rIns="0" bIns="0" rtlCol="0"/>
           <a:lstStyle/>
-          <a:p>
-            <a:endParaRPr/>
-          </a:p>
-        </p:txBody>
-      </p:sp>
-      <p:sp>
-        <p:nvSpPr>
-          <p:cNvPr id="91" name="object 91"/>
+          <a:p/>
+        </p:txBody>
+      </p:sp>
+      <p:sp>
+        <p:nvSpPr>
+          <p:cNvPr id="87" name="object 87"/>
           <p:cNvSpPr/>
           <p:nvPr/>
         </p:nvSpPr>
@@ -5572,7 +5353,7 @@
             <a:cxnLst/>
             <a:rect l="l" t="t" r="r" b="b"/>
             <a:pathLst>
-              <a:path h="161925">
+              <a:path w="0" h="161925">
                 <a:moveTo>
                   <a:pt x="0" y="0"/>
                 </a:moveTo>
@@ -5592,14 +5373,12 @@
         <p:txBody>
           <a:bodyPr wrap="square" lIns="0" tIns="0" rIns="0" bIns="0" rtlCol="0"/>
           <a:lstStyle/>
-          <a:p>
-            <a:endParaRPr/>
-          </a:p>
-        </p:txBody>
-      </p:sp>
-      <p:sp>
-        <p:nvSpPr>
-          <p:cNvPr id="92" name="object 92"/>
+          <a:p/>
+        </p:txBody>
+      </p:sp>
+      <p:sp>
+        <p:nvSpPr>
+          <p:cNvPr id="88" name="object 88"/>
           <p:cNvSpPr/>
           <p:nvPr/>
         </p:nvSpPr>
@@ -5615,7 +5394,7 @@
             <a:cxnLst/>
             <a:rect l="l" t="t" r="r" b="b"/>
             <a:pathLst>
-              <a:path w="288289">
+              <a:path w="288289" h="0">
                 <a:moveTo>
                   <a:pt x="0" y="0"/>
                 </a:moveTo>
@@ -5634,14 +5413,12 @@
         <p:txBody>
           <a:bodyPr wrap="square" lIns="0" tIns="0" rIns="0" bIns="0" rtlCol="0"/>
           <a:lstStyle/>
-          <a:p>
-            <a:endParaRPr/>
-          </a:p>
-        </p:txBody>
-      </p:sp>
-      <p:sp>
-        <p:nvSpPr>
-          <p:cNvPr id="93" name="object 93"/>
+          <a:p/>
+        </p:txBody>
+      </p:sp>
+      <p:sp>
+        <p:nvSpPr>
+          <p:cNvPr id="89" name="object 89"/>
           <p:cNvSpPr/>
           <p:nvPr/>
         </p:nvSpPr>
@@ -5657,7 +5434,7 @@
             <a:cxnLst/>
             <a:rect l="l" t="t" r="r" b="b"/>
             <a:pathLst>
-              <a:path w="288289">
+              <a:path w="288289" h="0">
                 <a:moveTo>
                   <a:pt x="0" y="0"/>
                 </a:moveTo>
@@ -5676,14 +5453,12 @@
         <p:txBody>
           <a:bodyPr wrap="square" lIns="0" tIns="0" rIns="0" bIns="0" rtlCol="0"/>
           <a:lstStyle/>
-          <a:p>
-            <a:endParaRPr/>
-          </a:p>
-        </p:txBody>
-      </p:sp>
-      <p:sp>
-        <p:nvSpPr>
-          <p:cNvPr id="94" name="object 94"/>
+          <a:p/>
+        </p:txBody>
+      </p:sp>
+      <p:sp>
+        <p:nvSpPr>
+          <p:cNvPr id="90" name="object 90"/>
           <p:cNvSpPr/>
           <p:nvPr/>
         </p:nvSpPr>
@@ -5727,14 +5502,12 @@
         <p:txBody>
           <a:bodyPr wrap="square" lIns="0" tIns="0" rIns="0" bIns="0" rtlCol="0"/>
           <a:lstStyle/>
-          <a:p>
-            <a:endParaRPr/>
-          </a:p>
-        </p:txBody>
-      </p:sp>
-      <p:sp>
-        <p:nvSpPr>
-          <p:cNvPr id="95" name="object 95"/>
+          <a:p/>
+        </p:txBody>
+      </p:sp>
+      <p:sp>
+        <p:nvSpPr>
+          <p:cNvPr id="91" name="object 91"/>
           <p:cNvSpPr/>
           <p:nvPr/>
         </p:nvSpPr>
@@ -5750,7 +5523,7 @@
             <a:cxnLst/>
             <a:rect l="l" t="t" r="r" b="b"/>
             <a:pathLst>
-              <a:path h="909954">
+              <a:path w="0" h="909954">
                 <a:moveTo>
                   <a:pt x="0" y="909701"/>
                 </a:moveTo>
@@ -5769,14 +5542,12 @@
         <p:txBody>
           <a:bodyPr wrap="square" lIns="0" tIns="0" rIns="0" bIns="0" rtlCol="0"/>
           <a:lstStyle/>
-          <a:p>
-            <a:endParaRPr/>
-          </a:p>
-        </p:txBody>
-      </p:sp>
-      <p:sp>
-        <p:nvSpPr>
-          <p:cNvPr id="96" name="object 96"/>
+          <a:p/>
+        </p:txBody>
+      </p:sp>
+      <p:sp>
+        <p:nvSpPr>
+          <p:cNvPr id="92" name="object 92"/>
           <p:cNvSpPr/>
           <p:nvPr/>
         </p:nvSpPr>
@@ -5792,7 +5563,7 @@
             <a:cxnLst/>
             <a:rect l="l" t="t" r="r" b="b"/>
             <a:pathLst>
-              <a:path w="91440">
+              <a:path w="91440" h="0">
                 <a:moveTo>
                   <a:pt x="91439" y="0"/>
                 </a:moveTo>
@@ -5802,23 +5573,21 @@
               </a:path>
             </a:pathLst>
           </a:custGeom>
-          <a:ln w="12700">
-            <a:solidFill>
-              <a:srgbClr val="000000"/>
-            </a:solidFill>
-          </a:ln>
-        </p:spPr>
-        <p:txBody>
-          <a:bodyPr wrap="square" lIns="0" tIns="0" rIns="0" bIns="0" rtlCol="0"/>
-          <a:lstStyle/>
-          <a:p>
-            <a:endParaRPr/>
-          </a:p>
-        </p:txBody>
-      </p:sp>
-      <p:sp>
-        <p:nvSpPr>
-          <p:cNvPr id="97" name="object 97"/>
+          <a:ln w="9525">
+            <a:solidFill>
+              <a:srgbClr val="000000"/>
+            </a:solidFill>
+          </a:ln>
+        </p:spPr>
+        <p:txBody>
+          <a:bodyPr wrap="square" lIns="0" tIns="0" rIns="0" bIns="0" rtlCol="0"/>
+          <a:lstStyle/>
+          <a:p/>
+        </p:txBody>
+      </p:sp>
+      <p:sp>
+        <p:nvSpPr>
+          <p:cNvPr id="93" name="object 93"/>
           <p:cNvSpPr/>
           <p:nvPr/>
         </p:nvSpPr>
@@ -5834,7 +5603,7 @@
             <a:cxnLst/>
             <a:rect l="l" t="t" r="r" b="b"/>
             <a:pathLst>
-              <a:path w="91440">
+              <a:path w="91440" h="0">
                 <a:moveTo>
                   <a:pt x="91439" y="0"/>
                 </a:moveTo>
@@ -5853,14 +5622,12 @@
         <p:txBody>
           <a:bodyPr wrap="square" lIns="0" tIns="0" rIns="0" bIns="0" rtlCol="0"/>
           <a:lstStyle/>
-          <a:p>
-            <a:endParaRPr/>
-          </a:p>
-        </p:txBody>
-      </p:sp>
-      <p:sp>
-        <p:nvSpPr>
-          <p:cNvPr id="98" name="object 98"/>
+          <a:p/>
+        </p:txBody>
+      </p:sp>
+      <p:sp>
+        <p:nvSpPr>
+          <p:cNvPr id="94" name="object 94"/>
           <p:cNvSpPr/>
           <p:nvPr/>
         </p:nvSpPr>
@@ -5876,7 +5643,7 @@
             <a:cxnLst/>
             <a:rect l="l" t="t" r="r" b="b"/>
             <a:pathLst>
-              <a:path w="91440">
+              <a:path w="91440" h="0">
                 <a:moveTo>
                   <a:pt x="91439" y="0"/>
                 </a:moveTo>
@@ -5895,14 +5662,12 @@
         <p:txBody>
           <a:bodyPr wrap="square" lIns="0" tIns="0" rIns="0" bIns="0" rtlCol="0"/>
           <a:lstStyle/>
-          <a:p>
-            <a:endParaRPr/>
-          </a:p>
-        </p:txBody>
-      </p:sp>
-      <p:sp>
-        <p:nvSpPr>
-          <p:cNvPr id="99" name="object 99"/>
+          <a:p/>
+        </p:txBody>
+      </p:sp>
+      <p:sp>
+        <p:nvSpPr>
+          <p:cNvPr id="95" name="object 95"/>
           <p:cNvSpPr/>
           <p:nvPr/>
         </p:nvSpPr>
@@ -5918,7 +5683,7 @@
             <a:cxnLst/>
             <a:rect l="l" t="t" r="r" b="b"/>
             <a:pathLst>
-              <a:path w="91440">
+              <a:path w="91440" h="0">
                 <a:moveTo>
                   <a:pt x="91439" y="0"/>
                 </a:moveTo>
@@ -5928,23 +5693,21 @@
               </a:path>
             </a:pathLst>
           </a:custGeom>
-          <a:ln w="12700">
-            <a:solidFill>
-              <a:srgbClr val="000000"/>
-            </a:solidFill>
-          </a:ln>
-        </p:spPr>
-        <p:txBody>
-          <a:bodyPr wrap="square" lIns="0" tIns="0" rIns="0" bIns="0" rtlCol="0"/>
-          <a:lstStyle/>
-          <a:p>
-            <a:endParaRPr/>
-          </a:p>
-        </p:txBody>
-      </p:sp>
-      <p:sp>
-        <p:nvSpPr>
-          <p:cNvPr id="100" name="object 100"/>
+          <a:ln w="9525">
+            <a:solidFill>
+              <a:srgbClr val="000000"/>
+            </a:solidFill>
+          </a:ln>
+        </p:spPr>
+        <p:txBody>
+          <a:bodyPr wrap="square" lIns="0" tIns="0" rIns="0" bIns="0" rtlCol="0"/>
+          <a:lstStyle/>
+          <a:p/>
+        </p:txBody>
+      </p:sp>
+      <p:sp>
+        <p:nvSpPr>
+          <p:cNvPr id="96" name="object 96"/>
           <p:cNvSpPr/>
           <p:nvPr/>
         </p:nvSpPr>
@@ -5960,7 +5723,7 @@
             <a:cxnLst/>
             <a:rect l="l" t="t" r="r" b="b"/>
             <a:pathLst>
-              <a:path w="91440">
+              <a:path w="91440" h="0">
                 <a:moveTo>
                   <a:pt x="91439" y="0"/>
                 </a:moveTo>
@@ -5979,14 +5742,12 @@
         <p:txBody>
           <a:bodyPr wrap="square" lIns="0" tIns="0" rIns="0" bIns="0" rtlCol="0"/>
           <a:lstStyle/>
-          <a:p>
-            <a:endParaRPr/>
-          </a:p>
-        </p:txBody>
-      </p:sp>
-      <p:sp>
-        <p:nvSpPr>
-          <p:cNvPr id="101" name="object 101"/>
+          <a:p/>
+        </p:txBody>
+      </p:sp>
+      <p:sp>
+        <p:nvSpPr>
+          <p:cNvPr id="97" name="object 97"/>
           <p:cNvSpPr/>
           <p:nvPr/>
         </p:nvSpPr>
@@ -6002,7 +5763,7 @@
             <a:cxnLst/>
             <a:rect l="l" t="t" r="r" b="b"/>
             <a:pathLst>
-              <a:path w="91440">
+              <a:path w="91440" h="0">
                 <a:moveTo>
                   <a:pt x="91439" y="0"/>
                 </a:moveTo>
@@ -6021,14 +5782,12 @@
         <p:txBody>
           <a:bodyPr wrap="square" lIns="0" tIns="0" rIns="0" bIns="0" rtlCol="0"/>
           <a:lstStyle/>
-          <a:p>
-            <a:endParaRPr/>
-          </a:p>
-        </p:txBody>
-      </p:sp>
-      <p:sp>
-        <p:nvSpPr>
-          <p:cNvPr id="102" name="object 102"/>
+          <a:p/>
+        </p:txBody>
+      </p:sp>
+      <p:sp>
+        <p:nvSpPr>
+          <p:cNvPr id="98" name="object 98"/>
           <p:cNvSpPr/>
           <p:nvPr/>
         </p:nvSpPr>
@@ -6044,7 +5803,7 @@
             <a:cxnLst/>
             <a:rect l="l" t="t" r="r" b="b"/>
             <a:pathLst>
-              <a:path w="91440">
+              <a:path w="91440" h="0">
                 <a:moveTo>
                   <a:pt x="91439" y="0"/>
                 </a:moveTo>
@@ -6054,23 +5813,21 @@
               </a:path>
             </a:pathLst>
           </a:custGeom>
-          <a:ln w="12700">
-            <a:solidFill>
-              <a:srgbClr val="000000"/>
-            </a:solidFill>
-          </a:ln>
-        </p:spPr>
-        <p:txBody>
-          <a:bodyPr wrap="square" lIns="0" tIns="0" rIns="0" bIns="0" rtlCol="0"/>
-          <a:lstStyle/>
-          <a:p>
-            <a:endParaRPr/>
-          </a:p>
-        </p:txBody>
-      </p:sp>
-      <p:sp>
-        <p:nvSpPr>
-          <p:cNvPr id="103" name="object 103"/>
+          <a:ln w="9525">
+            <a:solidFill>
+              <a:srgbClr val="000000"/>
+            </a:solidFill>
+          </a:ln>
+        </p:spPr>
+        <p:txBody>
+          <a:bodyPr wrap="square" lIns="0" tIns="0" rIns="0" bIns="0" rtlCol="0"/>
+          <a:lstStyle/>
+          <a:p/>
+        </p:txBody>
+      </p:sp>
+      <p:sp>
+        <p:nvSpPr>
+          <p:cNvPr id="99" name="object 99"/>
           <p:cNvSpPr/>
           <p:nvPr/>
         </p:nvSpPr>
@@ -6086,7 +5843,7 @@
             <a:cxnLst/>
             <a:rect l="l" t="t" r="r" b="b"/>
             <a:pathLst>
-              <a:path w="91440">
+              <a:path w="91440" h="0">
                 <a:moveTo>
                   <a:pt x="91439" y="0"/>
                 </a:moveTo>
@@ -6105,14 +5862,12 @@
         <p:txBody>
           <a:bodyPr wrap="square" lIns="0" tIns="0" rIns="0" bIns="0" rtlCol="0"/>
           <a:lstStyle/>
-          <a:p>
-            <a:endParaRPr/>
-          </a:p>
-        </p:txBody>
-      </p:sp>
-      <p:sp>
-        <p:nvSpPr>
-          <p:cNvPr id="104" name="object 104"/>
+          <a:p/>
+        </p:txBody>
+      </p:sp>
+      <p:sp>
+        <p:nvSpPr>
+          <p:cNvPr id="100" name="object 100"/>
           <p:cNvSpPr/>
           <p:nvPr/>
         </p:nvSpPr>
@@ -6156,28 +5911,26 @@
         <p:txBody>
           <a:bodyPr wrap="square" lIns="0" tIns="0" rIns="0" bIns="0" rtlCol="0"/>
           <a:lstStyle/>
-          <a:p>
-            <a:endParaRPr/>
-          </a:p>
-        </p:txBody>
-      </p:sp>
-      <p:sp>
-        <p:nvSpPr>
-          <p:cNvPr id="105" name="object 105"/>
+          <a:p/>
+        </p:txBody>
+      </p:sp>
+      <p:sp>
+        <p:nvSpPr>
+          <p:cNvPr id="101" name="object 101"/>
           <p:cNvSpPr txBox="1"/>
           <p:nvPr/>
         </p:nvSpPr>
         <p:spPr>
           <a:xfrm>
-            <a:off x="2180210" y="2130044"/>
-            <a:ext cx="1522474" cy="197490"/>
+            <a:off x="2240914" y="2130044"/>
+            <a:ext cx="1461770" cy="208279"/>
           </a:xfrm>
           <a:prstGeom prst="rect">
             <a:avLst/>
           </a:prstGeom>
         </p:spPr>
         <p:txBody>
-          <a:bodyPr vert="horz" wrap="square" lIns="0" tIns="12700" rIns="0" bIns="0" rtlCol="0">
+          <a:bodyPr wrap="square" lIns="0" tIns="12700" rIns="0" bIns="0" rtlCol="0" vert="horz">
             <a:spAutoFit/>
           </a:bodyPr>
           <a:lstStyle/>
@@ -6191,41 +5944,102 @@
               </a:spcBef>
             </a:pPr>
             <a:r>
-              <a:rPr sz="1200" b="1" spc="-5" dirty="0">
+              <a:rPr dirty="0" sz="1200" spc="-5" b="1">
                 <a:latin typeface="Times New Roman"/>
                 <a:cs typeface="Times New Roman"/>
               </a:rPr>
               <a:t>Postdisinfection</a:t>
             </a:r>
             <a:r>
-              <a:rPr sz="1200" b="1" spc="-35" dirty="0">
+              <a:rPr dirty="0" sz="1200" spc="-35" b="1">
                 <a:latin typeface="Times New Roman"/>
                 <a:cs typeface="Times New Roman"/>
               </a:rPr>
               <a:t> </a:t>
             </a:r>
             <a:r>
-              <a:rPr sz="1200" b="1" i="1" dirty="0">
+              <a:rPr dirty="0" sz="1200" b="1">
                 <a:latin typeface="Times New Roman"/>
                 <a:cs typeface="Times New Roman"/>
               </a:rPr>
-              <a:t>E.</a:t>
+              <a:t>E.coli</a:t>
+            </a:r>
+            <a:endParaRPr sz="1200">
+              <a:latin typeface="Times New Roman"/>
+              <a:cs typeface="Times New Roman"/>
+            </a:endParaRPr>
+          </a:p>
+        </p:txBody>
+      </p:sp>
+      <p:sp>
+        <p:nvSpPr>
+          <p:cNvPr id="102" name="object 102"/>
+          <p:cNvSpPr txBox="1"/>
+          <p:nvPr/>
+        </p:nvSpPr>
+        <p:spPr>
+          <a:xfrm>
+            <a:off x="43518" y="2416682"/>
+            <a:ext cx="422909" cy="1071880"/>
+          </a:xfrm>
+          <a:prstGeom prst="rect">
+            <a:avLst/>
+          </a:prstGeom>
+        </p:spPr>
+        <p:txBody>
+          <a:bodyPr wrap="square" lIns="0" tIns="0" rIns="0" bIns="0" rtlCol="0" vert="vert270">
+            <a:spAutoFit/>
+          </a:bodyPr>
+          <a:lstStyle/>
+          <a:p>
+            <a:pPr algn="ctr" marL="61594">
+              <a:lnSpc>
+                <a:spcPts val="1410"/>
+              </a:lnSpc>
+            </a:pPr>
+            <a:r>
+              <a:rPr dirty="0" sz="1200">
+                <a:latin typeface="Times New Roman"/>
+                <a:cs typeface="Times New Roman"/>
+              </a:rPr>
+              <a:t>RMSE</a:t>
+            </a:r>
+            <a:endParaRPr sz="1200">
+              <a:latin typeface="Times New Roman"/>
+              <a:cs typeface="Times New Roman"/>
+            </a:endParaRPr>
+          </a:p>
+          <a:p>
+            <a:pPr algn="ctr">
+              <a:lnSpc>
+                <a:spcPct val="100000"/>
+              </a:lnSpc>
+              <a:spcBef>
+                <a:spcPts val="360"/>
+              </a:spcBef>
+            </a:pPr>
+            <a:r>
+              <a:rPr dirty="0" sz="1200">
+                <a:latin typeface="Times New Roman"/>
+                <a:cs typeface="Times New Roman"/>
+              </a:rPr>
+              <a:t>0.12 0.18</a:t>
             </a:r>
             <a:r>
-              <a:rPr lang="en-US" sz="1200" b="1" i="1" dirty="0">
+              <a:rPr dirty="0" sz="1200" spc="35">
                 <a:latin typeface="Times New Roman"/>
                 <a:cs typeface="Times New Roman"/>
               </a:rPr>
               <a:t> </a:t>
             </a:r>
             <a:r>
-              <a:rPr sz="1200" b="1" i="1" dirty="0">
+              <a:rPr dirty="0" sz="1200">
                 <a:latin typeface="Times New Roman"/>
                 <a:cs typeface="Times New Roman"/>
               </a:rPr>
-              <a:t>coli</a:t>
+              <a:t>0.24</a:t>
             </a:r>
-            <a:endParaRPr sz="1200" i="1" dirty="0">
+            <a:endParaRPr sz="1200">
               <a:latin typeface="Times New Roman"/>
               <a:cs typeface="Times New Roman"/>
             </a:endParaRPr>
@@ -6234,43 +6048,47 @@
       </p:sp>
       <p:sp>
         <p:nvSpPr>
-          <p:cNvPr id="106" name="object 106"/>
-          <p:cNvSpPr txBox="1"/>
-          <p:nvPr/>
-        </p:nvSpPr>
-        <p:spPr>
-          <a:xfrm>
-            <a:off x="43518" y="2416682"/>
-            <a:ext cx="179536" cy="1071880"/>
-          </a:xfrm>
-          <a:prstGeom prst="rect">
-            <a:avLst/>
-          </a:prstGeom>
-        </p:spPr>
-        <p:txBody>
-          <a:bodyPr vert="vert270" wrap="square" lIns="0" tIns="0" rIns="0" bIns="0" rtlCol="0">
-            <a:spAutoFit/>
-          </a:bodyPr>
-          <a:lstStyle/>
-          <a:p>
-            <a:pPr marL="61594" algn="ctr">
-              <a:lnSpc>
-                <a:spcPts val="1410"/>
-              </a:lnSpc>
-            </a:pPr>
-            <a:r>
-              <a:rPr sz="1200" dirty="0">
-                <a:latin typeface="Times New Roman"/>
-                <a:cs typeface="Times New Roman"/>
-              </a:rPr>
-              <a:t>RMSE</a:t>
-            </a:r>
-          </a:p>
-        </p:txBody>
-      </p:sp>
-      <p:sp>
-        <p:nvSpPr>
-          <p:cNvPr id="108" name="object 108"/>
+          <p:cNvPr id="103" name="object 103"/>
+          <p:cNvSpPr/>
+          <p:nvPr/>
+        </p:nvSpPr>
+        <p:spPr>
+          <a:xfrm>
+            <a:off x="1172591" y="3419855"/>
+            <a:ext cx="3598545" cy="0"/>
+          </a:xfrm>
+          <a:custGeom>
+            <a:avLst/>
+            <a:gdLst/>
+            <a:ahLst/>
+            <a:cxnLst/>
+            <a:rect l="l" t="t" r="r" b="b"/>
+            <a:pathLst>
+              <a:path w="3598545" h="0">
+                <a:moveTo>
+                  <a:pt x="0" y="0"/>
+                </a:moveTo>
+                <a:lnTo>
+                  <a:pt x="3598418" y="0"/>
+                </a:lnTo>
+              </a:path>
+            </a:pathLst>
+          </a:custGeom>
+          <a:ln w="9525">
+            <a:solidFill>
+              <a:srgbClr val="000000"/>
+            </a:solidFill>
+          </a:ln>
+        </p:spPr>
+        <p:txBody>
+          <a:bodyPr wrap="square" lIns="0" tIns="0" rIns="0" bIns="0" rtlCol="0"/>
+          <a:lstStyle/>
+          <a:p/>
+        </p:txBody>
+      </p:sp>
+      <p:sp>
+        <p:nvSpPr>
+          <p:cNvPr id="104" name="object 104"/>
           <p:cNvSpPr/>
           <p:nvPr/>
         </p:nvSpPr>
@@ -6286,7 +6104,7 @@
             <a:cxnLst/>
             <a:rect l="l" t="t" r="r" b="b"/>
             <a:pathLst>
-              <a:path h="91439">
+              <a:path w="0" h="91439">
                 <a:moveTo>
                   <a:pt x="0" y="0"/>
                 </a:moveTo>
@@ -6305,14 +6123,12 @@
         <p:txBody>
           <a:bodyPr wrap="square" lIns="0" tIns="0" rIns="0" bIns="0" rtlCol="0"/>
           <a:lstStyle/>
-          <a:p>
-            <a:endParaRPr/>
-          </a:p>
-        </p:txBody>
-      </p:sp>
-      <p:sp>
-        <p:nvSpPr>
-          <p:cNvPr id="109" name="object 109"/>
+          <a:p/>
+        </p:txBody>
+      </p:sp>
+      <p:sp>
+        <p:nvSpPr>
+          <p:cNvPr id="105" name="object 105"/>
           <p:cNvSpPr/>
           <p:nvPr/>
         </p:nvSpPr>
@@ -6328,7 +6144,7 @@
             <a:cxnLst/>
             <a:rect l="l" t="t" r="r" b="b"/>
             <a:pathLst>
-              <a:path h="91439">
+              <a:path w="0" h="91439">
                 <a:moveTo>
                   <a:pt x="0" y="0"/>
                 </a:moveTo>
@@ -6347,14 +6163,12 @@
         <p:txBody>
           <a:bodyPr wrap="square" lIns="0" tIns="0" rIns="0" bIns="0" rtlCol="0"/>
           <a:lstStyle/>
-          <a:p>
-            <a:endParaRPr/>
-          </a:p>
-        </p:txBody>
-      </p:sp>
-      <p:sp>
-        <p:nvSpPr>
-          <p:cNvPr id="110" name="object 110"/>
+          <a:p/>
+        </p:txBody>
+      </p:sp>
+      <p:sp>
+        <p:nvSpPr>
+          <p:cNvPr id="106" name="object 106"/>
           <p:cNvSpPr/>
           <p:nvPr/>
         </p:nvSpPr>
@@ -6370,7 +6184,7 @@
             <a:cxnLst/>
             <a:rect l="l" t="t" r="r" b="b"/>
             <a:pathLst>
-              <a:path h="91439">
+              <a:path w="0" h="91439">
                 <a:moveTo>
                   <a:pt x="0" y="0"/>
                 </a:moveTo>
@@ -6389,14 +6203,12 @@
         <p:txBody>
           <a:bodyPr wrap="square" lIns="0" tIns="0" rIns="0" bIns="0" rtlCol="0"/>
           <a:lstStyle/>
-          <a:p>
-            <a:endParaRPr/>
-          </a:p>
-        </p:txBody>
-      </p:sp>
-      <p:sp>
-        <p:nvSpPr>
-          <p:cNvPr id="111" name="object 111"/>
+          <a:p/>
+        </p:txBody>
+      </p:sp>
+      <p:sp>
+        <p:nvSpPr>
+          <p:cNvPr id="107" name="object 107"/>
           <p:cNvSpPr/>
           <p:nvPr/>
         </p:nvSpPr>
@@ -6412,7 +6224,7 @@
             <a:cxnLst/>
             <a:rect l="l" t="t" r="r" b="b"/>
             <a:pathLst>
-              <a:path h="91439">
+              <a:path w="0" h="91439">
                 <a:moveTo>
                   <a:pt x="0" y="0"/>
                 </a:moveTo>
@@ -6431,14 +6243,12 @@
         <p:txBody>
           <a:bodyPr wrap="square" lIns="0" tIns="0" rIns="0" bIns="0" rtlCol="0"/>
           <a:lstStyle/>
-          <a:p>
-            <a:endParaRPr/>
-          </a:p>
-        </p:txBody>
-      </p:sp>
-      <p:sp>
-        <p:nvSpPr>
-          <p:cNvPr id="112" name="object 112"/>
+          <a:p/>
+        </p:txBody>
+      </p:sp>
+      <p:sp>
+        <p:nvSpPr>
+          <p:cNvPr id="108" name="object 108"/>
           <p:cNvSpPr/>
           <p:nvPr/>
         </p:nvSpPr>
@@ -6454,7 +6264,7 @@
             <a:cxnLst/>
             <a:rect l="l" t="t" r="r" b="b"/>
             <a:pathLst>
-              <a:path h="91439">
+              <a:path w="0" h="91439">
                 <a:moveTo>
                   <a:pt x="0" y="0"/>
                 </a:moveTo>
@@ -6473,14 +6283,12 @@
         <p:txBody>
           <a:bodyPr wrap="square" lIns="0" tIns="0" rIns="0" bIns="0" rtlCol="0"/>
           <a:lstStyle/>
-          <a:p>
-            <a:endParaRPr/>
-          </a:p>
-        </p:txBody>
-      </p:sp>
-      <p:sp>
-        <p:nvSpPr>
-          <p:cNvPr id="113" name="object 113"/>
+          <a:p/>
+        </p:txBody>
+      </p:sp>
+      <p:sp>
+        <p:nvSpPr>
+          <p:cNvPr id="109" name="object 109"/>
           <p:cNvSpPr/>
           <p:nvPr/>
         </p:nvSpPr>
@@ -6496,7 +6304,7 @@
             <a:cxnLst/>
             <a:rect l="l" t="t" r="r" b="b"/>
             <a:pathLst>
-              <a:path h="91439">
+              <a:path w="0" h="91439">
                 <a:moveTo>
                   <a:pt x="0" y="0"/>
                 </a:moveTo>
@@ -6515,14 +6323,12 @@
         <p:txBody>
           <a:bodyPr wrap="square" lIns="0" tIns="0" rIns="0" bIns="0" rtlCol="0"/>
           <a:lstStyle/>
-          <a:p>
-            <a:endParaRPr/>
-          </a:p>
-        </p:txBody>
-      </p:sp>
-      <p:sp>
-        <p:nvSpPr>
-          <p:cNvPr id="114" name="object 114"/>
+          <a:p/>
+        </p:txBody>
+      </p:sp>
+      <p:sp>
+        <p:nvSpPr>
+          <p:cNvPr id="110" name="object 110"/>
           <p:cNvSpPr txBox="1"/>
           <p:nvPr/>
         </p:nvSpPr>
@@ -6536,7 +6342,7 @@
           </a:prstGeom>
         </p:spPr>
         <p:txBody>
-          <a:bodyPr vert="horz" wrap="square" lIns="0" tIns="0" rIns="0" bIns="0" rtlCol="0">
+          <a:bodyPr wrap="square" lIns="0" tIns="0" rIns="0" bIns="0" rtlCol="0" vert="horz">
             <a:spAutoFit/>
           </a:bodyPr>
           <a:lstStyle/>
@@ -6547,21 +6353,21 @@
               </a:lnSpc>
             </a:pPr>
             <a:r>
-              <a:rPr sz="1200" dirty="0">
+              <a:rPr dirty="0" sz="1200">
                 <a:latin typeface="Times New Roman"/>
                 <a:cs typeface="Times New Roman"/>
               </a:rPr>
               <a:t>Instant</a:t>
             </a:r>
             <a:r>
-              <a:rPr sz="1200" spc="-105" dirty="0">
+              <a:rPr dirty="0" sz="1200" spc="-105">
                 <a:latin typeface="Times New Roman"/>
                 <a:cs typeface="Times New Roman"/>
               </a:rPr>
               <a:t> </a:t>
             </a:r>
             <a:r>
-              <a:rPr sz="1200" dirty="0">
+              <a:rPr dirty="0" sz="1200">
                 <a:latin typeface="Times New Roman"/>
                 <a:cs typeface="Times New Roman"/>
               </a:rPr>
@@ -6576,7 +6382,7 @@
       </p:sp>
       <p:sp>
         <p:nvSpPr>
-          <p:cNvPr id="115" name="object 115"/>
+          <p:cNvPr id="111" name="object 111"/>
           <p:cNvSpPr txBox="1"/>
           <p:nvPr/>
         </p:nvSpPr>
@@ -6590,7 +6396,7 @@
           </a:prstGeom>
         </p:spPr>
         <p:txBody>
-          <a:bodyPr vert="horz" wrap="square" lIns="0" tIns="0" rIns="0" bIns="0" rtlCol="0">
+          <a:bodyPr wrap="square" lIns="0" tIns="0" rIns="0" bIns="0" rtlCol="0" vert="horz">
             <a:spAutoFit/>
           </a:bodyPr>
           <a:lstStyle/>
@@ -6601,21 +6407,21 @@
               </a:lnSpc>
             </a:pPr>
             <a:r>
-              <a:rPr sz="1200" dirty="0">
+              <a:rPr dirty="0" sz="1200">
                 <a:latin typeface="Times New Roman"/>
                 <a:cs typeface="Times New Roman"/>
               </a:rPr>
               <a:t>Instant</a:t>
             </a:r>
             <a:r>
-              <a:rPr sz="1200" spc="-105" dirty="0">
+              <a:rPr dirty="0" sz="1200" spc="-105">
                 <a:latin typeface="Times New Roman"/>
                 <a:cs typeface="Times New Roman"/>
               </a:rPr>
               <a:t> </a:t>
             </a:r>
             <a:r>
-              <a:rPr sz="1200" dirty="0">
+              <a:rPr dirty="0" sz="1200">
                 <a:latin typeface="Times New Roman"/>
                 <a:cs typeface="Times New Roman"/>
               </a:rPr>
@@ -6630,7 +6436,7 @@
       </p:sp>
       <p:sp>
         <p:nvSpPr>
-          <p:cNvPr id="116" name="object 116"/>
+          <p:cNvPr id="112" name="object 112"/>
           <p:cNvSpPr txBox="1"/>
           <p:nvPr/>
         </p:nvSpPr>
@@ -6644,7 +6450,7 @@
           </a:prstGeom>
         </p:spPr>
         <p:txBody>
-          <a:bodyPr vert="horz" wrap="square" lIns="0" tIns="0" rIns="0" bIns="0" rtlCol="0">
+          <a:bodyPr wrap="square" lIns="0" tIns="0" rIns="0" bIns="0" rtlCol="0" vert="horz">
             <a:spAutoFit/>
           </a:bodyPr>
           <a:lstStyle/>
@@ -6655,21 +6461,21 @@
               </a:lnSpc>
             </a:pPr>
             <a:r>
-              <a:rPr sz="1200" spc="-30" dirty="0">
+              <a:rPr dirty="0" sz="1200" spc="-30">
                 <a:latin typeface="Times New Roman"/>
                 <a:cs typeface="Times New Roman"/>
               </a:rPr>
               <a:t>Avg</a:t>
             </a:r>
             <a:r>
-              <a:rPr sz="1200" spc="-105" dirty="0">
+              <a:rPr dirty="0" sz="1200" spc="-105">
                 <a:latin typeface="Times New Roman"/>
                 <a:cs typeface="Times New Roman"/>
               </a:rPr>
               <a:t> </a:t>
             </a:r>
             <a:r>
-              <a:rPr sz="1200" dirty="0">
+              <a:rPr dirty="0" sz="1200">
                 <a:latin typeface="Times New Roman"/>
                 <a:cs typeface="Times New Roman"/>
               </a:rPr>
@@ -6684,7 +6490,7 @@
       </p:sp>
       <p:sp>
         <p:nvSpPr>
-          <p:cNvPr id="117" name="object 117"/>
+          <p:cNvPr id="113" name="object 113"/>
           <p:cNvSpPr txBox="1"/>
           <p:nvPr/>
         </p:nvSpPr>
@@ -6698,7 +6504,7 @@
           </a:prstGeom>
         </p:spPr>
         <p:txBody>
-          <a:bodyPr vert="horz" wrap="square" lIns="0" tIns="0" rIns="0" bIns="0" rtlCol="0">
+          <a:bodyPr wrap="square" lIns="0" tIns="0" rIns="0" bIns="0" rtlCol="0" vert="horz">
             <a:spAutoFit/>
           </a:bodyPr>
           <a:lstStyle/>
@@ -6709,21 +6515,21 @@
               </a:lnSpc>
             </a:pPr>
             <a:r>
-              <a:rPr sz="1200" spc="-30" dirty="0">
+              <a:rPr dirty="0" sz="1200" spc="-30">
                 <a:latin typeface="Times New Roman"/>
                 <a:cs typeface="Times New Roman"/>
               </a:rPr>
               <a:t>Avg</a:t>
             </a:r>
             <a:r>
-              <a:rPr sz="1200" spc="-105" dirty="0">
+              <a:rPr dirty="0" sz="1200" spc="-105">
                 <a:latin typeface="Times New Roman"/>
                 <a:cs typeface="Times New Roman"/>
               </a:rPr>
               <a:t> </a:t>
             </a:r>
             <a:r>
-              <a:rPr sz="1200" dirty="0">
+              <a:rPr dirty="0" sz="1200">
                 <a:latin typeface="Times New Roman"/>
                 <a:cs typeface="Times New Roman"/>
               </a:rPr>
@@ -6738,7 +6544,7 @@
       </p:sp>
       <p:sp>
         <p:nvSpPr>
-          <p:cNvPr id="118" name="object 118"/>
+          <p:cNvPr id="114" name="object 114"/>
           <p:cNvSpPr txBox="1"/>
           <p:nvPr/>
         </p:nvSpPr>
@@ -6752,7 +6558,7 @@
           </a:prstGeom>
         </p:spPr>
         <p:txBody>
-          <a:bodyPr vert="horz" wrap="square" lIns="0" tIns="0" rIns="0" bIns="0" rtlCol="0">
+          <a:bodyPr wrap="square" lIns="0" tIns="0" rIns="0" bIns="0" rtlCol="0" vert="horz">
             <a:spAutoFit/>
           </a:bodyPr>
           <a:lstStyle/>
@@ -6763,28 +6569,28 @@
               </a:lnSpc>
             </a:pPr>
             <a:r>
-              <a:rPr sz="1200" dirty="0">
+              <a:rPr dirty="0" sz="1200">
                 <a:latin typeface="Times New Roman"/>
                 <a:cs typeface="Times New Roman"/>
               </a:rPr>
               <a:t>24h </a:t>
             </a:r>
             <a:r>
-              <a:rPr sz="1200" spc="-30" dirty="0">
+              <a:rPr dirty="0" sz="1200" spc="-30">
                 <a:latin typeface="Times New Roman"/>
                 <a:cs typeface="Times New Roman"/>
               </a:rPr>
               <a:t>Avg</a:t>
             </a:r>
             <a:r>
-              <a:rPr sz="1200" spc="-110" dirty="0">
+              <a:rPr dirty="0" sz="1200" spc="-110">
                 <a:latin typeface="Times New Roman"/>
                 <a:cs typeface="Times New Roman"/>
               </a:rPr>
               <a:t> </a:t>
             </a:r>
             <a:r>
-              <a:rPr sz="1200" dirty="0">
+              <a:rPr dirty="0" sz="1200">
                 <a:latin typeface="Times New Roman"/>
                 <a:cs typeface="Times New Roman"/>
               </a:rPr>
@@ -6799,7 +6605,7 @@
       </p:sp>
       <p:sp>
         <p:nvSpPr>
-          <p:cNvPr id="119" name="object 119"/>
+          <p:cNvPr id="115" name="object 115"/>
           <p:cNvSpPr txBox="1"/>
           <p:nvPr/>
         </p:nvSpPr>
@@ -6813,7 +6619,7 @@
           </a:prstGeom>
         </p:spPr>
         <p:txBody>
-          <a:bodyPr vert="horz" wrap="square" lIns="0" tIns="0" rIns="0" bIns="0" rtlCol="0">
+          <a:bodyPr wrap="square" lIns="0" tIns="0" rIns="0" bIns="0" rtlCol="0" vert="horz">
             <a:spAutoFit/>
           </a:bodyPr>
           <a:lstStyle/>
@@ -6824,28 +6630,28 @@
               </a:lnSpc>
             </a:pPr>
             <a:r>
-              <a:rPr sz="1200" dirty="0">
+              <a:rPr dirty="0" sz="1200">
                 <a:latin typeface="Times New Roman"/>
                 <a:cs typeface="Times New Roman"/>
               </a:rPr>
               <a:t>24h </a:t>
             </a:r>
             <a:r>
-              <a:rPr sz="1200" spc="-30" dirty="0">
+              <a:rPr dirty="0" sz="1200" spc="-30">
                 <a:latin typeface="Times New Roman"/>
                 <a:cs typeface="Times New Roman"/>
               </a:rPr>
               <a:t>Avg</a:t>
             </a:r>
             <a:r>
-              <a:rPr sz="1200" spc="-110" dirty="0">
+              <a:rPr dirty="0" sz="1200" spc="-110">
                 <a:latin typeface="Times New Roman"/>
                 <a:cs typeface="Times New Roman"/>
               </a:rPr>
               <a:t> </a:t>
             </a:r>
             <a:r>
-              <a:rPr sz="1200" dirty="0">
+              <a:rPr dirty="0" sz="1200">
                 <a:latin typeface="Times New Roman"/>
                 <a:cs typeface="Times New Roman"/>
               </a:rPr>
@@ -6860,7 +6666,7 @@
       </p:sp>
       <p:sp>
         <p:nvSpPr>
-          <p:cNvPr id="120" name="object 120"/>
+          <p:cNvPr id="116" name="object 116"/>
           <p:cNvSpPr/>
           <p:nvPr/>
         </p:nvSpPr>
@@ -6876,7 +6682,7 @@
             <a:cxnLst/>
             <a:rect l="l" t="t" r="r" b="b"/>
             <a:pathLst>
-              <a:path w="4663440">
+              <a:path w="4663440" h="0">
                 <a:moveTo>
                   <a:pt x="0" y="0"/>
                 </a:moveTo>
@@ -6886,7 +6692,7 @@
               </a:path>
             </a:pathLst>
           </a:custGeom>
-          <a:ln w="12700">
+          <a:ln w="9525">
             <a:solidFill>
               <a:srgbClr val="FF0000"/>
             </a:solidFill>
@@ -6895,123 +6701,7 @@
         <p:txBody>
           <a:bodyPr wrap="square" lIns="0" tIns="0" rIns="0" bIns="0" rtlCol="0"/>
           <a:lstStyle/>
-          <a:p>
-            <a:endParaRPr/>
-          </a:p>
-        </p:txBody>
-      </p:sp>
-      <p:sp>
-        <p:nvSpPr>
-          <p:cNvPr id="107" name="Rectangle 106">
-            <a:extLst>
-              <a:ext uri="{FF2B5EF4-FFF2-40B4-BE49-F238E27FC236}">
-                <a16:creationId xmlns:a16="http://schemas.microsoft.com/office/drawing/2014/main" id="{331298C7-81CC-4248-8540-36B39AA1CF77}"/>
-              </a:ext>
-            </a:extLst>
-          </p:cNvPr>
-          <p:cNvSpPr/>
-          <p:nvPr/>
-        </p:nvSpPr>
-        <p:spPr>
-          <a:xfrm rot="16200000">
-            <a:off x="154137" y="3209225"/>
-            <a:ext cx="453970" cy="276999"/>
-          </a:xfrm>
-          <a:prstGeom prst="rect">
-            <a:avLst/>
-          </a:prstGeom>
-        </p:spPr>
-        <p:txBody>
-          <a:bodyPr wrap="none">
-            <a:spAutoFit/>
-          </a:bodyPr>
-          <a:lstStyle/>
-          <a:p>
-            <a:r>
-              <a:rPr lang="en-US" sz="1200" dirty="0">
-                <a:latin typeface="Times New Roman"/>
-                <a:cs typeface="Times New Roman"/>
-              </a:rPr>
-              <a:t>0.10</a:t>
-            </a:r>
-            <a:endParaRPr lang="en-US" sz="1200" dirty="0"/>
-          </a:p>
-        </p:txBody>
-      </p:sp>
-      <p:sp>
-        <p:nvSpPr>
-          <p:cNvPr id="121" name="Rectangle 120">
-            <a:extLst>
-              <a:ext uri="{FF2B5EF4-FFF2-40B4-BE49-F238E27FC236}">
-                <a16:creationId xmlns:a16="http://schemas.microsoft.com/office/drawing/2014/main" id="{904B7A71-45CA-4029-8AE9-7CFFF7C22C77}"/>
-              </a:ext>
-            </a:extLst>
-          </p:cNvPr>
-          <p:cNvSpPr/>
-          <p:nvPr/>
-        </p:nvSpPr>
-        <p:spPr>
-          <a:xfrm rot="16200000">
-            <a:off x="147607" y="2826759"/>
-            <a:ext cx="453970" cy="276999"/>
-          </a:xfrm>
-          <a:prstGeom prst="rect">
-            <a:avLst/>
-          </a:prstGeom>
-        </p:spPr>
-        <p:txBody>
-          <a:bodyPr wrap="none">
-            <a:spAutoFit/>
-          </a:bodyPr>
-          <a:lstStyle/>
-          <a:p>
-            <a:r>
-              <a:rPr lang="en-US" sz="1200" dirty="0">
-                <a:latin typeface="Times New Roman"/>
-                <a:cs typeface="Times New Roman"/>
-              </a:rPr>
-              <a:t>0.16</a:t>
-            </a:r>
-            <a:endParaRPr lang="en-US" sz="1200" dirty="0"/>
-          </a:p>
-        </p:txBody>
-      </p:sp>
-      <p:sp>
-        <p:nvSpPr>
-          <p:cNvPr id="122" name="Rectangle 121">
-            <a:extLst>
-              <a:ext uri="{FF2B5EF4-FFF2-40B4-BE49-F238E27FC236}">
-                <a16:creationId xmlns:a16="http://schemas.microsoft.com/office/drawing/2014/main" id="{75B3ECC4-376A-471E-9C50-335E2C9937F0}"/>
-              </a:ext>
-            </a:extLst>
-          </p:cNvPr>
-          <p:cNvSpPr/>
-          <p:nvPr/>
-        </p:nvSpPr>
-        <p:spPr>
-          <a:xfrm rot="16200000">
-            <a:off x="140115" y="2422480"/>
-            <a:ext cx="453970" cy="276999"/>
-          </a:xfrm>
-          <a:prstGeom prst="rect">
-            <a:avLst/>
-          </a:prstGeom>
-        </p:spPr>
-        <p:txBody>
-          <a:bodyPr wrap="none">
-            <a:spAutoFit/>
-          </a:bodyPr>
-          <a:lstStyle/>
-          <a:p>
-            <a:r>
-              <a:rPr lang="en-US" sz="1200" dirty="0">
-                <a:latin typeface="Times New Roman"/>
-                <a:cs typeface="Times New Roman"/>
-              </a:rPr>
-              <a:t>0.22</a:t>
-            </a:r>
-            <a:endParaRPr lang="en-US" sz="1200" dirty="0"/>
-          </a:p>
+          <a:p/>
         </p:txBody>
       </p:sp>
     </p:spTree>

--- a/PAA ICT/PAA_Ecoli_RNN/dissertation/figures/Boxplot of Ecoli prediction error-1.pptx
+++ b/PAA ICT/PAA_Ecoli_RNN/dissertation/figures/Boxplot of Ecoli prediction error-1.pptx
@@ -841,7 +841,7 @@
         </p:nvSpPr>
         <p:spPr>
           <a:xfrm>
-            <a:off x="884808" y="805306"/>
+            <a:off x="884808" y="807719"/>
             <a:ext cx="575945" cy="0"/>
           </a:xfrm>
           <a:custGeom>
@@ -881,27 +881,27 @@
         </p:nvSpPr>
         <p:spPr>
           <a:xfrm>
-            <a:off x="1172591" y="832611"/>
-            <a:ext cx="0" cy="15240"/>
-          </a:xfrm>
-          <a:custGeom>
-            <a:avLst/>
-            <a:gdLst/>
-            <a:ahLst/>
-            <a:cxnLst/>
-            <a:rect l="l" t="t" r="r" b="b"/>
-            <a:pathLst>
-              <a:path w="0" h="15240">
-                <a:moveTo>
-                  <a:pt x="-4762" y="7556"/>
-                </a:moveTo>
-                <a:lnTo>
-                  <a:pt x="4762" y="7556"/>
-                </a:lnTo>
-              </a:path>
-            </a:pathLst>
-          </a:custGeom>
-          <a:ln w="15112">
+            <a:off x="1172591" y="833755"/>
+            <a:ext cx="0" cy="14604"/>
+          </a:xfrm>
+          <a:custGeom>
+            <a:avLst/>
+            <a:gdLst/>
+            <a:ahLst/>
+            <a:cxnLst/>
+            <a:rect l="l" t="t" r="r" b="b"/>
+            <a:pathLst>
+              <a:path w="0" h="14605">
+                <a:moveTo>
+                  <a:pt x="-4762" y="7239"/>
+                </a:moveTo>
+                <a:lnTo>
+                  <a:pt x="4762" y="7239"/>
+                </a:lnTo>
+              </a:path>
+            </a:pathLst>
+          </a:custGeom>
+          <a:ln w="14478">
             <a:solidFill>
               <a:srgbClr val="000000"/>
             </a:solidFill>
@@ -922,27 +922,27 @@
         </p:nvSpPr>
         <p:spPr>
           <a:xfrm>
-            <a:off x="1172591" y="771905"/>
-            <a:ext cx="0" cy="12065"/>
-          </a:xfrm>
-          <a:custGeom>
-            <a:avLst/>
-            <a:gdLst/>
-            <a:ahLst/>
-            <a:cxnLst/>
-            <a:rect l="l" t="t" r="r" b="b"/>
-            <a:pathLst>
-              <a:path w="0" h="12065">
-                <a:moveTo>
-                  <a:pt x="-4762" y="5842"/>
-                </a:moveTo>
-                <a:lnTo>
-                  <a:pt x="4762" y="5842"/>
-                </a:lnTo>
-              </a:path>
-            </a:pathLst>
-          </a:custGeom>
-          <a:ln w="11684">
+            <a:off x="1172591" y="775588"/>
+            <a:ext cx="0" cy="11430"/>
+          </a:xfrm>
+          <a:custGeom>
+            <a:avLst/>
+            <a:gdLst/>
+            <a:ahLst/>
+            <a:cxnLst/>
+            <a:rect l="l" t="t" r="r" b="b"/>
+            <a:pathLst>
+              <a:path w="0" h="11429">
+                <a:moveTo>
+                  <a:pt x="-4762" y="5587"/>
+                </a:moveTo>
+                <a:lnTo>
+                  <a:pt x="4762" y="5587"/>
+                </a:lnTo>
+              </a:path>
+            </a:pathLst>
+          </a:custGeom>
+          <a:ln w="11175">
             <a:solidFill>
               <a:srgbClr val="000000"/>
             </a:solidFill>
@@ -963,7 +963,7 @@
         </p:nvSpPr>
         <p:spPr>
           <a:xfrm>
-            <a:off x="1028700" y="847725"/>
+            <a:off x="1028700" y="848233"/>
             <a:ext cx="288290" cy="0"/>
           </a:xfrm>
           <a:custGeom>
@@ -1003,7 +1003,7 @@
         </p:nvSpPr>
         <p:spPr>
           <a:xfrm>
-            <a:off x="1028700" y="771905"/>
+            <a:off x="1028700" y="775588"/>
             <a:ext cx="288290" cy="0"/>
           </a:xfrm>
           <a:custGeom>
@@ -1043,22 +1043,22 @@
         </p:nvSpPr>
         <p:spPr>
           <a:xfrm>
-            <a:off x="884808" y="783590"/>
-            <a:ext cx="575945" cy="49530"/>
-          </a:xfrm>
-          <a:custGeom>
-            <a:avLst/>
-            <a:gdLst/>
-            <a:ahLst/>
-            <a:cxnLst/>
-            <a:rect l="l" t="t" r="r" b="b"/>
-            <a:pathLst>
-              <a:path w="575944" h="49530">
-                <a:moveTo>
-                  <a:pt x="0" y="49022"/>
-                </a:moveTo>
-                <a:lnTo>
-                  <a:pt x="575691" y="49022"/>
+            <a:off x="884808" y="786765"/>
+            <a:ext cx="575945" cy="46990"/>
+          </a:xfrm>
+          <a:custGeom>
+            <a:avLst/>
+            <a:gdLst/>
+            <a:ahLst/>
+            <a:cxnLst/>
+            <a:rect l="l" t="t" r="r" b="b"/>
+            <a:pathLst>
+              <a:path w="575944" h="46990">
+                <a:moveTo>
+                  <a:pt x="0" y="46989"/>
+                </a:moveTo>
+                <a:lnTo>
+                  <a:pt x="575691" y="46989"/>
                 </a:lnTo>
                 <a:lnTo>
                   <a:pt x="575691" y="0"/>
@@ -1067,7 +1067,7 @@
                   <a:pt x="0" y="0"/>
                 </a:lnTo>
                 <a:lnTo>
-                  <a:pt x="0" y="49022"/>
+                  <a:pt x="0" y="46989"/>
                 </a:lnTo>
               </a:path>
             </a:pathLst>
@@ -1092,7 +1092,7 @@
         </p:nvSpPr>
         <p:spPr>
           <a:xfrm>
-            <a:off x="1604391" y="1245869"/>
+            <a:off x="1604391" y="1230122"/>
             <a:ext cx="575945" cy="0"/>
           </a:xfrm>
           <a:custGeom>
@@ -1132,19 +1132,19 @@
         </p:nvSpPr>
         <p:spPr>
           <a:xfrm>
-            <a:off x="1892300" y="1283969"/>
-            <a:ext cx="0" cy="41910"/>
-          </a:xfrm>
-          <a:custGeom>
-            <a:avLst/>
-            <a:gdLst/>
-            <a:ahLst/>
-            <a:cxnLst/>
-            <a:rect l="l" t="t" r="r" b="b"/>
-            <a:pathLst>
-              <a:path w="0" h="41909">
-                <a:moveTo>
-                  <a:pt x="0" y="41529"/>
+            <a:off x="1892300" y="1266571"/>
+            <a:ext cx="0" cy="40005"/>
+          </a:xfrm>
+          <a:custGeom>
+            <a:avLst/>
+            <a:gdLst/>
+            <a:ahLst/>
+            <a:cxnLst/>
+            <a:rect l="l" t="t" r="r" b="b"/>
+            <a:pathLst>
+              <a:path w="0" h="40005">
+                <a:moveTo>
+                  <a:pt x="0" y="39878"/>
                 </a:moveTo>
                 <a:lnTo>
                   <a:pt x="0" y="0"/>
@@ -1173,22 +1173,22 @@
         </p:nvSpPr>
         <p:spPr>
           <a:xfrm>
-            <a:off x="1892300" y="1066546"/>
-            <a:ext cx="0" cy="106680"/>
-          </a:xfrm>
-          <a:custGeom>
-            <a:avLst/>
-            <a:gdLst/>
-            <a:ahLst/>
-            <a:cxnLst/>
-            <a:rect l="l" t="t" r="r" b="b"/>
-            <a:pathLst>
-              <a:path w="0" h="106680">
-                <a:moveTo>
-                  <a:pt x="0" y="0"/>
-                </a:moveTo>
-                <a:lnTo>
-                  <a:pt x="0" y="106172"/>
+            <a:off x="1892300" y="1058163"/>
+            <a:ext cx="0" cy="102235"/>
+          </a:xfrm>
+          <a:custGeom>
+            <a:avLst/>
+            <a:gdLst/>
+            <a:ahLst/>
+            <a:cxnLst/>
+            <a:rect l="l" t="t" r="r" b="b"/>
+            <a:pathLst>
+              <a:path w="0" h="102234">
+                <a:moveTo>
+                  <a:pt x="0" y="0"/>
+                </a:moveTo>
+                <a:lnTo>
+                  <a:pt x="0" y="101854"/>
                 </a:lnTo>
               </a:path>
             </a:pathLst>
@@ -1214,7 +1214,7 @@
         </p:nvSpPr>
         <p:spPr>
           <a:xfrm>
-            <a:off x="1748408" y="1325499"/>
+            <a:off x="1748408" y="1306449"/>
             <a:ext cx="288290" cy="0"/>
           </a:xfrm>
           <a:custGeom>
@@ -1254,7 +1254,7 @@
         </p:nvSpPr>
         <p:spPr>
           <a:xfrm>
-            <a:off x="1748408" y="1066546"/>
+            <a:off x="1748408" y="1058163"/>
             <a:ext cx="288290" cy="0"/>
           </a:xfrm>
           <a:custGeom>
@@ -1294,22 +1294,22 @@
         </p:nvSpPr>
         <p:spPr>
           <a:xfrm>
-            <a:off x="1604391" y="1172717"/>
-            <a:ext cx="575945" cy="111760"/>
-          </a:xfrm>
-          <a:custGeom>
-            <a:avLst/>
-            <a:gdLst/>
-            <a:ahLst/>
-            <a:cxnLst/>
-            <a:rect l="l" t="t" r="r" b="b"/>
-            <a:pathLst>
-              <a:path w="575944" h="111759">
-                <a:moveTo>
-                  <a:pt x="0" y="111251"/>
-                </a:moveTo>
-                <a:lnTo>
-                  <a:pt x="575817" y="111251"/>
+            <a:off x="1604391" y="1160017"/>
+            <a:ext cx="575945" cy="106680"/>
+          </a:xfrm>
+          <a:custGeom>
+            <a:avLst/>
+            <a:gdLst/>
+            <a:ahLst/>
+            <a:cxnLst/>
+            <a:rect l="l" t="t" r="r" b="b"/>
+            <a:pathLst>
+              <a:path w="575944" h="106680">
+                <a:moveTo>
+                  <a:pt x="0" y="106552"/>
+                </a:moveTo>
+                <a:lnTo>
+                  <a:pt x="575817" y="106552"/>
                 </a:lnTo>
                 <a:lnTo>
                   <a:pt x="575817" y="0"/>
@@ -1318,7 +1318,7 @@
                   <a:pt x="0" y="0"/>
                 </a:lnTo>
                 <a:lnTo>
-                  <a:pt x="0" y="111251"/>
+                  <a:pt x="0" y="106552"/>
                 </a:lnTo>
               </a:path>
             </a:pathLst>
@@ -1701,7 +1701,7 @@
         </p:nvSpPr>
         <p:spPr>
           <a:xfrm>
-            <a:off x="1854580" y="826134"/>
+            <a:off x="1854580" y="825372"/>
             <a:ext cx="88900" cy="101600"/>
           </a:xfrm>
           <a:prstGeom prst="rect">
@@ -1744,7 +1744,7 @@
         </p:nvSpPr>
         <p:spPr>
           <a:xfrm>
-            <a:off x="2324100" y="832103"/>
+            <a:off x="2324100" y="833374"/>
             <a:ext cx="575945" cy="0"/>
           </a:xfrm>
           <a:custGeom>
@@ -1784,19 +1784,19 @@
         </p:nvSpPr>
         <p:spPr>
           <a:xfrm>
-            <a:off x="2612008" y="841375"/>
-            <a:ext cx="0" cy="28575"/>
-          </a:xfrm>
-          <a:custGeom>
-            <a:avLst/>
-            <a:gdLst/>
-            <a:ahLst/>
-            <a:cxnLst/>
-            <a:rect l="l" t="t" r="r" b="b"/>
-            <a:pathLst>
-              <a:path w="0" h="28575">
-                <a:moveTo>
-                  <a:pt x="0" y="28067"/>
+            <a:off x="2612008" y="842263"/>
+            <a:ext cx="0" cy="27305"/>
+          </a:xfrm>
+          <a:custGeom>
+            <a:avLst/>
+            <a:gdLst/>
+            <a:ahLst/>
+            <a:cxnLst/>
+            <a:rect l="l" t="t" r="r" b="b"/>
+            <a:pathLst>
+              <a:path w="0" h="27305">
+                <a:moveTo>
+                  <a:pt x="0" y="26797"/>
                 </a:moveTo>
                 <a:lnTo>
                   <a:pt x="0" y="0"/>
@@ -1825,22 +1825,22 @@
         </p:nvSpPr>
         <p:spPr>
           <a:xfrm>
-            <a:off x="2612008" y="786765"/>
-            <a:ext cx="0" cy="23495"/>
-          </a:xfrm>
-          <a:custGeom>
-            <a:avLst/>
-            <a:gdLst/>
-            <a:ahLst/>
-            <a:cxnLst/>
-            <a:rect l="l" t="t" r="r" b="b"/>
-            <a:pathLst>
-              <a:path w="0" h="23495">
-                <a:moveTo>
-                  <a:pt x="0" y="0"/>
-                </a:moveTo>
-                <a:lnTo>
-                  <a:pt x="0" y="23368"/>
+            <a:off x="2612008" y="789940"/>
+            <a:ext cx="0" cy="22860"/>
+          </a:xfrm>
+          <a:custGeom>
+            <a:avLst/>
+            <a:gdLst/>
+            <a:ahLst/>
+            <a:cxnLst/>
+            <a:rect l="l" t="t" r="r" b="b"/>
+            <a:pathLst>
+              <a:path w="0" h="22859">
+                <a:moveTo>
+                  <a:pt x="0" y="0"/>
+                </a:moveTo>
+                <a:lnTo>
+                  <a:pt x="0" y="22351"/>
                 </a:lnTo>
               </a:path>
             </a:pathLst>
@@ -1866,7 +1866,7 @@
         </p:nvSpPr>
         <p:spPr>
           <a:xfrm>
-            <a:off x="2467991" y="869441"/>
+            <a:off x="2467991" y="869061"/>
             <a:ext cx="288290" cy="0"/>
           </a:xfrm>
           <a:custGeom>
@@ -1906,7 +1906,7 @@
         </p:nvSpPr>
         <p:spPr>
           <a:xfrm>
-            <a:off x="2467991" y="786765"/>
+            <a:off x="2467991" y="789940"/>
             <a:ext cx="288290" cy="0"/>
           </a:xfrm>
           <a:custGeom>
@@ -1946,22 +1946,22 @@
         </p:nvSpPr>
         <p:spPr>
           <a:xfrm>
-            <a:off x="2324100" y="810133"/>
-            <a:ext cx="575945" cy="31750"/>
-          </a:xfrm>
-          <a:custGeom>
-            <a:avLst/>
-            <a:gdLst/>
-            <a:ahLst/>
-            <a:cxnLst/>
-            <a:rect l="l" t="t" r="r" b="b"/>
-            <a:pathLst>
-              <a:path w="575944" h="31750">
-                <a:moveTo>
-                  <a:pt x="0" y="31241"/>
-                </a:moveTo>
-                <a:lnTo>
-                  <a:pt x="575691" y="31241"/>
+            <a:off x="2324100" y="812291"/>
+            <a:ext cx="575945" cy="30480"/>
+          </a:xfrm>
+          <a:custGeom>
+            <a:avLst/>
+            <a:gdLst/>
+            <a:ahLst/>
+            <a:cxnLst/>
+            <a:rect l="l" t="t" r="r" b="b"/>
+            <a:pathLst>
+              <a:path w="575944" h="30480">
+                <a:moveTo>
+                  <a:pt x="0" y="29972"/>
+                </a:moveTo>
+                <a:lnTo>
+                  <a:pt x="575691" y="29972"/>
                 </a:lnTo>
                 <a:lnTo>
                   <a:pt x="575691" y="0"/>
@@ -1970,7 +1970,7 @@
                   <a:pt x="0" y="0"/>
                 </a:lnTo>
                 <a:lnTo>
-                  <a:pt x="0" y="31241"/>
+                  <a:pt x="0" y="29972"/>
                 </a:lnTo>
               </a:path>
             </a:pathLst>
@@ -1995,7 +1995,7 @@
         </p:nvSpPr>
         <p:spPr>
           <a:xfrm>
-            <a:off x="3043808" y="723265"/>
+            <a:off x="3043808" y="728852"/>
             <a:ext cx="575945" cy="0"/>
           </a:xfrm>
           <a:custGeom>
@@ -2035,19 +2035,19 @@
         </p:nvSpPr>
         <p:spPr>
           <a:xfrm>
-            <a:off x="3331590" y="889253"/>
-            <a:ext cx="0" cy="344805"/>
-          </a:xfrm>
-          <a:custGeom>
-            <a:avLst/>
-            <a:gdLst/>
-            <a:ahLst/>
-            <a:cxnLst/>
-            <a:rect l="l" t="t" r="r" b="b"/>
-            <a:pathLst>
-              <a:path w="0" h="344805">
-                <a:moveTo>
-                  <a:pt x="0" y="344423"/>
+            <a:off x="3331590" y="888111"/>
+            <a:ext cx="0" cy="330835"/>
+          </a:xfrm>
+          <a:custGeom>
+            <a:avLst/>
+            <a:gdLst/>
+            <a:ahLst/>
+            <a:cxnLst/>
+            <a:rect l="l" t="t" r="r" b="b"/>
+            <a:pathLst>
+              <a:path w="0" h="330834">
+                <a:moveTo>
+                  <a:pt x="0" y="330326"/>
                 </a:moveTo>
                 <a:lnTo>
                   <a:pt x="0" y="0"/>
@@ -2076,22 +2076,22 @@
         </p:nvSpPr>
         <p:spPr>
           <a:xfrm>
-            <a:off x="3331590" y="402716"/>
-            <a:ext cx="0" cy="62865"/>
-          </a:xfrm>
-          <a:custGeom>
-            <a:avLst/>
-            <a:gdLst/>
-            <a:ahLst/>
-            <a:cxnLst/>
-            <a:rect l="l" t="t" r="r" b="b"/>
-            <a:pathLst>
-              <a:path w="0" h="62865">
-                <a:moveTo>
-                  <a:pt x="0" y="0"/>
-                </a:moveTo>
-                <a:lnTo>
-                  <a:pt x="0" y="62357"/>
+            <a:off x="3331590" y="421512"/>
+            <a:ext cx="0" cy="60325"/>
+          </a:xfrm>
+          <a:custGeom>
+            <a:avLst/>
+            <a:gdLst/>
+            <a:ahLst/>
+            <a:cxnLst/>
+            <a:rect l="l" t="t" r="r" b="b"/>
+            <a:pathLst>
+              <a:path w="0" h="60325">
+                <a:moveTo>
+                  <a:pt x="0" y="0"/>
+                </a:moveTo>
+                <a:lnTo>
+                  <a:pt x="0" y="59816"/>
                 </a:lnTo>
               </a:path>
             </a:pathLst>
@@ -2117,7 +2117,7 @@
         </p:nvSpPr>
         <p:spPr>
           <a:xfrm>
-            <a:off x="3187700" y="1233677"/>
+            <a:off x="3187700" y="1218438"/>
             <a:ext cx="288290" cy="0"/>
           </a:xfrm>
           <a:custGeom>
@@ -2157,7 +2157,7 @@
         </p:nvSpPr>
         <p:spPr>
           <a:xfrm>
-            <a:off x="3187700" y="402716"/>
+            <a:off x="3187700" y="421512"/>
             <a:ext cx="288290" cy="0"/>
           </a:xfrm>
           <a:custGeom>
@@ -2197,22 +2197,22 @@
         </p:nvSpPr>
         <p:spPr>
           <a:xfrm>
-            <a:off x="3043808" y="465073"/>
-            <a:ext cx="575945" cy="424180"/>
-          </a:xfrm>
-          <a:custGeom>
-            <a:avLst/>
-            <a:gdLst/>
-            <a:ahLst/>
-            <a:cxnLst/>
-            <a:rect l="l" t="t" r="r" b="b"/>
-            <a:pathLst>
-              <a:path w="575945" h="424180">
-                <a:moveTo>
-                  <a:pt x="0" y="424180"/>
-                </a:moveTo>
-                <a:lnTo>
-                  <a:pt x="575691" y="424180"/>
+            <a:off x="3043808" y="481330"/>
+            <a:ext cx="575945" cy="407034"/>
+          </a:xfrm>
+          <a:custGeom>
+            <a:avLst/>
+            <a:gdLst/>
+            <a:ahLst/>
+            <a:cxnLst/>
+            <a:rect l="l" t="t" r="r" b="b"/>
+            <a:pathLst>
+              <a:path w="575945" h="407034">
+                <a:moveTo>
+                  <a:pt x="0" y="406781"/>
+                </a:moveTo>
+                <a:lnTo>
+                  <a:pt x="575691" y="406781"/>
                 </a:lnTo>
                 <a:lnTo>
                   <a:pt x="575691" y="0"/>
@@ -2221,7 +2221,7 @@
                   <a:pt x="0" y="0"/>
                 </a:lnTo>
                 <a:lnTo>
-                  <a:pt x="0" y="424180"/>
+                  <a:pt x="0" y="406781"/>
                 </a:lnTo>
               </a:path>
             </a:pathLst>
@@ -2246,7 +2246,7 @@
         </p:nvSpPr>
         <p:spPr>
           <a:xfrm>
-            <a:off x="3763390" y="826897"/>
+            <a:off x="3763390" y="828421"/>
             <a:ext cx="575945" cy="0"/>
           </a:xfrm>
           <a:custGeom>
@@ -2286,27 +2286,27 @@
         </p:nvSpPr>
         <p:spPr>
           <a:xfrm>
-            <a:off x="4051300" y="838200"/>
-            <a:ext cx="0" cy="5715"/>
-          </a:xfrm>
-          <a:custGeom>
-            <a:avLst/>
-            <a:gdLst/>
-            <a:ahLst/>
-            <a:cxnLst/>
-            <a:rect l="l" t="t" r="r" b="b"/>
-            <a:pathLst>
-              <a:path w="0" h="5715">
-                <a:moveTo>
-                  <a:pt x="-4762" y="2603"/>
-                </a:moveTo>
-                <a:lnTo>
-                  <a:pt x="4762" y="2603"/>
-                </a:lnTo>
-              </a:path>
-            </a:pathLst>
-          </a:custGeom>
-          <a:ln w="5207">
+            <a:off x="4051300" y="839088"/>
+            <a:ext cx="0" cy="5080"/>
+          </a:xfrm>
+          <a:custGeom>
+            <a:avLst/>
+            <a:gdLst/>
+            <a:ahLst/>
+            <a:cxnLst/>
+            <a:rect l="l" t="t" r="r" b="b"/>
+            <a:pathLst>
+              <a:path w="0" h="5080">
+                <a:moveTo>
+                  <a:pt x="-4762" y="2539"/>
+                </a:moveTo>
+                <a:lnTo>
+                  <a:pt x="4762" y="2539"/>
+                </a:lnTo>
+              </a:path>
+            </a:pathLst>
+          </a:custGeom>
+          <a:ln w="5080">
             <a:solidFill>
               <a:srgbClr val="000000"/>
             </a:solidFill>
@@ -2327,22 +2327,22 @@
         </p:nvSpPr>
         <p:spPr>
           <a:xfrm>
-            <a:off x="4051300" y="767587"/>
-            <a:ext cx="0" cy="36830"/>
-          </a:xfrm>
-          <a:custGeom>
-            <a:avLst/>
-            <a:gdLst/>
-            <a:ahLst/>
-            <a:cxnLst/>
-            <a:rect l="l" t="t" r="r" b="b"/>
-            <a:pathLst>
-              <a:path w="0" h="36829">
-                <a:moveTo>
-                  <a:pt x="0" y="0"/>
-                </a:moveTo>
-                <a:lnTo>
-                  <a:pt x="0" y="36575"/>
+            <a:off x="4051300" y="771398"/>
+            <a:ext cx="0" cy="35560"/>
+          </a:xfrm>
+          <a:custGeom>
+            <a:avLst/>
+            <a:gdLst/>
+            <a:ahLst/>
+            <a:cxnLst/>
+            <a:rect l="l" t="t" r="r" b="b"/>
+            <a:pathLst>
+              <a:path w="0" h="35559">
+                <a:moveTo>
+                  <a:pt x="0" y="0"/>
+                </a:moveTo>
+                <a:lnTo>
+                  <a:pt x="0" y="35178"/>
                 </a:lnTo>
               </a:path>
             </a:pathLst>
@@ -2368,7 +2368,7 @@
         </p:nvSpPr>
         <p:spPr>
           <a:xfrm>
-            <a:off x="3907409" y="843407"/>
+            <a:off x="3907409" y="844169"/>
             <a:ext cx="288290" cy="0"/>
           </a:xfrm>
           <a:custGeom>
@@ -2408,7 +2408,7 @@
         </p:nvSpPr>
         <p:spPr>
           <a:xfrm>
-            <a:off x="3907409" y="767587"/>
+            <a:off x="3907409" y="771398"/>
             <a:ext cx="288290" cy="0"/>
           </a:xfrm>
           <a:custGeom>
@@ -2448,22 +2448,22 @@
         </p:nvSpPr>
         <p:spPr>
           <a:xfrm>
-            <a:off x="3763390" y="804163"/>
-            <a:ext cx="575945" cy="34290"/>
-          </a:xfrm>
-          <a:custGeom>
-            <a:avLst/>
-            <a:gdLst/>
-            <a:ahLst/>
-            <a:cxnLst/>
-            <a:rect l="l" t="t" r="r" b="b"/>
-            <a:pathLst>
-              <a:path w="575945" h="34290">
-                <a:moveTo>
-                  <a:pt x="0" y="34036"/>
-                </a:moveTo>
-                <a:lnTo>
-                  <a:pt x="575818" y="34036"/>
+            <a:off x="3763390" y="806576"/>
+            <a:ext cx="575945" cy="33020"/>
+          </a:xfrm>
+          <a:custGeom>
+            <a:avLst/>
+            <a:gdLst/>
+            <a:ahLst/>
+            <a:cxnLst/>
+            <a:rect l="l" t="t" r="r" b="b"/>
+            <a:pathLst>
+              <a:path w="575945" h="33019">
+                <a:moveTo>
+                  <a:pt x="0" y="32512"/>
+                </a:moveTo>
+                <a:lnTo>
+                  <a:pt x="575818" y="32512"/>
                 </a:lnTo>
                 <a:lnTo>
                   <a:pt x="575818" y="0"/>
@@ -2472,7 +2472,7 @@
                   <a:pt x="0" y="0"/>
                 </a:lnTo>
                 <a:lnTo>
-                  <a:pt x="0" y="34036"/>
+                  <a:pt x="0" y="32512"/>
                 </a:lnTo>
               </a:path>
             </a:pathLst>
@@ -2497,7 +2497,7 @@
         </p:nvSpPr>
         <p:spPr>
           <a:xfrm>
-            <a:off x="4483100" y="1014475"/>
+            <a:off x="4483100" y="1008252"/>
             <a:ext cx="575945" cy="0"/>
           </a:xfrm>
           <a:custGeom>
@@ -2537,19 +2537,19 @@
         </p:nvSpPr>
         <p:spPr>
           <a:xfrm>
-            <a:off x="4771009" y="1072388"/>
-            <a:ext cx="0" cy="189230"/>
-          </a:xfrm>
-          <a:custGeom>
-            <a:avLst/>
-            <a:gdLst/>
-            <a:ahLst/>
-            <a:cxnLst/>
-            <a:rect l="l" t="t" r="r" b="b"/>
-            <a:pathLst>
-              <a:path w="0" h="189230">
-                <a:moveTo>
-                  <a:pt x="0" y="188975"/>
+            <a:off x="4771009" y="1063752"/>
+            <a:ext cx="0" cy="181610"/>
+          </a:xfrm>
+          <a:custGeom>
+            <a:avLst/>
+            <a:gdLst/>
+            <a:ahLst/>
+            <a:cxnLst/>
+            <a:rect l="l" t="t" r="r" b="b"/>
+            <a:pathLst>
+              <a:path w="0" h="181609">
+                <a:moveTo>
+                  <a:pt x="0" y="181229"/>
                 </a:moveTo>
                 <a:lnTo>
                   <a:pt x="0" y="0"/>
@@ -2578,27 +2578,27 @@
         </p:nvSpPr>
         <p:spPr>
           <a:xfrm>
-            <a:off x="4771009" y="914653"/>
-            <a:ext cx="0" cy="9525"/>
-          </a:xfrm>
-          <a:custGeom>
-            <a:avLst/>
-            <a:gdLst/>
-            <a:ahLst/>
-            <a:cxnLst/>
-            <a:rect l="l" t="t" r="r" b="b"/>
-            <a:pathLst>
-              <a:path w="0" h="9525">
-                <a:moveTo>
-                  <a:pt x="-4762" y="4508"/>
-                </a:moveTo>
-                <a:lnTo>
-                  <a:pt x="4762" y="4508"/>
-                </a:lnTo>
-              </a:path>
-            </a:pathLst>
-          </a:custGeom>
-          <a:ln w="9016">
+            <a:off x="4771009" y="912367"/>
+            <a:ext cx="0" cy="8890"/>
+          </a:xfrm>
+          <a:custGeom>
+            <a:avLst/>
+            <a:gdLst/>
+            <a:ahLst/>
+            <a:cxnLst/>
+            <a:rect l="l" t="t" r="r" b="b"/>
+            <a:pathLst>
+              <a:path w="0" h="8890">
+                <a:moveTo>
+                  <a:pt x="-4762" y="4381"/>
+                </a:moveTo>
+                <a:lnTo>
+                  <a:pt x="4762" y="4381"/>
+                </a:lnTo>
+              </a:path>
+            </a:pathLst>
+          </a:custGeom>
+          <a:ln w="8762">
             <a:solidFill>
               <a:srgbClr val="000000"/>
             </a:solidFill>
@@ -2619,7 +2619,7 @@
         </p:nvSpPr>
         <p:spPr>
           <a:xfrm>
-            <a:off x="4626990" y="1261363"/>
+            <a:off x="4626990" y="1244980"/>
             <a:ext cx="288290" cy="0"/>
           </a:xfrm>
           <a:custGeom>
@@ -2659,7 +2659,7 @@
         </p:nvSpPr>
         <p:spPr>
           <a:xfrm>
-            <a:off x="4626990" y="914653"/>
+            <a:off x="4626990" y="912367"/>
             <a:ext cx="288290" cy="0"/>
           </a:xfrm>
           <a:custGeom>
@@ -2699,22 +2699,22 @@
         </p:nvSpPr>
         <p:spPr>
           <a:xfrm>
-            <a:off x="4483100" y="923671"/>
-            <a:ext cx="575945" cy="149225"/>
-          </a:xfrm>
-          <a:custGeom>
-            <a:avLst/>
-            <a:gdLst/>
-            <a:ahLst/>
-            <a:cxnLst/>
-            <a:rect l="l" t="t" r="r" b="b"/>
-            <a:pathLst>
-              <a:path w="575945" h="149225">
-                <a:moveTo>
-                  <a:pt x="0" y="148717"/>
-                </a:moveTo>
-                <a:lnTo>
-                  <a:pt x="575690" y="148717"/>
+            <a:off x="4483100" y="921130"/>
+            <a:ext cx="575945" cy="142875"/>
+          </a:xfrm>
+          <a:custGeom>
+            <a:avLst/>
+            <a:gdLst/>
+            <a:ahLst/>
+            <a:cxnLst/>
+            <a:rect l="l" t="t" r="r" b="b"/>
+            <a:pathLst>
+              <a:path w="575945" h="142875">
+                <a:moveTo>
+                  <a:pt x="0" y="142620"/>
+                </a:moveTo>
+                <a:lnTo>
+                  <a:pt x="575690" y="142620"/>
                 </a:lnTo>
                 <a:lnTo>
                   <a:pt x="575690" y="0"/>
@@ -2723,7 +2723,7 @@
                   <a:pt x="0" y="0"/>
                 </a:lnTo>
                 <a:lnTo>
-                  <a:pt x="0" y="148717"/>
+                  <a:pt x="0" y="142620"/>
                 </a:lnTo>
               </a:path>
             </a:pathLst>
@@ -2748,7 +2748,7 @@
         </p:nvSpPr>
         <p:spPr>
           <a:xfrm>
-            <a:off x="4733163" y="581786"/>
+            <a:off x="4733163" y="591057"/>
             <a:ext cx="88900" cy="101600"/>
           </a:xfrm>
           <a:prstGeom prst="rect">
@@ -2791,19 +2791,19 @@
         </p:nvSpPr>
         <p:spPr>
           <a:xfrm>
-            <a:off x="640080" y="383031"/>
-            <a:ext cx="0" cy="916940"/>
-          </a:xfrm>
-          <a:custGeom>
-            <a:avLst/>
-            <a:gdLst/>
-            <a:ahLst/>
-            <a:cxnLst/>
-            <a:rect l="l" t="t" r="r" b="b"/>
-            <a:pathLst>
-              <a:path w="0" h="916940">
-                <a:moveTo>
-                  <a:pt x="0" y="916558"/>
+            <a:off x="640080" y="402716"/>
+            <a:ext cx="0" cy="878840"/>
+          </a:xfrm>
+          <a:custGeom>
+            <a:avLst/>
+            <a:gdLst/>
+            <a:ahLst/>
+            <a:cxnLst/>
+            <a:rect l="l" t="t" r="r" b="b"/>
+            <a:pathLst>
+              <a:path w="0" h="878840">
+                <a:moveTo>
+                  <a:pt x="0" y="878840"/>
                 </a:moveTo>
                 <a:lnTo>
                   <a:pt x="0" y="0"/>
@@ -2831,7 +2831,7 @@
         </p:nvSpPr>
         <p:spPr>
           <a:xfrm>
-            <a:off x="548640" y="1299591"/>
+            <a:off x="548640" y="1281557"/>
             <a:ext cx="91440" cy="0"/>
           </a:xfrm>
           <a:custGeom>
@@ -2871,7 +2871,7 @@
         </p:nvSpPr>
         <p:spPr>
           <a:xfrm>
-            <a:off x="548640" y="1070483"/>
+            <a:off x="548640" y="1061847"/>
             <a:ext cx="91440" cy="0"/>
           </a:xfrm>
           <a:custGeom>
@@ -2911,7 +2911,7 @@
         </p:nvSpPr>
         <p:spPr>
           <a:xfrm>
-            <a:off x="548640" y="841247"/>
+            <a:off x="548640" y="842136"/>
             <a:ext cx="91440" cy="0"/>
           </a:xfrm>
           <a:custGeom>
@@ -2951,7 +2951,7 @@
         </p:nvSpPr>
         <p:spPr>
           <a:xfrm>
-            <a:off x="548640" y="612140"/>
+            <a:off x="548640" y="622426"/>
             <a:ext cx="91440" cy="0"/>
           </a:xfrm>
           <a:custGeom>
@@ -2991,7 +2991,7 @@
         </p:nvSpPr>
         <p:spPr>
           <a:xfrm>
-            <a:off x="548640" y="383031"/>
+            <a:off x="548640" y="402716"/>
             <a:ext cx="91440" cy="0"/>
           </a:xfrm>
           <a:custGeom>
@@ -3031,7 +3031,7 @@
         </p:nvSpPr>
         <p:spPr>
           <a:xfrm>
-            <a:off x="272118" y="1153541"/>
+            <a:off x="272118" y="1135506"/>
             <a:ext cx="194310" cy="292100"/>
           </a:xfrm>
           <a:prstGeom prst="rect">
@@ -3071,7 +3071,7 @@
         </p:nvSpPr>
         <p:spPr>
           <a:xfrm>
-            <a:off x="272118" y="236981"/>
+            <a:off x="272118" y="256666"/>
             <a:ext cx="194310" cy="292100"/>
           </a:xfrm>
           <a:prstGeom prst="rect">
@@ -3233,7 +3233,7 @@
             </a:endParaRPr>
           </a:p>
           <a:p>
-            <a:pPr algn="ctr" marL="45720">
+            <a:pPr algn="ctr" marL="43815">
               <a:lnSpc>
                 <a:spcPct val="100000"/>
               </a:lnSpc>
@@ -3543,7 +3543,7 @@
         </p:nvSpPr>
         <p:spPr>
           <a:xfrm rot="19800000">
-            <a:off x="434280" y="1675013"/>
+            <a:off x="434280" y="1664091"/>
             <a:ext cx="797649" cy="152400"/>
           </a:xfrm>
           <a:prstGeom prst="rect">
@@ -3597,7 +3597,7 @@
         </p:nvSpPr>
         <p:spPr>
           <a:xfrm rot="19800000">
-            <a:off x="1161207" y="1672162"/>
+            <a:off x="1161207" y="1661240"/>
             <a:ext cx="789547" cy="152400"/>
           </a:xfrm>
           <a:prstGeom prst="rect">
@@ -3651,7 +3651,7 @@
         </p:nvSpPr>
         <p:spPr>
           <a:xfrm rot="19800000">
-            <a:off x="2016506" y="1620410"/>
+            <a:off x="2016506" y="1609488"/>
             <a:ext cx="638222" cy="152400"/>
           </a:xfrm>
           <a:prstGeom prst="rect">
@@ -3705,7 +3705,7 @@
         </p:nvSpPr>
         <p:spPr>
           <a:xfrm rot="19800000">
-            <a:off x="2743897" y="1618321"/>
+            <a:off x="2743897" y="1607399"/>
             <a:ext cx="630209" cy="152400"/>
           </a:xfrm>
           <a:prstGeom prst="rect">
@@ -3759,7 +3759,7 @@
         </p:nvSpPr>
         <p:spPr>
           <a:xfrm rot="19800000">
-            <a:off x="3210025" y="1687720"/>
+            <a:off x="3210025" y="1676798"/>
             <a:ext cx="899464" cy="152400"/>
           </a:xfrm>
           <a:prstGeom prst="rect">
@@ -3820,7 +3820,7 @@
         </p:nvSpPr>
         <p:spPr>
           <a:xfrm rot="19800000">
-            <a:off x="3937476" y="1685631"/>
+            <a:off x="3937476" y="1674709"/>
             <a:ext cx="891330" cy="152400"/>
           </a:xfrm>
           <a:prstGeom prst="rect">
@@ -3881,7 +3881,7 @@
         </p:nvSpPr>
         <p:spPr>
           <a:xfrm>
-            <a:off x="640080" y="1045591"/>
+            <a:off x="640080" y="1037971"/>
             <a:ext cx="4663440" cy="0"/>
           </a:xfrm>
           <a:custGeom>
@@ -3921,7 +3921,7 @@
         </p:nvSpPr>
         <p:spPr>
           <a:xfrm>
-            <a:off x="884808" y="2869310"/>
+            <a:off x="884808" y="2931160"/>
             <a:ext cx="575945" cy="0"/>
           </a:xfrm>
           <a:custGeom>
@@ -3961,19 +3961,19 @@
         </p:nvSpPr>
         <p:spPr>
           <a:xfrm>
-            <a:off x="1172591" y="2896742"/>
-            <a:ext cx="0" cy="44450"/>
-          </a:xfrm>
-          <a:custGeom>
-            <a:avLst/>
-            <a:gdLst/>
-            <a:ahLst/>
-            <a:cxnLst/>
-            <a:rect l="l" t="t" r="r" b="b"/>
-            <a:pathLst>
-              <a:path w="0" h="44450">
-                <a:moveTo>
-                  <a:pt x="0" y="44450"/>
+            <a:off x="1172591" y="2949575"/>
+            <a:ext cx="0" cy="30480"/>
+          </a:xfrm>
+          <a:custGeom>
+            <a:avLst/>
+            <a:gdLst/>
+            <a:ahLst/>
+            <a:cxnLst/>
+            <a:rect l="l" t="t" r="r" b="b"/>
+            <a:pathLst>
+              <a:path w="0" h="30480">
+                <a:moveTo>
+                  <a:pt x="0" y="30099"/>
                 </a:moveTo>
                 <a:lnTo>
                   <a:pt x="0" y="0"/>
@@ -4002,22 +4002,22 @@
         </p:nvSpPr>
         <p:spPr>
           <a:xfrm>
-            <a:off x="1172591" y="2729229"/>
-            <a:ext cx="0" cy="55244"/>
-          </a:xfrm>
-          <a:custGeom>
-            <a:avLst/>
-            <a:gdLst/>
-            <a:ahLst/>
-            <a:cxnLst/>
-            <a:rect l="l" t="t" r="r" b="b"/>
-            <a:pathLst>
-              <a:path w="0" h="55244">
-                <a:moveTo>
-                  <a:pt x="0" y="0"/>
-                </a:moveTo>
-                <a:lnTo>
-                  <a:pt x="0" y="55244"/>
+            <a:off x="1172591" y="2836417"/>
+            <a:ext cx="0" cy="37465"/>
+          </a:xfrm>
+          <a:custGeom>
+            <a:avLst/>
+            <a:gdLst/>
+            <a:ahLst/>
+            <a:cxnLst/>
+            <a:rect l="l" t="t" r="r" b="b"/>
+            <a:pathLst>
+              <a:path w="0" h="37464">
+                <a:moveTo>
+                  <a:pt x="0" y="0"/>
+                </a:moveTo>
+                <a:lnTo>
+                  <a:pt x="0" y="37337"/>
                 </a:lnTo>
               </a:path>
             </a:pathLst>
@@ -4043,7 +4043,7 @@
         </p:nvSpPr>
         <p:spPr>
           <a:xfrm>
-            <a:off x="1028700" y="2941192"/>
+            <a:off x="1028700" y="2979673"/>
             <a:ext cx="288290" cy="0"/>
           </a:xfrm>
           <a:custGeom>
@@ -4083,7 +4083,7 @@
         </p:nvSpPr>
         <p:spPr>
           <a:xfrm>
-            <a:off x="1028700" y="2729229"/>
+            <a:off x="1028700" y="2836417"/>
             <a:ext cx="288290" cy="0"/>
           </a:xfrm>
           <a:custGeom>
@@ -4123,22 +4123,22 @@
         </p:nvSpPr>
         <p:spPr>
           <a:xfrm>
-            <a:off x="884808" y="2784475"/>
-            <a:ext cx="575945" cy="112395"/>
-          </a:xfrm>
-          <a:custGeom>
-            <a:avLst/>
-            <a:gdLst/>
-            <a:ahLst/>
-            <a:cxnLst/>
-            <a:rect l="l" t="t" r="r" b="b"/>
-            <a:pathLst>
-              <a:path w="575944" h="112394">
-                <a:moveTo>
-                  <a:pt x="0" y="112268"/>
-                </a:moveTo>
-                <a:lnTo>
-                  <a:pt x="575691" y="112268"/>
+            <a:off x="884808" y="2873755"/>
+            <a:ext cx="575945" cy="76200"/>
+          </a:xfrm>
+          <a:custGeom>
+            <a:avLst/>
+            <a:gdLst/>
+            <a:ahLst/>
+            <a:cxnLst/>
+            <a:rect l="l" t="t" r="r" b="b"/>
+            <a:pathLst>
+              <a:path w="575944" h="76200">
+                <a:moveTo>
+                  <a:pt x="0" y="75818"/>
+                </a:moveTo>
+                <a:lnTo>
+                  <a:pt x="575691" y="75818"/>
                 </a:lnTo>
                 <a:lnTo>
                   <a:pt x="575691" y="0"/>
@@ -4147,7 +4147,7 @@
                   <a:pt x="0" y="0"/>
                 </a:lnTo>
                 <a:lnTo>
-                  <a:pt x="0" y="112268"/>
+                  <a:pt x="0" y="75818"/>
                 </a:lnTo>
               </a:path>
             </a:pathLst>
@@ -4172,7 +4172,7 @@
         </p:nvSpPr>
         <p:spPr>
           <a:xfrm>
-            <a:off x="1604391" y="2736976"/>
+            <a:off x="1604391" y="2841625"/>
             <a:ext cx="575945" cy="0"/>
           </a:xfrm>
           <a:custGeom>
@@ -4212,19 +4212,19 @@
         </p:nvSpPr>
         <p:spPr>
           <a:xfrm>
-            <a:off x="1892300" y="2811398"/>
-            <a:ext cx="0" cy="222885"/>
-          </a:xfrm>
-          <a:custGeom>
-            <a:avLst/>
-            <a:gdLst/>
-            <a:ahLst/>
-            <a:cxnLst/>
-            <a:rect l="l" t="t" r="r" b="b"/>
-            <a:pathLst>
-              <a:path w="0" h="222885">
-                <a:moveTo>
-                  <a:pt x="0" y="222757"/>
+            <a:off x="1892300" y="2891917"/>
+            <a:ext cx="0" cy="151130"/>
+          </a:xfrm>
+          <a:custGeom>
+            <a:avLst/>
+            <a:gdLst/>
+            <a:ahLst/>
+            <a:cxnLst/>
+            <a:rect l="l" t="t" r="r" b="b"/>
+            <a:pathLst>
+              <a:path w="0" h="151130">
+                <a:moveTo>
+                  <a:pt x="0" y="150622"/>
                 </a:moveTo>
                 <a:lnTo>
                   <a:pt x="0" y="0"/>
@@ -4253,22 +4253,22 @@
         </p:nvSpPr>
         <p:spPr>
           <a:xfrm>
-            <a:off x="1892300" y="2460117"/>
-            <a:ext cx="0" cy="198120"/>
-          </a:xfrm>
-          <a:custGeom>
-            <a:avLst/>
-            <a:gdLst/>
-            <a:ahLst/>
-            <a:cxnLst/>
-            <a:rect l="l" t="t" r="r" b="b"/>
-            <a:pathLst>
-              <a:path w="0" h="198119">
-                <a:moveTo>
-                  <a:pt x="0" y="0"/>
-                </a:moveTo>
-                <a:lnTo>
-                  <a:pt x="0" y="197738"/>
+            <a:off x="1892300" y="2654300"/>
+            <a:ext cx="0" cy="133985"/>
+          </a:xfrm>
+          <a:custGeom>
+            <a:avLst/>
+            <a:gdLst/>
+            <a:ahLst/>
+            <a:cxnLst/>
+            <a:rect l="l" t="t" r="r" b="b"/>
+            <a:pathLst>
+              <a:path w="0" h="133985">
+                <a:moveTo>
+                  <a:pt x="0" y="0"/>
+                </a:moveTo>
+                <a:lnTo>
+                  <a:pt x="0" y="133731"/>
                 </a:lnTo>
               </a:path>
             </a:pathLst>
@@ -4294,7 +4294,7 @@
         </p:nvSpPr>
         <p:spPr>
           <a:xfrm>
-            <a:off x="1748408" y="3034157"/>
+            <a:off x="1748408" y="3042539"/>
             <a:ext cx="288290" cy="0"/>
           </a:xfrm>
           <a:custGeom>
@@ -4334,7 +4334,7 @@
         </p:nvSpPr>
         <p:spPr>
           <a:xfrm>
-            <a:off x="1748408" y="2460117"/>
+            <a:off x="1748408" y="2654300"/>
             <a:ext cx="288290" cy="0"/>
           </a:xfrm>
           <a:custGeom>
@@ -4374,22 +4374,22 @@
         </p:nvSpPr>
         <p:spPr>
           <a:xfrm>
-            <a:off x="1604391" y="2657855"/>
-            <a:ext cx="575945" cy="153670"/>
-          </a:xfrm>
-          <a:custGeom>
-            <a:avLst/>
-            <a:gdLst/>
-            <a:ahLst/>
-            <a:cxnLst/>
-            <a:rect l="l" t="t" r="r" b="b"/>
-            <a:pathLst>
-              <a:path w="575944" h="153669">
-                <a:moveTo>
-                  <a:pt x="0" y="153543"/>
-                </a:moveTo>
-                <a:lnTo>
-                  <a:pt x="575817" y="153543"/>
+            <a:off x="1604391" y="2788030"/>
+            <a:ext cx="575945" cy="104139"/>
+          </a:xfrm>
+          <a:custGeom>
+            <a:avLst/>
+            <a:gdLst/>
+            <a:ahLst/>
+            <a:cxnLst/>
+            <a:rect l="l" t="t" r="r" b="b"/>
+            <a:pathLst>
+              <a:path w="575944" h="104139">
+                <a:moveTo>
+                  <a:pt x="0" y="103885"/>
+                </a:moveTo>
+                <a:lnTo>
+                  <a:pt x="575817" y="103885"/>
                 </a:lnTo>
                 <a:lnTo>
                   <a:pt x="575817" y="0"/>
@@ -4398,12 +4398,12 @@
                   <a:pt x="0" y="0"/>
                 </a:lnTo>
                 <a:lnTo>
-                  <a:pt x="0" y="153543"/>
-                </a:lnTo>
-              </a:path>
-            </a:pathLst>
-          </a:custGeom>
-          <a:ln w="9524">
+                  <a:pt x="0" y="103885"/>
+                </a:lnTo>
+              </a:path>
+            </a:pathLst>
+          </a:custGeom>
+          <a:ln w="9525">
             <a:solidFill>
               <a:srgbClr val="000000"/>
             </a:solidFill>
@@ -4423,7 +4423,7 @@
         </p:nvSpPr>
         <p:spPr>
           <a:xfrm>
-            <a:off x="1854580" y="3013329"/>
+            <a:off x="1854580" y="3010916"/>
             <a:ext cx="88900" cy="101600"/>
           </a:xfrm>
           <a:prstGeom prst="rect">
@@ -4466,7 +4466,7 @@
         </p:nvSpPr>
         <p:spPr>
           <a:xfrm>
-            <a:off x="2324100" y="2814701"/>
+            <a:off x="2324100" y="2894202"/>
             <a:ext cx="575945" cy="0"/>
           </a:xfrm>
           <a:custGeom>
@@ -4506,27 +4506,27 @@
         </p:nvSpPr>
         <p:spPr>
           <a:xfrm>
-            <a:off x="2612008" y="2838830"/>
-            <a:ext cx="0" cy="19685"/>
-          </a:xfrm>
-          <a:custGeom>
-            <a:avLst/>
-            <a:gdLst/>
-            <a:ahLst/>
-            <a:cxnLst/>
-            <a:rect l="l" t="t" r="r" b="b"/>
-            <a:pathLst>
-              <a:path w="0" h="19685">
-                <a:moveTo>
-                  <a:pt x="0" y="19431"/>
-                </a:moveTo>
-                <a:lnTo>
-                  <a:pt x="0" y="0"/>
-                </a:lnTo>
-              </a:path>
-            </a:pathLst>
-          </a:custGeom>
-          <a:ln w="9525">
+            <a:off x="2612008" y="2910458"/>
+            <a:ext cx="0" cy="13335"/>
+          </a:xfrm>
+          <a:custGeom>
+            <a:avLst/>
+            <a:gdLst/>
+            <a:ahLst/>
+            <a:cxnLst/>
+            <a:rect l="l" t="t" r="r" b="b"/>
+            <a:pathLst>
+              <a:path w="0" h="13335">
+                <a:moveTo>
+                  <a:pt x="-4762" y="6603"/>
+                </a:moveTo>
+                <a:lnTo>
+                  <a:pt x="4762" y="6603"/>
+                </a:lnTo>
+              </a:path>
+            </a:pathLst>
+          </a:custGeom>
+          <a:ln w="13207">
             <a:solidFill>
               <a:srgbClr val="000000"/>
             </a:solidFill>
@@ -4547,22 +4547,22 @@
         </p:nvSpPr>
         <p:spPr>
           <a:xfrm>
-            <a:off x="2612008" y="2723388"/>
-            <a:ext cx="0" cy="59055"/>
-          </a:xfrm>
-          <a:custGeom>
-            <a:avLst/>
-            <a:gdLst/>
-            <a:ahLst/>
-            <a:cxnLst/>
-            <a:rect l="l" t="t" r="r" b="b"/>
-            <a:pathLst>
-              <a:path w="0" h="59055">
-                <a:moveTo>
-                  <a:pt x="0" y="0"/>
-                </a:moveTo>
-                <a:lnTo>
-                  <a:pt x="0" y="58928"/>
+            <a:off x="2612008" y="2832354"/>
+            <a:ext cx="0" cy="40005"/>
+          </a:xfrm>
+          <a:custGeom>
+            <a:avLst/>
+            <a:gdLst/>
+            <a:ahLst/>
+            <a:cxnLst/>
+            <a:rect l="l" t="t" r="r" b="b"/>
+            <a:pathLst>
+              <a:path w="0" h="40005">
+                <a:moveTo>
+                  <a:pt x="0" y="0"/>
+                </a:moveTo>
+                <a:lnTo>
+                  <a:pt x="0" y="39878"/>
                 </a:lnTo>
               </a:path>
             </a:pathLst>
@@ -4588,7 +4588,7 @@
         </p:nvSpPr>
         <p:spPr>
           <a:xfrm>
-            <a:off x="2467991" y="2858261"/>
+            <a:off x="2467991" y="2923667"/>
             <a:ext cx="288290" cy="0"/>
           </a:xfrm>
           <a:custGeom>
@@ -4628,7 +4628,7 @@
         </p:nvSpPr>
         <p:spPr>
           <a:xfrm>
-            <a:off x="2467991" y="2723388"/>
+            <a:off x="2467991" y="2832354"/>
             <a:ext cx="288290" cy="0"/>
           </a:xfrm>
           <a:custGeom>
@@ -4668,22 +4668,22 @@
         </p:nvSpPr>
         <p:spPr>
           <a:xfrm>
-            <a:off x="2324100" y="2782316"/>
-            <a:ext cx="575945" cy="56515"/>
-          </a:xfrm>
-          <a:custGeom>
-            <a:avLst/>
-            <a:gdLst/>
-            <a:ahLst/>
-            <a:cxnLst/>
-            <a:rect l="l" t="t" r="r" b="b"/>
-            <a:pathLst>
-              <a:path w="575944" h="56514">
-                <a:moveTo>
-                  <a:pt x="0" y="56515"/>
-                </a:moveTo>
-                <a:lnTo>
-                  <a:pt x="575691" y="56515"/>
+            <a:off x="2324100" y="2872232"/>
+            <a:ext cx="575945" cy="38735"/>
+          </a:xfrm>
+          <a:custGeom>
+            <a:avLst/>
+            <a:gdLst/>
+            <a:ahLst/>
+            <a:cxnLst/>
+            <a:rect l="l" t="t" r="r" b="b"/>
+            <a:pathLst>
+              <a:path w="575944" h="38735">
+                <a:moveTo>
+                  <a:pt x="0" y="38227"/>
+                </a:moveTo>
+                <a:lnTo>
+                  <a:pt x="575691" y="38227"/>
                 </a:lnTo>
                 <a:lnTo>
                   <a:pt x="575691" y="0"/>
@@ -4692,7 +4692,7 @@
                   <a:pt x="0" y="0"/>
                 </a:lnTo>
                 <a:lnTo>
-                  <a:pt x="0" y="56515"/>
+                  <a:pt x="0" y="38227"/>
                 </a:lnTo>
               </a:path>
             </a:pathLst>
@@ -4717,7 +4717,7 @@
         </p:nvSpPr>
         <p:spPr>
           <a:xfrm>
-            <a:off x="3043808" y="3119247"/>
+            <a:off x="3043808" y="3100070"/>
             <a:ext cx="575945" cy="0"/>
           </a:xfrm>
           <a:custGeom>
@@ -4757,19 +4757,19 @@
         </p:nvSpPr>
         <p:spPr>
           <a:xfrm>
-            <a:off x="3331590" y="3212210"/>
-            <a:ext cx="0" cy="170815"/>
-          </a:xfrm>
-          <a:custGeom>
-            <a:avLst/>
-            <a:gdLst/>
-            <a:ahLst/>
-            <a:cxnLst/>
-            <a:rect l="l" t="t" r="r" b="b"/>
-            <a:pathLst>
-              <a:path w="0" h="170814">
-                <a:moveTo>
-                  <a:pt x="0" y="170687"/>
+            <a:off x="3331590" y="3163061"/>
+            <a:ext cx="0" cy="115570"/>
+          </a:xfrm>
+          <a:custGeom>
+            <a:avLst/>
+            <a:gdLst/>
+            <a:ahLst/>
+            <a:cxnLst/>
+            <a:rect l="l" t="t" r="r" b="b"/>
+            <a:pathLst>
+              <a:path w="0" h="115570">
+                <a:moveTo>
+                  <a:pt x="0" y="115443"/>
                 </a:moveTo>
                 <a:lnTo>
                   <a:pt x="0" y="0"/>
@@ -4798,22 +4798,22 @@
         </p:nvSpPr>
         <p:spPr>
           <a:xfrm>
-            <a:off x="3331590" y="2696972"/>
-            <a:ext cx="0" cy="242570"/>
-          </a:xfrm>
-          <a:custGeom>
-            <a:avLst/>
-            <a:gdLst/>
-            <a:ahLst/>
-            <a:cxnLst/>
-            <a:rect l="l" t="t" r="r" b="b"/>
-            <a:pathLst>
-              <a:path w="0" h="242569">
-                <a:moveTo>
-                  <a:pt x="0" y="0"/>
-                </a:moveTo>
-                <a:lnTo>
-                  <a:pt x="0" y="242442"/>
+            <a:off x="3331590" y="2814573"/>
+            <a:ext cx="0" cy="164465"/>
+          </a:xfrm>
+          <a:custGeom>
+            <a:avLst/>
+            <a:gdLst/>
+            <a:ahLst/>
+            <a:cxnLst/>
+            <a:rect l="l" t="t" r="r" b="b"/>
+            <a:pathLst>
+              <a:path w="0" h="164464">
+                <a:moveTo>
+                  <a:pt x="0" y="0"/>
+                </a:moveTo>
+                <a:lnTo>
+                  <a:pt x="0" y="163956"/>
                 </a:lnTo>
               </a:path>
             </a:pathLst>
@@ -4839,7 +4839,7 @@
         </p:nvSpPr>
         <p:spPr>
           <a:xfrm>
-            <a:off x="3187700" y="3382898"/>
+            <a:off x="3187700" y="3278504"/>
             <a:ext cx="288290" cy="0"/>
           </a:xfrm>
           <a:custGeom>
@@ -4879,7 +4879,7 @@
         </p:nvSpPr>
         <p:spPr>
           <a:xfrm>
-            <a:off x="3187700" y="2696972"/>
+            <a:off x="3187700" y="2814573"/>
             <a:ext cx="288290" cy="0"/>
           </a:xfrm>
           <a:custGeom>
@@ -4919,22 +4919,22 @@
         </p:nvSpPr>
         <p:spPr>
           <a:xfrm>
-            <a:off x="3043808" y="2939414"/>
-            <a:ext cx="575945" cy="273050"/>
-          </a:xfrm>
-          <a:custGeom>
-            <a:avLst/>
-            <a:gdLst/>
-            <a:ahLst/>
-            <a:cxnLst/>
-            <a:rect l="l" t="t" r="r" b="b"/>
-            <a:pathLst>
-              <a:path w="575945" h="273050">
-                <a:moveTo>
-                  <a:pt x="0" y="272796"/>
-                </a:moveTo>
-                <a:lnTo>
-                  <a:pt x="575691" y="272796"/>
+            <a:off x="3043808" y="2978530"/>
+            <a:ext cx="575945" cy="184785"/>
+          </a:xfrm>
+          <a:custGeom>
+            <a:avLst/>
+            <a:gdLst/>
+            <a:ahLst/>
+            <a:cxnLst/>
+            <a:rect l="l" t="t" r="r" b="b"/>
+            <a:pathLst>
+              <a:path w="575945" h="184785">
+                <a:moveTo>
+                  <a:pt x="0" y="184531"/>
+                </a:moveTo>
+                <a:lnTo>
+                  <a:pt x="575691" y="184531"/>
                 </a:lnTo>
                 <a:lnTo>
                   <a:pt x="575691" y="0"/>
@@ -4943,7 +4943,7 @@
                   <a:pt x="0" y="0"/>
                 </a:lnTo>
                 <a:lnTo>
-                  <a:pt x="0" y="272796"/>
+                  <a:pt x="0" y="184531"/>
                 </a:lnTo>
               </a:path>
             </a:pathLst>
@@ -4968,7 +4968,7 @@
         </p:nvSpPr>
         <p:spPr>
           <a:xfrm>
-            <a:off x="3763390" y="2967989"/>
+            <a:off x="3763390" y="2997835"/>
             <a:ext cx="575945" cy="0"/>
           </a:xfrm>
           <a:custGeom>
@@ -5008,22 +5008,22 @@
         </p:nvSpPr>
         <p:spPr>
           <a:xfrm>
-            <a:off x="4051300" y="2976879"/>
-            <a:ext cx="0" cy="3175"/>
-          </a:xfrm>
-          <a:custGeom>
-            <a:avLst/>
-            <a:gdLst/>
-            <a:ahLst/>
-            <a:cxnLst/>
-            <a:rect l="l" t="t" r="r" b="b"/>
-            <a:pathLst>
-              <a:path w="0" h="3175">
-                <a:moveTo>
-                  <a:pt x="-4762" y="1460"/>
-                </a:moveTo>
-                <a:lnTo>
-                  <a:pt x="4762" y="1460"/>
+            <a:off x="4051300" y="3003804"/>
+            <a:ext cx="0" cy="2540"/>
+          </a:xfrm>
+          <a:custGeom>
+            <a:avLst/>
+            <a:gdLst/>
+            <a:ahLst/>
+            <a:cxnLst/>
+            <a:rect l="l" t="t" r="r" b="b"/>
+            <a:pathLst>
+              <a:path w="0" h="2539">
+                <a:moveTo>
+                  <a:pt x="-4762" y="1016"/>
+                </a:moveTo>
+                <a:lnTo>
+                  <a:pt x="4762" y="1016"/>
                 </a:lnTo>
               </a:path>
             </a:pathLst>
@@ -5049,22 +5049,22 @@
         </p:nvSpPr>
         <p:spPr>
           <a:xfrm>
-            <a:off x="4051300" y="2890901"/>
-            <a:ext cx="0" cy="34925"/>
-          </a:xfrm>
-          <a:custGeom>
-            <a:avLst/>
-            <a:gdLst/>
-            <a:ahLst/>
-            <a:cxnLst/>
-            <a:rect l="l" t="t" r="r" b="b"/>
-            <a:pathLst>
-              <a:path w="0" h="34925">
-                <a:moveTo>
-                  <a:pt x="0" y="0"/>
-                </a:moveTo>
-                <a:lnTo>
-                  <a:pt x="0" y="34925"/>
+            <a:off x="4051300" y="2945764"/>
+            <a:ext cx="0" cy="23495"/>
+          </a:xfrm>
+          <a:custGeom>
+            <a:avLst/>
+            <a:gdLst/>
+            <a:ahLst/>
+            <a:cxnLst/>
+            <a:rect l="l" t="t" r="r" b="b"/>
+            <a:pathLst>
+              <a:path w="0" h="23494">
+                <a:moveTo>
+                  <a:pt x="0" y="0"/>
+                </a:moveTo>
+                <a:lnTo>
+                  <a:pt x="0" y="23495"/>
                 </a:lnTo>
               </a:path>
             </a:pathLst>
@@ -5090,7 +5090,7 @@
         </p:nvSpPr>
         <p:spPr>
           <a:xfrm>
-            <a:off x="3907409" y="2979801"/>
+            <a:off x="3907409" y="3005835"/>
             <a:ext cx="288290" cy="0"/>
           </a:xfrm>
           <a:custGeom>
@@ -5130,7 +5130,7 @@
         </p:nvSpPr>
         <p:spPr>
           <a:xfrm>
-            <a:off x="3907409" y="2890901"/>
+            <a:off x="3907409" y="2945764"/>
             <a:ext cx="288290" cy="0"/>
           </a:xfrm>
           <a:custGeom>
@@ -5170,22 +5170,22 @@
         </p:nvSpPr>
         <p:spPr>
           <a:xfrm>
-            <a:off x="3763390" y="2925826"/>
-            <a:ext cx="575945" cy="51435"/>
-          </a:xfrm>
-          <a:custGeom>
-            <a:avLst/>
-            <a:gdLst/>
-            <a:ahLst/>
-            <a:cxnLst/>
-            <a:rect l="l" t="t" r="r" b="b"/>
-            <a:pathLst>
-              <a:path w="575945" h="51435">
-                <a:moveTo>
-                  <a:pt x="0" y="51054"/>
-                </a:moveTo>
-                <a:lnTo>
-                  <a:pt x="575818" y="51054"/>
+            <a:off x="3763390" y="2969260"/>
+            <a:ext cx="575945" cy="34925"/>
+          </a:xfrm>
+          <a:custGeom>
+            <a:avLst/>
+            <a:gdLst/>
+            <a:ahLst/>
+            <a:cxnLst/>
+            <a:rect l="l" t="t" r="r" b="b"/>
+            <a:pathLst>
+              <a:path w="575945" h="34925">
+                <a:moveTo>
+                  <a:pt x="0" y="34543"/>
+                </a:moveTo>
+                <a:lnTo>
+                  <a:pt x="575818" y="34543"/>
                 </a:lnTo>
                 <a:lnTo>
                   <a:pt x="575818" y="0"/>
@@ -5194,12 +5194,12 @@
                   <a:pt x="0" y="0"/>
                 </a:lnTo>
                 <a:lnTo>
-                  <a:pt x="0" y="51054"/>
-                </a:lnTo>
-              </a:path>
-            </a:pathLst>
-          </a:custGeom>
-          <a:ln w="9524">
+                  <a:pt x="0" y="34543"/>
+                </a:lnTo>
+              </a:path>
+            </a:pathLst>
+          </a:custGeom>
+          <a:ln w="9525">
             <a:solidFill>
               <a:srgbClr val="000000"/>
             </a:solidFill>
@@ -5219,7 +5219,7 @@
         </p:nvSpPr>
         <p:spPr>
           <a:xfrm>
-            <a:off x="4013580" y="3009391"/>
+            <a:off x="4013580" y="3008376"/>
             <a:ext cx="88900" cy="101600"/>
           </a:xfrm>
           <a:prstGeom prst="rect">
@@ -5262,7 +5262,7 @@
         </p:nvSpPr>
         <p:spPr>
           <a:xfrm>
-            <a:off x="4483100" y="2868167"/>
+            <a:off x="4483100" y="2930398"/>
             <a:ext cx="575945" cy="0"/>
           </a:xfrm>
           <a:custGeom>
@@ -5302,19 +5302,19 @@
         </p:nvSpPr>
         <p:spPr>
           <a:xfrm>
-            <a:off x="4771009" y="2944748"/>
-            <a:ext cx="0" cy="173990"/>
-          </a:xfrm>
-          <a:custGeom>
-            <a:avLst/>
-            <a:gdLst/>
-            <a:ahLst/>
-            <a:cxnLst/>
-            <a:rect l="l" t="t" r="r" b="b"/>
-            <a:pathLst>
-              <a:path w="0" h="173989">
-                <a:moveTo>
-                  <a:pt x="0" y="173481"/>
+            <a:off x="4771009" y="2982086"/>
+            <a:ext cx="0" cy="117475"/>
+          </a:xfrm>
+          <a:custGeom>
+            <a:avLst/>
+            <a:gdLst/>
+            <a:ahLst/>
+            <a:cxnLst/>
+            <a:rect l="l" t="t" r="r" b="b"/>
+            <a:pathLst>
+              <a:path w="0" h="117475">
+                <a:moveTo>
+                  <a:pt x="0" y="117347"/>
                 </a:moveTo>
                 <a:lnTo>
                   <a:pt x="0" y="0"/>
@@ -5343,22 +5343,22 @@
         </p:nvSpPr>
         <p:spPr>
           <a:xfrm>
-            <a:off x="4771009" y="2496820"/>
-            <a:ext cx="0" cy="161925"/>
-          </a:xfrm>
-          <a:custGeom>
-            <a:avLst/>
-            <a:gdLst/>
-            <a:ahLst/>
-            <a:cxnLst/>
-            <a:rect l="l" t="t" r="r" b="b"/>
-            <a:pathLst>
-              <a:path w="0" h="161925">
-                <a:moveTo>
-                  <a:pt x="0" y="0"/>
-                </a:moveTo>
-                <a:lnTo>
-                  <a:pt x="0" y="161417"/>
+            <a:off x="4771009" y="2679192"/>
+            <a:ext cx="0" cy="109220"/>
+          </a:xfrm>
+          <a:custGeom>
+            <a:avLst/>
+            <a:gdLst/>
+            <a:ahLst/>
+            <a:cxnLst/>
+            <a:rect l="l" t="t" r="r" b="b"/>
+            <a:pathLst>
+              <a:path w="0" h="109219">
+                <a:moveTo>
+                  <a:pt x="0" y="0"/>
+                </a:moveTo>
+                <a:lnTo>
+                  <a:pt x="0" y="109093"/>
                 </a:lnTo>
               </a:path>
             </a:pathLst>
@@ -5384,7 +5384,7 @@
         </p:nvSpPr>
         <p:spPr>
           <a:xfrm>
-            <a:off x="4626990" y="3118230"/>
+            <a:off x="4626990" y="3099435"/>
             <a:ext cx="288290" cy="0"/>
           </a:xfrm>
           <a:custGeom>
@@ -5424,7 +5424,7 @@
         </p:nvSpPr>
         <p:spPr>
           <a:xfrm>
-            <a:off x="4626990" y="2496820"/>
+            <a:off x="4626990" y="2679192"/>
             <a:ext cx="288290" cy="0"/>
           </a:xfrm>
           <a:custGeom>
@@ -5464,22 +5464,22 @@
         </p:nvSpPr>
         <p:spPr>
           <a:xfrm>
-            <a:off x="4483100" y="2658236"/>
-            <a:ext cx="575945" cy="287020"/>
-          </a:xfrm>
-          <a:custGeom>
-            <a:avLst/>
-            <a:gdLst/>
-            <a:ahLst/>
-            <a:cxnLst/>
-            <a:rect l="l" t="t" r="r" b="b"/>
-            <a:pathLst>
-              <a:path w="575945" h="287019">
-                <a:moveTo>
-                  <a:pt x="0" y="286512"/>
-                </a:moveTo>
-                <a:lnTo>
-                  <a:pt x="575690" y="286512"/>
+            <a:off x="4483100" y="2788285"/>
+            <a:ext cx="575945" cy="194310"/>
+          </a:xfrm>
+          <a:custGeom>
+            <a:avLst/>
+            <a:gdLst/>
+            <a:ahLst/>
+            <a:cxnLst/>
+            <a:rect l="l" t="t" r="r" b="b"/>
+            <a:pathLst>
+              <a:path w="575945" h="194310">
+                <a:moveTo>
+                  <a:pt x="0" y="193801"/>
+                </a:moveTo>
+                <a:lnTo>
+                  <a:pt x="575690" y="193801"/>
                 </a:lnTo>
                 <a:lnTo>
                   <a:pt x="575690" y="0"/>
@@ -5488,12 +5488,12 @@
                   <a:pt x="0" y="0"/>
                 </a:lnTo>
                 <a:lnTo>
-                  <a:pt x="0" y="286512"/>
-                </a:lnTo>
-              </a:path>
-            </a:pathLst>
-          </a:custGeom>
-          <a:ln w="9524">
+                  <a:pt x="0" y="193801"/>
+                </a:lnTo>
+              </a:path>
+            </a:pathLst>
+          </a:custGeom>
+          <a:ln w="9525">
             <a:solidFill>
               <a:srgbClr val="000000"/>
             </a:solidFill>
@@ -5513,19 +5513,19 @@
         </p:nvSpPr>
         <p:spPr>
           <a:xfrm>
-            <a:off x="640080" y="2432811"/>
-            <a:ext cx="0" cy="909955"/>
-          </a:xfrm>
-          <a:custGeom>
-            <a:avLst/>
-            <a:gdLst/>
-            <a:ahLst/>
-            <a:cxnLst/>
-            <a:rect l="l" t="t" r="r" b="b"/>
-            <a:pathLst>
-              <a:path w="0" h="909954">
-                <a:moveTo>
-                  <a:pt x="0" y="909701"/>
+            <a:off x="640080" y="2460117"/>
+            <a:ext cx="0" cy="878840"/>
+          </a:xfrm>
+          <a:custGeom>
+            <a:avLst/>
+            <a:gdLst/>
+            <a:ahLst/>
+            <a:cxnLst/>
+            <a:rect l="l" t="t" r="r" b="b"/>
+            <a:pathLst>
+              <a:path w="0" h="878839">
+                <a:moveTo>
+                  <a:pt x="0" y="878839"/>
                 </a:moveTo>
                 <a:lnTo>
                   <a:pt x="0" y="0"/>
@@ -5553,7 +5553,7 @@
         </p:nvSpPr>
         <p:spPr>
           <a:xfrm>
-            <a:off x="548640" y="3342513"/>
+            <a:off x="548640" y="3338957"/>
             <a:ext cx="91440" cy="0"/>
           </a:xfrm>
           <a:custGeom>
@@ -5593,7 +5593,7 @@
         </p:nvSpPr>
         <p:spPr>
           <a:xfrm>
-            <a:off x="548640" y="3212464"/>
+            <a:off x="548640" y="3119247"/>
             <a:ext cx="91440" cy="0"/>
           </a:xfrm>
           <a:custGeom>
@@ -5633,7 +5633,7 @@
         </p:nvSpPr>
         <p:spPr>
           <a:xfrm>
-            <a:off x="548640" y="3082544"/>
+            <a:off x="548640" y="2899536"/>
             <a:ext cx="91440" cy="0"/>
           </a:xfrm>
           <a:custGeom>
@@ -5673,7 +5673,7 @@
         </p:nvSpPr>
         <p:spPr>
           <a:xfrm>
-            <a:off x="548640" y="2952623"/>
+            <a:off x="548640" y="2679826"/>
             <a:ext cx="91440" cy="0"/>
           </a:xfrm>
           <a:custGeom>
@@ -5713,7 +5713,7 @@
         </p:nvSpPr>
         <p:spPr>
           <a:xfrm>
-            <a:off x="548640" y="2822701"/>
+            <a:off x="548640" y="2460117"/>
             <a:ext cx="91440" cy="0"/>
           </a:xfrm>
           <a:custGeom>
@@ -5748,126 +5748,86 @@
       <p:sp>
         <p:nvSpPr>
           <p:cNvPr id="97" name="object 97"/>
-          <p:cNvSpPr/>
-          <p:nvPr/>
-        </p:nvSpPr>
-        <p:spPr>
-          <a:xfrm>
-            <a:off x="548640" y="2692654"/>
-            <a:ext cx="91440" cy="0"/>
-          </a:xfrm>
-          <a:custGeom>
-            <a:avLst/>
-            <a:gdLst/>
-            <a:ahLst/>
-            <a:cxnLst/>
-            <a:rect l="l" t="t" r="r" b="b"/>
-            <a:pathLst>
-              <a:path w="91440" h="0">
-                <a:moveTo>
-                  <a:pt x="91439" y="0"/>
-                </a:moveTo>
-                <a:lnTo>
-                  <a:pt x="0" y="0"/>
-                </a:lnTo>
-              </a:path>
-            </a:pathLst>
-          </a:custGeom>
-          <a:ln w="9525">
-            <a:solidFill>
-              <a:srgbClr val="000000"/>
-            </a:solidFill>
-          </a:ln>
-        </p:spPr>
-        <p:txBody>
-          <a:bodyPr wrap="square" lIns="0" tIns="0" rIns="0" bIns="0" rtlCol="0"/>
-          <a:lstStyle/>
-          <a:p/>
+          <p:cNvSpPr txBox="1"/>
+          <p:nvPr/>
+        </p:nvSpPr>
+        <p:spPr>
+          <a:xfrm>
+            <a:off x="272118" y="3192907"/>
+            <a:ext cx="194310" cy="292100"/>
+          </a:xfrm>
+          <a:prstGeom prst="rect">
+            <a:avLst/>
+          </a:prstGeom>
+        </p:spPr>
+        <p:txBody>
+          <a:bodyPr wrap="square" lIns="0" tIns="0" rIns="0" bIns="0" rtlCol="0" vert="vert270">
+            <a:spAutoFit/>
+          </a:bodyPr>
+          <a:lstStyle/>
+          <a:p>
+            <a:pPr marL="12700">
+              <a:lnSpc>
+                <a:spcPts val="1410"/>
+              </a:lnSpc>
+            </a:pPr>
+            <a:r>
+              <a:rPr dirty="0" sz="1200">
+                <a:latin typeface="Times New Roman"/>
+                <a:cs typeface="Times New Roman"/>
+              </a:rPr>
+              <a:t>0.10</a:t>
+            </a:r>
+            <a:endParaRPr sz="1200">
+              <a:latin typeface="Times New Roman"/>
+              <a:cs typeface="Times New Roman"/>
+            </a:endParaRPr>
+          </a:p>
         </p:txBody>
       </p:sp>
       <p:sp>
         <p:nvSpPr>
           <p:cNvPr id="98" name="object 98"/>
-          <p:cNvSpPr/>
-          <p:nvPr/>
-        </p:nvSpPr>
-        <p:spPr>
-          <a:xfrm>
-            <a:off x="548640" y="2562732"/>
-            <a:ext cx="91440" cy="0"/>
-          </a:xfrm>
-          <a:custGeom>
-            <a:avLst/>
-            <a:gdLst/>
-            <a:ahLst/>
-            <a:cxnLst/>
-            <a:rect l="l" t="t" r="r" b="b"/>
-            <a:pathLst>
-              <a:path w="91440" h="0">
-                <a:moveTo>
-                  <a:pt x="91439" y="0"/>
-                </a:moveTo>
-                <a:lnTo>
-                  <a:pt x="0" y="0"/>
-                </a:lnTo>
-              </a:path>
-            </a:pathLst>
-          </a:custGeom>
-          <a:ln w="9525">
-            <a:solidFill>
-              <a:srgbClr val="000000"/>
-            </a:solidFill>
-          </a:ln>
-        </p:spPr>
-        <p:txBody>
-          <a:bodyPr wrap="square" lIns="0" tIns="0" rIns="0" bIns="0" rtlCol="0"/>
-          <a:lstStyle/>
-          <a:p/>
+          <p:cNvSpPr txBox="1"/>
+          <p:nvPr/>
+        </p:nvSpPr>
+        <p:spPr>
+          <a:xfrm>
+            <a:off x="272118" y="2314066"/>
+            <a:ext cx="194310" cy="292100"/>
+          </a:xfrm>
+          <a:prstGeom prst="rect">
+            <a:avLst/>
+          </a:prstGeom>
+        </p:spPr>
+        <p:txBody>
+          <a:bodyPr wrap="square" lIns="0" tIns="0" rIns="0" bIns="0" rtlCol="0" vert="vert270">
+            <a:spAutoFit/>
+          </a:bodyPr>
+          <a:lstStyle/>
+          <a:p>
+            <a:pPr marL="12700">
+              <a:lnSpc>
+                <a:spcPts val="1410"/>
+              </a:lnSpc>
+            </a:pPr>
+            <a:r>
+              <a:rPr dirty="0" sz="1200">
+                <a:latin typeface="Times New Roman"/>
+                <a:cs typeface="Times New Roman"/>
+              </a:rPr>
+              <a:t>0.30</a:t>
+            </a:r>
+            <a:endParaRPr sz="1200">
+              <a:latin typeface="Times New Roman"/>
+              <a:cs typeface="Times New Roman"/>
+            </a:endParaRPr>
+          </a:p>
         </p:txBody>
       </p:sp>
       <p:sp>
         <p:nvSpPr>
           <p:cNvPr id="99" name="object 99"/>
-          <p:cNvSpPr/>
-          <p:nvPr/>
-        </p:nvSpPr>
-        <p:spPr>
-          <a:xfrm>
-            <a:off x="548640" y="2432811"/>
-            <a:ext cx="91440" cy="0"/>
-          </a:xfrm>
-          <a:custGeom>
-            <a:avLst/>
-            <a:gdLst/>
-            <a:ahLst/>
-            <a:cxnLst/>
-            <a:rect l="l" t="t" r="r" b="b"/>
-            <a:pathLst>
-              <a:path w="91440" h="0">
-                <a:moveTo>
-                  <a:pt x="91439" y="0"/>
-                </a:moveTo>
-                <a:lnTo>
-                  <a:pt x="0" y="0"/>
-                </a:lnTo>
-              </a:path>
-            </a:pathLst>
-          </a:custGeom>
-          <a:ln w="9525">
-            <a:solidFill>
-              <a:srgbClr val="000000"/>
-            </a:solidFill>
-          </a:ln>
-        </p:spPr>
-        <p:txBody>
-          <a:bodyPr wrap="square" lIns="0" tIns="0" rIns="0" bIns="0" rtlCol="0"/>
-          <a:lstStyle/>
-          <a:p/>
-        </p:txBody>
-      </p:sp>
-      <p:sp>
-        <p:nvSpPr>
-          <p:cNvPr id="100" name="object 100"/>
           <p:cNvSpPr/>
           <p:nvPr/>
         </p:nvSpPr>
@@ -5916,7 +5876,7 @@
       </p:sp>
       <p:sp>
         <p:nvSpPr>
-          <p:cNvPr id="101" name="object 101"/>
+          <p:cNvPr id="100" name="object 100"/>
           <p:cNvSpPr txBox="1"/>
           <p:nvPr/>
         </p:nvSpPr>
@@ -5973,14 +5933,14 @@
       </p:sp>
       <p:sp>
         <p:nvSpPr>
-          <p:cNvPr id="102" name="object 102"/>
+          <p:cNvPr id="101" name="object 101"/>
           <p:cNvSpPr txBox="1"/>
           <p:nvPr/>
         </p:nvSpPr>
         <p:spPr>
           <a:xfrm>
-            <a:off x="43518" y="2416682"/>
-            <a:ext cx="422909" cy="1071880"/>
+            <a:off x="43518" y="2701318"/>
+            <a:ext cx="422909" cy="440690"/>
           </a:xfrm>
           <a:prstGeom prst="rect">
             <a:avLst/>
@@ -5992,7 +5952,7 @@
           </a:bodyPr>
           <a:lstStyle/>
           <a:p>
-            <a:pPr algn="ctr" marL="61594">
+            <a:pPr algn="ctr">
               <a:lnSpc>
                 <a:spcPts val="1410"/>
               </a:lnSpc>
@@ -6010,7 +5970,7 @@
             </a:endParaRPr>
           </a:p>
           <a:p>
-            <a:pPr algn="ctr">
+            <a:pPr algn="ctr" marL="43815">
               <a:lnSpc>
                 <a:spcPct val="100000"/>
               </a:lnSpc>
@@ -6023,21 +5983,7 @@
                 <a:latin typeface="Times New Roman"/>
                 <a:cs typeface="Times New Roman"/>
               </a:rPr>
-              <a:t>0.12 0.18</a:t>
-            </a:r>
-            <a:r>
-              <a:rPr dirty="0" sz="1200" spc="35">
-                <a:latin typeface="Times New Roman"/>
-                <a:cs typeface="Times New Roman"/>
-              </a:rPr>
-              <a:t> </a:t>
-            </a:r>
-            <a:r>
-              <a:rPr dirty="0" sz="1200">
-                <a:latin typeface="Times New Roman"/>
-                <a:cs typeface="Times New Roman"/>
-              </a:rPr>
-              <a:t>0.24</a:t>
+              <a:t>0.20</a:t>
             </a:r>
             <a:endParaRPr sz="1200">
               <a:latin typeface="Times New Roman"/>
@@ -6048,7 +5994,7 @@
       </p:sp>
       <p:sp>
         <p:nvSpPr>
-          <p:cNvPr id="103" name="object 103"/>
+          <p:cNvPr id="102" name="object 102"/>
           <p:cNvSpPr/>
           <p:nvPr/>
         </p:nvSpPr>
@@ -6088,7 +6034,7 @@
       </p:sp>
       <p:sp>
         <p:nvSpPr>
-          <p:cNvPr id="104" name="object 104"/>
+          <p:cNvPr id="103" name="object 103"/>
           <p:cNvSpPr/>
           <p:nvPr/>
         </p:nvSpPr>
@@ -6128,7 +6074,7 @@
       </p:sp>
       <p:sp>
         <p:nvSpPr>
-          <p:cNvPr id="105" name="object 105"/>
+          <p:cNvPr id="104" name="object 104"/>
           <p:cNvSpPr/>
           <p:nvPr/>
         </p:nvSpPr>
@@ -6168,7 +6114,7 @@
       </p:sp>
       <p:sp>
         <p:nvSpPr>
-          <p:cNvPr id="106" name="object 106"/>
+          <p:cNvPr id="105" name="object 105"/>
           <p:cNvSpPr/>
           <p:nvPr/>
         </p:nvSpPr>
@@ -6208,7 +6154,7 @@
       </p:sp>
       <p:sp>
         <p:nvSpPr>
-          <p:cNvPr id="107" name="object 107"/>
+          <p:cNvPr id="106" name="object 106"/>
           <p:cNvSpPr/>
           <p:nvPr/>
         </p:nvSpPr>
@@ -6248,7 +6194,7 @@
       </p:sp>
       <p:sp>
         <p:nvSpPr>
-          <p:cNvPr id="108" name="object 108"/>
+          <p:cNvPr id="107" name="object 107"/>
           <p:cNvSpPr/>
           <p:nvPr/>
         </p:nvSpPr>
@@ -6288,7 +6234,7 @@
       </p:sp>
       <p:sp>
         <p:nvSpPr>
-          <p:cNvPr id="109" name="object 109"/>
+          <p:cNvPr id="108" name="object 108"/>
           <p:cNvSpPr/>
           <p:nvPr/>
         </p:nvSpPr>
@@ -6328,13 +6274,13 @@
       </p:sp>
       <p:sp>
         <p:nvSpPr>
-          <p:cNvPr id="110" name="object 110"/>
+          <p:cNvPr id="109" name="object 109"/>
           <p:cNvSpPr txBox="1"/>
           <p:nvPr/>
         </p:nvSpPr>
         <p:spPr>
           <a:xfrm rot="19800000">
-            <a:off x="434280" y="3732413"/>
+            <a:off x="434280" y="3721491"/>
             <a:ext cx="797649" cy="152400"/>
           </a:xfrm>
           <a:prstGeom prst="rect">
@@ -6382,13 +6328,13 @@
       </p:sp>
       <p:sp>
         <p:nvSpPr>
-          <p:cNvPr id="111" name="object 111"/>
+          <p:cNvPr id="110" name="object 110"/>
           <p:cNvSpPr txBox="1"/>
           <p:nvPr/>
         </p:nvSpPr>
         <p:spPr>
           <a:xfrm rot="19800000">
-            <a:off x="1161207" y="3729562"/>
+            <a:off x="1161207" y="3718640"/>
             <a:ext cx="789547" cy="152400"/>
           </a:xfrm>
           <a:prstGeom prst="rect">
@@ -6436,13 +6382,13 @@
       </p:sp>
       <p:sp>
         <p:nvSpPr>
-          <p:cNvPr id="112" name="object 112"/>
+          <p:cNvPr id="111" name="object 111"/>
           <p:cNvSpPr txBox="1"/>
           <p:nvPr/>
         </p:nvSpPr>
         <p:spPr>
           <a:xfrm rot="19800000">
-            <a:off x="2016506" y="3677810"/>
+            <a:off x="2016506" y="3666888"/>
             <a:ext cx="638222" cy="152400"/>
           </a:xfrm>
           <a:prstGeom prst="rect">
@@ -6490,13 +6436,13 @@
       </p:sp>
       <p:sp>
         <p:nvSpPr>
-          <p:cNvPr id="113" name="object 113"/>
+          <p:cNvPr id="112" name="object 112"/>
           <p:cNvSpPr txBox="1"/>
           <p:nvPr/>
         </p:nvSpPr>
         <p:spPr>
           <a:xfrm rot="19800000">
-            <a:off x="2743897" y="3675721"/>
+            <a:off x="2743897" y="3664799"/>
             <a:ext cx="630209" cy="152400"/>
           </a:xfrm>
           <a:prstGeom prst="rect">
@@ -6544,13 +6490,13 @@
       </p:sp>
       <p:sp>
         <p:nvSpPr>
-          <p:cNvPr id="114" name="object 114"/>
+          <p:cNvPr id="113" name="object 113"/>
           <p:cNvSpPr txBox="1"/>
           <p:nvPr/>
         </p:nvSpPr>
         <p:spPr>
           <a:xfrm rot="19800000">
-            <a:off x="3210025" y="3745120"/>
+            <a:off x="3210025" y="3734198"/>
             <a:ext cx="899464" cy="152400"/>
           </a:xfrm>
           <a:prstGeom prst="rect">
@@ -6605,13 +6551,13 @@
       </p:sp>
       <p:sp>
         <p:nvSpPr>
-          <p:cNvPr id="115" name="object 115"/>
+          <p:cNvPr id="114" name="object 114"/>
           <p:cNvSpPr txBox="1"/>
           <p:nvPr/>
         </p:nvSpPr>
         <p:spPr>
           <a:xfrm rot="19800000">
-            <a:off x="3937476" y="3743031"/>
+            <a:off x="3937476" y="3732109"/>
             <a:ext cx="891330" cy="152400"/>
           </a:xfrm>
           <a:prstGeom prst="rect">
@@ -6666,13 +6612,13 @@
       </p:sp>
       <p:sp>
         <p:nvSpPr>
-          <p:cNvPr id="116" name="object 116"/>
-          <p:cNvSpPr/>
-          <p:nvPr/>
-        </p:nvSpPr>
-        <p:spPr>
-          <a:xfrm>
-            <a:off x="640080" y="2634360"/>
+          <p:cNvPr id="115" name="object 115"/>
+          <p:cNvSpPr/>
+          <p:nvPr/>
+        </p:nvSpPr>
+        <p:spPr>
+          <a:xfrm>
+            <a:off x="640080" y="2772155"/>
             <a:ext cx="4663440" cy="0"/>
           </a:xfrm>
           <a:custGeom>

--- a/PAA ICT/PAA_Ecoli_RNN/dissertation/figures/Boxplot of Ecoli prediction error-1.pptx
+++ b/PAA ICT/PAA_Ecoli_RNN/dissertation/figures/Boxplot of Ecoli prediction error-1.pptx
@@ -841,31 +841,39 @@
         </p:nvSpPr>
         <p:spPr>
           <a:xfrm>
-            <a:off x="884808" y="807719"/>
-            <a:ext cx="575945" cy="0"/>
-          </a:xfrm>
-          <a:custGeom>
-            <a:avLst/>
-            <a:gdLst/>
-            <a:ahLst/>
-            <a:cxnLst/>
-            <a:rect l="l" t="t" r="r" b="b"/>
-            <a:pathLst>
-              <a:path w="575944" h="0">
-                <a:moveTo>
-                  <a:pt x="0" y="0"/>
-                </a:moveTo>
+            <a:off x="884808" y="786765"/>
+            <a:ext cx="575945" cy="46990"/>
+          </a:xfrm>
+          <a:custGeom>
+            <a:avLst/>
+            <a:gdLst/>
+            <a:ahLst/>
+            <a:cxnLst/>
+            <a:rect l="l" t="t" r="r" b="b"/>
+            <a:pathLst>
+              <a:path w="575944" h="46990">
+                <a:moveTo>
+                  <a:pt x="0" y="46990"/>
+                </a:moveTo>
+                <a:lnTo>
+                  <a:pt x="575691" y="46990"/>
+                </a:lnTo>
                 <a:lnTo>
                   <a:pt x="575691" y="0"/>
                 </a:lnTo>
-              </a:path>
-            </a:pathLst>
-          </a:custGeom>
-          <a:ln w="28575">
-            <a:solidFill>
-              <a:srgbClr val="000000"/>
-            </a:solidFill>
-          </a:ln>
+                <a:lnTo>
+                  <a:pt x="0" y="0"/>
+                </a:lnTo>
+                <a:lnTo>
+                  <a:pt x="0" y="46990"/>
+                </a:lnTo>
+                <a:close/>
+              </a:path>
+            </a:pathLst>
+          </a:custGeom>
+          <a:solidFill>
+            <a:srgbClr val="FFC0CB"/>
+          </a:solidFill>
         </p:spPr>
         <p:txBody>
           <a:bodyPr wrap="square" lIns="0" tIns="0" rIns="0" bIns="0" rtlCol="0"/>
@@ -876,6 +884,54 @@
       <p:sp>
         <p:nvSpPr>
           <p:cNvPr id="17" name="bk object 17"/>
+          <p:cNvSpPr/>
+          <p:nvPr/>
+        </p:nvSpPr>
+        <p:spPr>
+          <a:xfrm>
+            <a:off x="884808" y="793432"/>
+            <a:ext cx="575945" cy="28575"/>
+          </a:xfrm>
+          <a:custGeom>
+            <a:avLst/>
+            <a:gdLst/>
+            <a:ahLst/>
+            <a:cxnLst/>
+            <a:rect l="l" t="t" r="r" b="b"/>
+            <a:pathLst>
+              <a:path w="575944" h="28575">
+                <a:moveTo>
+                  <a:pt x="0" y="28575"/>
+                </a:moveTo>
+                <a:lnTo>
+                  <a:pt x="575691" y="28575"/>
+                </a:lnTo>
+                <a:lnTo>
+                  <a:pt x="575691" y="0"/>
+                </a:lnTo>
+                <a:lnTo>
+                  <a:pt x="0" y="0"/>
+                </a:lnTo>
+                <a:lnTo>
+                  <a:pt x="0" y="28575"/>
+                </a:lnTo>
+                <a:close/>
+              </a:path>
+            </a:pathLst>
+          </a:custGeom>
+          <a:solidFill>
+            <a:srgbClr val="000000"/>
+          </a:solidFill>
+        </p:spPr>
+        <p:txBody>
+          <a:bodyPr wrap="square" lIns="0" tIns="0" rIns="0" bIns="0" rtlCol="0"/>
+          <a:lstStyle/>
+          <a:p/>
+        </p:txBody>
+      </p:sp>
+      <p:sp>
+        <p:nvSpPr>
+          <p:cNvPr id="18" name="bk object 18"/>
           <p:cNvSpPr/>
           <p:nvPr/>
         </p:nvSpPr>
@@ -916,7 +972,7 @@
       </p:sp>
       <p:sp>
         <p:nvSpPr>
-          <p:cNvPr id="18" name="bk object 18"/>
+          <p:cNvPr id="19" name="bk object 19"/>
           <p:cNvSpPr/>
           <p:nvPr/>
         </p:nvSpPr>
@@ -957,7 +1013,7 @@
       </p:sp>
       <p:sp>
         <p:nvSpPr>
-          <p:cNvPr id="19" name="bk object 19"/>
+          <p:cNvPr id="20" name="bk object 20"/>
           <p:cNvSpPr/>
           <p:nvPr/>
         </p:nvSpPr>
@@ -997,7 +1053,7 @@
       </p:sp>
       <p:sp>
         <p:nvSpPr>
-          <p:cNvPr id="20" name="bk object 20"/>
+          <p:cNvPr id="21" name="bk object 21"/>
           <p:cNvSpPr/>
           <p:nvPr/>
         </p:nvSpPr>
@@ -1037,7 +1093,7 @@
       </p:sp>
       <p:sp>
         <p:nvSpPr>
-          <p:cNvPr id="21" name="bk object 21"/>
+          <p:cNvPr id="22" name="bk object 22"/>
           <p:cNvSpPr/>
           <p:nvPr/>
         </p:nvSpPr>
@@ -1086,47 +1142,103 @@
       </p:sp>
       <p:sp>
         <p:nvSpPr>
-          <p:cNvPr id="22" name="bk object 22"/>
-          <p:cNvSpPr/>
-          <p:nvPr/>
-        </p:nvSpPr>
-        <p:spPr>
-          <a:xfrm>
-            <a:off x="1604391" y="1230122"/>
-            <a:ext cx="575945" cy="0"/>
-          </a:xfrm>
-          <a:custGeom>
-            <a:avLst/>
-            <a:gdLst/>
-            <a:ahLst/>
-            <a:cxnLst/>
-            <a:rect l="l" t="t" r="r" b="b"/>
-            <a:pathLst>
-              <a:path w="575944" h="0">
-                <a:moveTo>
-                  <a:pt x="0" y="0"/>
-                </a:moveTo>
+          <p:cNvPr id="23" name="bk object 23"/>
+          <p:cNvSpPr/>
+          <p:nvPr/>
+        </p:nvSpPr>
+        <p:spPr>
+          <a:xfrm>
+            <a:off x="1604391" y="1160017"/>
+            <a:ext cx="575945" cy="106680"/>
+          </a:xfrm>
+          <a:custGeom>
+            <a:avLst/>
+            <a:gdLst/>
+            <a:ahLst/>
+            <a:cxnLst/>
+            <a:rect l="l" t="t" r="r" b="b"/>
+            <a:pathLst>
+              <a:path w="575944" h="106680">
+                <a:moveTo>
+                  <a:pt x="0" y="106552"/>
+                </a:moveTo>
+                <a:lnTo>
+                  <a:pt x="575817" y="106552"/>
+                </a:lnTo>
                 <a:lnTo>
                   <a:pt x="575817" y="0"/>
                 </a:lnTo>
-              </a:path>
-            </a:pathLst>
-          </a:custGeom>
-          <a:ln w="28575">
-            <a:solidFill>
-              <a:srgbClr val="000000"/>
-            </a:solidFill>
-          </a:ln>
-        </p:spPr>
-        <p:txBody>
-          <a:bodyPr wrap="square" lIns="0" tIns="0" rIns="0" bIns="0" rtlCol="0"/>
-          <a:lstStyle/>
-          <a:p/>
-        </p:txBody>
-      </p:sp>
-      <p:sp>
-        <p:nvSpPr>
-          <p:cNvPr id="23" name="bk object 23"/>
+                <a:lnTo>
+                  <a:pt x="0" y="0"/>
+                </a:lnTo>
+                <a:lnTo>
+                  <a:pt x="0" y="106552"/>
+                </a:lnTo>
+                <a:close/>
+              </a:path>
+            </a:pathLst>
+          </a:custGeom>
+          <a:solidFill>
+            <a:srgbClr val="FFC0CB"/>
+          </a:solidFill>
+        </p:spPr>
+        <p:txBody>
+          <a:bodyPr wrap="square" lIns="0" tIns="0" rIns="0" bIns="0" rtlCol="0"/>
+          <a:lstStyle/>
+          <a:p/>
+        </p:txBody>
+      </p:sp>
+      <p:sp>
+        <p:nvSpPr>
+          <p:cNvPr id="24" name="bk object 24"/>
+          <p:cNvSpPr/>
+          <p:nvPr/>
+        </p:nvSpPr>
+        <p:spPr>
+          <a:xfrm>
+            <a:off x="1604391" y="1215834"/>
+            <a:ext cx="575945" cy="28575"/>
+          </a:xfrm>
+          <a:custGeom>
+            <a:avLst/>
+            <a:gdLst/>
+            <a:ahLst/>
+            <a:cxnLst/>
+            <a:rect l="l" t="t" r="r" b="b"/>
+            <a:pathLst>
+              <a:path w="575944" h="28575">
+                <a:moveTo>
+                  <a:pt x="0" y="28575"/>
+                </a:moveTo>
+                <a:lnTo>
+                  <a:pt x="575817" y="28575"/>
+                </a:lnTo>
+                <a:lnTo>
+                  <a:pt x="575817" y="0"/>
+                </a:lnTo>
+                <a:lnTo>
+                  <a:pt x="0" y="0"/>
+                </a:lnTo>
+                <a:lnTo>
+                  <a:pt x="0" y="28575"/>
+                </a:lnTo>
+                <a:close/>
+              </a:path>
+            </a:pathLst>
+          </a:custGeom>
+          <a:solidFill>
+            <a:srgbClr val="000000"/>
+          </a:solidFill>
+        </p:spPr>
+        <p:txBody>
+          <a:bodyPr wrap="square" lIns="0" tIns="0" rIns="0" bIns="0" rtlCol="0"/>
+          <a:lstStyle/>
+          <a:p/>
+        </p:txBody>
+      </p:sp>
+      <p:sp>
+        <p:nvSpPr>
+          <p:cNvPr id="25" name="bk object 25"/>
           <p:cNvSpPr/>
           <p:nvPr/>
         </p:nvSpPr>
@@ -1167,7 +1279,7 @@
       </p:sp>
       <p:sp>
         <p:nvSpPr>
-          <p:cNvPr id="24" name="bk object 24"/>
+          <p:cNvPr id="26" name="bk object 26"/>
           <p:cNvSpPr/>
           <p:nvPr/>
         </p:nvSpPr>
@@ -1208,7 +1320,7 @@
       </p:sp>
       <p:sp>
         <p:nvSpPr>
-          <p:cNvPr id="25" name="bk object 25"/>
+          <p:cNvPr id="27" name="bk object 27"/>
           <p:cNvSpPr/>
           <p:nvPr/>
         </p:nvSpPr>
@@ -1248,7 +1360,7 @@
       </p:sp>
       <p:sp>
         <p:nvSpPr>
-          <p:cNvPr id="26" name="bk object 26"/>
+          <p:cNvPr id="28" name="bk object 28"/>
           <p:cNvSpPr/>
           <p:nvPr/>
         </p:nvSpPr>
@@ -1288,7 +1400,7 @@
       </p:sp>
       <p:sp>
         <p:nvSpPr>
-          <p:cNvPr id="27" name="bk object 27"/>
+          <p:cNvPr id="29" name="bk object 29"/>
           <p:cNvSpPr/>
           <p:nvPr/>
         </p:nvSpPr>
@@ -1744,31 +1856,39 @@
         </p:nvSpPr>
         <p:spPr>
           <a:xfrm>
-            <a:off x="2324100" y="833374"/>
-            <a:ext cx="575945" cy="0"/>
-          </a:xfrm>
-          <a:custGeom>
-            <a:avLst/>
-            <a:gdLst/>
-            <a:ahLst/>
-            <a:cxnLst/>
-            <a:rect l="l" t="t" r="r" b="b"/>
-            <a:pathLst>
-              <a:path w="575944" h="0">
-                <a:moveTo>
-                  <a:pt x="0" y="0"/>
-                </a:moveTo>
+            <a:off x="2324100" y="812291"/>
+            <a:ext cx="575945" cy="30480"/>
+          </a:xfrm>
+          <a:custGeom>
+            <a:avLst/>
+            <a:gdLst/>
+            <a:ahLst/>
+            <a:cxnLst/>
+            <a:rect l="l" t="t" r="r" b="b"/>
+            <a:pathLst>
+              <a:path w="575944" h="30480">
+                <a:moveTo>
+                  <a:pt x="0" y="29972"/>
+                </a:moveTo>
+                <a:lnTo>
+                  <a:pt x="575691" y="29972"/>
+                </a:lnTo>
                 <a:lnTo>
                   <a:pt x="575691" y="0"/>
                 </a:lnTo>
-              </a:path>
-            </a:pathLst>
-          </a:custGeom>
-          <a:ln w="28575">
-            <a:solidFill>
-              <a:srgbClr val="000000"/>
-            </a:solidFill>
-          </a:ln>
+                <a:lnTo>
+                  <a:pt x="0" y="0"/>
+                </a:lnTo>
+                <a:lnTo>
+                  <a:pt x="0" y="29972"/>
+                </a:lnTo>
+                <a:close/>
+              </a:path>
+            </a:pathLst>
+          </a:custGeom>
+          <a:solidFill>
+            <a:srgbClr val="EED5B7"/>
+          </a:solidFill>
         </p:spPr>
         <p:txBody>
           <a:bodyPr wrap="square" lIns="0" tIns="0" rIns="0" bIns="0" rtlCol="0"/>
@@ -1779,6 +1899,54 @@
       <p:sp>
         <p:nvSpPr>
           <p:cNvPr id="4" name="object 4"/>
+          <p:cNvSpPr/>
+          <p:nvPr/>
+        </p:nvSpPr>
+        <p:spPr>
+          <a:xfrm>
+            <a:off x="2324100" y="819086"/>
+            <a:ext cx="575945" cy="28575"/>
+          </a:xfrm>
+          <a:custGeom>
+            <a:avLst/>
+            <a:gdLst/>
+            <a:ahLst/>
+            <a:cxnLst/>
+            <a:rect l="l" t="t" r="r" b="b"/>
+            <a:pathLst>
+              <a:path w="575944" h="28575">
+                <a:moveTo>
+                  <a:pt x="0" y="28575"/>
+                </a:moveTo>
+                <a:lnTo>
+                  <a:pt x="575691" y="28575"/>
+                </a:lnTo>
+                <a:lnTo>
+                  <a:pt x="575691" y="0"/>
+                </a:lnTo>
+                <a:lnTo>
+                  <a:pt x="0" y="0"/>
+                </a:lnTo>
+                <a:lnTo>
+                  <a:pt x="0" y="28575"/>
+                </a:lnTo>
+                <a:close/>
+              </a:path>
+            </a:pathLst>
+          </a:custGeom>
+          <a:solidFill>
+            <a:srgbClr val="000000"/>
+          </a:solidFill>
+        </p:spPr>
+        <p:txBody>
+          <a:bodyPr wrap="square" lIns="0" tIns="0" rIns="0" bIns="0" rtlCol="0"/>
+          <a:lstStyle/>
+          <a:p/>
+        </p:txBody>
+      </p:sp>
+      <p:sp>
+        <p:nvSpPr>
+          <p:cNvPr id="5" name="object 5"/>
           <p:cNvSpPr/>
           <p:nvPr/>
         </p:nvSpPr>
@@ -1819,7 +1987,7 @@
       </p:sp>
       <p:sp>
         <p:nvSpPr>
-          <p:cNvPr id="5" name="object 5"/>
+          <p:cNvPr id="6" name="object 6"/>
           <p:cNvSpPr/>
           <p:nvPr/>
         </p:nvSpPr>
@@ -1860,7 +2028,7 @@
       </p:sp>
       <p:sp>
         <p:nvSpPr>
-          <p:cNvPr id="6" name="object 6"/>
+          <p:cNvPr id="7" name="object 7"/>
           <p:cNvSpPr/>
           <p:nvPr/>
         </p:nvSpPr>
@@ -1900,7 +2068,7 @@
       </p:sp>
       <p:sp>
         <p:nvSpPr>
-          <p:cNvPr id="7" name="object 7"/>
+          <p:cNvPr id="8" name="object 8"/>
           <p:cNvSpPr/>
           <p:nvPr/>
         </p:nvSpPr>
@@ -1940,7 +2108,7 @@
       </p:sp>
       <p:sp>
         <p:nvSpPr>
-          <p:cNvPr id="8" name="object 8"/>
+          <p:cNvPr id="9" name="object 9"/>
           <p:cNvSpPr/>
           <p:nvPr/>
         </p:nvSpPr>
@@ -1989,47 +2157,103 @@
       </p:sp>
       <p:sp>
         <p:nvSpPr>
-          <p:cNvPr id="9" name="object 9"/>
-          <p:cNvSpPr/>
-          <p:nvPr/>
-        </p:nvSpPr>
-        <p:spPr>
-          <a:xfrm>
-            <a:off x="3043808" y="728852"/>
-            <a:ext cx="575945" cy="0"/>
-          </a:xfrm>
-          <a:custGeom>
-            <a:avLst/>
-            <a:gdLst/>
-            <a:ahLst/>
-            <a:cxnLst/>
-            <a:rect l="l" t="t" r="r" b="b"/>
-            <a:pathLst>
-              <a:path w="575945" h="0">
-                <a:moveTo>
-                  <a:pt x="0" y="0"/>
-                </a:moveTo>
+          <p:cNvPr id="10" name="object 10"/>
+          <p:cNvSpPr/>
+          <p:nvPr/>
+        </p:nvSpPr>
+        <p:spPr>
+          <a:xfrm>
+            <a:off x="3043808" y="481330"/>
+            <a:ext cx="575945" cy="407034"/>
+          </a:xfrm>
+          <a:custGeom>
+            <a:avLst/>
+            <a:gdLst/>
+            <a:ahLst/>
+            <a:cxnLst/>
+            <a:rect l="l" t="t" r="r" b="b"/>
+            <a:pathLst>
+              <a:path w="575945" h="407034">
+                <a:moveTo>
+                  <a:pt x="0" y="406781"/>
+                </a:moveTo>
+                <a:lnTo>
+                  <a:pt x="575691" y="406781"/>
+                </a:lnTo>
                 <a:lnTo>
                   <a:pt x="575691" y="0"/>
                 </a:lnTo>
-              </a:path>
-            </a:pathLst>
-          </a:custGeom>
-          <a:ln w="28575">
-            <a:solidFill>
-              <a:srgbClr val="000000"/>
-            </a:solidFill>
-          </a:ln>
-        </p:spPr>
-        <p:txBody>
-          <a:bodyPr wrap="square" lIns="0" tIns="0" rIns="0" bIns="0" rtlCol="0"/>
-          <a:lstStyle/>
-          <a:p/>
-        </p:txBody>
-      </p:sp>
-      <p:sp>
-        <p:nvSpPr>
-          <p:cNvPr id="10" name="object 10"/>
+                <a:lnTo>
+                  <a:pt x="0" y="0"/>
+                </a:lnTo>
+                <a:lnTo>
+                  <a:pt x="0" y="406781"/>
+                </a:lnTo>
+                <a:close/>
+              </a:path>
+            </a:pathLst>
+          </a:custGeom>
+          <a:solidFill>
+            <a:srgbClr val="EED5B7"/>
+          </a:solidFill>
+        </p:spPr>
+        <p:txBody>
+          <a:bodyPr wrap="square" lIns="0" tIns="0" rIns="0" bIns="0" rtlCol="0"/>
+          <a:lstStyle/>
+          <a:p/>
+        </p:txBody>
+      </p:sp>
+      <p:sp>
+        <p:nvSpPr>
+          <p:cNvPr id="11" name="object 11"/>
+          <p:cNvSpPr/>
+          <p:nvPr/>
+        </p:nvSpPr>
+        <p:spPr>
+          <a:xfrm>
+            <a:off x="3043808" y="714565"/>
+            <a:ext cx="575945" cy="28575"/>
+          </a:xfrm>
+          <a:custGeom>
+            <a:avLst/>
+            <a:gdLst/>
+            <a:ahLst/>
+            <a:cxnLst/>
+            <a:rect l="l" t="t" r="r" b="b"/>
+            <a:pathLst>
+              <a:path w="575945" h="28575">
+                <a:moveTo>
+                  <a:pt x="0" y="28575"/>
+                </a:moveTo>
+                <a:lnTo>
+                  <a:pt x="575691" y="28575"/>
+                </a:lnTo>
+                <a:lnTo>
+                  <a:pt x="575691" y="0"/>
+                </a:lnTo>
+                <a:lnTo>
+                  <a:pt x="0" y="0"/>
+                </a:lnTo>
+                <a:lnTo>
+                  <a:pt x="0" y="28575"/>
+                </a:lnTo>
+                <a:close/>
+              </a:path>
+            </a:pathLst>
+          </a:custGeom>
+          <a:solidFill>
+            <a:srgbClr val="000000"/>
+          </a:solidFill>
+        </p:spPr>
+        <p:txBody>
+          <a:bodyPr wrap="square" lIns="0" tIns="0" rIns="0" bIns="0" rtlCol="0"/>
+          <a:lstStyle/>
+          <a:p/>
+        </p:txBody>
+      </p:sp>
+      <p:sp>
+        <p:nvSpPr>
+          <p:cNvPr id="12" name="object 12"/>
           <p:cNvSpPr/>
           <p:nvPr/>
         </p:nvSpPr>
@@ -2070,7 +2294,7 @@
       </p:sp>
       <p:sp>
         <p:nvSpPr>
-          <p:cNvPr id="11" name="object 11"/>
+          <p:cNvPr id="13" name="object 13"/>
           <p:cNvSpPr/>
           <p:nvPr/>
         </p:nvSpPr>
@@ -2111,7 +2335,7 @@
       </p:sp>
       <p:sp>
         <p:nvSpPr>
-          <p:cNvPr id="12" name="object 12"/>
+          <p:cNvPr id="14" name="object 14"/>
           <p:cNvSpPr/>
           <p:nvPr/>
         </p:nvSpPr>
@@ -2151,7 +2375,7 @@
       </p:sp>
       <p:sp>
         <p:nvSpPr>
-          <p:cNvPr id="13" name="object 13"/>
+          <p:cNvPr id="15" name="object 15"/>
           <p:cNvSpPr/>
           <p:nvPr/>
         </p:nvSpPr>
@@ -2191,7 +2415,7 @@
       </p:sp>
       <p:sp>
         <p:nvSpPr>
-          <p:cNvPr id="14" name="object 14"/>
+          <p:cNvPr id="16" name="object 16"/>
           <p:cNvSpPr/>
           <p:nvPr/>
         </p:nvSpPr>
@@ -2240,47 +2464,103 @@
       </p:sp>
       <p:sp>
         <p:nvSpPr>
-          <p:cNvPr id="15" name="object 15"/>
-          <p:cNvSpPr/>
-          <p:nvPr/>
-        </p:nvSpPr>
-        <p:spPr>
-          <a:xfrm>
-            <a:off x="3763390" y="828421"/>
-            <a:ext cx="575945" cy="0"/>
-          </a:xfrm>
-          <a:custGeom>
-            <a:avLst/>
-            <a:gdLst/>
-            <a:ahLst/>
-            <a:cxnLst/>
-            <a:rect l="l" t="t" r="r" b="b"/>
-            <a:pathLst>
-              <a:path w="575945" h="0">
-                <a:moveTo>
-                  <a:pt x="0" y="0"/>
-                </a:moveTo>
+          <p:cNvPr id="17" name="object 17"/>
+          <p:cNvSpPr/>
+          <p:nvPr/>
+        </p:nvSpPr>
+        <p:spPr>
+          <a:xfrm>
+            <a:off x="3763390" y="806576"/>
+            <a:ext cx="575945" cy="33020"/>
+          </a:xfrm>
+          <a:custGeom>
+            <a:avLst/>
+            <a:gdLst/>
+            <a:ahLst/>
+            <a:cxnLst/>
+            <a:rect l="l" t="t" r="r" b="b"/>
+            <a:pathLst>
+              <a:path w="575945" h="33019">
+                <a:moveTo>
+                  <a:pt x="0" y="32511"/>
+                </a:moveTo>
+                <a:lnTo>
+                  <a:pt x="575818" y="32511"/>
+                </a:lnTo>
                 <a:lnTo>
                   <a:pt x="575818" y="0"/>
                 </a:lnTo>
-              </a:path>
-            </a:pathLst>
-          </a:custGeom>
-          <a:ln w="28575">
-            <a:solidFill>
-              <a:srgbClr val="000000"/>
-            </a:solidFill>
-          </a:ln>
-        </p:spPr>
-        <p:txBody>
-          <a:bodyPr wrap="square" lIns="0" tIns="0" rIns="0" bIns="0" rtlCol="0"/>
-          <a:lstStyle/>
-          <a:p/>
-        </p:txBody>
-      </p:sp>
-      <p:sp>
-        <p:nvSpPr>
-          <p:cNvPr id="16" name="object 16"/>
+                <a:lnTo>
+                  <a:pt x="0" y="0"/>
+                </a:lnTo>
+                <a:lnTo>
+                  <a:pt x="0" y="32511"/>
+                </a:lnTo>
+                <a:close/>
+              </a:path>
+            </a:pathLst>
+          </a:custGeom>
+          <a:solidFill>
+            <a:srgbClr val="6495ED"/>
+          </a:solidFill>
+        </p:spPr>
+        <p:txBody>
+          <a:bodyPr wrap="square" lIns="0" tIns="0" rIns="0" bIns="0" rtlCol="0"/>
+          <a:lstStyle/>
+          <a:p/>
+        </p:txBody>
+      </p:sp>
+      <p:sp>
+        <p:nvSpPr>
+          <p:cNvPr id="18" name="object 18"/>
+          <p:cNvSpPr/>
+          <p:nvPr/>
+        </p:nvSpPr>
+        <p:spPr>
+          <a:xfrm>
+            <a:off x="3763390" y="814133"/>
+            <a:ext cx="575945" cy="28575"/>
+          </a:xfrm>
+          <a:custGeom>
+            <a:avLst/>
+            <a:gdLst/>
+            <a:ahLst/>
+            <a:cxnLst/>
+            <a:rect l="l" t="t" r="r" b="b"/>
+            <a:pathLst>
+              <a:path w="575945" h="28575">
+                <a:moveTo>
+                  <a:pt x="0" y="28575"/>
+                </a:moveTo>
+                <a:lnTo>
+                  <a:pt x="575818" y="28575"/>
+                </a:lnTo>
+                <a:lnTo>
+                  <a:pt x="575818" y="0"/>
+                </a:lnTo>
+                <a:lnTo>
+                  <a:pt x="0" y="0"/>
+                </a:lnTo>
+                <a:lnTo>
+                  <a:pt x="0" y="28575"/>
+                </a:lnTo>
+                <a:close/>
+              </a:path>
+            </a:pathLst>
+          </a:custGeom>
+          <a:solidFill>
+            <a:srgbClr val="000000"/>
+          </a:solidFill>
+        </p:spPr>
+        <p:txBody>
+          <a:bodyPr wrap="square" lIns="0" tIns="0" rIns="0" bIns="0" rtlCol="0"/>
+          <a:lstStyle/>
+          <a:p/>
+        </p:txBody>
+      </p:sp>
+      <p:sp>
+        <p:nvSpPr>
+          <p:cNvPr id="19" name="object 19"/>
           <p:cNvSpPr/>
           <p:nvPr/>
         </p:nvSpPr>
@@ -2321,7 +2601,7 @@
       </p:sp>
       <p:sp>
         <p:nvSpPr>
-          <p:cNvPr id="17" name="object 17"/>
+          <p:cNvPr id="20" name="object 20"/>
           <p:cNvSpPr/>
           <p:nvPr/>
         </p:nvSpPr>
@@ -2362,7 +2642,7 @@
       </p:sp>
       <p:sp>
         <p:nvSpPr>
-          <p:cNvPr id="18" name="object 18"/>
+          <p:cNvPr id="21" name="object 21"/>
           <p:cNvSpPr/>
           <p:nvPr/>
         </p:nvSpPr>
@@ -2402,7 +2682,7 @@
       </p:sp>
       <p:sp>
         <p:nvSpPr>
-          <p:cNvPr id="19" name="object 19"/>
+          <p:cNvPr id="22" name="object 22"/>
           <p:cNvSpPr/>
           <p:nvPr/>
         </p:nvSpPr>
@@ -2442,7 +2722,7 @@
       </p:sp>
       <p:sp>
         <p:nvSpPr>
-          <p:cNvPr id="20" name="object 20"/>
+          <p:cNvPr id="23" name="object 23"/>
           <p:cNvSpPr/>
           <p:nvPr/>
         </p:nvSpPr>
@@ -2491,47 +2771,103 @@
       </p:sp>
       <p:sp>
         <p:nvSpPr>
-          <p:cNvPr id="21" name="object 21"/>
-          <p:cNvSpPr/>
-          <p:nvPr/>
-        </p:nvSpPr>
-        <p:spPr>
-          <a:xfrm>
-            <a:off x="4483100" y="1008252"/>
-            <a:ext cx="575945" cy="0"/>
-          </a:xfrm>
-          <a:custGeom>
-            <a:avLst/>
-            <a:gdLst/>
-            <a:ahLst/>
-            <a:cxnLst/>
-            <a:rect l="l" t="t" r="r" b="b"/>
-            <a:pathLst>
-              <a:path w="575945" h="0">
-                <a:moveTo>
-                  <a:pt x="0" y="0"/>
-                </a:moveTo>
+          <p:cNvPr id="24" name="object 24"/>
+          <p:cNvSpPr/>
+          <p:nvPr/>
+        </p:nvSpPr>
+        <p:spPr>
+          <a:xfrm>
+            <a:off x="4483100" y="921130"/>
+            <a:ext cx="575945" cy="142875"/>
+          </a:xfrm>
+          <a:custGeom>
+            <a:avLst/>
+            <a:gdLst/>
+            <a:ahLst/>
+            <a:cxnLst/>
+            <a:rect l="l" t="t" r="r" b="b"/>
+            <a:pathLst>
+              <a:path w="575945" h="142875">
+                <a:moveTo>
+                  <a:pt x="0" y="142620"/>
+                </a:moveTo>
+                <a:lnTo>
+                  <a:pt x="575690" y="142620"/>
+                </a:lnTo>
                 <a:lnTo>
                   <a:pt x="575690" y="0"/>
                 </a:lnTo>
-              </a:path>
-            </a:pathLst>
-          </a:custGeom>
-          <a:ln w="28575">
-            <a:solidFill>
-              <a:srgbClr val="000000"/>
-            </a:solidFill>
-          </a:ln>
-        </p:spPr>
-        <p:txBody>
-          <a:bodyPr wrap="square" lIns="0" tIns="0" rIns="0" bIns="0" rtlCol="0"/>
-          <a:lstStyle/>
-          <a:p/>
-        </p:txBody>
-      </p:sp>
-      <p:sp>
-        <p:nvSpPr>
-          <p:cNvPr id="22" name="object 22"/>
+                <a:lnTo>
+                  <a:pt x="0" y="0"/>
+                </a:lnTo>
+                <a:lnTo>
+                  <a:pt x="0" y="142620"/>
+                </a:lnTo>
+                <a:close/>
+              </a:path>
+            </a:pathLst>
+          </a:custGeom>
+          <a:solidFill>
+            <a:srgbClr val="6495ED"/>
+          </a:solidFill>
+        </p:spPr>
+        <p:txBody>
+          <a:bodyPr wrap="square" lIns="0" tIns="0" rIns="0" bIns="0" rtlCol="0"/>
+          <a:lstStyle/>
+          <a:p/>
+        </p:txBody>
+      </p:sp>
+      <p:sp>
+        <p:nvSpPr>
+          <p:cNvPr id="25" name="object 25"/>
+          <p:cNvSpPr/>
+          <p:nvPr/>
+        </p:nvSpPr>
+        <p:spPr>
+          <a:xfrm>
+            <a:off x="4483100" y="993965"/>
+            <a:ext cx="575945" cy="28575"/>
+          </a:xfrm>
+          <a:custGeom>
+            <a:avLst/>
+            <a:gdLst/>
+            <a:ahLst/>
+            <a:cxnLst/>
+            <a:rect l="l" t="t" r="r" b="b"/>
+            <a:pathLst>
+              <a:path w="575945" h="28575">
+                <a:moveTo>
+                  <a:pt x="0" y="28575"/>
+                </a:moveTo>
+                <a:lnTo>
+                  <a:pt x="575690" y="28575"/>
+                </a:lnTo>
+                <a:lnTo>
+                  <a:pt x="575690" y="0"/>
+                </a:lnTo>
+                <a:lnTo>
+                  <a:pt x="0" y="0"/>
+                </a:lnTo>
+                <a:lnTo>
+                  <a:pt x="0" y="28575"/>
+                </a:lnTo>
+                <a:close/>
+              </a:path>
+            </a:pathLst>
+          </a:custGeom>
+          <a:solidFill>
+            <a:srgbClr val="000000"/>
+          </a:solidFill>
+        </p:spPr>
+        <p:txBody>
+          <a:bodyPr wrap="square" lIns="0" tIns="0" rIns="0" bIns="0" rtlCol="0"/>
+          <a:lstStyle/>
+          <a:p/>
+        </p:txBody>
+      </p:sp>
+      <p:sp>
+        <p:nvSpPr>
+          <p:cNvPr id="26" name="object 26"/>
           <p:cNvSpPr/>
           <p:nvPr/>
         </p:nvSpPr>
@@ -2572,7 +2908,7 @@
       </p:sp>
       <p:sp>
         <p:nvSpPr>
-          <p:cNvPr id="23" name="object 23"/>
+          <p:cNvPr id="27" name="object 27"/>
           <p:cNvSpPr/>
           <p:nvPr/>
         </p:nvSpPr>
@@ -2613,7 +2949,7 @@
       </p:sp>
       <p:sp>
         <p:nvSpPr>
-          <p:cNvPr id="24" name="object 24"/>
+          <p:cNvPr id="28" name="object 28"/>
           <p:cNvSpPr/>
           <p:nvPr/>
         </p:nvSpPr>
@@ -2653,7 +2989,7 @@
       </p:sp>
       <p:sp>
         <p:nvSpPr>
-          <p:cNvPr id="25" name="object 25"/>
+          <p:cNvPr id="29" name="object 29"/>
           <p:cNvSpPr/>
           <p:nvPr/>
         </p:nvSpPr>
@@ -2693,7 +3029,7 @@
       </p:sp>
       <p:sp>
         <p:nvSpPr>
-          <p:cNvPr id="26" name="object 26"/>
+          <p:cNvPr id="30" name="object 30"/>
           <p:cNvSpPr/>
           <p:nvPr/>
         </p:nvSpPr>
@@ -2742,7 +3078,7 @@
       </p:sp>
       <p:sp>
         <p:nvSpPr>
-          <p:cNvPr id="27" name="object 27"/>
+          <p:cNvPr id="31" name="object 31"/>
           <p:cNvSpPr txBox="1"/>
           <p:nvPr/>
         </p:nvSpPr>
@@ -2785,7 +3121,7 @@
       </p:sp>
       <p:sp>
         <p:nvSpPr>
-          <p:cNvPr id="28" name="object 28"/>
+          <p:cNvPr id="32" name="object 32"/>
           <p:cNvSpPr/>
           <p:nvPr/>
         </p:nvSpPr>
@@ -2825,7 +3161,7 @@
       </p:sp>
       <p:sp>
         <p:nvSpPr>
-          <p:cNvPr id="29" name="object 29"/>
+          <p:cNvPr id="33" name="object 33"/>
           <p:cNvSpPr/>
           <p:nvPr/>
         </p:nvSpPr>
@@ -2865,7 +3201,7 @@
       </p:sp>
       <p:sp>
         <p:nvSpPr>
-          <p:cNvPr id="30" name="object 30"/>
+          <p:cNvPr id="34" name="object 34"/>
           <p:cNvSpPr/>
           <p:nvPr/>
         </p:nvSpPr>
@@ -2905,7 +3241,7 @@
       </p:sp>
       <p:sp>
         <p:nvSpPr>
-          <p:cNvPr id="31" name="object 31"/>
+          <p:cNvPr id="35" name="object 35"/>
           <p:cNvSpPr/>
           <p:nvPr/>
         </p:nvSpPr>
@@ -2945,7 +3281,7 @@
       </p:sp>
       <p:sp>
         <p:nvSpPr>
-          <p:cNvPr id="32" name="object 32"/>
+          <p:cNvPr id="36" name="object 36"/>
           <p:cNvSpPr/>
           <p:nvPr/>
         </p:nvSpPr>
@@ -2985,7 +3321,7 @@
       </p:sp>
       <p:sp>
         <p:nvSpPr>
-          <p:cNvPr id="33" name="object 33"/>
+          <p:cNvPr id="37" name="object 37"/>
           <p:cNvSpPr/>
           <p:nvPr/>
         </p:nvSpPr>
@@ -3025,7 +3361,7 @@
       </p:sp>
       <p:sp>
         <p:nvSpPr>
-          <p:cNvPr id="34" name="object 34"/>
+          <p:cNvPr id="38" name="object 38"/>
           <p:cNvSpPr txBox="1"/>
           <p:nvPr/>
         </p:nvSpPr>
@@ -3065,7 +3401,7 @@
       </p:sp>
       <p:sp>
         <p:nvSpPr>
-          <p:cNvPr id="35" name="object 35"/>
+          <p:cNvPr id="39" name="object 39"/>
           <p:cNvSpPr txBox="1"/>
           <p:nvPr/>
         </p:nvSpPr>
@@ -3105,7 +3441,7 @@
       </p:sp>
       <p:sp>
         <p:nvSpPr>
-          <p:cNvPr id="36" name="object 36"/>
+          <p:cNvPr id="40" name="object 40"/>
           <p:cNvSpPr/>
           <p:nvPr/>
         </p:nvSpPr>
@@ -3154,7 +3490,7 @@
       </p:sp>
       <p:sp>
         <p:nvSpPr>
-          <p:cNvPr id="37" name="object 37"/>
+          <p:cNvPr id="41" name="object 41"/>
           <p:cNvSpPr txBox="1">
             <a:spLocks noGrp="1"/>
           </p:cNvSpPr>
@@ -3196,7 +3532,7 @@
       </p:sp>
       <p:sp>
         <p:nvSpPr>
-          <p:cNvPr id="38" name="object 38"/>
+          <p:cNvPr id="42" name="object 42"/>
           <p:cNvSpPr txBox="1"/>
           <p:nvPr/>
         </p:nvSpPr>
@@ -3257,7 +3593,7 @@
       </p:sp>
       <p:sp>
         <p:nvSpPr>
-          <p:cNvPr id="39" name="object 39"/>
+          <p:cNvPr id="43" name="object 43"/>
           <p:cNvSpPr/>
           <p:nvPr/>
         </p:nvSpPr>
@@ -3297,7 +3633,7 @@
       </p:sp>
       <p:sp>
         <p:nvSpPr>
-          <p:cNvPr id="40" name="object 40"/>
+          <p:cNvPr id="44" name="object 44"/>
           <p:cNvSpPr/>
           <p:nvPr/>
         </p:nvSpPr>
@@ -3337,7 +3673,7 @@
       </p:sp>
       <p:sp>
         <p:nvSpPr>
-          <p:cNvPr id="41" name="object 41"/>
+          <p:cNvPr id="45" name="object 45"/>
           <p:cNvSpPr/>
           <p:nvPr/>
         </p:nvSpPr>
@@ -3377,7 +3713,7 @@
       </p:sp>
       <p:sp>
         <p:nvSpPr>
-          <p:cNvPr id="42" name="object 42"/>
+          <p:cNvPr id="46" name="object 46"/>
           <p:cNvSpPr/>
           <p:nvPr/>
         </p:nvSpPr>
@@ -3417,7 +3753,7 @@
       </p:sp>
       <p:sp>
         <p:nvSpPr>
-          <p:cNvPr id="43" name="object 43"/>
+          <p:cNvPr id="47" name="object 47"/>
           <p:cNvSpPr/>
           <p:nvPr/>
         </p:nvSpPr>
@@ -3457,7 +3793,7 @@
       </p:sp>
       <p:sp>
         <p:nvSpPr>
-          <p:cNvPr id="44" name="object 44"/>
+          <p:cNvPr id="48" name="object 48"/>
           <p:cNvSpPr/>
           <p:nvPr/>
         </p:nvSpPr>
@@ -3497,7 +3833,7 @@
       </p:sp>
       <p:sp>
         <p:nvSpPr>
-          <p:cNvPr id="45" name="object 45"/>
+          <p:cNvPr id="49" name="object 49"/>
           <p:cNvSpPr/>
           <p:nvPr/>
         </p:nvSpPr>
@@ -3537,7 +3873,7 @@
       </p:sp>
       <p:sp>
         <p:nvSpPr>
-          <p:cNvPr id="46" name="object 46"/>
+          <p:cNvPr id="50" name="object 50"/>
           <p:cNvSpPr txBox="1"/>
           <p:nvPr/>
         </p:nvSpPr>
@@ -3591,7 +3927,7 @@
       </p:sp>
       <p:sp>
         <p:nvSpPr>
-          <p:cNvPr id="47" name="object 47"/>
+          <p:cNvPr id="51" name="object 51"/>
           <p:cNvSpPr txBox="1"/>
           <p:nvPr/>
         </p:nvSpPr>
@@ -3645,7 +3981,7 @@
       </p:sp>
       <p:sp>
         <p:nvSpPr>
-          <p:cNvPr id="48" name="object 48"/>
+          <p:cNvPr id="52" name="object 52"/>
           <p:cNvSpPr txBox="1"/>
           <p:nvPr/>
         </p:nvSpPr>
@@ -3699,7 +4035,7 @@
       </p:sp>
       <p:sp>
         <p:nvSpPr>
-          <p:cNvPr id="49" name="object 49"/>
+          <p:cNvPr id="53" name="object 53"/>
           <p:cNvSpPr txBox="1"/>
           <p:nvPr/>
         </p:nvSpPr>
@@ -3753,7 +4089,7 @@
       </p:sp>
       <p:sp>
         <p:nvSpPr>
-          <p:cNvPr id="50" name="object 50"/>
+          <p:cNvPr id="54" name="object 54"/>
           <p:cNvSpPr txBox="1"/>
           <p:nvPr/>
         </p:nvSpPr>
@@ -3814,7 +4150,7 @@
       </p:sp>
       <p:sp>
         <p:nvSpPr>
-          <p:cNvPr id="51" name="object 51"/>
+          <p:cNvPr id="55" name="object 55"/>
           <p:cNvSpPr txBox="1"/>
           <p:nvPr/>
         </p:nvSpPr>
@@ -3875,7 +4211,7 @@
       </p:sp>
       <p:sp>
         <p:nvSpPr>
-          <p:cNvPr id="52" name="object 52"/>
+          <p:cNvPr id="56" name="object 56"/>
           <p:cNvSpPr/>
           <p:nvPr/>
         </p:nvSpPr>
@@ -3915,47 +4251,103 @@
       </p:sp>
       <p:sp>
         <p:nvSpPr>
-          <p:cNvPr id="53" name="object 53"/>
-          <p:cNvSpPr/>
-          <p:nvPr/>
-        </p:nvSpPr>
-        <p:spPr>
-          <a:xfrm>
-            <a:off x="884808" y="2931160"/>
-            <a:ext cx="575945" cy="0"/>
-          </a:xfrm>
-          <a:custGeom>
-            <a:avLst/>
-            <a:gdLst/>
-            <a:ahLst/>
-            <a:cxnLst/>
-            <a:rect l="l" t="t" r="r" b="b"/>
-            <a:pathLst>
-              <a:path w="575944" h="0">
-                <a:moveTo>
-                  <a:pt x="0" y="0"/>
-                </a:moveTo>
+          <p:cNvPr id="57" name="object 57"/>
+          <p:cNvSpPr/>
+          <p:nvPr/>
+        </p:nvSpPr>
+        <p:spPr>
+          <a:xfrm>
+            <a:off x="884808" y="2873755"/>
+            <a:ext cx="575945" cy="76200"/>
+          </a:xfrm>
+          <a:custGeom>
+            <a:avLst/>
+            <a:gdLst/>
+            <a:ahLst/>
+            <a:cxnLst/>
+            <a:rect l="l" t="t" r="r" b="b"/>
+            <a:pathLst>
+              <a:path w="575944" h="76200">
+                <a:moveTo>
+                  <a:pt x="0" y="75818"/>
+                </a:moveTo>
+                <a:lnTo>
+                  <a:pt x="575691" y="75818"/>
+                </a:lnTo>
                 <a:lnTo>
                   <a:pt x="575691" y="0"/>
                 </a:lnTo>
-              </a:path>
-            </a:pathLst>
-          </a:custGeom>
-          <a:ln w="28575">
-            <a:solidFill>
-              <a:srgbClr val="000000"/>
-            </a:solidFill>
-          </a:ln>
-        </p:spPr>
-        <p:txBody>
-          <a:bodyPr wrap="square" lIns="0" tIns="0" rIns="0" bIns="0" rtlCol="0"/>
-          <a:lstStyle/>
-          <a:p/>
-        </p:txBody>
-      </p:sp>
-      <p:sp>
-        <p:nvSpPr>
-          <p:cNvPr id="54" name="object 54"/>
+                <a:lnTo>
+                  <a:pt x="0" y="0"/>
+                </a:lnTo>
+                <a:lnTo>
+                  <a:pt x="0" y="75818"/>
+                </a:lnTo>
+                <a:close/>
+              </a:path>
+            </a:pathLst>
+          </a:custGeom>
+          <a:solidFill>
+            <a:srgbClr val="FFC0CB"/>
+          </a:solidFill>
+        </p:spPr>
+        <p:txBody>
+          <a:bodyPr wrap="square" lIns="0" tIns="0" rIns="0" bIns="0" rtlCol="0"/>
+          <a:lstStyle/>
+          <a:p/>
+        </p:txBody>
+      </p:sp>
+      <p:sp>
+        <p:nvSpPr>
+          <p:cNvPr id="58" name="object 58"/>
+          <p:cNvSpPr/>
+          <p:nvPr/>
+        </p:nvSpPr>
+        <p:spPr>
+          <a:xfrm>
+            <a:off x="884808" y="2916872"/>
+            <a:ext cx="575945" cy="28575"/>
+          </a:xfrm>
+          <a:custGeom>
+            <a:avLst/>
+            <a:gdLst/>
+            <a:ahLst/>
+            <a:cxnLst/>
+            <a:rect l="l" t="t" r="r" b="b"/>
+            <a:pathLst>
+              <a:path w="575944" h="28575">
+                <a:moveTo>
+                  <a:pt x="0" y="28574"/>
+                </a:moveTo>
+                <a:lnTo>
+                  <a:pt x="575691" y="28574"/>
+                </a:lnTo>
+                <a:lnTo>
+                  <a:pt x="575691" y="0"/>
+                </a:lnTo>
+                <a:lnTo>
+                  <a:pt x="0" y="0"/>
+                </a:lnTo>
+                <a:lnTo>
+                  <a:pt x="0" y="28574"/>
+                </a:lnTo>
+                <a:close/>
+              </a:path>
+            </a:pathLst>
+          </a:custGeom>
+          <a:solidFill>
+            <a:srgbClr val="000000"/>
+          </a:solidFill>
+        </p:spPr>
+        <p:txBody>
+          <a:bodyPr wrap="square" lIns="0" tIns="0" rIns="0" bIns="0" rtlCol="0"/>
+          <a:lstStyle/>
+          <a:p/>
+        </p:txBody>
+      </p:sp>
+      <p:sp>
+        <p:nvSpPr>
+          <p:cNvPr id="59" name="object 59"/>
           <p:cNvSpPr/>
           <p:nvPr/>
         </p:nvSpPr>
@@ -3996,7 +4388,7 @@
       </p:sp>
       <p:sp>
         <p:nvSpPr>
-          <p:cNvPr id="55" name="object 55"/>
+          <p:cNvPr id="60" name="object 60"/>
           <p:cNvSpPr/>
           <p:nvPr/>
         </p:nvSpPr>
@@ -4037,7 +4429,7 @@
       </p:sp>
       <p:sp>
         <p:nvSpPr>
-          <p:cNvPr id="56" name="object 56"/>
+          <p:cNvPr id="61" name="object 61"/>
           <p:cNvSpPr/>
           <p:nvPr/>
         </p:nvSpPr>
@@ -4077,7 +4469,7 @@
       </p:sp>
       <p:sp>
         <p:nvSpPr>
-          <p:cNvPr id="57" name="object 57"/>
+          <p:cNvPr id="62" name="object 62"/>
           <p:cNvSpPr/>
           <p:nvPr/>
         </p:nvSpPr>
@@ -4117,7 +4509,7 @@
       </p:sp>
       <p:sp>
         <p:nvSpPr>
-          <p:cNvPr id="58" name="object 58"/>
+          <p:cNvPr id="63" name="object 63"/>
           <p:cNvSpPr/>
           <p:nvPr/>
         </p:nvSpPr>
@@ -4166,47 +4558,103 @@
       </p:sp>
       <p:sp>
         <p:nvSpPr>
-          <p:cNvPr id="59" name="object 59"/>
-          <p:cNvSpPr/>
-          <p:nvPr/>
-        </p:nvSpPr>
-        <p:spPr>
-          <a:xfrm>
-            <a:off x="1604391" y="2841625"/>
-            <a:ext cx="575945" cy="0"/>
-          </a:xfrm>
-          <a:custGeom>
-            <a:avLst/>
-            <a:gdLst/>
-            <a:ahLst/>
-            <a:cxnLst/>
-            <a:rect l="l" t="t" r="r" b="b"/>
-            <a:pathLst>
-              <a:path w="575944" h="0">
-                <a:moveTo>
-                  <a:pt x="0" y="0"/>
-                </a:moveTo>
+          <p:cNvPr id="64" name="object 64"/>
+          <p:cNvSpPr/>
+          <p:nvPr/>
+        </p:nvSpPr>
+        <p:spPr>
+          <a:xfrm>
+            <a:off x="1604391" y="2788030"/>
+            <a:ext cx="575945" cy="104139"/>
+          </a:xfrm>
+          <a:custGeom>
+            <a:avLst/>
+            <a:gdLst/>
+            <a:ahLst/>
+            <a:cxnLst/>
+            <a:rect l="l" t="t" r="r" b="b"/>
+            <a:pathLst>
+              <a:path w="575944" h="104139">
+                <a:moveTo>
+                  <a:pt x="0" y="103885"/>
+                </a:moveTo>
+                <a:lnTo>
+                  <a:pt x="575817" y="103885"/>
+                </a:lnTo>
                 <a:lnTo>
                   <a:pt x="575817" y="0"/>
                 </a:lnTo>
-              </a:path>
-            </a:pathLst>
-          </a:custGeom>
-          <a:ln w="28575">
-            <a:solidFill>
-              <a:srgbClr val="000000"/>
-            </a:solidFill>
-          </a:ln>
-        </p:spPr>
-        <p:txBody>
-          <a:bodyPr wrap="square" lIns="0" tIns="0" rIns="0" bIns="0" rtlCol="0"/>
-          <a:lstStyle/>
-          <a:p/>
-        </p:txBody>
-      </p:sp>
-      <p:sp>
-        <p:nvSpPr>
-          <p:cNvPr id="60" name="object 60"/>
+                <a:lnTo>
+                  <a:pt x="0" y="0"/>
+                </a:lnTo>
+                <a:lnTo>
+                  <a:pt x="0" y="103885"/>
+                </a:lnTo>
+                <a:close/>
+              </a:path>
+            </a:pathLst>
+          </a:custGeom>
+          <a:solidFill>
+            <a:srgbClr val="FFC0CB"/>
+          </a:solidFill>
+        </p:spPr>
+        <p:txBody>
+          <a:bodyPr wrap="square" lIns="0" tIns="0" rIns="0" bIns="0" rtlCol="0"/>
+          <a:lstStyle/>
+          <a:p/>
+        </p:txBody>
+      </p:sp>
+      <p:sp>
+        <p:nvSpPr>
+          <p:cNvPr id="65" name="object 65"/>
+          <p:cNvSpPr/>
+          <p:nvPr/>
+        </p:nvSpPr>
+        <p:spPr>
+          <a:xfrm>
+            <a:off x="1604391" y="2827337"/>
+            <a:ext cx="575945" cy="28575"/>
+          </a:xfrm>
+          <a:custGeom>
+            <a:avLst/>
+            <a:gdLst/>
+            <a:ahLst/>
+            <a:cxnLst/>
+            <a:rect l="l" t="t" r="r" b="b"/>
+            <a:pathLst>
+              <a:path w="575944" h="28575">
+                <a:moveTo>
+                  <a:pt x="0" y="28575"/>
+                </a:moveTo>
+                <a:lnTo>
+                  <a:pt x="575817" y="28575"/>
+                </a:lnTo>
+                <a:lnTo>
+                  <a:pt x="575817" y="0"/>
+                </a:lnTo>
+                <a:lnTo>
+                  <a:pt x="0" y="0"/>
+                </a:lnTo>
+                <a:lnTo>
+                  <a:pt x="0" y="28575"/>
+                </a:lnTo>
+                <a:close/>
+              </a:path>
+            </a:pathLst>
+          </a:custGeom>
+          <a:solidFill>
+            <a:srgbClr val="000000"/>
+          </a:solidFill>
+        </p:spPr>
+        <p:txBody>
+          <a:bodyPr wrap="square" lIns="0" tIns="0" rIns="0" bIns="0" rtlCol="0"/>
+          <a:lstStyle/>
+          <a:p/>
+        </p:txBody>
+      </p:sp>
+      <p:sp>
+        <p:nvSpPr>
+          <p:cNvPr id="66" name="object 66"/>
           <p:cNvSpPr/>
           <p:nvPr/>
         </p:nvSpPr>
@@ -4247,7 +4695,7 @@
       </p:sp>
       <p:sp>
         <p:nvSpPr>
-          <p:cNvPr id="61" name="object 61"/>
+          <p:cNvPr id="67" name="object 67"/>
           <p:cNvSpPr/>
           <p:nvPr/>
         </p:nvSpPr>
@@ -4288,7 +4736,7 @@
       </p:sp>
       <p:sp>
         <p:nvSpPr>
-          <p:cNvPr id="62" name="object 62"/>
+          <p:cNvPr id="68" name="object 68"/>
           <p:cNvSpPr/>
           <p:nvPr/>
         </p:nvSpPr>
@@ -4328,7 +4776,7 @@
       </p:sp>
       <p:sp>
         <p:nvSpPr>
-          <p:cNvPr id="63" name="object 63"/>
+          <p:cNvPr id="69" name="object 69"/>
           <p:cNvSpPr/>
           <p:nvPr/>
         </p:nvSpPr>
@@ -4368,7 +4816,7 @@
       </p:sp>
       <p:sp>
         <p:nvSpPr>
-          <p:cNvPr id="64" name="object 64"/>
+          <p:cNvPr id="70" name="object 70"/>
           <p:cNvSpPr/>
           <p:nvPr/>
         </p:nvSpPr>
@@ -4417,7 +4865,7 @@
       </p:sp>
       <p:sp>
         <p:nvSpPr>
-          <p:cNvPr id="65" name="object 65"/>
+          <p:cNvPr id="71" name="object 71"/>
           <p:cNvSpPr txBox="1"/>
           <p:nvPr/>
         </p:nvSpPr>
@@ -4460,47 +4908,103 @@
       </p:sp>
       <p:sp>
         <p:nvSpPr>
-          <p:cNvPr id="66" name="object 66"/>
-          <p:cNvSpPr/>
-          <p:nvPr/>
-        </p:nvSpPr>
-        <p:spPr>
-          <a:xfrm>
-            <a:off x="2324100" y="2894202"/>
-            <a:ext cx="575945" cy="0"/>
-          </a:xfrm>
-          <a:custGeom>
-            <a:avLst/>
-            <a:gdLst/>
-            <a:ahLst/>
-            <a:cxnLst/>
-            <a:rect l="l" t="t" r="r" b="b"/>
-            <a:pathLst>
-              <a:path w="575944" h="0">
-                <a:moveTo>
-                  <a:pt x="0" y="0"/>
-                </a:moveTo>
+          <p:cNvPr id="72" name="object 72"/>
+          <p:cNvSpPr/>
+          <p:nvPr/>
+        </p:nvSpPr>
+        <p:spPr>
+          <a:xfrm>
+            <a:off x="2324100" y="2872232"/>
+            <a:ext cx="575945" cy="38735"/>
+          </a:xfrm>
+          <a:custGeom>
+            <a:avLst/>
+            <a:gdLst/>
+            <a:ahLst/>
+            <a:cxnLst/>
+            <a:rect l="l" t="t" r="r" b="b"/>
+            <a:pathLst>
+              <a:path w="575944" h="38735">
+                <a:moveTo>
+                  <a:pt x="0" y="38226"/>
+                </a:moveTo>
+                <a:lnTo>
+                  <a:pt x="575691" y="38226"/>
+                </a:lnTo>
                 <a:lnTo>
                   <a:pt x="575691" y="0"/>
                 </a:lnTo>
-              </a:path>
-            </a:pathLst>
-          </a:custGeom>
-          <a:ln w="28575">
-            <a:solidFill>
-              <a:srgbClr val="000000"/>
-            </a:solidFill>
-          </a:ln>
-        </p:spPr>
-        <p:txBody>
-          <a:bodyPr wrap="square" lIns="0" tIns="0" rIns="0" bIns="0" rtlCol="0"/>
-          <a:lstStyle/>
-          <a:p/>
-        </p:txBody>
-      </p:sp>
-      <p:sp>
-        <p:nvSpPr>
-          <p:cNvPr id="67" name="object 67"/>
+                <a:lnTo>
+                  <a:pt x="0" y="0"/>
+                </a:lnTo>
+                <a:lnTo>
+                  <a:pt x="0" y="38226"/>
+                </a:lnTo>
+                <a:close/>
+              </a:path>
+            </a:pathLst>
+          </a:custGeom>
+          <a:solidFill>
+            <a:srgbClr val="EED5B7"/>
+          </a:solidFill>
+        </p:spPr>
+        <p:txBody>
+          <a:bodyPr wrap="square" lIns="0" tIns="0" rIns="0" bIns="0" rtlCol="0"/>
+          <a:lstStyle/>
+          <a:p/>
+        </p:txBody>
+      </p:sp>
+      <p:sp>
+        <p:nvSpPr>
+          <p:cNvPr id="73" name="object 73"/>
+          <p:cNvSpPr/>
+          <p:nvPr/>
+        </p:nvSpPr>
+        <p:spPr>
+          <a:xfrm>
+            <a:off x="2324100" y="2879915"/>
+            <a:ext cx="575945" cy="28575"/>
+          </a:xfrm>
+          <a:custGeom>
+            <a:avLst/>
+            <a:gdLst/>
+            <a:ahLst/>
+            <a:cxnLst/>
+            <a:rect l="l" t="t" r="r" b="b"/>
+            <a:pathLst>
+              <a:path w="575944" h="28575">
+                <a:moveTo>
+                  <a:pt x="0" y="28575"/>
+                </a:moveTo>
+                <a:lnTo>
+                  <a:pt x="575691" y="28575"/>
+                </a:lnTo>
+                <a:lnTo>
+                  <a:pt x="575691" y="0"/>
+                </a:lnTo>
+                <a:lnTo>
+                  <a:pt x="0" y="0"/>
+                </a:lnTo>
+                <a:lnTo>
+                  <a:pt x="0" y="28575"/>
+                </a:lnTo>
+                <a:close/>
+              </a:path>
+            </a:pathLst>
+          </a:custGeom>
+          <a:solidFill>
+            <a:srgbClr val="000000"/>
+          </a:solidFill>
+        </p:spPr>
+        <p:txBody>
+          <a:bodyPr wrap="square" lIns="0" tIns="0" rIns="0" bIns="0" rtlCol="0"/>
+          <a:lstStyle/>
+          <a:p/>
+        </p:txBody>
+      </p:sp>
+      <p:sp>
+        <p:nvSpPr>
+          <p:cNvPr id="74" name="object 74"/>
           <p:cNvSpPr/>
           <p:nvPr/>
         </p:nvSpPr>
@@ -4541,7 +5045,7 @@
       </p:sp>
       <p:sp>
         <p:nvSpPr>
-          <p:cNvPr id="68" name="object 68"/>
+          <p:cNvPr id="75" name="object 75"/>
           <p:cNvSpPr/>
           <p:nvPr/>
         </p:nvSpPr>
@@ -4582,7 +5086,7 @@
       </p:sp>
       <p:sp>
         <p:nvSpPr>
-          <p:cNvPr id="69" name="object 69"/>
+          <p:cNvPr id="76" name="object 76"/>
           <p:cNvSpPr/>
           <p:nvPr/>
         </p:nvSpPr>
@@ -4622,7 +5126,7 @@
       </p:sp>
       <p:sp>
         <p:nvSpPr>
-          <p:cNvPr id="70" name="object 70"/>
+          <p:cNvPr id="77" name="object 77"/>
           <p:cNvSpPr/>
           <p:nvPr/>
         </p:nvSpPr>
@@ -4662,7 +5166,7 @@
       </p:sp>
       <p:sp>
         <p:nvSpPr>
-          <p:cNvPr id="71" name="object 71"/>
+          <p:cNvPr id="78" name="object 78"/>
           <p:cNvSpPr/>
           <p:nvPr/>
         </p:nvSpPr>
@@ -4711,47 +5215,103 @@
       </p:sp>
       <p:sp>
         <p:nvSpPr>
-          <p:cNvPr id="72" name="object 72"/>
-          <p:cNvSpPr/>
-          <p:nvPr/>
-        </p:nvSpPr>
-        <p:spPr>
-          <a:xfrm>
-            <a:off x="3043808" y="3100070"/>
-            <a:ext cx="575945" cy="0"/>
-          </a:xfrm>
-          <a:custGeom>
-            <a:avLst/>
-            <a:gdLst/>
-            <a:ahLst/>
-            <a:cxnLst/>
-            <a:rect l="l" t="t" r="r" b="b"/>
-            <a:pathLst>
-              <a:path w="575945" h="0">
-                <a:moveTo>
-                  <a:pt x="0" y="0"/>
-                </a:moveTo>
+          <p:cNvPr id="79" name="object 79"/>
+          <p:cNvSpPr/>
+          <p:nvPr/>
+        </p:nvSpPr>
+        <p:spPr>
+          <a:xfrm>
+            <a:off x="3043808" y="2978530"/>
+            <a:ext cx="575945" cy="184785"/>
+          </a:xfrm>
+          <a:custGeom>
+            <a:avLst/>
+            <a:gdLst/>
+            <a:ahLst/>
+            <a:cxnLst/>
+            <a:rect l="l" t="t" r="r" b="b"/>
+            <a:pathLst>
+              <a:path w="575945" h="184785">
+                <a:moveTo>
+                  <a:pt x="0" y="184531"/>
+                </a:moveTo>
+                <a:lnTo>
+                  <a:pt x="575691" y="184531"/>
+                </a:lnTo>
                 <a:lnTo>
                   <a:pt x="575691" y="0"/>
                 </a:lnTo>
-              </a:path>
-            </a:pathLst>
-          </a:custGeom>
-          <a:ln w="28575">
-            <a:solidFill>
-              <a:srgbClr val="000000"/>
-            </a:solidFill>
-          </a:ln>
-        </p:spPr>
-        <p:txBody>
-          <a:bodyPr wrap="square" lIns="0" tIns="0" rIns="0" bIns="0" rtlCol="0"/>
-          <a:lstStyle/>
-          <a:p/>
-        </p:txBody>
-      </p:sp>
-      <p:sp>
-        <p:nvSpPr>
-          <p:cNvPr id="73" name="object 73"/>
+                <a:lnTo>
+                  <a:pt x="0" y="0"/>
+                </a:lnTo>
+                <a:lnTo>
+                  <a:pt x="0" y="184531"/>
+                </a:lnTo>
+                <a:close/>
+              </a:path>
+            </a:pathLst>
+          </a:custGeom>
+          <a:solidFill>
+            <a:srgbClr val="EED5B7"/>
+          </a:solidFill>
+        </p:spPr>
+        <p:txBody>
+          <a:bodyPr wrap="square" lIns="0" tIns="0" rIns="0" bIns="0" rtlCol="0"/>
+          <a:lstStyle/>
+          <a:p/>
+        </p:txBody>
+      </p:sp>
+      <p:sp>
+        <p:nvSpPr>
+          <p:cNvPr id="80" name="object 80"/>
+          <p:cNvSpPr/>
+          <p:nvPr/>
+        </p:nvSpPr>
+        <p:spPr>
+          <a:xfrm>
+            <a:off x="3043808" y="3085782"/>
+            <a:ext cx="575945" cy="28575"/>
+          </a:xfrm>
+          <a:custGeom>
+            <a:avLst/>
+            <a:gdLst/>
+            <a:ahLst/>
+            <a:cxnLst/>
+            <a:rect l="l" t="t" r="r" b="b"/>
+            <a:pathLst>
+              <a:path w="575945" h="28575">
+                <a:moveTo>
+                  <a:pt x="0" y="28575"/>
+                </a:moveTo>
+                <a:lnTo>
+                  <a:pt x="575691" y="28575"/>
+                </a:lnTo>
+                <a:lnTo>
+                  <a:pt x="575691" y="0"/>
+                </a:lnTo>
+                <a:lnTo>
+                  <a:pt x="0" y="0"/>
+                </a:lnTo>
+                <a:lnTo>
+                  <a:pt x="0" y="28575"/>
+                </a:lnTo>
+                <a:close/>
+              </a:path>
+            </a:pathLst>
+          </a:custGeom>
+          <a:solidFill>
+            <a:srgbClr val="000000"/>
+          </a:solidFill>
+        </p:spPr>
+        <p:txBody>
+          <a:bodyPr wrap="square" lIns="0" tIns="0" rIns="0" bIns="0" rtlCol="0"/>
+          <a:lstStyle/>
+          <a:p/>
+        </p:txBody>
+      </p:sp>
+      <p:sp>
+        <p:nvSpPr>
+          <p:cNvPr id="81" name="object 81"/>
           <p:cNvSpPr/>
           <p:nvPr/>
         </p:nvSpPr>
@@ -4792,7 +5352,7 @@
       </p:sp>
       <p:sp>
         <p:nvSpPr>
-          <p:cNvPr id="74" name="object 74"/>
+          <p:cNvPr id="82" name="object 82"/>
           <p:cNvSpPr/>
           <p:nvPr/>
         </p:nvSpPr>
@@ -4833,7 +5393,7 @@
       </p:sp>
       <p:sp>
         <p:nvSpPr>
-          <p:cNvPr id="75" name="object 75"/>
+          <p:cNvPr id="83" name="object 83"/>
           <p:cNvSpPr/>
           <p:nvPr/>
         </p:nvSpPr>
@@ -4873,7 +5433,7 @@
       </p:sp>
       <p:sp>
         <p:nvSpPr>
-          <p:cNvPr id="76" name="object 76"/>
+          <p:cNvPr id="84" name="object 84"/>
           <p:cNvSpPr/>
           <p:nvPr/>
         </p:nvSpPr>
@@ -4913,7 +5473,7 @@
       </p:sp>
       <p:sp>
         <p:nvSpPr>
-          <p:cNvPr id="77" name="object 77"/>
+          <p:cNvPr id="85" name="object 85"/>
           <p:cNvSpPr/>
           <p:nvPr/>
         </p:nvSpPr>
@@ -4962,47 +5522,103 @@
       </p:sp>
       <p:sp>
         <p:nvSpPr>
-          <p:cNvPr id="78" name="object 78"/>
-          <p:cNvSpPr/>
-          <p:nvPr/>
-        </p:nvSpPr>
-        <p:spPr>
-          <a:xfrm>
-            <a:off x="3763390" y="2997835"/>
-            <a:ext cx="575945" cy="0"/>
-          </a:xfrm>
-          <a:custGeom>
-            <a:avLst/>
-            <a:gdLst/>
-            <a:ahLst/>
-            <a:cxnLst/>
-            <a:rect l="l" t="t" r="r" b="b"/>
-            <a:pathLst>
-              <a:path w="575945" h="0">
-                <a:moveTo>
-                  <a:pt x="0" y="0"/>
-                </a:moveTo>
+          <p:cNvPr id="86" name="object 86"/>
+          <p:cNvSpPr/>
+          <p:nvPr/>
+        </p:nvSpPr>
+        <p:spPr>
+          <a:xfrm>
+            <a:off x="3763390" y="2969260"/>
+            <a:ext cx="575945" cy="34925"/>
+          </a:xfrm>
+          <a:custGeom>
+            <a:avLst/>
+            <a:gdLst/>
+            <a:ahLst/>
+            <a:cxnLst/>
+            <a:rect l="l" t="t" r="r" b="b"/>
+            <a:pathLst>
+              <a:path w="575945" h="34925">
+                <a:moveTo>
+                  <a:pt x="0" y="34543"/>
+                </a:moveTo>
+                <a:lnTo>
+                  <a:pt x="575818" y="34543"/>
+                </a:lnTo>
                 <a:lnTo>
                   <a:pt x="575818" y="0"/>
                 </a:lnTo>
-              </a:path>
-            </a:pathLst>
-          </a:custGeom>
-          <a:ln w="28575">
-            <a:solidFill>
-              <a:srgbClr val="000000"/>
-            </a:solidFill>
-          </a:ln>
-        </p:spPr>
-        <p:txBody>
-          <a:bodyPr wrap="square" lIns="0" tIns="0" rIns="0" bIns="0" rtlCol="0"/>
-          <a:lstStyle/>
-          <a:p/>
-        </p:txBody>
-      </p:sp>
-      <p:sp>
-        <p:nvSpPr>
-          <p:cNvPr id="79" name="object 79"/>
+                <a:lnTo>
+                  <a:pt x="0" y="0"/>
+                </a:lnTo>
+                <a:lnTo>
+                  <a:pt x="0" y="34543"/>
+                </a:lnTo>
+                <a:close/>
+              </a:path>
+            </a:pathLst>
+          </a:custGeom>
+          <a:solidFill>
+            <a:srgbClr val="6495ED"/>
+          </a:solidFill>
+        </p:spPr>
+        <p:txBody>
+          <a:bodyPr wrap="square" lIns="0" tIns="0" rIns="0" bIns="0" rtlCol="0"/>
+          <a:lstStyle/>
+          <a:p/>
+        </p:txBody>
+      </p:sp>
+      <p:sp>
+        <p:nvSpPr>
+          <p:cNvPr id="87" name="object 87"/>
+          <p:cNvSpPr/>
+          <p:nvPr/>
+        </p:nvSpPr>
+        <p:spPr>
+          <a:xfrm>
+            <a:off x="3763390" y="2983547"/>
+            <a:ext cx="575945" cy="28575"/>
+          </a:xfrm>
+          <a:custGeom>
+            <a:avLst/>
+            <a:gdLst/>
+            <a:ahLst/>
+            <a:cxnLst/>
+            <a:rect l="l" t="t" r="r" b="b"/>
+            <a:pathLst>
+              <a:path w="575945" h="28575">
+                <a:moveTo>
+                  <a:pt x="0" y="28574"/>
+                </a:moveTo>
+                <a:lnTo>
+                  <a:pt x="575818" y="28574"/>
+                </a:lnTo>
+                <a:lnTo>
+                  <a:pt x="575818" y="0"/>
+                </a:lnTo>
+                <a:lnTo>
+                  <a:pt x="0" y="0"/>
+                </a:lnTo>
+                <a:lnTo>
+                  <a:pt x="0" y="28574"/>
+                </a:lnTo>
+                <a:close/>
+              </a:path>
+            </a:pathLst>
+          </a:custGeom>
+          <a:solidFill>
+            <a:srgbClr val="000000"/>
+          </a:solidFill>
+        </p:spPr>
+        <p:txBody>
+          <a:bodyPr wrap="square" lIns="0" tIns="0" rIns="0" bIns="0" rtlCol="0"/>
+          <a:lstStyle/>
+          <a:p/>
+        </p:txBody>
+      </p:sp>
+      <p:sp>
+        <p:nvSpPr>
+          <p:cNvPr id="88" name="object 88"/>
           <p:cNvSpPr/>
           <p:nvPr/>
         </p:nvSpPr>
@@ -5043,7 +5659,7 @@
       </p:sp>
       <p:sp>
         <p:nvSpPr>
-          <p:cNvPr id="80" name="object 80"/>
+          <p:cNvPr id="89" name="object 89"/>
           <p:cNvSpPr/>
           <p:nvPr/>
         </p:nvSpPr>
@@ -5084,7 +5700,7 @@
       </p:sp>
       <p:sp>
         <p:nvSpPr>
-          <p:cNvPr id="81" name="object 81"/>
+          <p:cNvPr id="90" name="object 90"/>
           <p:cNvSpPr/>
           <p:nvPr/>
         </p:nvSpPr>
@@ -5124,7 +5740,7 @@
       </p:sp>
       <p:sp>
         <p:nvSpPr>
-          <p:cNvPr id="82" name="object 82"/>
+          <p:cNvPr id="91" name="object 91"/>
           <p:cNvSpPr/>
           <p:nvPr/>
         </p:nvSpPr>
@@ -5164,7 +5780,7 @@
       </p:sp>
       <p:sp>
         <p:nvSpPr>
-          <p:cNvPr id="83" name="object 83"/>
+          <p:cNvPr id="92" name="object 92"/>
           <p:cNvSpPr/>
           <p:nvPr/>
         </p:nvSpPr>
@@ -5213,7 +5829,7 @@
       </p:sp>
       <p:sp>
         <p:nvSpPr>
-          <p:cNvPr id="84" name="object 84"/>
+          <p:cNvPr id="93" name="object 93"/>
           <p:cNvSpPr txBox="1"/>
           <p:nvPr/>
         </p:nvSpPr>
@@ -5256,47 +5872,103 @@
       </p:sp>
       <p:sp>
         <p:nvSpPr>
-          <p:cNvPr id="85" name="object 85"/>
-          <p:cNvSpPr/>
-          <p:nvPr/>
-        </p:nvSpPr>
-        <p:spPr>
-          <a:xfrm>
-            <a:off x="4483100" y="2930398"/>
-            <a:ext cx="575945" cy="0"/>
-          </a:xfrm>
-          <a:custGeom>
-            <a:avLst/>
-            <a:gdLst/>
-            <a:ahLst/>
-            <a:cxnLst/>
-            <a:rect l="l" t="t" r="r" b="b"/>
-            <a:pathLst>
-              <a:path w="575945" h="0">
-                <a:moveTo>
-                  <a:pt x="0" y="0"/>
-                </a:moveTo>
+          <p:cNvPr id="94" name="object 94"/>
+          <p:cNvSpPr/>
+          <p:nvPr/>
+        </p:nvSpPr>
+        <p:spPr>
+          <a:xfrm>
+            <a:off x="4483100" y="2788285"/>
+            <a:ext cx="575945" cy="194310"/>
+          </a:xfrm>
+          <a:custGeom>
+            <a:avLst/>
+            <a:gdLst/>
+            <a:ahLst/>
+            <a:cxnLst/>
+            <a:rect l="l" t="t" r="r" b="b"/>
+            <a:pathLst>
+              <a:path w="575945" h="194310">
+                <a:moveTo>
+                  <a:pt x="0" y="193801"/>
+                </a:moveTo>
+                <a:lnTo>
+                  <a:pt x="575690" y="193801"/>
+                </a:lnTo>
                 <a:lnTo>
                   <a:pt x="575690" y="0"/>
                 </a:lnTo>
-              </a:path>
-            </a:pathLst>
-          </a:custGeom>
-          <a:ln w="28575">
-            <a:solidFill>
-              <a:srgbClr val="000000"/>
-            </a:solidFill>
-          </a:ln>
-        </p:spPr>
-        <p:txBody>
-          <a:bodyPr wrap="square" lIns="0" tIns="0" rIns="0" bIns="0" rtlCol="0"/>
-          <a:lstStyle/>
-          <a:p/>
-        </p:txBody>
-      </p:sp>
-      <p:sp>
-        <p:nvSpPr>
-          <p:cNvPr id="86" name="object 86"/>
+                <a:lnTo>
+                  <a:pt x="0" y="0"/>
+                </a:lnTo>
+                <a:lnTo>
+                  <a:pt x="0" y="193801"/>
+                </a:lnTo>
+                <a:close/>
+              </a:path>
+            </a:pathLst>
+          </a:custGeom>
+          <a:solidFill>
+            <a:srgbClr val="6495ED"/>
+          </a:solidFill>
+        </p:spPr>
+        <p:txBody>
+          <a:bodyPr wrap="square" lIns="0" tIns="0" rIns="0" bIns="0" rtlCol="0"/>
+          <a:lstStyle/>
+          <a:p/>
+        </p:txBody>
+      </p:sp>
+      <p:sp>
+        <p:nvSpPr>
+          <p:cNvPr id="95" name="object 95"/>
+          <p:cNvSpPr/>
+          <p:nvPr/>
+        </p:nvSpPr>
+        <p:spPr>
+          <a:xfrm>
+            <a:off x="4483100" y="2916110"/>
+            <a:ext cx="575945" cy="28575"/>
+          </a:xfrm>
+          <a:custGeom>
+            <a:avLst/>
+            <a:gdLst/>
+            <a:ahLst/>
+            <a:cxnLst/>
+            <a:rect l="l" t="t" r="r" b="b"/>
+            <a:pathLst>
+              <a:path w="575945" h="28575">
+                <a:moveTo>
+                  <a:pt x="0" y="28574"/>
+                </a:moveTo>
+                <a:lnTo>
+                  <a:pt x="575690" y="28574"/>
+                </a:lnTo>
+                <a:lnTo>
+                  <a:pt x="575690" y="0"/>
+                </a:lnTo>
+                <a:lnTo>
+                  <a:pt x="0" y="0"/>
+                </a:lnTo>
+                <a:lnTo>
+                  <a:pt x="0" y="28574"/>
+                </a:lnTo>
+                <a:close/>
+              </a:path>
+            </a:pathLst>
+          </a:custGeom>
+          <a:solidFill>
+            <a:srgbClr val="000000"/>
+          </a:solidFill>
+        </p:spPr>
+        <p:txBody>
+          <a:bodyPr wrap="square" lIns="0" tIns="0" rIns="0" bIns="0" rtlCol="0"/>
+          <a:lstStyle/>
+          <a:p/>
+        </p:txBody>
+      </p:sp>
+      <p:sp>
+        <p:nvSpPr>
+          <p:cNvPr id="96" name="object 96"/>
           <p:cNvSpPr/>
           <p:nvPr/>
         </p:nvSpPr>
@@ -5337,7 +6009,7 @@
       </p:sp>
       <p:sp>
         <p:nvSpPr>
-          <p:cNvPr id="87" name="object 87"/>
+          <p:cNvPr id="97" name="object 97"/>
           <p:cNvSpPr/>
           <p:nvPr/>
         </p:nvSpPr>
@@ -5378,7 +6050,7 @@
       </p:sp>
       <p:sp>
         <p:nvSpPr>
-          <p:cNvPr id="88" name="object 88"/>
+          <p:cNvPr id="98" name="object 98"/>
           <p:cNvSpPr/>
           <p:nvPr/>
         </p:nvSpPr>
@@ -5418,7 +6090,7 @@
       </p:sp>
       <p:sp>
         <p:nvSpPr>
-          <p:cNvPr id="89" name="object 89"/>
+          <p:cNvPr id="99" name="object 99"/>
           <p:cNvSpPr/>
           <p:nvPr/>
         </p:nvSpPr>
@@ -5458,7 +6130,7 @@
       </p:sp>
       <p:sp>
         <p:nvSpPr>
-          <p:cNvPr id="90" name="object 90"/>
+          <p:cNvPr id="100" name="object 100"/>
           <p:cNvSpPr/>
           <p:nvPr/>
         </p:nvSpPr>
@@ -5507,7 +6179,7 @@
       </p:sp>
       <p:sp>
         <p:nvSpPr>
-          <p:cNvPr id="91" name="object 91"/>
+          <p:cNvPr id="101" name="object 101"/>
           <p:cNvSpPr/>
           <p:nvPr/>
         </p:nvSpPr>
@@ -5547,7 +6219,7 @@
       </p:sp>
       <p:sp>
         <p:nvSpPr>
-          <p:cNvPr id="92" name="object 92"/>
+          <p:cNvPr id="102" name="object 102"/>
           <p:cNvSpPr/>
           <p:nvPr/>
         </p:nvSpPr>
@@ -5587,7 +6259,7 @@
       </p:sp>
       <p:sp>
         <p:nvSpPr>
-          <p:cNvPr id="93" name="object 93"/>
+          <p:cNvPr id="103" name="object 103"/>
           <p:cNvSpPr/>
           <p:nvPr/>
         </p:nvSpPr>
@@ -5627,7 +6299,7 @@
       </p:sp>
       <p:sp>
         <p:nvSpPr>
-          <p:cNvPr id="94" name="object 94"/>
+          <p:cNvPr id="104" name="object 104"/>
           <p:cNvSpPr/>
           <p:nvPr/>
         </p:nvSpPr>
@@ -5667,7 +6339,7 @@
       </p:sp>
       <p:sp>
         <p:nvSpPr>
-          <p:cNvPr id="95" name="object 95"/>
+          <p:cNvPr id="105" name="object 105"/>
           <p:cNvSpPr/>
           <p:nvPr/>
         </p:nvSpPr>
@@ -5707,7 +6379,7 @@
       </p:sp>
       <p:sp>
         <p:nvSpPr>
-          <p:cNvPr id="96" name="object 96"/>
+          <p:cNvPr id="106" name="object 106"/>
           <p:cNvSpPr/>
           <p:nvPr/>
         </p:nvSpPr>
@@ -5747,7 +6419,7 @@
       </p:sp>
       <p:sp>
         <p:nvSpPr>
-          <p:cNvPr id="97" name="object 97"/>
+          <p:cNvPr id="107" name="object 107"/>
           <p:cNvSpPr txBox="1"/>
           <p:nvPr/>
         </p:nvSpPr>
@@ -5787,7 +6459,7 @@
       </p:sp>
       <p:sp>
         <p:nvSpPr>
-          <p:cNvPr id="98" name="object 98"/>
+          <p:cNvPr id="108" name="object 108"/>
           <p:cNvSpPr txBox="1"/>
           <p:nvPr/>
         </p:nvSpPr>
@@ -5827,7 +6499,7 @@
       </p:sp>
       <p:sp>
         <p:nvSpPr>
-          <p:cNvPr id="99" name="object 99"/>
+          <p:cNvPr id="109" name="object 109"/>
           <p:cNvSpPr/>
           <p:nvPr/>
         </p:nvSpPr>
@@ -5876,7 +6548,7 @@
       </p:sp>
       <p:sp>
         <p:nvSpPr>
-          <p:cNvPr id="100" name="object 100"/>
+          <p:cNvPr id="110" name="object 110"/>
           <p:cNvSpPr txBox="1"/>
           <p:nvPr/>
         </p:nvSpPr>
@@ -5933,7 +6605,7 @@
       </p:sp>
       <p:sp>
         <p:nvSpPr>
-          <p:cNvPr id="101" name="object 101"/>
+          <p:cNvPr id="111" name="object 111"/>
           <p:cNvSpPr txBox="1"/>
           <p:nvPr/>
         </p:nvSpPr>
@@ -5994,7 +6666,7 @@
       </p:sp>
       <p:sp>
         <p:nvSpPr>
-          <p:cNvPr id="102" name="object 102"/>
+          <p:cNvPr id="112" name="object 112"/>
           <p:cNvSpPr/>
           <p:nvPr/>
         </p:nvSpPr>
@@ -6034,7 +6706,7 @@
       </p:sp>
       <p:sp>
         <p:nvSpPr>
-          <p:cNvPr id="103" name="object 103"/>
+          <p:cNvPr id="113" name="object 113"/>
           <p:cNvSpPr/>
           <p:nvPr/>
         </p:nvSpPr>
@@ -6074,7 +6746,7 @@
       </p:sp>
       <p:sp>
         <p:nvSpPr>
-          <p:cNvPr id="104" name="object 104"/>
+          <p:cNvPr id="114" name="object 114"/>
           <p:cNvSpPr/>
           <p:nvPr/>
         </p:nvSpPr>
@@ -6114,7 +6786,7 @@
       </p:sp>
       <p:sp>
         <p:nvSpPr>
-          <p:cNvPr id="105" name="object 105"/>
+          <p:cNvPr id="115" name="object 115"/>
           <p:cNvSpPr/>
           <p:nvPr/>
         </p:nvSpPr>
@@ -6154,7 +6826,7 @@
       </p:sp>
       <p:sp>
         <p:nvSpPr>
-          <p:cNvPr id="106" name="object 106"/>
+          <p:cNvPr id="116" name="object 116"/>
           <p:cNvSpPr/>
           <p:nvPr/>
         </p:nvSpPr>
@@ -6194,7 +6866,7 @@
       </p:sp>
       <p:sp>
         <p:nvSpPr>
-          <p:cNvPr id="107" name="object 107"/>
+          <p:cNvPr id="117" name="object 117"/>
           <p:cNvSpPr/>
           <p:nvPr/>
         </p:nvSpPr>
@@ -6234,7 +6906,7 @@
       </p:sp>
       <p:sp>
         <p:nvSpPr>
-          <p:cNvPr id="108" name="object 108"/>
+          <p:cNvPr id="118" name="object 118"/>
           <p:cNvSpPr/>
           <p:nvPr/>
         </p:nvSpPr>
@@ -6274,7 +6946,7 @@
       </p:sp>
       <p:sp>
         <p:nvSpPr>
-          <p:cNvPr id="109" name="object 109"/>
+          <p:cNvPr id="119" name="object 119"/>
           <p:cNvSpPr txBox="1"/>
           <p:nvPr/>
         </p:nvSpPr>
@@ -6328,7 +7000,7 @@
       </p:sp>
       <p:sp>
         <p:nvSpPr>
-          <p:cNvPr id="110" name="object 110"/>
+          <p:cNvPr id="120" name="object 120"/>
           <p:cNvSpPr txBox="1"/>
           <p:nvPr/>
         </p:nvSpPr>
@@ -6382,7 +7054,7 @@
       </p:sp>
       <p:sp>
         <p:nvSpPr>
-          <p:cNvPr id="111" name="object 111"/>
+          <p:cNvPr id="121" name="object 121"/>
           <p:cNvSpPr txBox="1"/>
           <p:nvPr/>
         </p:nvSpPr>
@@ -6436,7 +7108,7 @@
       </p:sp>
       <p:sp>
         <p:nvSpPr>
-          <p:cNvPr id="112" name="object 112"/>
+          <p:cNvPr id="122" name="object 122"/>
           <p:cNvSpPr txBox="1"/>
           <p:nvPr/>
         </p:nvSpPr>
@@ -6490,7 +7162,7 @@
       </p:sp>
       <p:sp>
         <p:nvSpPr>
-          <p:cNvPr id="113" name="object 113"/>
+          <p:cNvPr id="123" name="object 123"/>
           <p:cNvSpPr txBox="1"/>
           <p:nvPr/>
         </p:nvSpPr>
@@ -6551,7 +7223,7 @@
       </p:sp>
       <p:sp>
         <p:nvSpPr>
-          <p:cNvPr id="114" name="object 114"/>
+          <p:cNvPr id="124" name="object 124"/>
           <p:cNvSpPr txBox="1"/>
           <p:nvPr/>
         </p:nvSpPr>
@@ -6612,7 +7284,7 @@
       </p:sp>
       <p:sp>
         <p:nvSpPr>
-          <p:cNvPr id="115" name="object 115"/>
+          <p:cNvPr id="125" name="object 125"/>
           <p:cNvSpPr/>
           <p:nvPr/>
         </p:nvSpPr>
